--- a/Administration MYSQL.pptx
+++ b/Administration MYSQL.pptx
@@ -6,7 +6,7 @@
     <p:sldMasterId id="2147483650" r:id="rId2"/>
   </p:sldMasterIdLst>
   <p:notesMasterIdLst>
-    <p:notesMasterId r:id="rId24"/>
+    <p:notesMasterId r:id="rId48"/>
   </p:notesMasterIdLst>
   <p:sldIdLst>
     <p:sldId id="256" r:id="rId3"/>
@@ -30,23 +30,47 @@
     <p:sldId id="298" r:id="rId21"/>
     <p:sldId id="299" r:id="rId22"/>
     <p:sldId id="285" r:id="rId23"/>
+    <p:sldId id="310" r:id="rId24"/>
+    <p:sldId id="314" r:id="rId25"/>
+    <p:sldId id="313" r:id="rId26"/>
+    <p:sldId id="315" r:id="rId27"/>
+    <p:sldId id="312" r:id="rId28"/>
+    <p:sldId id="311" r:id="rId29"/>
+    <p:sldId id="316" r:id="rId30"/>
+    <p:sldId id="302" r:id="rId31"/>
+    <p:sldId id="309" r:id="rId32"/>
+    <p:sldId id="304" r:id="rId33"/>
+    <p:sldId id="305" r:id="rId34"/>
+    <p:sldId id="306" r:id="rId35"/>
+    <p:sldId id="307" r:id="rId36"/>
+    <p:sldId id="308" r:id="rId37"/>
+    <p:sldId id="318" r:id="rId38"/>
+    <p:sldId id="319" r:id="rId39"/>
+    <p:sldId id="320" r:id="rId40"/>
+    <p:sldId id="321" r:id="rId41"/>
+    <p:sldId id="322" r:id="rId42"/>
+    <p:sldId id="323" r:id="rId43"/>
+    <p:sldId id="324" r:id="rId44"/>
+    <p:sldId id="325" r:id="rId45"/>
+    <p:sldId id="303" r:id="rId46"/>
+    <p:sldId id="317" r:id="rId47"/>
   </p:sldIdLst>
   <p:sldSz cx="9144000" cy="6858000" type="screen4x3"/>
   <p:notesSz cx="6858000" cy="9144000"/>
   <p:embeddedFontLst>
     <p:embeddedFont>
       <p:font typeface="Calibri" panose="020F0502020204030204" pitchFamily="34" charset="0"/>
-      <p:regular r:id="rId25"/>
-      <p:bold r:id="rId26"/>
-      <p:italic r:id="rId27"/>
-      <p:boldItalic r:id="rId28"/>
+      <p:regular r:id="rId49"/>
+      <p:bold r:id="rId50"/>
+      <p:italic r:id="rId51"/>
+      <p:boldItalic r:id="rId52"/>
     </p:embeddedFont>
     <p:embeddedFont>
       <p:font typeface="Consolas" panose="020B0609020204030204" pitchFamily="49" charset="0"/>
-      <p:regular r:id="rId29"/>
-      <p:bold r:id="rId30"/>
-      <p:italic r:id="rId31"/>
-      <p:boldItalic r:id="rId32"/>
+      <p:regular r:id="rId53"/>
+      <p:bold r:id="rId54"/>
+      <p:italic r:id="rId55"/>
+      <p:boldItalic r:id="rId56"/>
     </p:embeddedFont>
   </p:embeddedFontLst>
   <p:defaultTextStyle>
@@ -299,7 +323,7 @@
       </p15:sldGuideLst>
     </p:ext>
     <p:ext uri="http://customooxmlschemas.google.com/">
-      <go:slidesCustomData xmlns="" xmlns:mc="http://schemas.openxmlformats.org/markup-compatibility/2006" xmlns:mv="urn:schemas-microsoft-com:mac:vml" xmlns:c="http://schemas.openxmlformats.org/drawingml/2006/chart" xmlns:dgm="http://schemas.openxmlformats.org/drawingml/2006/diagram" xmlns:o="urn:schemas-microsoft-com:office:office" xmlns:v="urn:schemas-microsoft-com:vml" xmlns:pvml="urn:schemas-microsoft-com:office:powerpoint" xmlns:com="http://schemas.openxmlformats.org/drawingml/2006/compatibility" xmlns:p14="http://schemas.microsoft.com/office/powerpoint/2010/main" xmlns:p15="http://schemas.microsoft.com/office/powerpoint/2012/main" xmlns:go="http://customooxmlschemas.google.com/" r:id="rId42" roundtripDataSignature="AMtx7mgdwha1DXh13JkAsd7RYtQbsz3FFg=="/>
+      <go:slidesCustomData xmlns="" xmlns:mc="http://schemas.openxmlformats.org/markup-compatibility/2006" xmlns:mv="urn:schemas-microsoft-com:mac:vml" xmlns:c="http://schemas.openxmlformats.org/drawingml/2006/chart" xmlns:dgm="http://schemas.openxmlformats.org/drawingml/2006/diagram" xmlns:o="urn:schemas-microsoft-com:office:office" xmlns:v="urn:schemas-microsoft-com:vml" xmlns:pvml="urn:schemas-microsoft-com:office:powerpoint" xmlns:com="http://schemas.openxmlformats.org/drawingml/2006/compatibility" xmlns:p14="http://schemas.microsoft.com/office/powerpoint/2010/main" xmlns:p15="http://schemas.microsoft.com/office/powerpoint/2012/main" xmlns:go="http://customooxmlschemas.google.com/" r:id="rId57" roundtripDataSignature="AMtx7mgdwha1DXh13JkAsd7RYtQbsz3FFg=="/>
     </p:ext>
   </p:extLst>
 </p:presentation>
@@ -3095,12 +3119,12 @@
 </p:notes>
 </file>
 
-<file path=ppt/notesSlides/notesSlide3.xml><?xml version="1.0" encoding="utf-8"?>
+<file path=ppt/notesSlides/notesSlide22.xml><?xml version="1.0" encoding="utf-8"?>
 <p:notes xmlns:a="http://schemas.openxmlformats.org/drawingml/2006/main" xmlns:r="http://schemas.openxmlformats.org/officeDocument/2006/relationships" xmlns:p="http://schemas.openxmlformats.org/presentationml/2006/main" showMasterSp="0" showMasterPhAnim="0">
   <p:cSld>
     <p:spTree>
       <p:nvGrpSpPr>
-        <p:cNvPr id="1" name="Shape 38"/>
+        <p:cNvPr id="1" name="Shape 55"/>
         <p:cNvGrpSpPr/>
         <p:nvPr/>
       </p:nvGrpSpPr>
@@ -3114,7 +3138,7 @@
       </p:grpSpPr>
       <p:sp>
         <p:nvSpPr>
-          <p:cNvPr id="39" name="Google Shape;39;p2:notes"/>
+          <p:cNvPr id="56" name="Google Shape;56;p24:notes"/>
           <p:cNvSpPr txBox="1">
             <a:spLocks noGrp="1"/>
           </p:cNvSpPr>
@@ -3146,19 +3170,13 @@
               </a:spcAft>
               <a:buNone/>
             </a:pPr>
-            <a:r>
-              <a:rPr lang="fr-FR" dirty="0">
-                <a:hlinkClick r:id="rId3"/>
-              </a:rPr>
-              <a:t>https://docs.docker.com/install/linux/docker-ce/ubuntu/</a:t>
-            </a:r>
             <a:endParaRPr dirty="0"/>
           </a:p>
         </p:txBody>
       </p:sp>
       <p:sp>
         <p:nvSpPr>
-          <p:cNvPr id="40" name="Google Shape;40;p2:notes"/>
+          <p:cNvPr id="57" name="Google Shape;57;p24:notes"/>
           <p:cNvSpPr>
             <a:spLocks noGrp="1" noRot="1" noChangeAspect="1"/>
           </p:cNvSpPr>
@@ -3200,7 +3218,2076 @@
     </p:spTree>
     <p:extLst>
       <p:ext uri="{BB962C8B-B14F-4D97-AF65-F5344CB8AC3E}">
+        <p14:creationId xmlns:p14="http://schemas.microsoft.com/office/powerpoint/2010/main" val="199489681"/>
+      </p:ext>
+    </p:extLst>
+  </p:cSld>
+  <p:clrMapOvr>
+    <a:masterClrMapping/>
+  </p:clrMapOvr>
+</p:notes>
+</file>
+
+<file path=ppt/notesSlides/notesSlide23.xml><?xml version="1.0" encoding="utf-8"?>
+<p:notes xmlns:a="http://schemas.openxmlformats.org/drawingml/2006/main" xmlns:r="http://schemas.openxmlformats.org/officeDocument/2006/relationships" xmlns:p="http://schemas.openxmlformats.org/presentationml/2006/main" showMasterSp="0" showMasterPhAnim="0">
+  <p:cSld>
+    <p:spTree>
+      <p:nvGrpSpPr>
+        <p:cNvPr id="1" name="Shape 55"/>
+        <p:cNvGrpSpPr/>
+        <p:nvPr/>
+      </p:nvGrpSpPr>
+      <p:grpSpPr>
+        <a:xfrm>
+          <a:off x="0" y="0"/>
+          <a:ext cx="0" cy="0"/>
+          <a:chOff x="0" y="0"/>
+          <a:chExt cx="0" cy="0"/>
+        </a:xfrm>
+      </p:grpSpPr>
+      <p:sp>
+        <p:nvSpPr>
+          <p:cNvPr id="56" name="Google Shape;56;p24:notes"/>
+          <p:cNvSpPr txBox="1">
+            <a:spLocks noGrp="1"/>
+          </p:cNvSpPr>
+          <p:nvPr>
+            <p:ph type="body" idx="1"/>
+          </p:nvPr>
+        </p:nvSpPr>
+        <p:spPr>
+          <a:xfrm>
+            <a:off x="685800" y="4343400"/>
+            <a:ext cx="5486400" cy="4114800"/>
+          </a:xfrm>
+          <a:prstGeom prst="rect">
+            <a:avLst/>
+          </a:prstGeom>
+        </p:spPr>
+        <p:txBody>
+          <a:bodyPr spcFirstLastPara="1" wrap="square" lIns="91425" tIns="45700" rIns="91425" bIns="45700" anchor="t" anchorCtr="0">
+            <a:noAutofit/>
+          </a:bodyPr>
+          <a:lstStyle/>
+          <a:p>
+            <a:pPr marL="0" lvl="0" indent="0" algn="l" rtl="0">
+              <a:spcBef>
+                <a:spcPts val="0"/>
+              </a:spcBef>
+              <a:spcAft>
+                <a:spcPts val="0"/>
+              </a:spcAft>
+              <a:buNone/>
+            </a:pPr>
+            <a:endParaRPr dirty="0"/>
+          </a:p>
+        </p:txBody>
+      </p:sp>
+      <p:sp>
+        <p:nvSpPr>
+          <p:cNvPr id="57" name="Google Shape;57;p24:notes"/>
+          <p:cNvSpPr>
+            <a:spLocks noGrp="1" noRot="1" noChangeAspect="1"/>
+          </p:cNvSpPr>
+          <p:nvPr>
+            <p:ph type="sldImg" idx="2"/>
+          </p:nvPr>
+        </p:nvSpPr>
+        <p:spPr>
+          <a:xfrm>
+            <a:off x="1143000" y="685800"/>
+            <a:ext cx="4572000" cy="3429000"/>
+          </a:xfrm>
+          <a:custGeom>
+            <a:avLst/>
+            <a:gdLst/>
+            <a:ahLst/>
+            <a:cxnLst/>
+            <a:rect l="l" t="t" r="r" b="b"/>
+            <a:pathLst>
+              <a:path w="120000" h="120000" extrusionOk="0">
+                <a:moveTo>
+                  <a:pt x="0" y="0"/>
+                </a:moveTo>
+                <a:lnTo>
+                  <a:pt x="120000" y="0"/>
+                </a:lnTo>
+                <a:lnTo>
+                  <a:pt x="120000" y="120000"/>
+                </a:lnTo>
+                <a:lnTo>
+                  <a:pt x="0" y="120000"/>
+                </a:lnTo>
+                <a:close/>
+              </a:path>
+            </a:pathLst>
+          </a:custGeom>
+        </p:spPr>
+      </p:sp>
+    </p:spTree>
+    <p:extLst>
+      <p:ext uri="{BB962C8B-B14F-4D97-AF65-F5344CB8AC3E}">
+        <p14:creationId xmlns:p14="http://schemas.microsoft.com/office/powerpoint/2010/main" val="3966152364"/>
+      </p:ext>
+    </p:extLst>
+  </p:cSld>
+  <p:clrMapOvr>
+    <a:masterClrMapping/>
+  </p:clrMapOvr>
+</p:notes>
+</file>
+
+<file path=ppt/notesSlides/notesSlide24.xml><?xml version="1.0" encoding="utf-8"?>
+<p:notes xmlns:a="http://schemas.openxmlformats.org/drawingml/2006/main" xmlns:r="http://schemas.openxmlformats.org/officeDocument/2006/relationships" xmlns:p="http://schemas.openxmlformats.org/presentationml/2006/main" showMasterSp="0" showMasterPhAnim="0">
+  <p:cSld>
+    <p:spTree>
+      <p:nvGrpSpPr>
+        <p:cNvPr id="1" name="Shape 55"/>
+        <p:cNvGrpSpPr/>
+        <p:nvPr/>
+      </p:nvGrpSpPr>
+      <p:grpSpPr>
+        <a:xfrm>
+          <a:off x="0" y="0"/>
+          <a:ext cx="0" cy="0"/>
+          <a:chOff x="0" y="0"/>
+          <a:chExt cx="0" cy="0"/>
+        </a:xfrm>
+      </p:grpSpPr>
+      <p:sp>
+        <p:nvSpPr>
+          <p:cNvPr id="56" name="Google Shape;56;p24:notes"/>
+          <p:cNvSpPr txBox="1">
+            <a:spLocks noGrp="1"/>
+          </p:cNvSpPr>
+          <p:nvPr>
+            <p:ph type="body" idx="1"/>
+          </p:nvPr>
+        </p:nvSpPr>
+        <p:spPr>
+          <a:xfrm>
+            <a:off x="685800" y="4343400"/>
+            <a:ext cx="5486400" cy="4114800"/>
+          </a:xfrm>
+          <a:prstGeom prst="rect">
+            <a:avLst/>
+          </a:prstGeom>
+        </p:spPr>
+        <p:txBody>
+          <a:bodyPr spcFirstLastPara="1" wrap="square" lIns="91425" tIns="45700" rIns="91425" bIns="45700" anchor="t" anchorCtr="0">
+            <a:noAutofit/>
+          </a:bodyPr>
+          <a:lstStyle/>
+          <a:p>
+            <a:pPr marL="0" lvl="0" indent="0" algn="l" rtl="0">
+              <a:spcBef>
+                <a:spcPts val="0"/>
+              </a:spcBef>
+              <a:spcAft>
+                <a:spcPts val="0"/>
+              </a:spcAft>
+              <a:buNone/>
+            </a:pPr>
+            <a:endParaRPr dirty="0"/>
+          </a:p>
+        </p:txBody>
+      </p:sp>
+      <p:sp>
+        <p:nvSpPr>
+          <p:cNvPr id="57" name="Google Shape;57;p24:notes"/>
+          <p:cNvSpPr>
+            <a:spLocks noGrp="1" noRot="1" noChangeAspect="1"/>
+          </p:cNvSpPr>
+          <p:nvPr>
+            <p:ph type="sldImg" idx="2"/>
+          </p:nvPr>
+        </p:nvSpPr>
+        <p:spPr>
+          <a:xfrm>
+            <a:off x="1143000" y="685800"/>
+            <a:ext cx="4572000" cy="3429000"/>
+          </a:xfrm>
+          <a:custGeom>
+            <a:avLst/>
+            <a:gdLst/>
+            <a:ahLst/>
+            <a:cxnLst/>
+            <a:rect l="l" t="t" r="r" b="b"/>
+            <a:pathLst>
+              <a:path w="120000" h="120000" extrusionOk="0">
+                <a:moveTo>
+                  <a:pt x="0" y="0"/>
+                </a:moveTo>
+                <a:lnTo>
+                  <a:pt x="120000" y="0"/>
+                </a:lnTo>
+                <a:lnTo>
+                  <a:pt x="120000" y="120000"/>
+                </a:lnTo>
+                <a:lnTo>
+                  <a:pt x="0" y="120000"/>
+                </a:lnTo>
+                <a:close/>
+              </a:path>
+            </a:pathLst>
+          </a:custGeom>
+        </p:spPr>
+      </p:sp>
+    </p:spTree>
+    <p:extLst>
+      <p:ext uri="{BB962C8B-B14F-4D97-AF65-F5344CB8AC3E}">
+        <p14:creationId xmlns:p14="http://schemas.microsoft.com/office/powerpoint/2010/main" val="1267530867"/>
+      </p:ext>
+    </p:extLst>
+  </p:cSld>
+  <p:clrMapOvr>
+    <a:masterClrMapping/>
+  </p:clrMapOvr>
+</p:notes>
+</file>
+
+<file path=ppt/notesSlides/notesSlide25.xml><?xml version="1.0" encoding="utf-8"?>
+<p:notes xmlns:a="http://schemas.openxmlformats.org/drawingml/2006/main" xmlns:r="http://schemas.openxmlformats.org/officeDocument/2006/relationships" xmlns:p="http://schemas.openxmlformats.org/presentationml/2006/main" showMasterSp="0" showMasterPhAnim="0">
+  <p:cSld>
+    <p:spTree>
+      <p:nvGrpSpPr>
+        <p:cNvPr id="1" name="Shape 55"/>
+        <p:cNvGrpSpPr/>
+        <p:nvPr/>
+      </p:nvGrpSpPr>
+      <p:grpSpPr>
+        <a:xfrm>
+          <a:off x="0" y="0"/>
+          <a:ext cx="0" cy="0"/>
+          <a:chOff x="0" y="0"/>
+          <a:chExt cx="0" cy="0"/>
+        </a:xfrm>
+      </p:grpSpPr>
+      <p:sp>
+        <p:nvSpPr>
+          <p:cNvPr id="56" name="Google Shape;56;p24:notes"/>
+          <p:cNvSpPr txBox="1">
+            <a:spLocks noGrp="1"/>
+          </p:cNvSpPr>
+          <p:nvPr>
+            <p:ph type="body" idx="1"/>
+          </p:nvPr>
+        </p:nvSpPr>
+        <p:spPr>
+          <a:xfrm>
+            <a:off x="685800" y="4343400"/>
+            <a:ext cx="5486400" cy="4114800"/>
+          </a:xfrm>
+          <a:prstGeom prst="rect">
+            <a:avLst/>
+          </a:prstGeom>
+        </p:spPr>
+        <p:txBody>
+          <a:bodyPr spcFirstLastPara="1" wrap="square" lIns="91425" tIns="45700" rIns="91425" bIns="45700" anchor="t" anchorCtr="0">
+            <a:noAutofit/>
+          </a:bodyPr>
+          <a:lstStyle/>
+          <a:p>
+            <a:pPr marL="0" lvl="0" indent="0" algn="l" rtl="0">
+              <a:spcBef>
+                <a:spcPts val="0"/>
+              </a:spcBef>
+              <a:spcAft>
+                <a:spcPts val="0"/>
+              </a:spcAft>
+              <a:buNone/>
+            </a:pPr>
+            <a:endParaRPr dirty="0"/>
+          </a:p>
+        </p:txBody>
+      </p:sp>
+      <p:sp>
+        <p:nvSpPr>
+          <p:cNvPr id="57" name="Google Shape;57;p24:notes"/>
+          <p:cNvSpPr>
+            <a:spLocks noGrp="1" noRot="1" noChangeAspect="1"/>
+          </p:cNvSpPr>
+          <p:nvPr>
+            <p:ph type="sldImg" idx="2"/>
+          </p:nvPr>
+        </p:nvSpPr>
+        <p:spPr>
+          <a:xfrm>
+            <a:off x="1143000" y="685800"/>
+            <a:ext cx="4572000" cy="3429000"/>
+          </a:xfrm>
+          <a:custGeom>
+            <a:avLst/>
+            <a:gdLst/>
+            <a:ahLst/>
+            <a:cxnLst/>
+            <a:rect l="l" t="t" r="r" b="b"/>
+            <a:pathLst>
+              <a:path w="120000" h="120000" extrusionOk="0">
+                <a:moveTo>
+                  <a:pt x="0" y="0"/>
+                </a:moveTo>
+                <a:lnTo>
+                  <a:pt x="120000" y="0"/>
+                </a:lnTo>
+                <a:lnTo>
+                  <a:pt x="120000" y="120000"/>
+                </a:lnTo>
+                <a:lnTo>
+                  <a:pt x="0" y="120000"/>
+                </a:lnTo>
+                <a:close/>
+              </a:path>
+            </a:pathLst>
+          </a:custGeom>
+        </p:spPr>
+      </p:sp>
+    </p:spTree>
+    <p:extLst>
+      <p:ext uri="{BB962C8B-B14F-4D97-AF65-F5344CB8AC3E}">
+        <p14:creationId xmlns:p14="http://schemas.microsoft.com/office/powerpoint/2010/main" val="3933159338"/>
+      </p:ext>
+    </p:extLst>
+  </p:cSld>
+  <p:clrMapOvr>
+    <a:masterClrMapping/>
+  </p:clrMapOvr>
+</p:notes>
+</file>
+
+<file path=ppt/notesSlides/notesSlide26.xml><?xml version="1.0" encoding="utf-8"?>
+<p:notes xmlns:a="http://schemas.openxmlformats.org/drawingml/2006/main" xmlns:r="http://schemas.openxmlformats.org/officeDocument/2006/relationships" xmlns:p="http://schemas.openxmlformats.org/presentationml/2006/main" showMasterSp="0" showMasterPhAnim="0">
+  <p:cSld>
+    <p:spTree>
+      <p:nvGrpSpPr>
+        <p:cNvPr id="1" name="Shape 55"/>
+        <p:cNvGrpSpPr/>
+        <p:nvPr/>
+      </p:nvGrpSpPr>
+      <p:grpSpPr>
+        <a:xfrm>
+          <a:off x="0" y="0"/>
+          <a:ext cx="0" cy="0"/>
+          <a:chOff x="0" y="0"/>
+          <a:chExt cx="0" cy="0"/>
+        </a:xfrm>
+      </p:grpSpPr>
+      <p:sp>
+        <p:nvSpPr>
+          <p:cNvPr id="56" name="Google Shape;56;p24:notes"/>
+          <p:cNvSpPr txBox="1">
+            <a:spLocks noGrp="1"/>
+          </p:cNvSpPr>
+          <p:nvPr>
+            <p:ph type="body" idx="1"/>
+          </p:nvPr>
+        </p:nvSpPr>
+        <p:spPr>
+          <a:xfrm>
+            <a:off x="685800" y="4343400"/>
+            <a:ext cx="5486400" cy="4114800"/>
+          </a:xfrm>
+          <a:prstGeom prst="rect">
+            <a:avLst/>
+          </a:prstGeom>
+        </p:spPr>
+        <p:txBody>
+          <a:bodyPr spcFirstLastPara="1" wrap="square" lIns="91425" tIns="45700" rIns="91425" bIns="45700" anchor="t" anchorCtr="0">
+            <a:noAutofit/>
+          </a:bodyPr>
+          <a:lstStyle/>
+          <a:p>
+            <a:pPr marL="0" lvl="0" indent="0" algn="l" rtl="0">
+              <a:spcBef>
+                <a:spcPts val="0"/>
+              </a:spcBef>
+              <a:spcAft>
+                <a:spcPts val="0"/>
+              </a:spcAft>
+              <a:buNone/>
+            </a:pPr>
+            <a:endParaRPr dirty="0"/>
+          </a:p>
+        </p:txBody>
+      </p:sp>
+      <p:sp>
+        <p:nvSpPr>
+          <p:cNvPr id="57" name="Google Shape;57;p24:notes"/>
+          <p:cNvSpPr>
+            <a:spLocks noGrp="1" noRot="1" noChangeAspect="1"/>
+          </p:cNvSpPr>
+          <p:nvPr>
+            <p:ph type="sldImg" idx="2"/>
+          </p:nvPr>
+        </p:nvSpPr>
+        <p:spPr>
+          <a:xfrm>
+            <a:off x="1143000" y="685800"/>
+            <a:ext cx="4572000" cy="3429000"/>
+          </a:xfrm>
+          <a:custGeom>
+            <a:avLst/>
+            <a:gdLst/>
+            <a:ahLst/>
+            <a:cxnLst/>
+            <a:rect l="l" t="t" r="r" b="b"/>
+            <a:pathLst>
+              <a:path w="120000" h="120000" extrusionOk="0">
+                <a:moveTo>
+                  <a:pt x="0" y="0"/>
+                </a:moveTo>
+                <a:lnTo>
+                  <a:pt x="120000" y="0"/>
+                </a:lnTo>
+                <a:lnTo>
+                  <a:pt x="120000" y="120000"/>
+                </a:lnTo>
+                <a:lnTo>
+                  <a:pt x="0" y="120000"/>
+                </a:lnTo>
+                <a:close/>
+              </a:path>
+            </a:pathLst>
+          </a:custGeom>
+        </p:spPr>
+      </p:sp>
+    </p:spTree>
+    <p:extLst>
+      <p:ext uri="{BB962C8B-B14F-4D97-AF65-F5344CB8AC3E}">
+        <p14:creationId xmlns:p14="http://schemas.microsoft.com/office/powerpoint/2010/main" val="689871310"/>
+      </p:ext>
+    </p:extLst>
+  </p:cSld>
+  <p:clrMapOvr>
+    <a:masterClrMapping/>
+  </p:clrMapOvr>
+</p:notes>
+</file>
+
+<file path=ppt/notesSlides/notesSlide27.xml><?xml version="1.0" encoding="utf-8"?>
+<p:notes xmlns:a="http://schemas.openxmlformats.org/drawingml/2006/main" xmlns:r="http://schemas.openxmlformats.org/officeDocument/2006/relationships" xmlns:p="http://schemas.openxmlformats.org/presentationml/2006/main" showMasterSp="0" showMasterPhAnim="0">
+  <p:cSld>
+    <p:spTree>
+      <p:nvGrpSpPr>
+        <p:cNvPr id="1" name="Shape 55"/>
+        <p:cNvGrpSpPr/>
+        <p:nvPr/>
+      </p:nvGrpSpPr>
+      <p:grpSpPr>
+        <a:xfrm>
+          <a:off x="0" y="0"/>
+          <a:ext cx="0" cy="0"/>
+          <a:chOff x="0" y="0"/>
+          <a:chExt cx="0" cy="0"/>
+        </a:xfrm>
+      </p:grpSpPr>
+      <p:sp>
+        <p:nvSpPr>
+          <p:cNvPr id="56" name="Google Shape;56;p24:notes"/>
+          <p:cNvSpPr txBox="1">
+            <a:spLocks noGrp="1"/>
+          </p:cNvSpPr>
+          <p:nvPr>
+            <p:ph type="body" idx="1"/>
+          </p:nvPr>
+        </p:nvSpPr>
+        <p:spPr>
+          <a:xfrm>
+            <a:off x="685800" y="4343400"/>
+            <a:ext cx="5486400" cy="4114800"/>
+          </a:xfrm>
+          <a:prstGeom prst="rect">
+            <a:avLst/>
+          </a:prstGeom>
+        </p:spPr>
+        <p:txBody>
+          <a:bodyPr spcFirstLastPara="1" wrap="square" lIns="91425" tIns="45700" rIns="91425" bIns="45700" anchor="t" anchorCtr="0">
+            <a:noAutofit/>
+          </a:bodyPr>
+          <a:lstStyle/>
+          <a:p>
+            <a:pPr marL="0" lvl="0" indent="0" algn="l" rtl="0">
+              <a:spcBef>
+                <a:spcPts val="0"/>
+              </a:spcBef>
+              <a:spcAft>
+                <a:spcPts val="0"/>
+              </a:spcAft>
+              <a:buNone/>
+            </a:pPr>
+            <a:endParaRPr dirty="0"/>
+          </a:p>
+        </p:txBody>
+      </p:sp>
+      <p:sp>
+        <p:nvSpPr>
+          <p:cNvPr id="57" name="Google Shape;57;p24:notes"/>
+          <p:cNvSpPr>
+            <a:spLocks noGrp="1" noRot="1" noChangeAspect="1"/>
+          </p:cNvSpPr>
+          <p:nvPr>
+            <p:ph type="sldImg" idx="2"/>
+          </p:nvPr>
+        </p:nvSpPr>
+        <p:spPr>
+          <a:xfrm>
+            <a:off x="1143000" y="685800"/>
+            <a:ext cx="4572000" cy="3429000"/>
+          </a:xfrm>
+          <a:custGeom>
+            <a:avLst/>
+            <a:gdLst/>
+            <a:ahLst/>
+            <a:cxnLst/>
+            <a:rect l="l" t="t" r="r" b="b"/>
+            <a:pathLst>
+              <a:path w="120000" h="120000" extrusionOk="0">
+                <a:moveTo>
+                  <a:pt x="0" y="0"/>
+                </a:moveTo>
+                <a:lnTo>
+                  <a:pt x="120000" y="0"/>
+                </a:lnTo>
+                <a:lnTo>
+                  <a:pt x="120000" y="120000"/>
+                </a:lnTo>
+                <a:lnTo>
+                  <a:pt x="0" y="120000"/>
+                </a:lnTo>
+                <a:close/>
+              </a:path>
+            </a:pathLst>
+          </a:custGeom>
+        </p:spPr>
+      </p:sp>
+    </p:spTree>
+    <p:extLst>
+      <p:ext uri="{BB962C8B-B14F-4D97-AF65-F5344CB8AC3E}">
+        <p14:creationId xmlns:p14="http://schemas.microsoft.com/office/powerpoint/2010/main" val="1886716533"/>
+      </p:ext>
+    </p:extLst>
+  </p:cSld>
+  <p:clrMapOvr>
+    <a:masterClrMapping/>
+  </p:clrMapOvr>
+</p:notes>
+</file>
+
+<file path=ppt/notesSlides/notesSlide28.xml><?xml version="1.0" encoding="utf-8"?>
+<p:notes xmlns:a="http://schemas.openxmlformats.org/drawingml/2006/main" xmlns:r="http://schemas.openxmlformats.org/officeDocument/2006/relationships" xmlns:p="http://schemas.openxmlformats.org/presentationml/2006/main" showMasterSp="0" showMasterPhAnim="0">
+  <p:cSld>
+    <p:spTree>
+      <p:nvGrpSpPr>
+        <p:cNvPr id="1" name="Shape 55"/>
+        <p:cNvGrpSpPr/>
+        <p:nvPr/>
+      </p:nvGrpSpPr>
+      <p:grpSpPr>
+        <a:xfrm>
+          <a:off x="0" y="0"/>
+          <a:ext cx="0" cy="0"/>
+          <a:chOff x="0" y="0"/>
+          <a:chExt cx="0" cy="0"/>
+        </a:xfrm>
+      </p:grpSpPr>
+      <p:sp>
+        <p:nvSpPr>
+          <p:cNvPr id="56" name="Google Shape;56;p24:notes"/>
+          <p:cNvSpPr txBox="1">
+            <a:spLocks noGrp="1"/>
+          </p:cNvSpPr>
+          <p:nvPr>
+            <p:ph type="body" idx="1"/>
+          </p:nvPr>
+        </p:nvSpPr>
+        <p:spPr>
+          <a:xfrm>
+            <a:off x="685800" y="4343400"/>
+            <a:ext cx="5486400" cy="4114800"/>
+          </a:xfrm>
+          <a:prstGeom prst="rect">
+            <a:avLst/>
+          </a:prstGeom>
+        </p:spPr>
+        <p:txBody>
+          <a:bodyPr spcFirstLastPara="1" wrap="square" lIns="91425" tIns="45700" rIns="91425" bIns="45700" anchor="t" anchorCtr="0">
+            <a:noAutofit/>
+          </a:bodyPr>
+          <a:lstStyle/>
+          <a:p>
+            <a:pPr marL="0" lvl="0" indent="0" algn="l" rtl="0">
+              <a:spcBef>
+                <a:spcPts val="0"/>
+              </a:spcBef>
+              <a:spcAft>
+                <a:spcPts val="0"/>
+              </a:spcAft>
+              <a:buNone/>
+            </a:pPr>
+            <a:endParaRPr dirty="0"/>
+          </a:p>
+        </p:txBody>
+      </p:sp>
+      <p:sp>
+        <p:nvSpPr>
+          <p:cNvPr id="57" name="Google Shape;57;p24:notes"/>
+          <p:cNvSpPr>
+            <a:spLocks noGrp="1" noRot="1" noChangeAspect="1"/>
+          </p:cNvSpPr>
+          <p:nvPr>
+            <p:ph type="sldImg" idx="2"/>
+          </p:nvPr>
+        </p:nvSpPr>
+        <p:spPr>
+          <a:xfrm>
+            <a:off x="1143000" y="685800"/>
+            <a:ext cx="4572000" cy="3429000"/>
+          </a:xfrm>
+          <a:custGeom>
+            <a:avLst/>
+            <a:gdLst/>
+            <a:ahLst/>
+            <a:cxnLst/>
+            <a:rect l="l" t="t" r="r" b="b"/>
+            <a:pathLst>
+              <a:path w="120000" h="120000" extrusionOk="0">
+                <a:moveTo>
+                  <a:pt x="0" y="0"/>
+                </a:moveTo>
+                <a:lnTo>
+                  <a:pt x="120000" y="0"/>
+                </a:lnTo>
+                <a:lnTo>
+                  <a:pt x="120000" y="120000"/>
+                </a:lnTo>
+                <a:lnTo>
+                  <a:pt x="0" y="120000"/>
+                </a:lnTo>
+                <a:close/>
+              </a:path>
+            </a:pathLst>
+          </a:custGeom>
+        </p:spPr>
+      </p:sp>
+    </p:spTree>
+    <p:extLst>
+      <p:ext uri="{BB962C8B-B14F-4D97-AF65-F5344CB8AC3E}">
+        <p14:creationId xmlns:p14="http://schemas.microsoft.com/office/powerpoint/2010/main" val="1011486427"/>
+      </p:ext>
+    </p:extLst>
+  </p:cSld>
+  <p:clrMapOvr>
+    <a:masterClrMapping/>
+  </p:clrMapOvr>
+</p:notes>
+</file>
+
+<file path=ppt/notesSlides/notesSlide29.xml><?xml version="1.0" encoding="utf-8"?>
+<p:notes xmlns:a="http://schemas.openxmlformats.org/drawingml/2006/main" xmlns:r="http://schemas.openxmlformats.org/officeDocument/2006/relationships" xmlns:p="http://schemas.openxmlformats.org/presentationml/2006/main" showMasterSp="0" showMasterPhAnim="0">
+  <p:cSld>
+    <p:spTree>
+      <p:nvGrpSpPr>
+        <p:cNvPr id="1" name="Shape 244"/>
+        <p:cNvGrpSpPr/>
+        <p:nvPr/>
+      </p:nvGrpSpPr>
+      <p:grpSpPr>
+        <a:xfrm>
+          <a:off x="0" y="0"/>
+          <a:ext cx="0" cy="0"/>
+          <a:chOff x="0" y="0"/>
+          <a:chExt cx="0" cy="0"/>
+        </a:xfrm>
+      </p:grpSpPr>
+      <p:sp>
+        <p:nvSpPr>
+          <p:cNvPr id="245" name="Google Shape;245;p37:notes"/>
+          <p:cNvSpPr txBox="1">
+            <a:spLocks noGrp="1"/>
+          </p:cNvSpPr>
+          <p:nvPr>
+            <p:ph type="body" idx="1"/>
+          </p:nvPr>
+        </p:nvSpPr>
+        <p:spPr>
+          <a:xfrm>
+            <a:off x="685800" y="4343400"/>
+            <a:ext cx="5486400" cy="4114800"/>
+          </a:xfrm>
+          <a:prstGeom prst="rect">
+            <a:avLst/>
+          </a:prstGeom>
+        </p:spPr>
+        <p:txBody>
+          <a:bodyPr spcFirstLastPara="1" wrap="square" lIns="91425" tIns="45700" rIns="91425" bIns="45700" anchor="t" anchorCtr="0">
+            <a:noAutofit/>
+          </a:bodyPr>
+          <a:lstStyle/>
+          <a:p>
+            <a:pPr marL="0" lvl="0" indent="0" algn="l" rtl="0">
+              <a:spcBef>
+                <a:spcPts val="0"/>
+              </a:spcBef>
+              <a:spcAft>
+                <a:spcPts val="0"/>
+              </a:spcAft>
+              <a:buNone/>
+            </a:pPr>
+            <a:endParaRPr/>
+          </a:p>
+        </p:txBody>
+      </p:sp>
+      <p:sp>
+        <p:nvSpPr>
+          <p:cNvPr id="246" name="Google Shape;246;p37:notes"/>
+          <p:cNvSpPr>
+            <a:spLocks noGrp="1" noRot="1" noChangeAspect="1"/>
+          </p:cNvSpPr>
+          <p:nvPr>
+            <p:ph type="sldImg" idx="2"/>
+          </p:nvPr>
+        </p:nvSpPr>
+        <p:spPr>
+          <a:xfrm>
+            <a:off x="1143000" y="685800"/>
+            <a:ext cx="4572000" cy="3429000"/>
+          </a:xfrm>
+          <a:custGeom>
+            <a:avLst/>
+            <a:gdLst/>
+            <a:ahLst/>
+            <a:cxnLst/>
+            <a:rect l="l" t="t" r="r" b="b"/>
+            <a:pathLst>
+              <a:path w="120000" h="120000" extrusionOk="0">
+                <a:moveTo>
+                  <a:pt x="0" y="0"/>
+                </a:moveTo>
+                <a:lnTo>
+                  <a:pt x="120000" y="0"/>
+                </a:lnTo>
+                <a:lnTo>
+                  <a:pt x="120000" y="120000"/>
+                </a:lnTo>
+                <a:lnTo>
+                  <a:pt x="0" y="120000"/>
+                </a:lnTo>
+                <a:close/>
+              </a:path>
+            </a:pathLst>
+          </a:custGeom>
+        </p:spPr>
+      </p:sp>
+    </p:spTree>
+    <p:extLst>
+      <p:ext uri="{BB962C8B-B14F-4D97-AF65-F5344CB8AC3E}">
+        <p14:creationId xmlns:p14="http://schemas.microsoft.com/office/powerpoint/2010/main" val="1459680331"/>
+      </p:ext>
+    </p:extLst>
+  </p:cSld>
+  <p:clrMapOvr>
+    <a:masterClrMapping/>
+  </p:clrMapOvr>
+</p:notes>
+</file>
+
+<file path=ppt/notesSlides/notesSlide3.xml><?xml version="1.0" encoding="utf-8"?>
+<p:notes xmlns:a="http://schemas.openxmlformats.org/drawingml/2006/main" xmlns:r="http://schemas.openxmlformats.org/officeDocument/2006/relationships" xmlns:p="http://schemas.openxmlformats.org/presentationml/2006/main" showMasterSp="0" showMasterPhAnim="0">
+  <p:cSld>
+    <p:spTree>
+      <p:nvGrpSpPr>
+        <p:cNvPr id="1" name="Shape 38"/>
+        <p:cNvGrpSpPr/>
+        <p:nvPr/>
+      </p:nvGrpSpPr>
+      <p:grpSpPr>
+        <a:xfrm>
+          <a:off x="0" y="0"/>
+          <a:ext cx="0" cy="0"/>
+          <a:chOff x="0" y="0"/>
+          <a:chExt cx="0" cy="0"/>
+        </a:xfrm>
+      </p:grpSpPr>
+      <p:sp>
+        <p:nvSpPr>
+          <p:cNvPr id="39" name="Google Shape;39;p2:notes"/>
+          <p:cNvSpPr txBox="1">
+            <a:spLocks noGrp="1"/>
+          </p:cNvSpPr>
+          <p:nvPr>
+            <p:ph type="body" idx="1"/>
+          </p:nvPr>
+        </p:nvSpPr>
+        <p:spPr>
+          <a:xfrm>
+            <a:off x="685800" y="4343400"/>
+            <a:ext cx="5486400" cy="4114800"/>
+          </a:xfrm>
+          <a:prstGeom prst="rect">
+            <a:avLst/>
+          </a:prstGeom>
+        </p:spPr>
+        <p:txBody>
+          <a:bodyPr spcFirstLastPara="1" wrap="square" lIns="91425" tIns="45700" rIns="91425" bIns="45700" anchor="t" anchorCtr="0">
+            <a:noAutofit/>
+          </a:bodyPr>
+          <a:lstStyle/>
+          <a:p>
+            <a:pPr marL="0" lvl="0" indent="0" algn="l" rtl="0">
+              <a:spcBef>
+                <a:spcPts val="0"/>
+              </a:spcBef>
+              <a:spcAft>
+                <a:spcPts val="0"/>
+              </a:spcAft>
+              <a:buNone/>
+            </a:pPr>
+            <a:r>
+              <a:rPr lang="fr-FR" dirty="0">
+                <a:hlinkClick r:id="rId3"/>
+              </a:rPr>
+              <a:t>https://docs.docker.com/install/linux/docker-ce/ubuntu/</a:t>
+            </a:r>
+            <a:endParaRPr dirty="0"/>
+          </a:p>
+        </p:txBody>
+      </p:sp>
+      <p:sp>
+        <p:nvSpPr>
+          <p:cNvPr id="40" name="Google Shape;40;p2:notes"/>
+          <p:cNvSpPr>
+            <a:spLocks noGrp="1" noRot="1" noChangeAspect="1"/>
+          </p:cNvSpPr>
+          <p:nvPr>
+            <p:ph type="sldImg" idx="2"/>
+          </p:nvPr>
+        </p:nvSpPr>
+        <p:spPr>
+          <a:xfrm>
+            <a:off x="1143000" y="685800"/>
+            <a:ext cx="4572000" cy="3429000"/>
+          </a:xfrm>
+          <a:custGeom>
+            <a:avLst/>
+            <a:gdLst/>
+            <a:ahLst/>
+            <a:cxnLst/>
+            <a:rect l="l" t="t" r="r" b="b"/>
+            <a:pathLst>
+              <a:path w="120000" h="120000" extrusionOk="0">
+                <a:moveTo>
+                  <a:pt x="0" y="0"/>
+                </a:moveTo>
+                <a:lnTo>
+                  <a:pt x="120000" y="0"/>
+                </a:lnTo>
+                <a:lnTo>
+                  <a:pt x="120000" y="120000"/>
+                </a:lnTo>
+                <a:lnTo>
+                  <a:pt x="0" y="120000"/>
+                </a:lnTo>
+                <a:close/>
+              </a:path>
+            </a:pathLst>
+          </a:custGeom>
+        </p:spPr>
+      </p:sp>
+    </p:spTree>
+    <p:extLst>
+      <p:ext uri="{BB962C8B-B14F-4D97-AF65-F5344CB8AC3E}">
         <p14:creationId xmlns:p14="http://schemas.microsoft.com/office/powerpoint/2010/main" val="1393410561"/>
+      </p:ext>
+    </p:extLst>
+  </p:cSld>
+  <p:clrMapOvr>
+    <a:masterClrMapping/>
+  </p:clrMapOvr>
+</p:notes>
+</file>
+
+<file path=ppt/notesSlides/notesSlide30.xml><?xml version="1.0" encoding="utf-8"?>
+<p:notes xmlns:a="http://schemas.openxmlformats.org/drawingml/2006/main" xmlns:r="http://schemas.openxmlformats.org/officeDocument/2006/relationships" xmlns:p="http://schemas.openxmlformats.org/presentationml/2006/main" showMasterSp="0" showMasterPhAnim="0">
+  <p:cSld>
+    <p:spTree>
+      <p:nvGrpSpPr>
+        <p:cNvPr id="1" name="Shape 55"/>
+        <p:cNvGrpSpPr/>
+        <p:nvPr/>
+      </p:nvGrpSpPr>
+      <p:grpSpPr>
+        <a:xfrm>
+          <a:off x="0" y="0"/>
+          <a:ext cx="0" cy="0"/>
+          <a:chOff x="0" y="0"/>
+          <a:chExt cx="0" cy="0"/>
+        </a:xfrm>
+      </p:grpSpPr>
+      <p:sp>
+        <p:nvSpPr>
+          <p:cNvPr id="56" name="Google Shape;56;p24:notes"/>
+          <p:cNvSpPr txBox="1">
+            <a:spLocks noGrp="1"/>
+          </p:cNvSpPr>
+          <p:nvPr>
+            <p:ph type="body" idx="1"/>
+          </p:nvPr>
+        </p:nvSpPr>
+        <p:spPr>
+          <a:xfrm>
+            <a:off x="685800" y="4343400"/>
+            <a:ext cx="5486400" cy="4114800"/>
+          </a:xfrm>
+          <a:prstGeom prst="rect">
+            <a:avLst/>
+          </a:prstGeom>
+        </p:spPr>
+        <p:txBody>
+          <a:bodyPr spcFirstLastPara="1" wrap="square" lIns="91425" tIns="45700" rIns="91425" bIns="45700" anchor="t" anchorCtr="0">
+            <a:noAutofit/>
+          </a:bodyPr>
+          <a:lstStyle/>
+          <a:p>
+            <a:pPr marL="0" lvl="0" indent="0" algn="l" rtl="0">
+              <a:spcBef>
+                <a:spcPts val="0"/>
+              </a:spcBef>
+              <a:spcAft>
+                <a:spcPts val="0"/>
+              </a:spcAft>
+              <a:buNone/>
+            </a:pPr>
+            <a:endParaRPr dirty="0"/>
+          </a:p>
+        </p:txBody>
+      </p:sp>
+      <p:sp>
+        <p:nvSpPr>
+          <p:cNvPr id="57" name="Google Shape;57;p24:notes"/>
+          <p:cNvSpPr>
+            <a:spLocks noGrp="1" noRot="1" noChangeAspect="1"/>
+          </p:cNvSpPr>
+          <p:nvPr>
+            <p:ph type="sldImg" idx="2"/>
+          </p:nvPr>
+        </p:nvSpPr>
+        <p:spPr>
+          <a:xfrm>
+            <a:off x="1143000" y="685800"/>
+            <a:ext cx="4572000" cy="3429000"/>
+          </a:xfrm>
+          <a:custGeom>
+            <a:avLst/>
+            <a:gdLst/>
+            <a:ahLst/>
+            <a:cxnLst/>
+            <a:rect l="l" t="t" r="r" b="b"/>
+            <a:pathLst>
+              <a:path w="120000" h="120000" extrusionOk="0">
+                <a:moveTo>
+                  <a:pt x="0" y="0"/>
+                </a:moveTo>
+                <a:lnTo>
+                  <a:pt x="120000" y="0"/>
+                </a:lnTo>
+                <a:lnTo>
+                  <a:pt x="120000" y="120000"/>
+                </a:lnTo>
+                <a:lnTo>
+                  <a:pt x="0" y="120000"/>
+                </a:lnTo>
+                <a:close/>
+              </a:path>
+            </a:pathLst>
+          </a:custGeom>
+        </p:spPr>
+      </p:sp>
+    </p:spTree>
+    <p:extLst>
+      <p:ext uri="{BB962C8B-B14F-4D97-AF65-F5344CB8AC3E}">
+        <p14:creationId xmlns:p14="http://schemas.microsoft.com/office/powerpoint/2010/main" val="2551832372"/>
+      </p:ext>
+    </p:extLst>
+  </p:cSld>
+  <p:clrMapOvr>
+    <a:masterClrMapping/>
+  </p:clrMapOvr>
+</p:notes>
+</file>
+
+<file path=ppt/notesSlides/notesSlide31.xml><?xml version="1.0" encoding="utf-8"?>
+<p:notes xmlns:a="http://schemas.openxmlformats.org/drawingml/2006/main" xmlns:r="http://schemas.openxmlformats.org/officeDocument/2006/relationships" xmlns:p="http://schemas.openxmlformats.org/presentationml/2006/main" showMasterSp="0" showMasterPhAnim="0">
+  <p:cSld>
+    <p:spTree>
+      <p:nvGrpSpPr>
+        <p:cNvPr id="1" name="Shape 55"/>
+        <p:cNvGrpSpPr/>
+        <p:nvPr/>
+      </p:nvGrpSpPr>
+      <p:grpSpPr>
+        <a:xfrm>
+          <a:off x="0" y="0"/>
+          <a:ext cx="0" cy="0"/>
+          <a:chOff x="0" y="0"/>
+          <a:chExt cx="0" cy="0"/>
+        </a:xfrm>
+      </p:grpSpPr>
+      <p:sp>
+        <p:nvSpPr>
+          <p:cNvPr id="56" name="Google Shape;56;p24:notes"/>
+          <p:cNvSpPr txBox="1">
+            <a:spLocks noGrp="1"/>
+          </p:cNvSpPr>
+          <p:nvPr>
+            <p:ph type="body" idx="1"/>
+          </p:nvPr>
+        </p:nvSpPr>
+        <p:spPr>
+          <a:xfrm>
+            <a:off x="685800" y="4343400"/>
+            <a:ext cx="5486400" cy="4114800"/>
+          </a:xfrm>
+          <a:prstGeom prst="rect">
+            <a:avLst/>
+          </a:prstGeom>
+        </p:spPr>
+        <p:txBody>
+          <a:bodyPr spcFirstLastPara="1" wrap="square" lIns="91425" tIns="45700" rIns="91425" bIns="45700" anchor="t" anchorCtr="0">
+            <a:noAutofit/>
+          </a:bodyPr>
+          <a:lstStyle/>
+          <a:p>
+            <a:pPr marL="0" lvl="0" indent="0" algn="l" rtl="0">
+              <a:spcBef>
+                <a:spcPts val="0"/>
+              </a:spcBef>
+              <a:spcAft>
+                <a:spcPts val="0"/>
+              </a:spcAft>
+              <a:buNone/>
+            </a:pPr>
+            <a:endParaRPr dirty="0"/>
+          </a:p>
+        </p:txBody>
+      </p:sp>
+      <p:sp>
+        <p:nvSpPr>
+          <p:cNvPr id="57" name="Google Shape;57;p24:notes"/>
+          <p:cNvSpPr>
+            <a:spLocks noGrp="1" noRot="1" noChangeAspect="1"/>
+          </p:cNvSpPr>
+          <p:nvPr>
+            <p:ph type="sldImg" idx="2"/>
+          </p:nvPr>
+        </p:nvSpPr>
+        <p:spPr>
+          <a:xfrm>
+            <a:off x="1143000" y="685800"/>
+            <a:ext cx="4572000" cy="3429000"/>
+          </a:xfrm>
+          <a:custGeom>
+            <a:avLst/>
+            <a:gdLst/>
+            <a:ahLst/>
+            <a:cxnLst/>
+            <a:rect l="l" t="t" r="r" b="b"/>
+            <a:pathLst>
+              <a:path w="120000" h="120000" extrusionOk="0">
+                <a:moveTo>
+                  <a:pt x="0" y="0"/>
+                </a:moveTo>
+                <a:lnTo>
+                  <a:pt x="120000" y="0"/>
+                </a:lnTo>
+                <a:lnTo>
+                  <a:pt x="120000" y="120000"/>
+                </a:lnTo>
+                <a:lnTo>
+                  <a:pt x="0" y="120000"/>
+                </a:lnTo>
+                <a:close/>
+              </a:path>
+            </a:pathLst>
+          </a:custGeom>
+        </p:spPr>
+      </p:sp>
+    </p:spTree>
+    <p:extLst>
+      <p:ext uri="{BB962C8B-B14F-4D97-AF65-F5344CB8AC3E}">
+        <p14:creationId xmlns:p14="http://schemas.microsoft.com/office/powerpoint/2010/main" val="4007012704"/>
+      </p:ext>
+    </p:extLst>
+  </p:cSld>
+  <p:clrMapOvr>
+    <a:masterClrMapping/>
+  </p:clrMapOvr>
+</p:notes>
+</file>
+
+<file path=ppt/notesSlides/notesSlide32.xml><?xml version="1.0" encoding="utf-8"?>
+<p:notes xmlns:a="http://schemas.openxmlformats.org/drawingml/2006/main" xmlns:r="http://schemas.openxmlformats.org/officeDocument/2006/relationships" xmlns:p="http://schemas.openxmlformats.org/presentationml/2006/main" showMasterSp="0" showMasterPhAnim="0">
+  <p:cSld>
+    <p:spTree>
+      <p:nvGrpSpPr>
+        <p:cNvPr id="1" name="Shape 55"/>
+        <p:cNvGrpSpPr/>
+        <p:nvPr/>
+      </p:nvGrpSpPr>
+      <p:grpSpPr>
+        <a:xfrm>
+          <a:off x="0" y="0"/>
+          <a:ext cx="0" cy="0"/>
+          <a:chOff x="0" y="0"/>
+          <a:chExt cx="0" cy="0"/>
+        </a:xfrm>
+      </p:grpSpPr>
+      <p:sp>
+        <p:nvSpPr>
+          <p:cNvPr id="56" name="Google Shape;56;p24:notes"/>
+          <p:cNvSpPr txBox="1">
+            <a:spLocks noGrp="1"/>
+          </p:cNvSpPr>
+          <p:nvPr>
+            <p:ph type="body" idx="1"/>
+          </p:nvPr>
+        </p:nvSpPr>
+        <p:spPr>
+          <a:xfrm>
+            <a:off x="685800" y="4343400"/>
+            <a:ext cx="5486400" cy="4114800"/>
+          </a:xfrm>
+          <a:prstGeom prst="rect">
+            <a:avLst/>
+          </a:prstGeom>
+        </p:spPr>
+        <p:txBody>
+          <a:bodyPr spcFirstLastPara="1" wrap="square" lIns="91425" tIns="45700" rIns="91425" bIns="45700" anchor="t" anchorCtr="0">
+            <a:noAutofit/>
+          </a:bodyPr>
+          <a:lstStyle/>
+          <a:p>
+            <a:pPr marL="0" lvl="0" indent="0" algn="l" rtl="0">
+              <a:spcBef>
+                <a:spcPts val="0"/>
+              </a:spcBef>
+              <a:spcAft>
+                <a:spcPts val="0"/>
+              </a:spcAft>
+              <a:buNone/>
+            </a:pPr>
+            <a:endParaRPr dirty="0"/>
+          </a:p>
+        </p:txBody>
+      </p:sp>
+      <p:sp>
+        <p:nvSpPr>
+          <p:cNvPr id="57" name="Google Shape;57;p24:notes"/>
+          <p:cNvSpPr>
+            <a:spLocks noGrp="1" noRot="1" noChangeAspect="1"/>
+          </p:cNvSpPr>
+          <p:nvPr>
+            <p:ph type="sldImg" idx="2"/>
+          </p:nvPr>
+        </p:nvSpPr>
+        <p:spPr>
+          <a:xfrm>
+            <a:off x="1143000" y="685800"/>
+            <a:ext cx="4572000" cy="3429000"/>
+          </a:xfrm>
+          <a:custGeom>
+            <a:avLst/>
+            <a:gdLst/>
+            <a:ahLst/>
+            <a:cxnLst/>
+            <a:rect l="l" t="t" r="r" b="b"/>
+            <a:pathLst>
+              <a:path w="120000" h="120000" extrusionOk="0">
+                <a:moveTo>
+                  <a:pt x="0" y="0"/>
+                </a:moveTo>
+                <a:lnTo>
+                  <a:pt x="120000" y="0"/>
+                </a:lnTo>
+                <a:lnTo>
+                  <a:pt x="120000" y="120000"/>
+                </a:lnTo>
+                <a:lnTo>
+                  <a:pt x="0" y="120000"/>
+                </a:lnTo>
+                <a:close/>
+              </a:path>
+            </a:pathLst>
+          </a:custGeom>
+        </p:spPr>
+      </p:sp>
+    </p:spTree>
+    <p:extLst>
+      <p:ext uri="{BB962C8B-B14F-4D97-AF65-F5344CB8AC3E}">
+        <p14:creationId xmlns:p14="http://schemas.microsoft.com/office/powerpoint/2010/main" val="1728475798"/>
+      </p:ext>
+    </p:extLst>
+  </p:cSld>
+  <p:clrMapOvr>
+    <a:masterClrMapping/>
+  </p:clrMapOvr>
+</p:notes>
+</file>
+
+<file path=ppt/notesSlides/notesSlide33.xml><?xml version="1.0" encoding="utf-8"?>
+<p:notes xmlns:a="http://schemas.openxmlformats.org/drawingml/2006/main" xmlns:r="http://schemas.openxmlformats.org/officeDocument/2006/relationships" xmlns:p="http://schemas.openxmlformats.org/presentationml/2006/main" showMasterSp="0" showMasterPhAnim="0">
+  <p:cSld>
+    <p:spTree>
+      <p:nvGrpSpPr>
+        <p:cNvPr id="1" name="Shape 55"/>
+        <p:cNvGrpSpPr/>
+        <p:nvPr/>
+      </p:nvGrpSpPr>
+      <p:grpSpPr>
+        <a:xfrm>
+          <a:off x="0" y="0"/>
+          <a:ext cx="0" cy="0"/>
+          <a:chOff x="0" y="0"/>
+          <a:chExt cx="0" cy="0"/>
+        </a:xfrm>
+      </p:grpSpPr>
+      <p:sp>
+        <p:nvSpPr>
+          <p:cNvPr id="56" name="Google Shape;56;p24:notes"/>
+          <p:cNvSpPr txBox="1">
+            <a:spLocks noGrp="1"/>
+          </p:cNvSpPr>
+          <p:nvPr>
+            <p:ph type="body" idx="1"/>
+          </p:nvPr>
+        </p:nvSpPr>
+        <p:spPr>
+          <a:xfrm>
+            <a:off x="685800" y="4343400"/>
+            <a:ext cx="5486400" cy="4114800"/>
+          </a:xfrm>
+          <a:prstGeom prst="rect">
+            <a:avLst/>
+          </a:prstGeom>
+        </p:spPr>
+        <p:txBody>
+          <a:bodyPr spcFirstLastPara="1" wrap="square" lIns="91425" tIns="45700" rIns="91425" bIns="45700" anchor="t" anchorCtr="0">
+            <a:noAutofit/>
+          </a:bodyPr>
+          <a:lstStyle/>
+          <a:p>
+            <a:pPr marL="0" lvl="0" indent="0" algn="l" rtl="0">
+              <a:spcBef>
+                <a:spcPts val="0"/>
+              </a:spcBef>
+              <a:spcAft>
+                <a:spcPts val="0"/>
+              </a:spcAft>
+              <a:buNone/>
+            </a:pPr>
+            <a:endParaRPr dirty="0"/>
+          </a:p>
+        </p:txBody>
+      </p:sp>
+      <p:sp>
+        <p:nvSpPr>
+          <p:cNvPr id="57" name="Google Shape;57;p24:notes"/>
+          <p:cNvSpPr>
+            <a:spLocks noGrp="1" noRot="1" noChangeAspect="1"/>
+          </p:cNvSpPr>
+          <p:nvPr>
+            <p:ph type="sldImg" idx="2"/>
+          </p:nvPr>
+        </p:nvSpPr>
+        <p:spPr>
+          <a:xfrm>
+            <a:off x="1143000" y="685800"/>
+            <a:ext cx="4572000" cy="3429000"/>
+          </a:xfrm>
+          <a:custGeom>
+            <a:avLst/>
+            <a:gdLst/>
+            <a:ahLst/>
+            <a:cxnLst/>
+            <a:rect l="l" t="t" r="r" b="b"/>
+            <a:pathLst>
+              <a:path w="120000" h="120000" extrusionOk="0">
+                <a:moveTo>
+                  <a:pt x="0" y="0"/>
+                </a:moveTo>
+                <a:lnTo>
+                  <a:pt x="120000" y="0"/>
+                </a:lnTo>
+                <a:lnTo>
+                  <a:pt x="120000" y="120000"/>
+                </a:lnTo>
+                <a:lnTo>
+                  <a:pt x="0" y="120000"/>
+                </a:lnTo>
+                <a:close/>
+              </a:path>
+            </a:pathLst>
+          </a:custGeom>
+        </p:spPr>
+      </p:sp>
+    </p:spTree>
+    <p:extLst>
+      <p:ext uri="{BB962C8B-B14F-4D97-AF65-F5344CB8AC3E}">
+        <p14:creationId xmlns:p14="http://schemas.microsoft.com/office/powerpoint/2010/main" val="2950574773"/>
+      </p:ext>
+    </p:extLst>
+  </p:cSld>
+  <p:clrMapOvr>
+    <a:masterClrMapping/>
+  </p:clrMapOvr>
+</p:notes>
+</file>
+
+<file path=ppt/notesSlides/notesSlide34.xml><?xml version="1.0" encoding="utf-8"?>
+<p:notes xmlns:a="http://schemas.openxmlformats.org/drawingml/2006/main" xmlns:r="http://schemas.openxmlformats.org/officeDocument/2006/relationships" xmlns:p="http://schemas.openxmlformats.org/presentationml/2006/main" showMasterSp="0" showMasterPhAnim="0">
+  <p:cSld>
+    <p:spTree>
+      <p:nvGrpSpPr>
+        <p:cNvPr id="1" name="Shape 55"/>
+        <p:cNvGrpSpPr/>
+        <p:nvPr/>
+      </p:nvGrpSpPr>
+      <p:grpSpPr>
+        <a:xfrm>
+          <a:off x="0" y="0"/>
+          <a:ext cx="0" cy="0"/>
+          <a:chOff x="0" y="0"/>
+          <a:chExt cx="0" cy="0"/>
+        </a:xfrm>
+      </p:grpSpPr>
+      <p:sp>
+        <p:nvSpPr>
+          <p:cNvPr id="56" name="Google Shape;56;p24:notes"/>
+          <p:cNvSpPr txBox="1">
+            <a:spLocks noGrp="1"/>
+          </p:cNvSpPr>
+          <p:nvPr>
+            <p:ph type="body" idx="1"/>
+          </p:nvPr>
+        </p:nvSpPr>
+        <p:spPr>
+          <a:xfrm>
+            <a:off x="685800" y="4343400"/>
+            <a:ext cx="5486400" cy="4114800"/>
+          </a:xfrm>
+          <a:prstGeom prst="rect">
+            <a:avLst/>
+          </a:prstGeom>
+        </p:spPr>
+        <p:txBody>
+          <a:bodyPr spcFirstLastPara="1" wrap="square" lIns="91425" tIns="45700" rIns="91425" bIns="45700" anchor="t" anchorCtr="0">
+            <a:noAutofit/>
+          </a:bodyPr>
+          <a:lstStyle/>
+          <a:p>
+            <a:pPr marL="0" lvl="0" indent="0" algn="l" rtl="0">
+              <a:spcBef>
+                <a:spcPts val="0"/>
+              </a:spcBef>
+              <a:spcAft>
+                <a:spcPts val="0"/>
+              </a:spcAft>
+              <a:buNone/>
+            </a:pPr>
+            <a:endParaRPr dirty="0"/>
+          </a:p>
+        </p:txBody>
+      </p:sp>
+      <p:sp>
+        <p:nvSpPr>
+          <p:cNvPr id="57" name="Google Shape;57;p24:notes"/>
+          <p:cNvSpPr>
+            <a:spLocks noGrp="1" noRot="1" noChangeAspect="1"/>
+          </p:cNvSpPr>
+          <p:nvPr>
+            <p:ph type="sldImg" idx="2"/>
+          </p:nvPr>
+        </p:nvSpPr>
+        <p:spPr>
+          <a:xfrm>
+            <a:off x="1143000" y="685800"/>
+            <a:ext cx="4572000" cy="3429000"/>
+          </a:xfrm>
+          <a:custGeom>
+            <a:avLst/>
+            <a:gdLst/>
+            <a:ahLst/>
+            <a:cxnLst/>
+            <a:rect l="l" t="t" r="r" b="b"/>
+            <a:pathLst>
+              <a:path w="120000" h="120000" extrusionOk="0">
+                <a:moveTo>
+                  <a:pt x="0" y="0"/>
+                </a:moveTo>
+                <a:lnTo>
+                  <a:pt x="120000" y="0"/>
+                </a:lnTo>
+                <a:lnTo>
+                  <a:pt x="120000" y="120000"/>
+                </a:lnTo>
+                <a:lnTo>
+                  <a:pt x="0" y="120000"/>
+                </a:lnTo>
+                <a:close/>
+              </a:path>
+            </a:pathLst>
+          </a:custGeom>
+        </p:spPr>
+      </p:sp>
+    </p:spTree>
+    <p:extLst>
+      <p:ext uri="{BB962C8B-B14F-4D97-AF65-F5344CB8AC3E}">
+        <p14:creationId xmlns:p14="http://schemas.microsoft.com/office/powerpoint/2010/main" val="3711761644"/>
+      </p:ext>
+    </p:extLst>
+  </p:cSld>
+  <p:clrMapOvr>
+    <a:masterClrMapping/>
+  </p:clrMapOvr>
+</p:notes>
+</file>
+
+<file path=ppt/notesSlides/notesSlide35.xml><?xml version="1.0" encoding="utf-8"?>
+<p:notes xmlns:a="http://schemas.openxmlformats.org/drawingml/2006/main" xmlns:r="http://schemas.openxmlformats.org/officeDocument/2006/relationships" xmlns:p="http://schemas.openxmlformats.org/presentationml/2006/main" showMasterSp="0" showMasterPhAnim="0">
+  <p:cSld>
+    <p:spTree>
+      <p:nvGrpSpPr>
+        <p:cNvPr id="1" name="Shape 244"/>
+        <p:cNvGrpSpPr/>
+        <p:nvPr/>
+      </p:nvGrpSpPr>
+      <p:grpSpPr>
+        <a:xfrm>
+          <a:off x="0" y="0"/>
+          <a:ext cx="0" cy="0"/>
+          <a:chOff x="0" y="0"/>
+          <a:chExt cx="0" cy="0"/>
+        </a:xfrm>
+      </p:grpSpPr>
+      <p:sp>
+        <p:nvSpPr>
+          <p:cNvPr id="245" name="Google Shape;245;p37:notes"/>
+          <p:cNvSpPr txBox="1">
+            <a:spLocks noGrp="1"/>
+          </p:cNvSpPr>
+          <p:nvPr>
+            <p:ph type="body" idx="1"/>
+          </p:nvPr>
+        </p:nvSpPr>
+        <p:spPr>
+          <a:xfrm>
+            <a:off x="685800" y="4343400"/>
+            <a:ext cx="5486400" cy="4114800"/>
+          </a:xfrm>
+          <a:prstGeom prst="rect">
+            <a:avLst/>
+          </a:prstGeom>
+        </p:spPr>
+        <p:txBody>
+          <a:bodyPr spcFirstLastPara="1" wrap="square" lIns="91425" tIns="45700" rIns="91425" bIns="45700" anchor="t" anchorCtr="0">
+            <a:noAutofit/>
+          </a:bodyPr>
+          <a:lstStyle/>
+          <a:p>
+            <a:pPr marL="0" lvl="0" indent="0" algn="l" rtl="0">
+              <a:spcBef>
+                <a:spcPts val="0"/>
+              </a:spcBef>
+              <a:spcAft>
+                <a:spcPts val="0"/>
+              </a:spcAft>
+              <a:buNone/>
+            </a:pPr>
+            <a:r>
+              <a:rPr lang="fr-FR" dirty="0"/>
+              <a:t>1045 Access </a:t>
+            </a:r>
+            <a:r>
+              <a:rPr lang="fr-FR" dirty="0" err="1"/>
+              <a:t>denied</a:t>
+            </a:r>
+            <a:endParaRPr lang="fr-FR" dirty="0"/>
+          </a:p>
+          <a:p>
+            <a:pPr marL="0" lvl="0" indent="0" algn="l" rtl="0">
+              <a:spcBef>
+                <a:spcPts val="0"/>
+              </a:spcBef>
+              <a:spcAft>
+                <a:spcPts val="0"/>
+              </a:spcAft>
+              <a:buNone/>
+            </a:pPr>
+            <a:r>
+              <a:rPr lang="fr-FR" dirty="0"/>
+              <a:t>2002, 2003 </a:t>
+            </a:r>
+            <a:r>
+              <a:rPr lang="fr-FR" dirty="0" err="1"/>
+              <a:t>Cannot</a:t>
+            </a:r>
+            <a:r>
+              <a:rPr lang="fr-FR" dirty="0"/>
+              <a:t> </a:t>
+            </a:r>
+            <a:r>
+              <a:rPr lang="fr-FR" dirty="0" err="1"/>
+              <a:t>connect</a:t>
+            </a:r>
+            <a:r>
+              <a:rPr lang="fr-FR" dirty="0"/>
+              <a:t>  (</a:t>
+            </a:r>
+            <a:r>
+              <a:rPr lang="en-US" dirty="0"/>
+              <a:t>Check for a Firewall issue blocking port 3306. </a:t>
+            </a:r>
+            <a:r>
+              <a:rPr lang="fr-FR" dirty="0"/>
+              <a:t>)</a:t>
+            </a:r>
+          </a:p>
+          <a:p>
+            <a:pPr marL="0" lvl="0" indent="0" algn="l" rtl="0">
+              <a:spcBef>
+                <a:spcPts val="0"/>
+              </a:spcBef>
+              <a:spcAft>
+                <a:spcPts val="0"/>
+              </a:spcAft>
+              <a:buNone/>
+            </a:pPr>
+            <a:r>
+              <a:rPr lang="fr-FR" dirty="0"/>
+              <a:t>139: </a:t>
+            </a:r>
+            <a:r>
+              <a:rPr lang="en-US" dirty="0"/>
+              <a:t>Error 139 may mean that the number and size of the fields in the table definition exceeds some limit</a:t>
+            </a:r>
+          </a:p>
+          <a:p>
+            <a:pPr marL="0" lvl="0" indent="0" algn="l" rtl="0">
+              <a:spcBef>
+                <a:spcPts val="0"/>
+              </a:spcBef>
+              <a:spcAft>
+                <a:spcPts val="0"/>
+              </a:spcAft>
+              <a:buNone/>
+            </a:pPr>
+            <a:r>
+              <a:rPr lang="en-US" dirty="0"/>
+              <a:t>24: Can't open file (Too many open files) </a:t>
+            </a:r>
+          </a:p>
+          <a:p>
+            <a:pPr marL="0" lvl="0" indent="0" algn="l" rtl="0">
+              <a:spcBef>
+                <a:spcPts val="0"/>
+              </a:spcBef>
+              <a:spcAft>
+                <a:spcPts val="0"/>
+              </a:spcAft>
+              <a:buNone/>
+            </a:pPr>
+            <a:r>
+              <a:rPr lang="fr-FR"/>
+              <a:t>1062</a:t>
+            </a:r>
+            <a:r>
+              <a:rPr lang="fr-FR" dirty="0"/>
+              <a:t>: Duplicate Entry </a:t>
+            </a:r>
+            <a:endParaRPr dirty="0"/>
+          </a:p>
+        </p:txBody>
+      </p:sp>
+      <p:sp>
+        <p:nvSpPr>
+          <p:cNvPr id="246" name="Google Shape;246;p37:notes"/>
+          <p:cNvSpPr>
+            <a:spLocks noGrp="1" noRot="1" noChangeAspect="1"/>
+          </p:cNvSpPr>
+          <p:nvPr>
+            <p:ph type="sldImg" idx="2"/>
+          </p:nvPr>
+        </p:nvSpPr>
+        <p:spPr>
+          <a:xfrm>
+            <a:off x="1143000" y="685800"/>
+            <a:ext cx="4572000" cy="3429000"/>
+          </a:xfrm>
+          <a:custGeom>
+            <a:avLst/>
+            <a:gdLst/>
+            <a:ahLst/>
+            <a:cxnLst/>
+            <a:rect l="l" t="t" r="r" b="b"/>
+            <a:pathLst>
+              <a:path w="120000" h="120000" extrusionOk="0">
+                <a:moveTo>
+                  <a:pt x="0" y="0"/>
+                </a:moveTo>
+                <a:lnTo>
+                  <a:pt x="120000" y="0"/>
+                </a:lnTo>
+                <a:lnTo>
+                  <a:pt x="120000" y="120000"/>
+                </a:lnTo>
+                <a:lnTo>
+                  <a:pt x="0" y="120000"/>
+                </a:lnTo>
+                <a:close/>
+              </a:path>
+            </a:pathLst>
+          </a:custGeom>
+        </p:spPr>
+      </p:sp>
+    </p:spTree>
+    <p:extLst>
+      <p:ext uri="{BB962C8B-B14F-4D97-AF65-F5344CB8AC3E}">
+        <p14:creationId xmlns:p14="http://schemas.microsoft.com/office/powerpoint/2010/main" val="3317475763"/>
+      </p:ext>
+    </p:extLst>
+  </p:cSld>
+  <p:clrMapOvr>
+    <a:masterClrMapping/>
+  </p:clrMapOvr>
+</p:notes>
+</file>
+
+<file path=ppt/notesSlides/notesSlide36.xml><?xml version="1.0" encoding="utf-8"?>
+<p:notes xmlns:a="http://schemas.openxmlformats.org/drawingml/2006/main" xmlns:r="http://schemas.openxmlformats.org/officeDocument/2006/relationships" xmlns:p="http://schemas.openxmlformats.org/presentationml/2006/main" showMasterSp="0" showMasterPhAnim="0">
+  <p:cSld>
+    <p:spTree>
+      <p:nvGrpSpPr>
+        <p:cNvPr id="1" name="Shape 55"/>
+        <p:cNvGrpSpPr/>
+        <p:nvPr/>
+      </p:nvGrpSpPr>
+      <p:grpSpPr>
+        <a:xfrm>
+          <a:off x="0" y="0"/>
+          <a:ext cx="0" cy="0"/>
+          <a:chOff x="0" y="0"/>
+          <a:chExt cx="0" cy="0"/>
+        </a:xfrm>
+      </p:grpSpPr>
+      <p:sp>
+        <p:nvSpPr>
+          <p:cNvPr id="56" name="Google Shape;56;p24:notes"/>
+          <p:cNvSpPr txBox="1">
+            <a:spLocks noGrp="1"/>
+          </p:cNvSpPr>
+          <p:nvPr>
+            <p:ph type="body" idx="1"/>
+          </p:nvPr>
+        </p:nvSpPr>
+        <p:spPr>
+          <a:xfrm>
+            <a:off x="685800" y="4343400"/>
+            <a:ext cx="5486400" cy="4114800"/>
+          </a:xfrm>
+          <a:prstGeom prst="rect">
+            <a:avLst/>
+          </a:prstGeom>
+        </p:spPr>
+        <p:txBody>
+          <a:bodyPr spcFirstLastPara="1" wrap="square" lIns="91425" tIns="45700" rIns="91425" bIns="45700" anchor="t" anchorCtr="0">
+            <a:noAutofit/>
+          </a:bodyPr>
+          <a:lstStyle/>
+          <a:p>
+            <a:pPr marL="0" lvl="0" indent="0" algn="l" rtl="0">
+              <a:spcBef>
+                <a:spcPts val="0"/>
+              </a:spcBef>
+              <a:spcAft>
+                <a:spcPts val="0"/>
+              </a:spcAft>
+              <a:buNone/>
+            </a:pPr>
+            <a:endParaRPr dirty="0"/>
+          </a:p>
+        </p:txBody>
+      </p:sp>
+      <p:sp>
+        <p:nvSpPr>
+          <p:cNvPr id="57" name="Google Shape;57;p24:notes"/>
+          <p:cNvSpPr>
+            <a:spLocks noGrp="1" noRot="1" noChangeAspect="1"/>
+          </p:cNvSpPr>
+          <p:nvPr>
+            <p:ph type="sldImg" idx="2"/>
+          </p:nvPr>
+        </p:nvSpPr>
+        <p:spPr>
+          <a:xfrm>
+            <a:off x="1143000" y="685800"/>
+            <a:ext cx="4572000" cy="3429000"/>
+          </a:xfrm>
+          <a:custGeom>
+            <a:avLst/>
+            <a:gdLst/>
+            <a:ahLst/>
+            <a:cxnLst/>
+            <a:rect l="l" t="t" r="r" b="b"/>
+            <a:pathLst>
+              <a:path w="120000" h="120000" extrusionOk="0">
+                <a:moveTo>
+                  <a:pt x="0" y="0"/>
+                </a:moveTo>
+                <a:lnTo>
+                  <a:pt x="120000" y="0"/>
+                </a:lnTo>
+                <a:lnTo>
+                  <a:pt x="120000" y="120000"/>
+                </a:lnTo>
+                <a:lnTo>
+                  <a:pt x="0" y="120000"/>
+                </a:lnTo>
+                <a:close/>
+              </a:path>
+            </a:pathLst>
+          </a:custGeom>
+        </p:spPr>
+      </p:sp>
+    </p:spTree>
+    <p:extLst>
+      <p:ext uri="{BB962C8B-B14F-4D97-AF65-F5344CB8AC3E}">
+        <p14:creationId xmlns:p14="http://schemas.microsoft.com/office/powerpoint/2010/main" val="1188303608"/>
+      </p:ext>
+    </p:extLst>
+  </p:cSld>
+  <p:clrMapOvr>
+    <a:masterClrMapping/>
+  </p:clrMapOvr>
+</p:notes>
+</file>
+
+<file path=ppt/notesSlides/notesSlide37.xml><?xml version="1.0" encoding="utf-8"?>
+<p:notes xmlns:a="http://schemas.openxmlformats.org/drawingml/2006/main" xmlns:r="http://schemas.openxmlformats.org/officeDocument/2006/relationships" xmlns:p="http://schemas.openxmlformats.org/presentationml/2006/main" showMasterSp="0" showMasterPhAnim="0">
+  <p:cSld>
+    <p:spTree>
+      <p:nvGrpSpPr>
+        <p:cNvPr id="1" name="Shape 55"/>
+        <p:cNvGrpSpPr/>
+        <p:nvPr/>
+      </p:nvGrpSpPr>
+      <p:grpSpPr>
+        <a:xfrm>
+          <a:off x="0" y="0"/>
+          <a:ext cx="0" cy="0"/>
+          <a:chOff x="0" y="0"/>
+          <a:chExt cx="0" cy="0"/>
+        </a:xfrm>
+      </p:grpSpPr>
+      <p:sp>
+        <p:nvSpPr>
+          <p:cNvPr id="56" name="Google Shape;56;p24:notes"/>
+          <p:cNvSpPr txBox="1">
+            <a:spLocks noGrp="1"/>
+          </p:cNvSpPr>
+          <p:nvPr>
+            <p:ph type="body" idx="1"/>
+          </p:nvPr>
+        </p:nvSpPr>
+        <p:spPr>
+          <a:xfrm>
+            <a:off x="685800" y="4343400"/>
+            <a:ext cx="5486400" cy="4114800"/>
+          </a:xfrm>
+          <a:prstGeom prst="rect">
+            <a:avLst/>
+          </a:prstGeom>
+        </p:spPr>
+        <p:txBody>
+          <a:bodyPr spcFirstLastPara="1" wrap="square" lIns="91425" tIns="45700" rIns="91425" bIns="45700" anchor="t" anchorCtr="0">
+            <a:noAutofit/>
+          </a:bodyPr>
+          <a:lstStyle/>
+          <a:p>
+            <a:pPr marL="0" lvl="0" indent="0" algn="l" rtl="0">
+              <a:spcBef>
+                <a:spcPts val="0"/>
+              </a:spcBef>
+              <a:spcAft>
+                <a:spcPts val="0"/>
+              </a:spcAft>
+              <a:buNone/>
+            </a:pPr>
+            <a:endParaRPr dirty="0"/>
+          </a:p>
+        </p:txBody>
+      </p:sp>
+      <p:sp>
+        <p:nvSpPr>
+          <p:cNvPr id="57" name="Google Shape;57;p24:notes"/>
+          <p:cNvSpPr>
+            <a:spLocks noGrp="1" noRot="1" noChangeAspect="1"/>
+          </p:cNvSpPr>
+          <p:nvPr>
+            <p:ph type="sldImg" idx="2"/>
+          </p:nvPr>
+        </p:nvSpPr>
+        <p:spPr>
+          <a:xfrm>
+            <a:off x="1143000" y="685800"/>
+            <a:ext cx="4572000" cy="3429000"/>
+          </a:xfrm>
+          <a:custGeom>
+            <a:avLst/>
+            <a:gdLst/>
+            <a:ahLst/>
+            <a:cxnLst/>
+            <a:rect l="l" t="t" r="r" b="b"/>
+            <a:pathLst>
+              <a:path w="120000" h="120000" extrusionOk="0">
+                <a:moveTo>
+                  <a:pt x="0" y="0"/>
+                </a:moveTo>
+                <a:lnTo>
+                  <a:pt x="120000" y="0"/>
+                </a:lnTo>
+                <a:lnTo>
+                  <a:pt x="120000" y="120000"/>
+                </a:lnTo>
+                <a:lnTo>
+                  <a:pt x="0" y="120000"/>
+                </a:lnTo>
+                <a:close/>
+              </a:path>
+            </a:pathLst>
+          </a:custGeom>
+        </p:spPr>
+      </p:sp>
+    </p:spTree>
+    <p:extLst>
+      <p:ext uri="{BB962C8B-B14F-4D97-AF65-F5344CB8AC3E}">
+        <p14:creationId xmlns:p14="http://schemas.microsoft.com/office/powerpoint/2010/main" val="3133014659"/>
+      </p:ext>
+    </p:extLst>
+  </p:cSld>
+  <p:clrMapOvr>
+    <a:masterClrMapping/>
+  </p:clrMapOvr>
+</p:notes>
+</file>
+
+<file path=ppt/notesSlides/notesSlide38.xml><?xml version="1.0" encoding="utf-8"?>
+<p:notes xmlns:a="http://schemas.openxmlformats.org/drawingml/2006/main" xmlns:r="http://schemas.openxmlformats.org/officeDocument/2006/relationships" xmlns:p="http://schemas.openxmlformats.org/presentationml/2006/main" showMasterSp="0" showMasterPhAnim="0">
+  <p:cSld>
+    <p:spTree>
+      <p:nvGrpSpPr>
+        <p:cNvPr id="1" name="Shape 55"/>
+        <p:cNvGrpSpPr/>
+        <p:nvPr/>
+      </p:nvGrpSpPr>
+      <p:grpSpPr>
+        <a:xfrm>
+          <a:off x="0" y="0"/>
+          <a:ext cx="0" cy="0"/>
+          <a:chOff x="0" y="0"/>
+          <a:chExt cx="0" cy="0"/>
+        </a:xfrm>
+      </p:grpSpPr>
+      <p:sp>
+        <p:nvSpPr>
+          <p:cNvPr id="56" name="Google Shape;56;p24:notes"/>
+          <p:cNvSpPr txBox="1">
+            <a:spLocks noGrp="1"/>
+          </p:cNvSpPr>
+          <p:nvPr>
+            <p:ph type="body" idx="1"/>
+          </p:nvPr>
+        </p:nvSpPr>
+        <p:spPr>
+          <a:xfrm>
+            <a:off x="685800" y="4343400"/>
+            <a:ext cx="5486400" cy="4114800"/>
+          </a:xfrm>
+          <a:prstGeom prst="rect">
+            <a:avLst/>
+          </a:prstGeom>
+        </p:spPr>
+        <p:txBody>
+          <a:bodyPr spcFirstLastPara="1" wrap="square" lIns="91425" tIns="45700" rIns="91425" bIns="45700" anchor="t" anchorCtr="0">
+            <a:noAutofit/>
+          </a:bodyPr>
+          <a:lstStyle/>
+          <a:p>
+            <a:pPr marL="0" lvl="0" indent="0" algn="l" rtl="0">
+              <a:spcBef>
+                <a:spcPts val="0"/>
+              </a:spcBef>
+              <a:spcAft>
+                <a:spcPts val="0"/>
+              </a:spcAft>
+              <a:buNone/>
+            </a:pPr>
+            <a:endParaRPr dirty="0"/>
+          </a:p>
+        </p:txBody>
+      </p:sp>
+      <p:sp>
+        <p:nvSpPr>
+          <p:cNvPr id="57" name="Google Shape;57;p24:notes"/>
+          <p:cNvSpPr>
+            <a:spLocks noGrp="1" noRot="1" noChangeAspect="1"/>
+          </p:cNvSpPr>
+          <p:nvPr>
+            <p:ph type="sldImg" idx="2"/>
+          </p:nvPr>
+        </p:nvSpPr>
+        <p:spPr>
+          <a:xfrm>
+            <a:off x="1143000" y="685800"/>
+            <a:ext cx="4572000" cy="3429000"/>
+          </a:xfrm>
+          <a:custGeom>
+            <a:avLst/>
+            <a:gdLst/>
+            <a:ahLst/>
+            <a:cxnLst/>
+            <a:rect l="l" t="t" r="r" b="b"/>
+            <a:pathLst>
+              <a:path w="120000" h="120000" extrusionOk="0">
+                <a:moveTo>
+                  <a:pt x="0" y="0"/>
+                </a:moveTo>
+                <a:lnTo>
+                  <a:pt x="120000" y="0"/>
+                </a:lnTo>
+                <a:lnTo>
+                  <a:pt x="120000" y="120000"/>
+                </a:lnTo>
+                <a:lnTo>
+                  <a:pt x="0" y="120000"/>
+                </a:lnTo>
+                <a:close/>
+              </a:path>
+            </a:pathLst>
+          </a:custGeom>
+        </p:spPr>
+      </p:sp>
+    </p:spTree>
+    <p:extLst>
+      <p:ext uri="{BB962C8B-B14F-4D97-AF65-F5344CB8AC3E}">
+        <p14:creationId xmlns:p14="http://schemas.microsoft.com/office/powerpoint/2010/main" val="1254429400"/>
+      </p:ext>
+    </p:extLst>
+  </p:cSld>
+  <p:clrMapOvr>
+    <a:masterClrMapping/>
+  </p:clrMapOvr>
+</p:notes>
+</file>
+
+<file path=ppt/notesSlides/notesSlide39.xml><?xml version="1.0" encoding="utf-8"?>
+<p:notes xmlns:a="http://schemas.openxmlformats.org/drawingml/2006/main" xmlns:r="http://schemas.openxmlformats.org/officeDocument/2006/relationships" xmlns:p="http://schemas.openxmlformats.org/presentationml/2006/main" showMasterSp="0" showMasterPhAnim="0">
+  <p:cSld>
+    <p:spTree>
+      <p:nvGrpSpPr>
+        <p:cNvPr id="1" name="Shape 55"/>
+        <p:cNvGrpSpPr/>
+        <p:nvPr/>
+      </p:nvGrpSpPr>
+      <p:grpSpPr>
+        <a:xfrm>
+          <a:off x="0" y="0"/>
+          <a:ext cx="0" cy="0"/>
+          <a:chOff x="0" y="0"/>
+          <a:chExt cx="0" cy="0"/>
+        </a:xfrm>
+      </p:grpSpPr>
+      <p:sp>
+        <p:nvSpPr>
+          <p:cNvPr id="56" name="Google Shape;56;p24:notes"/>
+          <p:cNvSpPr txBox="1">
+            <a:spLocks noGrp="1"/>
+          </p:cNvSpPr>
+          <p:nvPr>
+            <p:ph type="body" idx="1"/>
+          </p:nvPr>
+        </p:nvSpPr>
+        <p:spPr>
+          <a:xfrm>
+            <a:off x="685800" y="4343400"/>
+            <a:ext cx="5486400" cy="4114800"/>
+          </a:xfrm>
+          <a:prstGeom prst="rect">
+            <a:avLst/>
+          </a:prstGeom>
+        </p:spPr>
+        <p:txBody>
+          <a:bodyPr spcFirstLastPara="1" wrap="square" lIns="91425" tIns="45700" rIns="91425" bIns="45700" anchor="t" anchorCtr="0">
+            <a:noAutofit/>
+          </a:bodyPr>
+          <a:lstStyle/>
+          <a:p>
+            <a:pPr marL="0" lvl="0" indent="0" algn="l" rtl="0">
+              <a:spcBef>
+                <a:spcPts val="0"/>
+              </a:spcBef>
+              <a:spcAft>
+                <a:spcPts val="0"/>
+              </a:spcAft>
+              <a:buNone/>
+            </a:pPr>
+            <a:endParaRPr dirty="0"/>
+          </a:p>
+        </p:txBody>
+      </p:sp>
+      <p:sp>
+        <p:nvSpPr>
+          <p:cNvPr id="57" name="Google Shape;57;p24:notes"/>
+          <p:cNvSpPr>
+            <a:spLocks noGrp="1" noRot="1" noChangeAspect="1"/>
+          </p:cNvSpPr>
+          <p:nvPr>
+            <p:ph type="sldImg" idx="2"/>
+          </p:nvPr>
+        </p:nvSpPr>
+        <p:spPr>
+          <a:xfrm>
+            <a:off x="1143000" y="685800"/>
+            <a:ext cx="4572000" cy="3429000"/>
+          </a:xfrm>
+          <a:custGeom>
+            <a:avLst/>
+            <a:gdLst/>
+            <a:ahLst/>
+            <a:cxnLst/>
+            <a:rect l="l" t="t" r="r" b="b"/>
+            <a:pathLst>
+              <a:path w="120000" h="120000" extrusionOk="0">
+                <a:moveTo>
+                  <a:pt x="0" y="0"/>
+                </a:moveTo>
+                <a:lnTo>
+                  <a:pt x="120000" y="0"/>
+                </a:lnTo>
+                <a:lnTo>
+                  <a:pt x="120000" y="120000"/>
+                </a:lnTo>
+                <a:lnTo>
+                  <a:pt x="0" y="120000"/>
+                </a:lnTo>
+                <a:close/>
+              </a:path>
+            </a:pathLst>
+          </a:custGeom>
+        </p:spPr>
+      </p:sp>
+    </p:spTree>
+    <p:extLst>
+      <p:ext uri="{BB962C8B-B14F-4D97-AF65-F5344CB8AC3E}">
+        <p14:creationId xmlns:p14="http://schemas.microsoft.com/office/powerpoint/2010/main" val="3004986582"/>
       </p:ext>
     </p:extLst>
   </p:cSld>
@@ -3307,6 +5394,551 @@
         </p:spPr>
       </p:sp>
     </p:spTree>
+  </p:cSld>
+  <p:clrMapOvr>
+    <a:masterClrMapping/>
+  </p:clrMapOvr>
+</p:notes>
+</file>
+
+<file path=ppt/notesSlides/notesSlide40.xml><?xml version="1.0" encoding="utf-8"?>
+<p:notes xmlns:a="http://schemas.openxmlformats.org/drawingml/2006/main" xmlns:r="http://schemas.openxmlformats.org/officeDocument/2006/relationships" xmlns:p="http://schemas.openxmlformats.org/presentationml/2006/main" showMasterSp="0" showMasterPhAnim="0">
+  <p:cSld>
+    <p:spTree>
+      <p:nvGrpSpPr>
+        <p:cNvPr id="1" name="Shape 55"/>
+        <p:cNvGrpSpPr/>
+        <p:nvPr/>
+      </p:nvGrpSpPr>
+      <p:grpSpPr>
+        <a:xfrm>
+          <a:off x="0" y="0"/>
+          <a:ext cx="0" cy="0"/>
+          <a:chOff x="0" y="0"/>
+          <a:chExt cx="0" cy="0"/>
+        </a:xfrm>
+      </p:grpSpPr>
+      <p:sp>
+        <p:nvSpPr>
+          <p:cNvPr id="56" name="Google Shape;56;p24:notes"/>
+          <p:cNvSpPr txBox="1">
+            <a:spLocks noGrp="1"/>
+          </p:cNvSpPr>
+          <p:nvPr>
+            <p:ph type="body" idx="1"/>
+          </p:nvPr>
+        </p:nvSpPr>
+        <p:spPr>
+          <a:xfrm>
+            <a:off x="685800" y="4343400"/>
+            <a:ext cx="5486400" cy="4114800"/>
+          </a:xfrm>
+          <a:prstGeom prst="rect">
+            <a:avLst/>
+          </a:prstGeom>
+        </p:spPr>
+        <p:txBody>
+          <a:bodyPr spcFirstLastPara="1" wrap="square" lIns="91425" tIns="45700" rIns="91425" bIns="45700" anchor="t" anchorCtr="0">
+            <a:noAutofit/>
+          </a:bodyPr>
+          <a:lstStyle/>
+          <a:p>
+            <a:pPr marL="0" lvl="0" indent="0" algn="l" rtl="0">
+              <a:spcBef>
+                <a:spcPts val="0"/>
+              </a:spcBef>
+              <a:spcAft>
+                <a:spcPts val="0"/>
+              </a:spcAft>
+              <a:buNone/>
+            </a:pPr>
+            <a:endParaRPr dirty="0"/>
+          </a:p>
+        </p:txBody>
+      </p:sp>
+      <p:sp>
+        <p:nvSpPr>
+          <p:cNvPr id="57" name="Google Shape;57;p24:notes"/>
+          <p:cNvSpPr>
+            <a:spLocks noGrp="1" noRot="1" noChangeAspect="1"/>
+          </p:cNvSpPr>
+          <p:nvPr>
+            <p:ph type="sldImg" idx="2"/>
+          </p:nvPr>
+        </p:nvSpPr>
+        <p:spPr>
+          <a:xfrm>
+            <a:off x="1143000" y="685800"/>
+            <a:ext cx="4572000" cy="3429000"/>
+          </a:xfrm>
+          <a:custGeom>
+            <a:avLst/>
+            <a:gdLst/>
+            <a:ahLst/>
+            <a:cxnLst/>
+            <a:rect l="l" t="t" r="r" b="b"/>
+            <a:pathLst>
+              <a:path w="120000" h="120000" extrusionOk="0">
+                <a:moveTo>
+                  <a:pt x="0" y="0"/>
+                </a:moveTo>
+                <a:lnTo>
+                  <a:pt x="120000" y="0"/>
+                </a:lnTo>
+                <a:lnTo>
+                  <a:pt x="120000" y="120000"/>
+                </a:lnTo>
+                <a:lnTo>
+                  <a:pt x="0" y="120000"/>
+                </a:lnTo>
+                <a:close/>
+              </a:path>
+            </a:pathLst>
+          </a:custGeom>
+        </p:spPr>
+      </p:sp>
+    </p:spTree>
+    <p:extLst>
+      <p:ext uri="{BB962C8B-B14F-4D97-AF65-F5344CB8AC3E}">
+        <p14:creationId xmlns:p14="http://schemas.microsoft.com/office/powerpoint/2010/main" val="55546708"/>
+      </p:ext>
+    </p:extLst>
+  </p:cSld>
+  <p:clrMapOvr>
+    <a:masterClrMapping/>
+  </p:clrMapOvr>
+</p:notes>
+</file>
+
+<file path=ppt/notesSlides/notesSlide41.xml><?xml version="1.0" encoding="utf-8"?>
+<p:notes xmlns:a="http://schemas.openxmlformats.org/drawingml/2006/main" xmlns:r="http://schemas.openxmlformats.org/officeDocument/2006/relationships" xmlns:p="http://schemas.openxmlformats.org/presentationml/2006/main" showMasterSp="0" showMasterPhAnim="0">
+  <p:cSld>
+    <p:spTree>
+      <p:nvGrpSpPr>
+        <p:cNvPr id="1" name="Shape 55"/>
+        <p:cNvGrpSpPr/>
+        <p:nvPr/>
+      </p:nvGrpSpPr>
+      <p:grpSpPr>
+        <a:xfrm>
+          <a:off x="0" y="0"/>
+          <a:ext cx="0" cy="0"/>
+          <a:chOff x="0" y="0"/>
+          <a:chExt cx="0" cy="0"/>
+        </a:xfrm>
+      </p:grpSpPr>
+      <p:sp>
+        <p:nvSpPr>
+          <p:cNvPr id="56" name="Google Shape;56;p24:notes"/>
+          <p:cNvSpPr txBox="1">
+            <a:spLocks noGrp="1"/>
+          </p:cNvSpPr>
+          <p:nvPr>
+            <p:ph type="body" idx="1"/>
+          </p:nvPr>
+        </p:nvSpPr>
+        <p:spPr>
+          <a:xfrm>
+            <a:off x="685800" y="4343400"/>
+            <a:ext cx="5486400" cy="4114800"/>
+          </a:xfrm>
+          <a:prstGeom prst="rect">
+            <a:avLst/>
+          </a:prstGeom>
+        </p:spPr>
+        <p:txBody>
+          <a:bodyPr spcFirstLastPara="1" wrap="square" lIns="91425" tIns="45700" rIns="91425" bIns="45700" anchor="t" anchorCtr="0">
+            <a:noAutofit/>
+          </a:bodyPr>
+          <a:lstStyle/>
+          <a:p>
+            <a:pPr marL="0" lvl="0" indent="0" algn="l" rtl="0">
+              <a:spcBef>
+                <a:spcPts val="0"/>
+              </a:spcBef>
+              <a:spcAft>
+                <a:spcPts val="0"/>
+              </a:spcAft>
+              <a:buNone/>
+            </a:pPr>
+            <a:endParaRPr dirty="0"/>
+          </a:p>
+        </p:txBody>
+      </p:sp>
+      <p:sp>
+        <p:nvSpPr>
+          <p:cNvPr id="57" name="Google Shape;57;p24:notes"/>
+          <p:cNvSpPr>
+            <a:spLocks noGrp="1" noRot="1" noChangeAspect="1"/>
+          </p:cNvSpPr>
+          <p:nvPr>
+            <p:ph type="sldImg" idx="2"/>
+          </p:nvPr>
+        </p:nvSpPr>
+        <p:spPr>
+          <a:xfrm>
+            <a:off x="1143000" y="685800"/>
+            <a:ext cx="4572000" cy="3429000"/>
+          </a:xfrm>
+          <a:custGeom>
+            <a:avLst/>
+            <a:gdLst/>
+            <a:ahLst/>
+            <a:cxnLst/>
+            <a:rect l="l" t="t" r="r" b="b"/>
+            <a:pathLst>
+              <a:path w="120000" h="120000" extrusionOk="0">
+                <a:moveTo>
+                  <a:pt x="0" y="0"/>
+                </a:moveTo>
+                <a:lnTo>
+                  <a:pt x="120000" y="0"/>
+                </a:lnTo>
+                <a:lnTo>
+                  <a:pt x="120000" y="120000"/>
+                </a:lnTo>
+                <a:lnTo>
+                  <a:pt x="0" y="120000"/>
+                </a:lnTo>
+                <a:close/>
+              </a:path>
+            </a:pathLst>
+          </a:custGeom>
+        </p:spPr>
+      </p:sp>
+    </p:spTree>
+    <p:extLst>
+      <p:ext uri="{BB962C8B-B14F-4D97-AF65-F5344CB8AC3E}">
+        <p14:creationId xmlns:p14="http://schemas.microsoft.com/office/powerpoint/2010/main" val="2760260822"/>
+      </p:ext>
+    </p:extLst>
+  </p:cSld>
+  <p:clrMapOvr>
+    <a:masterClrMapping/>
+  </p:clrMapOvr>
+</p:notes>
+</file>
+
+<file path=ppt/notesSlides/notesSlide42.xml><?xml version="1.0" encoding="utf-8"?>
+<p:notes xmlns:a="http://schemas.openxmlformats.org/drawingml/2006/main" xmlns:r="http://schemas.openxmlformats.org/officeDocument/2006/relationships" xmlns:p="http://schemas.openxmlformats.org/presentationml/2006/main" showMasterSp="0" showMasterPhAnim="0">
+  <p:cSld>
+    <p:spTree>
+      <p:nvGrpSpPr>
+        <p:cNvPr id="1" name="Shape 55"/>
+        <p:cNvGrpSpPr/>
+        <p:nvPr/>
+      </p:nvGrpSpPr>
+      <p:grpSpPr>
+        <a:xfrm>
+          <a:off x="0" y="0"/>
+          <a:ext cx="0" cy="0"/>
+          <a:chOff x="0" y="0"/>
+          <a:chExt cx="0" cy="0"/>
+        </a:xfrm>
+      </p:grpSpPr>
+      <p:sp>
+        <p:nvSpPr>
+          <p:cNvPr id="56" name="Google Shape;56;p24:notes"/>
+          <p:cNvSpPr txBox="1">
+            <a:spLocks noGrp="1"/>
+          </p:cNvSpPr>
+          <p:nvPr>
+            <p:ph type="body" idx="1"/>
+          </p:nvPr>
+        </p:nvSpPr>
+        <p:spPr>
+          <a:xfrm>
+            <a:off x="685800" y="4343400"/>
+            <a:ext cx="5486400" cy="4114800"/>
+          </a:xfrm>
+          <a:prstGeom prst="rect">
+            <a:avLst/>
+          </a:prstGeom>
+        </p:spPr>
+        <p:txBody>
+          <a:bodyPr spcFirstLastPara="1" wrap="square" lIns="91425" tIns="45700" rIns="91425" bIns="45700" anchor="t" anchorCtr="0">
+            <a:noAutofit/>
+          </a:bodyPr>
+          <a:lstStyle/>
+          <a:p>
+            <a:pPr marL="0" lvl="0" indent="0" algn="l" rtl="0">
+              <a:spcBef>
+                <a:spcPts val="0"/>
+              </a:spcBef>
+              <a:spcAft>
+                <a:spcPts val="0"/>
+              </a:spcAft>
+              <a:buNone/>
+            </a:pPr>
+            <a:endParaRPr dirty="0"/>
+          </a:p>
+        </p:txBody>
+      </p:sp>
+      <p:sp>
+        <p:nvSpPr>
+          <p:cNvPr id="57" name="Google Shape;57;p24:notes"/>
+          <p:cNvSpPr>
+            <a:spLocks noGrp="1" noRot="1" noChangeAspect="1"/>
+          </p:cNvSpPr>
+          <p:nvPr>
+            <p:ph type="sldImg" idx="2"/>
+          </p:nvPr>
+        </p:nvSpPr>
+        <p:spPr>
+          <a:xfrm>
+            <a:off x="1143000" y="685800"/>
+            <a:ext cx="4572000" cy="3429000"/>
+          </a:xfrm>
+          <a:custGeom>
+            <a:avLst/>
+            <a:gdLst/>
+            <a:ahLst/>
+            <a:cxnLst/>
+            <a:rect l="l" t="t" r="r" b="b"/>
+            <a:pathLst>
+              <a:path w="120000" h="120000" extrusionOk="0">
+                <a:moveTo>
+                  <a:pt x="0" y="0"/>
+                </a:moveTo>
+                <a:lnTo>
+                  <a:pt x="120000" y="0"/>
+                </a:lnTo>
+                <a:lnTo>
+                  <a:pt x="120000" y="120000"/>
+                </a:lnTo>
+                <a:lnTo>
+                  <a:pt x="0" y="120000"/>
+                </a:lnTo>
+                <a:close/>
+              </a:path>
+            </a:pathLst>
+          </a:custGeom>
+        </p:spPr>
+      </p:sp>
+    </p:spTree>
+    <p:extLst>
+      <p:ext uri="{BB962C8B-B14F-4D97-AF65-F5344CB8AC3E}">
+        <p14:creationId xmlns:p14="http://schemas.microsoft.com/office/powerpoint/2010/main" val="62834936"/>
+      </p:ext>
+    </p:extLst>
+  </p:cSld>
+  <p:clrMapOvr>
+    <a:masterClrMapping/>
+  </p:clrMapOvr>
+</p:notes>
+</file>
+
+<file path=ppt/notesSlides/notesSlide43.xml><?xml version="1.0" encoding="utf-8"?>
+<p:notes xmlns:a="http://schemas.openxmlformats.org/drawingml/2006/main" xmlns:r="http://schemas.openxmlformats.org/officeDocument/2006/relationships" xmlns:p="http://schemas.openxmlformats.org/presentationml/2006/main" showMasterSp="0" showMasterPhAnim="0">
+  <p:cSld>
+    <p:spTree>
+      <p:nvGrpSpPr>
+        <p:cNvPr id="1" name="Shape 244"/>
+        <p:cNvGrpSpPr/>
+        <p:nvPr/>
+      </p:nvGrpSpPr>
+      <p:grpSpPr>
+        <a:xfrm>
+          <a:off x="0" y="0"/>
+          <a:ext cx="0" cy="0"/>
+          <a:chOff x="0" y="0"/>
+          <a:chExt cx="0" cy="0"/>
+        </a:xfrm>
+      </p:grpSpPr>
+      <p:sp>
+        <p:nvSpPr>
+          <p:cNvPr id="245" name="Google Shape;245;p37:notes"/>
+          <p:cNvSpPr txBox="1">
+            <a:spLocks noGrp="1"/>
+          </p:cNvSpPr>
+          <p:nvPr>
+            <p:ph type="body" idx="1"/>
+          </p:nvPr>
+        </p:nvSpPr>
+        <p:spPr>
+          <a:xfrm>
+            <a:off x="685800" y="4343400"/>
+            <a:ext cx="5486400" cy="4114800"/>
+          </a:xfrm>
+          <a:prstGeom prst="rect">
+            <a:avLst/>
+          </a:prstGeom>
+        </p:spPr>
+        <p:txBody>
+          <a:bodyPr spcFirstLastPara="1" wrap="square" lIns="91425" tIns="45700" rIns="91425" bIns="45700" anchor="t" anchorCtr="0">
+            <a:noAutofit/>
+          </a:bodyPr>
+          <a:lstStyle/>
+          <a:p>
+            <a:pPr marL="0" lvl="0" indent="0" algn="l" rtl="0">
+              <a:spcBef>
+                <a:spcPts val="0"/>
+              </a:spcBef>
+              <a:spcAft>
+                <a:spcPts val="0"/>
+              </a:spcAft>
+              <a:buNone/>
+            </a:pPr>
+            <a:endParaRPr/>
+          </a:p>
+        </p:txBody>
+      </p:sp>
+      <p:sp>
+        <p:nvSpPr>
+          <p:cNvPr id="246" name="Google Shape;246;p37:notes"/>
+          <p:cNvSpPr>
+            <a:spLocks noGrp="1" noRot="1" noChangeAspect="1"/>
+          </p:cNvSpPr>
+          <p:nvPr>
+            <p:ph type="sldImg" idx="2"/>
+          </p:nvPr>
+        </p:nvSpPr>
+        <p:spPr>
+          <a:xfrm>
+            <a:off x="1143000" y="685800"/>
+            <a:ext cx="4572000" cy="3429000"/>
+          </a:xfrm>
+          <a:custGeom>
+            <a:avLst/>
+            <a:gdLst/>
+            <a:ahLst/>
+            <a:cxnLst/>
+            <a:rect l="l" t="t" r="r" b="b"/>
+            <a:pathLst>
+              <a:path w="120000" h="120000" extrusionOk="0">
+                <a:moveTo>
+                  <a:pt x="0" y="0"/>
+                </a:moveTo>
+                <a:lnTo>
+                  <a:pt x="120000" y="0"/>
+                </a:lnTo>
+                <a:lnTo>
+                  <a:pt x="120000" y="120000"/>
+                </a:lnTo>
+                <a:lnTo>
+                  <a:pt x="0" y="120000"/>
+                </a:lnTo>
+                <a:close/>
+              </a:path>
+            </a:pathLst>
+          </a:custGeom>
+        </p:spPr>
+      </p:sp>
+    </p:spTree>
+    <p:extLst>
+      <p:ext uri="{BB962C8B-B14F-4D97-AF65-F5344CB8AC3E}">
+        <p14:creationId xmlns:p14="http://schemas.microsoft.com/office/powerpoint/2010/main" val="758362680"/>
+      </p:ext>
+    </p:extLst>
+  </p:cSld>
+  <p:clrMapOvr>
+    <a:masterClrMapping/>
+  </p:clrMapOvr>
+</p:notes>
+</file>
+
+<file path=ppt/notesSlides/notesSlide44.xml><?xml version="1.0" encoding="utf-8"?>
+<p:notes xmlns:a="http://schemas.openxmlformats.org/drawingml/2006/main" xmlns:r="http://schemas.openxmlformats.org/officeDocument/2006/relationships" xmlns:p="http://schemas.openxmlformats.org/presentationml/2006/main" showMasterSp="0" showMasterPhAnim="0">
+  <p:cSld>
+    <p:spTree>
+      <p:nvGrpSpPr>
+        <p:cNvPr id="1" name="Shape 244"/>
+        <p:cNvGrpSpPr/>
+        <p:nvPr/>
+      </p:nvGrpSpPr>
+      <p:grpSpPr>
+        <a:xfrm>
+          <a:off x="0" y="0"/>
+          <a:ext cx="0" cy="0"/>
+          <a:chOff x="0" y="0"/>
+          <a:chExt cx="0" cy="0"/>
+        </a:xfrm>
+      </p:grpSpPr>
+      <p:sp>
+        <p:nvSpPr>
+          <p:cNvPr id="245" name="Google Shape;245;p37:notes"/>
+          <p:cNvSpPr txBox="1">
+            <a:spLocks noGrp="1"/>
+          </p:cNvSpPr>
+          <p:nvPr>
+            <p:ph type="body" idx="1"/>
+          </p:nvPr>
+        </p:nvSpPr>
+        <p:spPr>
+          <a:xfrm>
+            <a:off x="685800" y="4343400"/>
+            <a:ext cx="5486400" cy="4114800"/>
+          </a:xfrm>
+          <a:prstGeom prst="rect">
+            <a:avLst/>
+          </a:prstGeom>
+        </p:spPr>
+        <p:txBody>
+          <a:bodyPr spcFirstLastPara="1" wrap="square" lIns="91425" tIns="45700" rIns="91425" bIns="45700" anchor="t" anchorCtr="0">
+            <a:noAutofit/>
+          </a:bodyPr>
+          <a:lstStyle/>
+          <a:p>
+            <a:pPr marL="0" lvl="0" indent="0" algn="l" rtl="0">
+              <a:spcBef>
+                <a:spcPts val="0"/>
+              </a:spcBef>
+              <a:spcAft>
+                <a:spcPts val="0"/>
+              </a:spcAft>
+              <a:buNone/>
+            </a:pPr>
+            <a:endParaRPr/>
+          </a:p>
+        </p:txBody>
+      </p:sp>
+      <p:sp>
+        <p:nvSpPr>
+          <p:cNvPr id="246" name="Google Shape;246;p37:notes"/>
+          <p:cNvSpPr>
+            <a:spLocks noGrp="1" noRot="1" noChangeAspect="1"/>
+          </p:cNvSpPr>
+          <p:nvPr>
+            <p:ph type="sldImg" idx="2"/>
+          </p:nvPr>
+        </p:nvSpPr>
+        <p:spPr>
+          <a:xfrm>
+            <a:off x="1143000" y="685800"/>
+            <a:ext cx="4572000" cy="3429000"/>
+          </a:xfrm>
+          <a:custGeom>
+            <a:avLst/>
+            <a:gdLst/>
+            <a:ahLst/>
+            <a:cxnLst/>
+            <a:rect l="l" t="t" r="r" b="b"/>
+            <a:pathLst>
+              <a:path w="120000" h="120000" extrusionOk="0">
+                <a:moveTo>
+                  <a:pt x="0" y="0"/>
+                </a:moveTo>
+                <a:lnTo>
+                  <a:pt x="120000" y="0"/>
+                </a:lnTo>
+                <a:lnTo>
+                  <a:pt x="120000" y="120000"/>
+                </a:lnTo>
+                <a:lnTo>
+                  <a:pt x="0" y="120000"/>
+                </a:lnTo>
+                <a:close/>
+              </a:path>
+            </a:pathLst>
+          </a:custGeom>
+        </p:spPr>
+      </p:sp>
+    </p:spTree>
+    <p:extLst>
+      <p:ext uri="{BB962C8B-B14F-4D97-AF65-F5344CB8AC3E}">
+        <p14:creationId xmlns:p14="http://schemas.microsoft.com/office/powerpoint/2010/main" val="52347336"/>
+      </p:ext>
+    </p:extLst>
   </p:cSld>
   <p:clrMapOvr>
     <a:masterClrMapping/>
@@ -11314,7 +13946,7 @@
         <p:spPr>
           <a:xfrm>
             <a:off x="311075" y="1447800"/>
-            <a:ext cx="8394300" cy="5129569"/>
+            <a:ext cx="8394300" cy="4226758"/>
           </a:xfrm>
           <a:prstGeom prst="rect">
             <a:avLst/>
@@ -11599,22 +14231,7 @@
             </a:r>
             <a:r>
               <a:rPr lang="fr-FR" sz="1600" b="1" dirty="0"/>
-              <a:t>=amd64] https://download.docker.com/linux/ubuntu \</a:t>
-            </a:r>
-          </a:p>
-          <a:p>
-            <a:pPr lvl="0">
-              <a:spcBef>
-                <a:spcPts val="1600"/>
-              </a:spcBef>
-              <a:buClr>
-                <a:schemeClr val="dk1"/>
-              </a:buClr>
-              <a:buSzPts val="1800"/>
-            </a:pPr>
-            <a:r>
-              <a:rPr lang="fr-FR" sz="1600" b="1" dirty="0"/>
-              <a:t>   $(</a:t>
+              <a:t>=amd64] https://download.docker.com/linux/ubuntu $(</a:t>
             </a:r>
             <a:r>
               <a:rPr lang="fr-FR" sz="1600" b="1" dirty="0" err="1"/>
@@ -11630,22 +14247,7 @@
             </a:r>
             <a:r>
               <a:rPr lang="fr-FR" sz="1600" b="1" dirty="0"/>
-              <a:t>) \</a:t>
-            </a:r>
-          </a:p>
-          <a:p>
-            <a:pPr lvl="0">
-              <a:spcBef>
-                <a:spcPts val="1600"/>
-              </a:spcBef>
-              <a:buClr>
-                <a:schemeClr val="dk1"/>
-              </a:buClr>
-              <a:buSzPts val="1800"/>
-            </a:pPr>
-            <a:r>
-              <a:rPr lang="fr-FR" sz="1600" b="1" dirty="0"/>
-              <a:t>   stable« </a:t>
+              <a:t>)  stable"</a:t>
             </a:r>
           </a:p>
           <a:p>
@@ -11969,9 +14571,114 @@
           </a:bodyPr>
           <a:lstStyle/>
           <a:p>
-            <a:pPr marL="0" lvl="0" indent="0" algn="ctr" rtl="0">
+            <a:pPr lvl="0" algn="ctr"/>
+            <a:r>
+              <a:rPr lang="fr-FR" dirty="0"/>
+              <a:t>Backup/restore</a:t>
+            </a:r>
+            <a:endParaRPr dirty="0"/>
+          </a:p>
+        </p:txBody>
+      </p:sp>
+    </p:spTree>
+  </p:cSld>
+  <p:clrMapOvr>
+    <a:masterClrMapping/>
+  </p:clrMapOvr>
+</p:sld>
+</file>
+
+<file path=ppt/slides/slide22.xml><?xml version="1.0" encoding="utf-8"?>
+<p:sld xmlns:a="http://schemas.openxmlformats.org/drawingml/2006/main" xmlns:r="http://schemas.openxmlformats.org/officeDocument/2006/relationships" xmlns:p="http://schemas.openxmlformats.org/presentationml/2006/main">
+  <p:cSld>
+    <p:spTree>
+      <p:nvGrpSpPr>
+        <p:cNvPr id="1" name="Shape 58"/>
+        <p:cNvGrpSpPr/>
+        <p:nvPr/>
+      </p:nvGrpSpPr>
+      <p:grpSpPr>
+        <a:xfrm>
+          <a:off x="0" y="0"/>
+          <a:ext cx="0" cy="0"/>
+          <a:chOff x="0" y="0"/>
+          <a:chExt cx="0" cy="0"/>
+        </a:xfrm>
+      </p:grpSpPr>
+      <p:sp>
+        <p:nvSpPr>
+          <p:cNvPr id="59" name="Google Shape;59;p24"/>
+          <p:cNvSpPr txBox="1">
+            <a:spLocks noGrp="1"/>
+          </p:cNvSpPr>
+          <p:nvPr>
+            <p:ph type="title"/>
+          </p:nvPr>
+        </p:nvSpPr>
+        <p:spPr>
+          <a:xfrm>
+            <a:off x="628650" y="258762"/>
+            <a:ext cx="7886700" cy="473075"/>
+          </a:xfrm>
+          <a:prstGeom prst="rect">
+            <a:avLst/>
+          </a:prstGeom>
+          <a:noFill/>
+          <a:ln>
+            <a:noFill/>
+          </a:ln>
+        </p:spPr>
+        <p:txBody>
+          <a:bodyPr spcFirstLastPara="1" wrap="square" lIns="91425" tIns="45700" rIns="91425" bIns="45700" anchor="ctr" anchorCtr="0">
+            <a:noAutofit/>
+          </a:bodyPr>
+          <a:lstStyle/>
+          <a:p>
+            <a:pPr algn="ctr"/>
+            <a:r>
+              <a:rPr lang="fr-FR" dirty="0"/>
+              <a:t>Backup avec </a:t>
+            </a:r>
+            <a:r>
+              <a:rPr lang="fr-FR" dirty="0" err="1"/>
+              <a:t>mysqldump</a:t>
+            </a:r>
+            <a:endParaRPr lang="fr-FR" b="1" dirty="0">
+              <a:highlight>
+                <a:srgbClr val="FFFFFF"/>
+              </a:highlight>
+            </a:endParaRPr>
+          </a:p>
+        </p:txBody>
+      </p:sp>
+      <p:sp>
+        <p:nvSpPr>
+          <p:cNvPr id="60" name="Google Shape;60;p24"/>
+          <p:cNvSpPr txBox="1"/>
+          <p:nvPr/>
+        </p:nvSpPr>
+        <p:spPr>
+          <a:xfrm>
+            <a:off x="6457950" y="6356350"/>
+            <a:ext cx="2057400" cy="365125"/>
+          </a:xfrm>
+          <a:prstGeom prst="rect">
+            <a:avLst/>
+          </a:prstGeom>
+          <a:noFill/>
+          <a:ln>
+            <a:noFill/>
+          </a:ln>
+        </p:spPr>
+        <p:txBody>
+          <a:bodyPr spcFirstLastPara="1" wrap="square" lIns="91425" tIns="45700" rIns="91425" bIns="45700" anchor="ctr" anchorCtr="0">
+            <a:noAutofit/>
+          </a:bodyPr>
+          <a:lstStyle/>
+          <a:p>
+            <a:pPr marL="0" marR="0" lvl="0" indent="0" algn="r" rtl="0">
               <a:lnSpc>
-                <a:spcPct val="90000"/>
+                <a:spcPct val="100000"/>
               </a:lnSpc>
               <a:spcBef>
                 <a:spcPts val="0"/>
@@ -11980,29 +14687,2192 @@
                 <a:spcPts val="0"/>
               </a:spcAft>
               <a:buClr>
-                <a:schemeClr val="dk1"/>
+                <a:schemeClr val="lt1"/>
               </a:buClr>
-              <a:buSzPts val="4000"/>
-              <a:buFont typeface="Calibri"/>
+              <a:buSzPts val="900"/>
+              <a:buFont typeface="Arial"/>
               <a:buNone/>
             </a:pPr>
-            <a:r>
-              <a:rPr lang="en-US" sz="4000" b="1" i="0" u="none">
+            <a:fld id="{00000000-1234-1234-1234-123412341234}" type="slidenum">
+              <a:rPr lang="en-US" sz="900" b="0" i="0" u="none" strike="noStrike" cap="none">
                 <a:solidFill>
-                  <a:schemeClr val="dk1"/>
+                  <a:schemeClr val="lt1"/>
                 </a:solidFill>
-                <a:latin typeface="Calibri"/>
-                <a:ea typeface="Calibri"/>
-                <a:cs typeface="Calibri"/>
-                <a:sym typeface="Calibri"/>
+                <a:latin typeface="Arial"/>
+                <a:ea typeface="Arial"/>
+                <a:cs typeface="Arial"/>
+                <a:sym typeface="Arial"/>
               </a:rPr>
-              <a:t>Thank you</a:t>
-            </a:r>
+              <a:t>22</a:t>
+            </a:fld>
             <a:endParaRPr/>
           </a:p>
         </p:txBody>
       </p:sp>
+      <p:pic>
+        <p:nvPicPr>
+          <p:cNvPr id="2" name="Picture 1">
+            <a:extLst>
+              <a:ext uri="{FF2B5EF4-FFF2-40B4-BE49-F238E27FC236}">
+                <a16:creationId xmlns:a16="http://schemas.microsoft.com/office/drawing/2014/main" id="{45FA75DA-8406-48CA-9A20-7A199E8249E0}"/>
+              </a:ext>
+            </a:extLst>
+          </p:cNvPr>
+          <p:cNvPicPr>
+            <a:picLocks noChangeAspect="1"/>
+          </p:cNvPicPr>
+          <p:nvPr/>
+        </p:nvPicPr>
+        <p:blipFill>
+          <a:blip r:embed="rId3"/>
+          <a:stretch>
+            <a:fillRect/>
+          </a:stretch>
+        </p:blipFill>
+        <p:spPr>
+          <a:xfrm>
+            <a:off x="0" y="868362"/>
+            <a:ext cx="9144000" cy="5989638"/>
+          </a:xfrm>
+          <a:prstGeom prst="rect">
+            <a:avLst/>
+          </a:prstGeom>
+        </p:spPr>
+      </p:pic>
     </p:spTree>
+    <p:extLst>
+      <p:ext uri="{BB962C8B-B14F-4D97-AF65-F5344CB8AC3E}">
+        <p14:creationId xmlns:p14="http://schemas.microsoft.com/office/powerpoint/2010/main" val="3318774177"/>
+      </p:ext>
+    </p:extLst>
+  </p:cSld>
+  <p:clrMapOvr>
+    <a:masterClrMapping/>
+  </p:clrMapOvr>
+</p:sld>
+</file>
+
+<file path=ppt/slides/slide23.xml><?xml version="1.0" encoding="utf-8"?>
+<p:sld xmlns:a="http://schemas.openxmlformats.org/drawingml/2006/main" xmlns:r="http://schemas.openxmlformats.org/officeDocument/2006/relationships" xmlns:p="http://schemas.openxmlformats.org/presentationml/2006/main">
+  <p:cSld>
+    <p:spTree>
+      <p:nvGrpSpPr>
+        <p:cNvPr id="1" name="Shape 58"/>
+        <p:cNvGrpSpPr/>
+        <p:nvPr/>
+      </p:nvGrpSpPr>
+      <p:grpSpPr>
+        <a:xfrm>
+          <a:off x="0" y="0"/>
+          <a:ext cx="0" cy="0"/>
+          <a:chOff x="0" y="0"/>
+          <a:chExt cx="0" cy="0"/>
+        </a:xfrm>
+      </p:grpSpPr>
+      <p:sp>
+        <p:nvSpPr>
+          <p:cNvPr id="59" name="Google Shape;59;p24"/>
+          <p:cNvSpPr txBox="1">
+            <a:spLocks noGrp="1"/>
+          </p:cNvSpPr>
+          <p:nvPr>
+            <p:ph type="title"/>
+          </p:nvPr>
+        </p:nvSpPr>
+        <p:spPr>
+          <a:xfrm>
+            <a:off x="628650" y="258762"/>
+            <a:ext cx="7886700" cy="473075"/>
+          </a:xfrm>
+          <a:prstGeom prst="rect">
+            <a:avLst/>
+          </a:prstGeom>
+          <a:noFill/>
+          <a:ln>
+            <a:noFill/>
+          </a:ln>
+        </p:spPr>
+        <p:txBody>
+          <a:bodyPr spcFirstLastPara="1" wrap="square" lIns="91425" tIns="45700" rIns="91425" bIns="45700" anchor="ctr" anchorCtr="0">
+            <a:noAutofit/>
+          </a:bodyPr>
+          <a:lstStyle/>
+          <a:p>
+            <a:pPr algn="ctr"/>
+            <a:r>
+              <a:rPr lang="fr-FR" dirty="0"/>
+              <a:t>Backup avec </a:t>
+            </a:r>
+            <a:r>
+              <a:rPr lang="fr-FR" dirty="0" err="1"/>
+              <a:t>mysqldump</a:t>
+            </a:r>
+            <a:endParaRPr lang="fr-FR" b="1" dirty="0">
+              <a:highlight>
+                <a:srgbClr val="FFFFFF"/>
+              </a:highlight>
+            </a:endParaRPr>
+          </a:p>
+        </p:txBody>
+      </p:sp>
+      <p:sp>
+        <p:nvSpPr>
+          <p:cNvPr id="60" name="Google Shape;60;p24"/>
+          <p:cNvSpPr txBox="1"/>
+          <p:nvPr/>
+        </p:nvSpPr>
+        <p:spPr>
+          <a:xfrm>
+            <a:off x="6457950" y="6356350"/>
+            <a:ext cx="2057400" cy="365125"/>
+          </a:xfrm>
+          <a:prstGeom prst="rect">
+            <a:avLst/>
+          </a:prstGeom>
+          <a:noFill/>
+          <a:ln>
+            <a:noFill/>
+          </a:ln>
+        </p:spPr>
+        <p:txBody>
+          <a:bodyPr spcFirstLastPara="1" wrap="square" lIns="91425" tIns="45700" rIns="91425" bIns="45700" anchor="ctr" anchorCtr="0">
+            <a:noAutofit/>
+          </a:bodyPr>
+          <a:lstStyle/>
+          <a:p>
+            <a:pPr marL="0" marR="0" lvl="0" indent="0" algn="r" rtl="0">
+              <a:lnSpc>
+                <a:spcPct val="100000"/>
+              </a:lnSpc>
+              <a:spcBef>
+                <a:spcPts val="0"/>
+              </a:spcBef>
+              <a:spcAft>
+                <a:spcPts val="0"/>
+              </a:spcAft>
+              <a:buClr>
+                <a:schemeClr val="lt1"/>
+              </a:buClr>
+              <a:buSzPts val="900"/>
+              <a:buFont typeface="Arial"/>
+              <a:buNone/>
+            </a:pPr>
+            <a:fld id="{00000000-1234-1234-1234-123412341234}" type="slidenum">
+              <a:rPr lang="en-US" sz="900" b="0" i="0" u="none" strike="noStrike" cap="none">
+                <a:solidFill>
+                  <a:schemeClr val="lt1"/>
+                </a:solidFill>
+                <a:latin typeface="Arial"/>
+                <a:ea typeface="Arial"/>
+                <a:cs typeface="Arial"/>
+                <a:sym typeface="Arial"/>
+              </a:rPr>
+              <a:t>23</a:t>
+            </a:fld>
+            <a:endParaRPr/>
+          </a:p>
+        </p:txBody>
+      </p:sp>
+      <p:sp>
+        <p:nvSpPr>
+          <p:cNvPr id="3" name="Rectangle 2">
+            <a:extLst>
+              <a:ext uri="{FF2B5EF4-FFF2-40B4-BE49-F238E27FC236}">
+                <a16:creationId xmlns:a16="http://schemas.microsoft.com/office/drawing/2014/main" id="{6B1A4F7A-82F5-41DD-9B93-6C419CF59DCA}"/>
+              </a:ext>
+            </a:extLst>
+          </p:cNvPr>
+          <p:cNvSpPr/>
+          <p:nvPr/>
+        </p:nvSpPr>
+        <p:spPr>
+          <a:xfrm>
+            <a:off x="419753" y="1226178"/>
+            <a:ext cx="8233180" cy="369332"/>
+          </a:xfrm>
+          <a:prstGeom prst="rect">
+            <a:avLst/>
+          </a:prstGeom>
+        </p:spPr>
+        <p:txBody>
+          <a:bodyPr wrap="square">
+            <a:spAutoFit/>
+          </a:bodyPr>
+          <a:lstStyle/>
+          <a:p>
+            <a:pPr marL="285750" indent="-285750">
+              <a:buFont typeface="Wingdings" panose="05000000000000000000" pitchFamily="2" charset="2"/>
+              <a:buChar char="ü"/>
+            </a:pPr>
+            <a:r>
+              <a:rPr lang="fr-FR" sz="1800" dirty="0"/>
+              <a:t>Spécifier le nom d’utilisateur et le mot de passe</a:t>
+            </a:r>
+          </a:p>
+        </p:txBody>
+      </p:sp>
+      <p:sp>
+        <p:nvSpPr>
+          <p:cNvPr id="4" name="Rectangle 3">
+            <a:extLst>
+              <a:ext uri="{FF2B5EF4-FFF2-40B4-BE49-F238E27FC236}">
+                <a16:creationId xmlns:a16="http://schemas.microsoft.com/office/drawing/2014/main" id="{501B05CA-5EB1-42C8-8BE7-D6D6EFEA91FB}"/>
+              </a:ext>
+            </a:extLst>
+          </p:cNvPr>
+          <p:cNvSpPr/>
+          <p:nvPr/>
+        </p:nvSpPr>
+        <p:spPr>
+          <a:xfrm>
+            <a:off x="419753" y="2717800"/>
+            <a:ext cx="8724247" cy="646331"/>
+          </a:xfrm>
+          <a:prstGeom prst="rect">
+            <a:avLst/>
+          </a:prstGeom>
+        </p:spPr>
+        <p:txBody>
+          <a:bodyPr wrap="square">
+            <a:spAutoFit/>
+          </a:bodyPr>
+          <a:lstStyle/>
+          <a:p>
+            <a:pPr marL="285750" indent="-285750">
+              <a:buFont typeface="Wingdings" panose="05000000000000000000" pitchFamily="2" charset="2"/>
+              <a:buChar char="ü"/>
+            </a:pPr>
+            <a:r>
+              <a:rPr lang="fr-FR" sz="1800" dirty="0"/>
+              <a:t>Si vous avez besoin de spécifier le mot de passe sur la ligne de commande (par ex. dans un script), vous pouvez l’ajouter après l’option -p sans un espace :</a:t>
+            </a:r>
+          </a:p>
+        </p:txBody>
+      </p:sp>
+      <p:pic>
+        <p:nvPicPr>
+          <p:cNvPr id="5" name="Picture 4">
+            <a:extLst>
+              <a:ext uri="{FF2B5EF4-FFF2-40B4-BE49-F238E27FC236}">
+                <a16:creationId xmlns:a16="http://schemas.microsoft.com/office/drawing/2014/main" id="{42040F5B-4C9D-4627-996F-B49837ADB041}"/>
+              </a:ext>
+            </a:extLst>
+          </p:cNvPr>
+          <p:cNvPicPr>
+            <a:picLocks noChangeAspect="1"/>
+          </p:cNvPicPr>
+          <p:nvPr/>
+        </p:nvPicPr>
+        <p:blipFill>
+          <a:blip r:embed="rId3"/>
+          <a:stretch>
+            <a:fillRect/>
+          </a:stretch>
+        </p:blipFill>
+        <p:spPr>
+          <a:xfrm>
+            <a:off x="419753" y="3590249"/>
+            <a:ext cx="8436380" cy="485676"/>
+          </a:xfrm>
+          <a:prstGeom prst="rect">
+            <a:avLst/>
+          </a:prstGeom>
+        </p:spPr>
+      </p:pic>
+      <p:pic>
+        <p:nvPicPr>
+          <p:cNvPr id="6" name="Picture 5">
+            <a:extLst>
+              <a:ext uri="{FF2B5EF4-FFF2-40B4-BE49-F238E27FC236}">
+                <a16:creationId xmlns:a16="http://schemas.microsoft.com/office/drawing/2014/main" id="{4324B9E0-1A4D-4354-9E94-E2044186D9E9}"/>
+              </a:ext>
+            </a:extLst>
+          </p:cNvPr>
+          <p:cNvPicPr>
+            <a:picLocks noChangeAspect="1"/>
+          </p:cNvPicPr>
+          <p:nvPr/>
+        </p:nvPicPr>
+        <p:blipFill>
+          <a:blip r:embed="rId4"/>
+          <a:stretch>
+            <a:fillRect/>
+          </a:stretch>
+        </p:blipFill>
+        <p:spPr>
+          <a:xfrm>
+            <a:off x="419753" y="1802725"/>
+            <a:ext cx="5875736" cy="646331"/>
+          </a:xfrm>
+          <a:prstGeom prst="rect">
+            <a:avLst/>
+          </a:prstGeom>
+        </p:spPr>
+      </p:pic>
+      <p:sp>
+        <p:nvSpPr>
+          <p:cNvPr id="7" name="Rectangle 6">
+            <a:extLst>
+              <a:ext uri="{FF2B5EF4-FFF2-40B4-BE49-F238E27FC236}">
+                <a16:creationId xmlns:a16="http://schemas.microsoft.com/office/drawing/2014/main" id="{DE7689B2-30AB-41F6-9ADE-0B4055FEDCBE}"/>
+              </a:ext>
+            </a:extLst>
+          </p:cNvPr>
+          <p:cNvSpPr/>
+          <p:nvPr/>
+        </p:nvSpPr>
+        <p:spPr>
+          <a:xfrm>
+            <a:off x="419752" y="4317178"/>
+            <a:ext cx="8436379" cy="1477328"/>
+          </a:xfrm>
+          <a:prstGeom prst="rect">
+            <a:avLst/>
+          </a:prstGeom>
+        </p:spPr>
+        <p:txBody>
+          <a:bodyPr wrap="square">
+            <a:spAutoFit/>
+          </a:bodyPr>
+          <a:lstStyle/>
+          <a:p>
+            <a:pPr marL="285750" indent="-285750">
+              <a:buFont typeface="Wingdings" panose="05000000000000000000" pitchFamily="2" charset="2"/>
+              <a:buChar char="ü"/>
+            </a:pPr>
+            <a:r>
+              <a:rPr lang="fr-FR" sz="1800" dirty="0"/>
+              <a:t>Si votre mot de passe contient des espaces ou des caractères spéciaux, n’oubliez pas d’utiliser la fonction d’échappement en fonction de votre </a:t>
+            </a:r>
+            <a:r>
+              <a:rPr lang="fr-FR" sz="1800" dirty="0" err="1"/>
+              <a:t>shell</a:t>
+            </a:r>
+            <a:r>
+              <a:rPr lang="fr-FR" sz="1800" dirty="0"/>
+              <a:t>/système.</a:t>
+            </a:r>
+          </a:p>
+          <a:p>
+            <a:endParaRPr lang="fr-FR" sz="1800" dirty="0"/>
+          </a:p>
+          <a:p>
+            <a:pPr marL="285750" indent="-285750">
+              <a:buFont typeface="Wingdings" panose="05000000000000000000" pitchFamily="2" charset="2"/>
+              <a:buChar char="ü"/>
+            </a:pPr>
+            <a:r>
+              <a:rPr lang="fr-FR" sz="1800" dirty="0"/>
+              <a:t>En option, le forme étendue est :</a:t>
+            </a:r>
+          </a:p>
+        </p:txBody>
+      </p:sp>
+      <p:pic>
+        <p:nvPicPr>
+          <p:cNvPr id="8" name="Picture 7">
+            <a:extLst>
+              <a:ext uri="{FF2B5EF4-FFF2-40B4-BE49-F238E27FC236}">
+                <a16:creationId xmlns:a16="http://schemas.microsoft.com/office/drawing/2014/main" id="{8C108154-1246-4D64-BE06-B29CE53ACCBD}"/>
+              </a:ext>
+            </a:extLst>
+          </p:cNvPr>
+          <p:cNvPicPr>
+            <a:picLocks noChangeAspect="1"/>
+          </p:cNvPicPr>
+          <p:nvPr/>
+        </p:nvPicPr>
+        <p:blipFill>
+          <a:blip r:embed="rId5"/>
+          <a:stretch>
+            <a:fillRect/>
+          </a:stretch>
+        </p:blipFill>
+        <p:spPr>
+          <a:xfrm>
+            <a:off x="131884" y="6035759"/>
+            <a:ext cx="8724247" cy="488039"/>
+          </a:xfrm>
+          <a:prstGeom prst="rect">
+            <a:avLst/>
+          </a:prstGeom>
+        </p:spPr>
+      </p:pic>
+    </p:spTree>
+    <p:extLst>
+      <p:ext uri="{BB962C8B-B14F-4D97-AF65-F5344CB8AC3E}">
+        <p14:creationId xmlns:p14="http://schemas.microsoft.com/office/powerpoint/2010/main" val="441410302"/>
+      </p:ext>
+    </p:extLst>
+  </p:cSld>
+  <p:clrMapOvr>
+    <a:masterClrMapping/>
+  </p:clrMapOvr>
+</p:sld>
+</file>
+
+<file path=ppt/slides/slide24.xml><?xml version="1.0" encoding="utf-8"?>
+<p:sld xmlns:a="http://schemas.openxmlformats.org/drawingml/2006/main" xmlns:r="http://schemas.openxmlformats.org/officeDocument/2006/relationships" xmlns:p="http://schemas.openxmlformats.org/presentationml/2006/main">
+  <p:cSld>
+    <p:spTree>
+      <p:nvGrpSpPr>
+        <p:cNvPr id="1" name="Shape 58"/>
+        <p:cNvGrpSpPr/>
+        <p:nvPr/>
+      </p:nvGrpSpPr>
+      <p:grpSpPr>
+        <a:xfrm>
+          <a:off x="0" y="0"/>
+          <a:ext cx="0" cy="0"/>
+          <a:chOff x="0" y="0"/>
+          <a:chExt cx="0" cy="0"/>
+        </a:xfrm>
+      </p:grpSpPr>
+      <p:sp>
+        <p:nvSpPr>
+          <p:cNvPr id="59" name="Google Shape;59;p24"/>
+          <p:cNvSpPr txBox="1">
+            <a:spLocks noGrp="1"/>
+          </p:cNvSpPr>
+          <p:nvPr>
+            <p:ph type="title"/>
+          </p:nvPr>
+        </p:nvSpPr>
+        <p:spPr>
+          <a:xfrm>
+            <a:off x="581201" y="401676"/>
+            <a:ext cx="7886700" cy="473075"/>
+          </a:xfrm>
+          <a:prstGeom prst="rect">
+            <a:avLst/>
+          </a:prstGeom>
+          <a:noFill/>
+          <a:ln>
+            <a:noFill/>
+          </a:ln>
+        </p:spPr>
+        <p:txBody>
+          <a:bodyPr spcFirstLastPara="1" wrap="square" lIns="91425" tIns="45700" rIns="91425" bIns="45700" anchor="ctr" anchorCtr="0">
+            <a:noAutofit/>
+          </a:bodyPr>
+          <a:lstStyle/>
+          <a:p>
+            <a:pPr algn="ctr"/>
+            <a:r>
+              <a:rPr lang="fr-FR" dirty="0" err="1"/>
+              <a:t>mysqldump</a:t>
+            </a:r>
+            <a:r>
+              <a:rPr lang="fr-FR" dirty="0"/>
+              <a:t> depuis un serveur distant avec compression</a:t>
+            </a:r>
+            <a:endParaRPr lang="fr-FR" b="1" dirty="0">
+              <a:highlight>
+                <a:srgbClr val="FFFFFF"/>
+              </a:highlight>
+            </a:endParaRPr>
+          </a:p>
+        </p:txBody>
+      </p:sp>
+      <p:sp>
+        <p:nvSpPr>
+          <p:cNvPr id="60" name="Google Shape;60;p24"/>
+          <p:cNvSpPr txBox="1"/>
+          <p:nvPr/>
+        </p:nvSpPr>
+        <p:spPr>
+          <a:xfrm>
+            <a:off x="6457950" y="6965952"/>
+            <a:ext cx="2057400" cy="365125"/>
+          </a:xfrm>
+          <a:prstGeom prst="rect">
+            <a:avLst/>
+          </a:prstGeom>
+          <a:noFill/>
+          <a:ln>
+            <a:noFill/>
+          </a:ln>
+        </p:spPr>
+        <p:txBody>
+          <a:bodyPr spcFirstLastPara="1" wrap="square" lIns="91425" tIns="45700" rIns="91425" bIns="45700" anchor="ctr" anchorCtr="0">
+            <a:noAutofit/>
+          </a:bodyPr>
+          <a:lstStyle/>
+          <a:p>
+            <a:pPr marL="0" marR="0" lvl="0" indent="0" algn="r" rtl="0">
+              <a:lnSpc>
+                <a:spcPct val="100000"/>
+              </a:lnSpc>
+              <a:spcBef>
+                <a:spcPts val="0"/>
+              </a:spcBef>
+              <a:spcAft>
+                <a:spcPts val="0"/>
+              </a:spcAft>
+              <a:buClr>
+                <a:schemeClr val="lt1"/>
+              </a:buClr>
+              <a:buSzPts val="900"/>
+              <a:buFont typeface="Arial"/>
+              <a:buNone/>
+            </a:pPr>
+            <a:fld id="{00000000-1234-1234-1234-123412341234}" type="slidenum">
+              <a:rPr lang="en-US" sz="900" b="0" i="0" u="none" strike="noStrike" cap="none">
+                <a:solidFill>
+                  <a:schemeClr val="lt1"/>
+                </a:solidFill>
+                <a:latin typeface="Arial"/>
+                <a:ea typeface="Arial"/>
+                <a:cs typeface="Arial"/>
+                <a:sym typeface="Arial"/>
+              </a:rPr>
+              <a:t>24</a:t>
+            </a:fld>
+            <a:endParaRPr/>
+          </a:p>
+        </p:txBody>
+      </p:sp>
+      <p:sp>
+        <p:nvSpPr>
+          <p:cNvPr id="3" name="Rectangle 2">
+            <a:extLst>
+              <a:ext uri="{FF2B5EF4-FFF2-40B4-BE49-F238E27FC236}">
+                <a16:creationId xmlns:a16="http://schemas.microsoft.com/office/drawing/2014/main" id="{90A8A43D-0647-4CED-B331-02E7873820ED}"/>
+              </a:ext>
+            </a:extLst>
+          </p:cNvPr>
+          <p:cNvSpPr/>
+          <p:nvPr/>
+        </p:nvSpPr>
+        <p:spPr>
+          <a:xfrm>
+            <a:off x="84321" y="1727202"/>
+            <a:ext cx="8796154" cy="646331"/>
+          </a:xfrm>
+          <a:prstGeom prst="rect">
+            <a:avLst/>
+          </a:prstGeom>
+        </p:spPr>
+        <p:txBody>
+          <a:bodyPr wrap="square">
+            <a:spAutoFit/>
+          </a:bodyPr>
+          <a:lstStyle/>
+          <a:p>
+            <a:pPr marL="342900" indent="-342900">
+              <a:buFont typeface="Wingdings" panose="05000000000000000000" pitchFamily="2" charset="2"/>
+              <a:buChar char="ü"/>
+            </a:pPr>
+            <a:r>
+              <a:rPr lang="fr-FR" sz="1800" dirty="0"/>
+              <a:t>Afin d’utiliser la compression pour un transfert plus rapide, passez l’option </a:t>
+            </a:r>
+            <a:r>
+              <a:rPr lang="fr-FR" sz="1800" b="1" dirty="0"/>
+              <a:t>--</a:t>
+            </a:r>
+            <a:r>
+              <a:rPr lang="fr-FR" sz="1800" b="1" dirty="0" err="1"/>
+              <a:t>compress</a:t>
+            </a:r>
+            <a:r>
+              <a:rPr lang="fr-FR" sz="1800" b="1" dirty="0"/>
+              <a:t> </a:t>
+            </a:r>
+            <a:r>
+              <a:rPr lang="fr-FR" sz="1800" dirty="0"/>
+              <a:t>à </a:t>
+            </a:r>
+            <a:r>
+              <a:rPr lang="fr-FR" sz="1800" dirty="0" err="1"/>
+              <a:t>mysqldump</a:t>
+            </a:r>
+            <a:r>
+              <a:rPr lang="fr-FR" sz="1800" dirty="0"/>
+              <a:t>. Exemple:</a:t>
+            </a:r>
+          </a:p>
+        </p:txBody>
+      </p:sp>
+      <p:pic>
+        <p:nvPicPr>
+          <p:cNvPr id="2" name="Picture 1">
+            <a:extLst>
+              <a:ext uri="{FF2B5EF4-FFF2-40B4-BE49-F238E27FC236}">
+                <a16:creationId xmlns:a16="http://schemas.microsoft.com/office/drawing/2014/main" id="{7DC971BF-3EF6-4E3E-BDE3-3AADA4C21C31}"/>
+              </a:ext>
+            </a:extLst>
+          </p:cNvPr>
+          <p:cNvPicPr>
+            <a:picLocks noChangeAspect="1"/>
+          </p:cNvPicPr>
+          <p:nvPr/>
+        </p:nvPicPr>
+        <p:blipFill>
+          <a:blip r:embed="rId3"/>
+          <a:stretch>
+            <a:fillRect/>
+          </a:stretch>
+        </p:blipFill>
+        <p:spPr>
+          <a:xfrm>
+            <a:off x="337954" y="2687673"/>
+            <a:ext cx="8468091" cy="512556"/>
+          </a:xfrm>
+          <a:prstGeom prst="rect">
+            <a:avLst/>
+          </a:prstGeom>
+        </p:spPr>
+      </p:pic>
+      <p:sp>
+        <p:nvSpPr>
+          <p:cNvPr id="4" name="Rectangle 3">
+            <a:extLst>
+              <a:ext uri="{FF2B5EF4-FFF2-40B4-BE49-F238E27FC236}">
+                <a16:creationId xmlns:a16="http://schemas.microsoft.com/office/drawing/2014/main" id="{39962228-F309-4076-AA1E-E9114AAAA1FD}"/>
+              </a:ext>
+            </a:extLst>
+          </p:cNvPr>
+          <p:cNvSpPr/>
+          <p:nvPr/>
+        </p:nvSpPr>
+        <p:spPr>
+          <a:xfrm>
+            <a:off x="84321" y="3455043"/>
+            <a:ext cx="8880460" cy="1477328"/>
+          </a:xfrm>
+          <a:prstGeom prst="rect">
+            <a:avLst/>
+          </a:prstGeom>
+        </p:spPr>
+        <p:txBody>
+          <a:bodyPr wrap="square">
+            <a:spAutoFit/>
+          </a:bodyPr>
+          <a:lstStyle/>
+          <a:p>
+            <a:pPr algn="just"/>
+            <a:r>
+              <a:rPr lang="fr-FR" sz="1800" dirty="0"/>
+              <a:t>Important:</a:t>
+            </a:r>
+          </a:p>
+          <a:p>
+            <a:pPr algn="just"/>
+            <a:r>
+              <a:rPr lang="fr-FR" sz="1800" dirty="0"/>
+              <a:t> </a:t>
+            </a:r>
+          </a:p>
+          <a:p>
+            <a:pPr marL="285750" indent="-285750" algn="just">
+              <a:buFont typeface="Wingdings" panose="05000000000000000000" pitchFamily="2" charset="2"/>
+              <a:buChar char="ü"/>
+            </a:pPr>
+            <a:r>
+              <a:rPr lang="fr-FR" sz="1800" dirty="0"/>
+              <a:t>Si vous ne voulez pas verrouiller la base de données source, vous devez également inclure </a:t>
+            </a:r>
+            <a:r>
+              <a:rPr lang="fr-FR" sz="1800" b="1" dirty="0"/>
+              <a:t>--lock-tables=false</a:t>
+            </a:r>
+            <a:r>
+              <a:rPr lang="fr-FR" sz="1800" dirty="0"/>
+              <a:t>. Mais vous pouvez ne pas obtenir une image de base de données cohérente en interne de cette façon</a:t>
+            </a:r>
+          </a:p>
+        </p:txBody>
+      </p:sp>
+      <p:pic>
+        <p:nvPicPr>
+          <p:cNvPr id="5" name="Picture 4">
+            <a:extLst>
+              <a:ext uri="{FF2B5EF4-FFF2-40B4-BE49-F238E27FC236}">
+                <a16:creationId xmlns:a16="http://schemas.microsoft.com/office/drawing/2014/main" id="{EBDF2021-80B3-46F6-B9B9-A95C0DB9D2B7}"/>
+              </a:ext>
+            </a:extLst>
+          </p:cNvPr>
+          <p:cNvPicPr>
+            <a:picLocks noChangeAspect="1"/>
+          </p:cNvPicPr>
+          <p:nvPr/>
+        </p:nvPicPr>
+        <p:blipFill>
+          <a:blip r:embed="rId4"/>
+          <a:stretch>
+            <a:fillRect/>
+          </a:stretch>
+        </p:blipFill>
+        <p:spPr>
+          <a:xfrm>
+            <a:off x="201781" y="5943768"/>
+            <a:ext cx="8763000" cy="512556"/>
+          </a:xfrm>
+          <a:prstGeom prst="rect">
+            <a:avLst/>
+          </a:prstGeom>
+        </p:spPr>
+      </p:pic>
+      <p:sp>
+        <p:nvSpPr>
+          <p:cNvPr id="6" name="Rectangle 5">
+            <a:extLst>
+              <a:ext uri="{FF2B5EF4-FFF2-40B4-BE49-F238E27FC236}">
+                <a16:creationId xmlns:a16="http://schemas.microsoft.com/office/drawing/2014/main" id="{B43E7E2F-AD7C-4AB6-A0F0-20A5A01E309C}"/>
+              </a:ext>
+            </a:extLst>
+          </p:cNvPr>
+          <p:cNvSpPr/>
+          <p:nvPr/>
+        </p:nvSpPr>
+        <p:spPr>
+          <a:xfrm>
+            <a:off x="84320" y="5188640"/>
+            <a:ext cx="8796153" cy="646331"/>
+          </a:xfrm>
+          <a:prstGeom prst="rect">
+            <a:avLst/>
+          </a:prstGeom>
+        </p:spPr>
+        <p:txBody>
+          <a:bodyPr wrap="square">
+            <a:spAutoFit/>
+          </a:bodyPr>
+          <a:lstStyle/>
+          <a:p>
+            <a:pPr marL="285750" indent="-285750">
+              <a:buFont typeface="Wingdings" panose="05000000000000000000" pitchFamily="2" charset="2"/>
+              <a:buChar char="ü"/>
+            </a:pPr>
+            <a:r>
+              <a:rPr lang="fr-FR" sz="1800" dirty="0"/>
+              <a:t>Pour enregistrer également le fichier compressé, vous pouvez rajouter un pipe à </a:t>
+            </a:r>
+            <a:r>
+              <a:rPr lang="fr-FR" sz="1800" dirty="0" err="1"/>
+              <a:t>gzip</a:t>
+            </a:r>
+            <a:r>
+              <a:rPr lang="fr-FR" sz="1800" dirty="0"/>
+              <a:t>.</a:t>
+            </a:r>
+          </a:p>
+        </p:txBody>
+      </p:sp>
+    </p:spTree>
+    <p:extLst>
+      <p:ext uri="{BB962C8B-B14F-4D97-AF65-F5344CB8AC3E}">
+        <p14:creationId xmlns:p14="http://schemas.microsoft.com/office/powerpoint/2010/main" val="3536287907"/>
+      </p:ext>
+    </p:extLst>
+  </p:cSld>
+  <p:clrMapOvr>
+    <a:masterClrMapping/>
+  </p:clrMapOvr>
+</p:sld>
+</file>
+
+<file path=ppt/slides/slide25.xml><?xml version="1.0" encoding="utf-8"?>
+<p:sld xmlns:a="http://schemas.openxmlformats.org/drawingml/2006/main" xmlns:r="http://schemas.openxmlformats.org/officeDocument/2006/relationships" xmlns:p="http://schemas.openxmlformats.org/presentationml/2006/main">
+  <p:cSld>
+    <p:spTree>
+      <p:nvGrpSpPr>
+        <p:cNvPr id="1" name="Shape 58"/>
+        <p:cNvGrpSpPr/>
+        <p:nvPr/>
+      </p:nvGrpSpPr>
+      <p:grpSpPr>
+        <a:xfrm>
+          <a:off x="0" y="0"/>
+          <a:ext cx="0" cy="0"/>
+          <a:chOff x="0" y="0"/>
+          <a:chExt cx="0" cy="0"/>
+        </a:xfrm>
+      </p:grpSpPr>
+      <p:sp>
+        <p:nvSpPr>
+          <p:cNvPr id="59" name="Google Shape;59;p24"/>
+          <p:cNvSpPr txBox="1">
+            <a:spLocks noGrp="1"/>
+          </p:cNvSpPr>
+          <p:nvPr>
+            <p:ph type="title"/>
+          </p:nvPr>
+        </p:nvSpPr>
+        <p:spPr>
+          <a:xfrm>
+            <a:off x="581201" y="401676"/>
+            <a:ext cx="7886700" cy="473075"/>
+          </a:xfrm>
+          <a:prstGeom prst="rect">
+            <a:avLst/>
+          </a:prstGeom>
+          <a:noFill/>
+          <a:ln>
+            <a:noFill/>
+          </a:ln>
+        </p:spPr>
+        <p:txBody>
+          <a:bodyPr spcFirstLastPara="1" wrap="square" lIns="91425" tIns="45700" rIns="91425" bIns="45700" anchor="ctr" anchorCtr="0">
+            <a:noAutofit/>
+          </a:bodyPr>
+          <a:lstStyle/>
+          <a:p>
+            <a:pPr algn="ctr"/>
+            <a:r>
+              <a:rPr lang="fr-FR" dirty="0"/>
+              <a:t>Création d’une sauvegarde d’une base de données ou d’une table</a:t>
+            </a:r>
+            <a:endParaRPr lang="fr-FR" b="1" dirty="0">
+              <a:highlight>
+                <a:srgbClr val="FFFFFF"/>
+              </a:highlight>
+            </a:endParaRPr>
+          </a:p>
+        </p:txBody>
+      </p:sp>
+      <p:sp>
+        <p:nvSpPr>
+          <p:cNvPr id="60" name="Google Shape;60;p24"/>
+          <p:cNvSpPr txBox="1"/>
+          <p:nvPr/>
+        </p:nvSpPr>
+        <p:spPr>
+          <a:xfrm>
+            <a:off x="6457950" y="6965952"/>
+            <a:ext cx="2057400" cy="365125"/>
+          </a:xfrm>
+          <a:prstGeom prst="rect">
+            <a:avLst/>
+          </a:prstGeom>
+          <a:noFill/>
+          <a:ln>
+            <a:noFill/>
+          </a:ln>
+        </p:spPr>
+        <p:txBody>
+          <a:bodyPr spcFirstLastPara="1" wrap="square" lIns="91425" tIns="45700" rIns="91425" bIns="45700" anchor="ctr" anchorCtr="0">
+            <a:noAutofit/>
+          </a:bodyPr>
+          <a:lstStyle/>
+          <a:p>
+            <a:pPr marL="0" marR="0" lvl="0" indent="0" algn="r" rtl="0">
+              <a:lnSpc>
+                <a:spcPct val="100000"/>
+              </a:lnSpc>
+              <a:spcBef>
+                <a:spcPts val="0"/>
+              </a:spcBef>
+              <a:spcAft>
+                <a:spcPts val="0"/>
+              </a:spcAft>
+              <a:buClr>
+                <a:schemeClr val="lt1"/>
+              </a:buClr>
+              <a:buSzPts val="900"/>
+              <a:buFont typeface="Arial"/>
+              <a:buNone/>
+            </a:pPr>
+            <a:fld id="{00000000-1234-1234-1234-123412341234}" type="slidenum">
+              <a:rPr lang="en-US" sz="900" b="0" i="0" u="none" strike="noStrike" cap="none">
+                <a:solidFill>
+                  <a:schemeClr val="lt1"/>
+                </a:solidFill>
+                <a:latin typeface="Arial"/>
+                <a:ea typeface="Arial"/>
+                <a:cs typeface="Arial"/>
+                <a:sym typeface="Arial"/>
+              </a:rPr>
+              <a:t>25</a:t>
+            </a:fld>
+            <a:endParaRPr/>
+          </a:p>
+        </p:txBody>
+      </p:sp>
+      <p:sp>
+        <p:nvSpPr>
+          <p:cNvPr id="3" name="Rectangle 2">
+            <a:extLst>
+              <a:ext uri="{FF2B5EF4-FFF2-40B4-BE49-F238E27FC236}">
+                <a16:creationId xmlns:a16="http://schemas.microsoft.com/office/drawing/2014/main" id="{90A8A43D-0647-4CED-B331-02E7873820ED}"/>
+              </a:ext>
+            </a:extLst>
+          </p:cNvPr>
+          <p:cNvSpPr/>
+          <p:nvPr/>
+        </p:nvSpPr>
+        <p:spPr>
+          <a:xfrm>
+            <a:off x="84321" y="1727202"/>
+            <a:ext cx="8796154" cy="4524315"/>
+          </a:xfrm>
+          <a:prstGeom prst="rect">
+            <a:avLst/>
+          </a:prstGeom>
+        </p:spPr>
+        <p:txBody>
+          <a:bodyPr wrap="square">
+            <a:spAutoFit/>
+          </a:bodyPr>
+          <a:lstStyle/>
+          <a:p>
+            <a:pPr marL="342900" indent="-342900">
+              <a:buFont typeface="Wingdings" panose="05000000000000000000" pitchFamily="2" charset="2"/>
+              <a:buChar char="ü"/>
+            </a:pPr>
+            <a:r>
+              <a:rPr lang="fr-FR" sz="1800" dirty="0"/>
+              <a:t>Créer un instantané d’une base de données complète:</a:t>
+            </a:r>
+          </a:p>
+          <a:p>
+            <a:endParaRPr lang="fr-FR" sz="1800" dirty="0"/>
+          </a:p>
+          <a:p>
+            <a:endParaRPr lang="fr-FR" sz="1800" dirty="0"/>
+          </a:p>
+          <a:p>
+            <a:endParaRPr lang="fr-FR" sz="1800" dirty="0"/>
+          </a:p>
+          <a:p>
+            <a:pPr marL="342900" indent="-342900">
+              <a:buFont typeface="Wingdings" panose="05000000000000000000" pitchFamily="2" charset="2"/>
+              <a:buChar char="ü"/>
+            </a:pPr>
+            <a:r>
+              <a:rPr lang="fr-FR" sz="1800" dirty="0"/>
+              <a:t>Créer un instantané de plusieurs bases de données:</a:t>
+            </a:r>
+          </a:p>
+          <a:p>
+            <a:endParaRPr lang="fr-FR" sz="1800" dirty="0"/>
+          </a:p>
+          <a:p>
+            <a:endParaRPr lang="fr-FR" sz="1800" dirty="0"/>
+          </a:p>
+          <a:p>
+            <a:endParaRPr lang="fr-FR" sz="1800" dirty="0"/>
+          </a:p>
+          <a:p>
+            <a:endParaRPr lang="fr-FR" sz="1800" dirty="0"/>
+          </a:p>
+          <a:p>
+            <a:pPr marL="342900" indent="-342900">
+              <a:buFont typeface="Wingdings" panose="05000000000000000000" pitchFamily="2" charset="2"/>
+              <a:buChar char="ü"/>
+            </a:pPr>
+            <a:endParaRPr lang="fr-FR" sz="1800" dirty="0"/>
+          </a:p>
+          <a:p>
+            <a:pPr marL="342900" indent="-342900">
+              <a:buFont typeface="Wingdings" panose="05000000000000000000" pitchFamily="2" charset="2"/>
+              <a:buChar char="ü"/>
+            </a:pPr>
+            <a:endParaRPr lang="fr-FR" sz="1800" dirty="0"/>
+          </a:p>
+          <a:p>
+            <a:pPr marL="342900" indent="-342900">
+              <a:buFont typeface="Wingdings" panose="05000000000000000000" pitchFamily="2" charset="2"/>
+              <a:buChar char="ü"/>
+            </a:pPr>
+            <a:r>
+              <a:rPr lang="fr-FR" sz="1800" dirty="0"/>
+              <a:t>Créer un instantané d’une ou plusieurs tables:</a:t>
+            </a:r>
+          </a:p>
+          <a:p>
+            <a:endParaRPr lang="fr-FR" sz="1800" dirty="0"/>
+          </a:p>
+          <a:p>
+            <a:pPr marL="342900" indent="-342900">
+              <a:buFont typeface="Wingdings" panose="05000000000000000000" pitchFamily="2" charset="2"/>
+              <a:buChar char="ü"/>
+            </a:pPr>
+            <a:endParaRPr lang="fr-FR" sz="1800" dirty="0"/>
+          </a:p>
+          <a:p>
+            <a:endParaRPr lang="fr-FR" sz="1800" dirty="0"/>
+          </a:p>
+          <a:p>
+            <a:pPr marL="342900" indent="-342900">
+              <a:buFont typeface="Wingdings" panose="05000000000000000000" pitchFamily="2" charset="2"/>
+              <a:buChar char="ü"/>
+            </a:pPr>
+            <a:r>
+              <a:rPr lang="fr-FR" sz="1800" dirty="0"/>
+              <a:t>Créer un snapshot en excluant une ou plusieurs tables:</a:t>
+            </a:r>
+          </a:p>
+        </p:txBody>
+      </p:sp>
+      <p:pic>
+        <p:nvPicPr>
+          <p:cNvPr id="7" name="Picture 6">
+            <a:extLst>
+              <a:ext uri="{FF2B5EF4-FFF2-40B4-BE49-F238E27FC236}">
+                <a16:creationId xmlns:a16="http://schemas.microsoft.com/office/drawing/2014/main" id="{6E930BBB-059E-4E74-B664-986E6868516B}"/>
+              </a:ext>
+            </a:extLst>
+          </p:cNvPr>
+          <p:cNvPicPr>
+            <a:picLocks noChangeAspect="1"/>
+          </p:cNvPicPr>
+          <p:nvPr/>
+        </p:nvPicPr>
+        <p:blipFill>
+          <a:blip r:embed="rId3"/>
+          <a:stretch>
+            <a:fillRect/>
+          </a:stretch>
+        </p:blipFill>
+        <p:spPr>
+          <a:xfrm>
+            <a:off x="389901" y="2201334"/>
+            <a:ext cx="6282323" cy="334845"/>
+          </a:xfrm>
+          <a:prstGeom prst="rect">
+            <a:avLst/>
+          </a:prstGeom>
+        </p:spPr>
+      </p:pic>
+      <p:pic>
+        <p:nvPicPr>
+          <p:cNvPr id="8" name="Picture 7">
+            <a:extLst>
+              <a:ext uri="{FF2B5EF4-FFF2-40B4-BE49-F238E27FC236}">
+                <a16:creationId xmlns:a16="http://schemas.microsoft.com/office/drawing/2014/main" id="{C0A5D509-92EE-422F-A274-47755CFE6EF6}"/>
+              </a:ext>
+            </a:extLst>
+          </p:cNvPr>
+          <p:cNvPicPr>
+            <a:picLocks noChangeAspect="1"/>
+          </p:cNvPicPr>
+          <p:nvPr/>
+        </p:nvPicPr>
+        <p:blipFill>
+          <a:blip r:embed="rId4"/>
+          <a:stretch>
+            <a:fillRect/>
+          </a:stretch>
+        </p:blipFill>
+        <p:spPr>
+          <a:xfrm>
+            <a:off x="389901" y="3388630"/>
+            <a:ext cx="7916327" cy="423333"/>
+          </a:xfrm>
+          <a:prstGeom prst="rect">
+            <a:avLst/>
+          </a:prstGeom>
+        </p:spPr>
+      </p:pic>
+      <p:pic>
+        <p:nvPicPr>
+          <p:cNvPr id="9" name="Picture 8">
+            <a:extLst>
+              <a:ext uri="{FF2B5EF4-FFF2-40B4-BE49-F238E27FC236}">
+                <a16:creationId xmlns:a16="http://schemas.microsoft.com/office/drawing/2014/main" id="{9D031B72-79EF-476C-9BF4-1454CB987956}"/>
+              </a:ext>
+            </a:extLst>
+          </p:cNvPr>
+          <p:cNvPicPr>
+            <a:picLocks noChangeAspect="1"/>
+          </p:cNvPicPr>
+          <p:nvPr/>
+        </p:nvPicPr>
+        <p:blipFill>
+          <a:blip r:embed="rId5"/>
+          <a:stretch>
+            <a:fillRect/>
+          </a:stretch>
+        </p:blipFill>
+        <p:spPr>
+          <a:xfrm>
+            <a:off x="417818" y="4060029"/>
+            <a:ext cx="6740748" cy="423332"/>
+          </a:xfrm>
+          <a:prstGeom prst="rect">
+            <a:avLst/>
+          </a:prstGeom>
+        </p:spPr>
+      </p:pic>
+      <p:pic>
+        <p:nvPicPr>
+          <p:cNvPr id="10" name="Picture 9">
+            <a:extLst>
+              <a:ext uri="{FF2B5EF4-FFF2-40B4-BE49-F238E27FC236}">
+                <a16:creationId xmlns:a16="http://schemas.microsoft.com/office/drawing/2014/main" id="{58050FFE-8DBC-42C7-92AE-001C626F5ABC}"/>
+              </a:ext>
+            </a:extLst>
+          </p:cNvPr>
+          <p:cNvPicPr>
+            <a:picLocks noChangeAspect="1"/>
+          </p:cNvPicPr>
+          <p:nvPr/>
+        </p:nvPicPr>
+        <p:blipFill>
+          <a:blip r:embed="rId6"/>
+          <a:stretch>
+            <a:fillRect/>
+          </a:stretch>
+        </p:blipFill>
+        <p:spPr>
+          <a:xfrm>
+            <a:off x="389901" y="5297748"/>
+            <a:ext cx="7760982" cy="365614"/>
+          </a:xfrm>
+          <a:prstGeom prst="rect">
+            <a:avLst/>
+          </a:prstGeom>
+        </p:spPr>
+      </p:pic>
+      <p:pic>
+        <p:nvPicPr>
+          <p:cNvPr id="11" name="Picture 10">
+            <a:extLst>
+              <a:ext uri="{FF2B5EF4-FFF2-40B4-BE49-F238E27FC236}">
+                <a16:creationId xmlns:a16="http://schemas.microsoft.com/office/drawing/2014/main" id="{E6F27BC6-72F0-4342-B859-7003FD1793B8}"/>
+              </a:ext>
+            </a:extLst>
+          </p:cNvPr>
+          <p:cNvPicPr>
+            <a:picLocks noChangeAspect="1"/>
+          </p:cNvPicPr>
+          <p:nvPr/>
+        </p:nvPicPr>
+        <p:blipFill>
+          <a:blip r:embed="rId7"/>
+          <a:stretch>
+            <a:fillRect/>
+          </a:stretch>
+        </p:blipFill>
+        <p:spPr>
+          <a:xfrm>
+            <a:off x="109008" y="6228822"/>
+            <a:ext cx="8796154" cy="496827"/>
+          </a:xfrm>
+          <a:prstGeom prst="rect">
+            <a:avLst/>
+          </a:prstGeom>
+        </p:spPr>
+      </p:pic>
+    </p:spTree>
+    <p:extLst>
+      <p:ext uri="{BB962C8B-B14F-4D97-AF65-F5344CB8AC3E}">
+        <p14:creationId xmlns:p14="http://schemas.microsoft.com/office/powerpoint/2010/main" val="1405014452"/>
+      </p:ext>
+    </p:extLst>
+  </p:cSld>
+  <p:clrMapOvr>
+    <a:masterClrMapping/>
+  </p:clrMapOvr>
+</p:sld>
+</file>
+
+<file path=ppt/slides/slide26.xml><?xml version="1.0" encoding="utf-8"?>
+<p:sld xmlns:a="http://schemas.openxmlformats.org/drawingml/2006/main" xmlns:r="http://schemas.openxmlformats.org/officeDocument/2006/relationships" xmlns:p="http://schemas.openxmlformats.org/presentationml/2006/main">
+  <p:cSld>
+    <p:spTree>
+      <p:nvGrpSpPr>
+        <p:cNvPr id="1" name="Shape 58"/>
+        <p:cNvGrpSpPr/>
+        <p:nvPr/>
+      </p:nvGrpSpPr>
+      <p:grpSpPr>
+        <a:xfrm>
+          <a:off x="0" y="0"/>
+          <a:ext cx="0" cy="0"/>
+          <a:chOff x="0" y="0"/>
+          <a:chExt cx="0" cy="0"/>
+        </a:xfrm>
+      </p:grpSpPr>
+      <p:sp>
+        <p:nvSpPr>
+          <p:cNvPr id="59" name="Google Shape;59;p24"/>
+          <p:cNvSpPr txBox="1">
+            <a:spLocks noGrp="1"/>
+          </p:cNvSpPr>
+          <p:nvPr>
+            <p:ph type="title"/>
+          </p:nvPr>
+        </p:nvSpPr>
+        <p:spPr>
+          <a:xfrm>
+            <a:off x="593725" y="304503"/>
+            <a:ext cx="7886700" cy="473075"/>
+          </a:xfrm>
+          <a:prstGeom prst="rect">
+            <a:avLst/>
+          </a:prstGeom>
+          <a:noFill/>
+          <a:ln>
+            <a:noFill/>
+          </a:ln>
+        </p:spPr>
+        <p:txBody>
+          <a:bodyPr spcFirstLastPara="1" wrap="square" lIns="91425" tIns="45700" rIns="91425" bIns="45700" anchor="ctr" anchorCtr="0">
+            <a:noAutofit/>
+          </a:bodyPr>
+          <a:lstStyle/>
+          <a:p>
+            <a:pPr algn="ctr"/>
+            <a:r>
+              <a:rPr lang="fr-FR" dirty="0"/>
+              <a:t>Restaurer une sauvegarde d’une base de données ou d’une table</a:t>
+            </a:r>
+            <a:endParaRPr lang="fr-FR" b="1" dirty="0">
+              <a:highlight>
+                <a:srgbClr val="FFFFFF"/>
+              </a:highlight>
+            </a:endParaRPr>
+          </a:p>
+        </p:txBody>
+      </p:sp>
+      <p:sp>
+        <p:nvSpPr>
+          <p:cNvPr id="60" name="Google Shape;60;p24"/>
+          <p:cNvSpPr txBox="1"/>
+          <p:nvPr/>
+        </p:nvSpPr>
+        <p:spPr>
+          <a:xfrm>
+            <a:off x="6457950" y="6356350"/>
+            <a:ext cx="2057400" cy="365125"/>
+          </a:xfrm>
+          <a:prstGeom prst="rect">
+            <a:avLst/>
+          </a:prstGeom>
+          <a:noFill/>
+          <a:ln>
+            <a:noFill/>
+          </a:ln>
+        </p:spPr>
+        <p:txBody>
+          <a:bodyPr spcFirstLastPara="1" wrap="square" lIns="91425" tIns="45700" rIns="91425" bIns="45700" anchor="ctr" anchorCtr="0">
+            <a:noAutofit/>
+          </a:bodyPr>
+          <a:lstStyle/>
+          <a:p>
+            <a:pPr marL="0" marR="0" lvl="0" indent="0" algn="r" rtl="0">
+              <a:lnSpc>
+                <a:spcPct val="100000"/>
+              </a:lnSpc>
+              <a:spcBef>
+                <a:spcPts val="0"/>
+              </a:spcBef>
+              <a:spcAft>
+                <a:spcPts val="0"/>
+              </a:spcAft>
+              <a:buClr>
+                <a:schemeClr val="lt1"/>
+              </a:buClr>
+              <a:buSzPts val="900"/>
+              <a:buFont typeface="Arial"/>
+              <a:buNone/>
+            </a:pPr>
+            <a:fld id="{00000000-1234-1234-1234-123412341234}" type="slidenum">
+              <a:rPr lang="en-US" sz="900" b="0" i="0" u="none" strike="noStrike" cap="none">
+                <a:solidFill>
+                  <a:schemeClr val="lt1"/>
+                </a:solidFill>
+                <a:latin typeface="Arial"/>
+                <a:ea typeface="Arial"/>
+                <a:cs typeface="Arial"/>
+                <a:sym typeface="Arial"/>
+              </a:rPr>
+              <a:t>26</a:t>
+            </a:fld>
+            <a:endParaRPr/>
+          </a:p>
+        </p:txBody>
+      </p:sp>
+      <p:sp>
+        <p:nvSpPr>
+          <p:cNvPr id="3" name="Rectangle 2">
+            <a:extLst>
+              <a:ext uri="{FF2B5EF4-FFF2-40B4-BE49-F238E27FC236}">
+                <a16:creationId xmlns:a16="http://schemas.microsoft.com/office/drawing/2014/main" id="{90A8A43D-0647-4CED-B331-02E7873820ED}"/>
+              </a:ext>
+            </a:extLst>
+          </p:cNvPr>
+          <p:cNvSpPr/>
+          <p:nvPr/>
+        </p:nvSpPr>
+        <p:spPr>
+          <a:xfrm>
+            <a:off x="193675" y="2174579"/>
+            <a:ext cx="8686800" cy="2949525"/>
+          </a:xfrm>
+          <a:prstGeom prst="rect">
+            <a:avLst/>
+          </a:prstGeom>
+        </p:spPr>
+        <p:txBody>
+          <a:bodyPr wrap="square">
+            <a:spAutoFit/>
+          </a:bodyPr>
+          <a:lstStyle/>
+          <a:p>
+            <a:pPr marL="285750" indent="-285750" algn="just">
+              <a:lnSpc>
+                <a:spcPct val="150000"/>
+              </a:lnSpc>
+              <a:buFont typeface="Wingdings" panose="05000000000000000000" pitchFamily="2" charset="2"/>
+              <a:buChar char="ü"/>
+            </a:pPr>
+            <a:r>
+              <a:rPr lang="fr-FR" sz="1800" dirty="0"/>
+              <a:t>« </a:t>
+            </a:r>
+            <a:r>
+              <a:rPr lang="fr-FR" sz="1800" dirty="0" err="1"/>
+              <a:t>db_name</a:t>
+            </a:r>
+            <a:r>
+              <a:rPr lang="fr-FR" sz="1800" dirty="0"/>
+              <a:t> » doit être une base de données existante;</a:t>
+            </a:r>
+          </a:p>
+          <a:p>
+            <a:pPr marL="285750" indent="-285750" algn="just">
+              <a:lnSpc>
+                <a:spcPct val="150000"/>
+              </a:lnSpc>
+              <a:buFont typeface="Wingdings" panose="05000000000000000000" pitchFamily="2" charset="2"/>
+              <a:buChar char="ü"/>
+            </a:pPr>
+            <a:r>
+              <a:rPr lang="fr-FR" sz="1800" dirty="0"/>
+              <a:t>Votre utilisateur authentifié dispose de privilèges suffisants pour exécuter toutes les commandes à l’intérieur de votre fichier « </a:t>
+            </a:r>
+            <a:r>
+              <a:rPr lang="fr-FR" sz="1800" dirty="0" err="1"/>
+              <a:t>filename.sql</a:t>
+            </a:r>
+            <a:r>
+              <a:rPr lang="fr-FR" sz="1800" dirty="0"/>
+              <a:t> »; </a:t>
+            </a:r>
+          </a:p>
+          <a:p>
+            <a:pPr marL="285750" indent="-285750" algn="just">
+              <a:lnSpc>
+                <a:spcPct val="150000"/>
+              </a:lnSpc>
+              <a:buFont typeface="Wingdings" panose="05000000000000000000" pitchFamily="2" charset="2"/>
+              <a:buChar char="ü"/>
+            </a:pPr>
+            <a:r>
+              <a:rPr lang="fr-FR" sz="1800" dirty="0"/>
+              <a:t>L’extension de fichier </a:t>
+            </a:r>
+            <a:r>
+              <a:rPr lang="fr-FR" sz="1800" b="1" dirty="0"/>
+              <a:t>.</a:t>
+            </a:r>
+            <a:r>
+              <a:rPr lang="fr-FR" sz="1800" b="1" dirty="0" err="1"/>
+              <a:t>sql</a:t>
+            </a:r>
+            <a:r>
+              <a:rPr lang="fr-FR" sz="1800" b="1" dirty="0"/>
+              <a:t> </a:t>
+            </a:r>
+            <a:r>
+              <a:rPr lang="fr-FR" sz="1800" dirty="0"/>
+              <a:t>est entièrement une question de style. Toute extension fonctionnerait.</a:t>
+            </a:r>
+          </a:p>
+          <a:p>
+            <a:pPr marL="285750" indent="-285750" algn="just">
+              <a:lnSpc>
+                <a:spcPct val="150000"/>
+              </a:lnSpc>
+              <a:buFont typeface="Wingdings" panose="05000000000000000000" pitchFamily="2" charset="2"/>
+              <a:buChar char="ü"/>
+            </a:pPr>
+            <a:r>
+              <a:rPr lang="fr-FR" sz="1800" dirty="0"/>
+              <a:t>Vous ne pouvez pas spécifier un nom de table à charger même si vous pouvez spécifier un à décharger. Cela doit être fait dans « </a:t>
+            </a:r>
+            <a:r>
+              <a:rPr lang="fr-FR" sz="1800" dirty="0" err="1"/>
+              <a:t>filename.sql</a:t>
+            </a:r>
+            <a:r>
+              <a:rPr lang="fr-FR" sz="1800" dirty="0"/>
+              <a:t> ».</a:t>
+            </a:r>
+          </a:p>
+        </p:txBody>
+      </p:sp>
+      <p:pic>
+        <p:nvPicPr>
+          <p:cNvPr id="2" name="Picture 1">
+            <a:extLst>
+              <a:ext uri="{FF2B5EF4-FFF2-40B4-BE49-F238E27FC236}">
+                <a16:creationId xmlns:a16="http://schemas.microsoft.com/office/drawing/2014/main" id="{A5E73C04-0F1B-4F74-A5BE-D61679C4C761}"/>
+              </a:ext>
+            </a:extLst>
+          </p:cNvPr>
+          <p:cNvPicPr>
+            <a:picLocks noChangeAspect="1"/>
+          </p:cNvPicPr>
+          <p:nvPr/>
+        </p:nvPicPr>
+        <p:blipFill>
+          <a:blip r:embed="rId3"/>
+          <a:stretch>
+            <a:fillRect/>
+          </a:stretch>
+        </p:blipFill>
+        <p:spPr>
+          <a:xfrm>
+            <a:off x="365125" y="1316029"/>
+            <a:ext cx="8515350" cy="618548"/>
+          </a:xfrm>
+          <a:prstGeom prst="rect">
+            <a:avLst/>
+          </a:prstGeom>
+        </p:spPr>
+      </p:pic>
+      <p:sp>
+        <p:nvSpPr>
+          <p:cNvPr id="4" name="Rectangle 3">
+            <a:extLst>
+              <a:ext uri="{FF2B5EF4-FFF2-40B4-BE49-F238E27FC236}">
+                <a16:creationId xmlns:a16="http://schemas.microsoft.com/office/drawing/2014/main" id="{71FFE82A-4504-467D-A45A-CB7EC1998126}"/>
+              </a:ext>
+            </a:extLst>
+          </p:cNvPr>
+          <p:cNvSpPr/>
+          <p:nvPr/>
+        </p:nvSpPr>
+        <p:spPr>
+          <a:xfrm>
+            <a:off x="193675" y="5434091"/>
+            <a:ext cx="8756650" cy="646331"/>
+          </a:xfrm>
+          <a:prstGeom prst="rect">
+            <a:avLst/>
+          </a:prstGeom>
+        </p:spPr>
+        <p:txBody>
+          <a:bodyPr wrap="square">
+            <a:spAutoFit/>
+          </a:bodyPr>
+          <a:lstStyle/>
+          <a:p>
+            <a:pPr marL="285750" indent="-285750">
+              <a:buFont typeface="Wingdings" panose="05000000000000000000" pitchFamily="2" charset="2"/>
+              <a:buChar char="Ø"/>
+            </a:pPr>
+            <a:r>
+              <a:rPr lang="fr-FR" sz="1800" dirty="0"/>
+              <a:t>Alternativement, lorsque dans la ligne de commande </a:t>
+            </a:r>
+            <a:r>
+              <a:rPr lang="fr-FR" sz="1800" dirty="0" err="1"/>
+              <a:t>Mysql</a:t>
+            </a:r>
+            <a:r>
+              <a:rPr lang="fr-FR" sz="1800" dirty="0"/>
+              <a:t>, vous pouvez restaurer en utilisant la commande source:</a:t>
+            </a:r>
+          </a:p>
+        </p:txBody>
+      </p:sp>
+      <p:pic>
+        <p:nvPicPr>
+          <p:cNvPr id="5" name="Picture 4">
+            <a:extLst>
+              <a:ext uri="{FF2B5EF4-FFF2-40B4-BE49-F238E27FC236}">
+                <a16:creationId xmlns:a16="http://schemas.microsoft.com/office/drawing/2014/main" id="{2F026FD4-8F39-4E0F-BE8F-7B06424AEA74}"/>
+              </a:ext>
+            </a:extLst>
+          </p:cNvPr>
+          <p:cNvPicPr>
+            <a:picLocks noChangeAspect="1"/>
+          </p:cNvPicPr>
+          <p:nvPr/>
+        </p:nvPicPr>
+        <p:blipFill>
+          <a:blip r:embed="rId4"/>
+          <a:stretch>
+            <a:fillRect/>
+          </a:stretch>
+        </p:blipFill>
+        <p:spPr>
+          <a:xfrm>
+            <a:off x="413539" y="6118042"/>
+            <a:ext cx="8466936" cy="646331"/>
+          </a:xfrm>
+          <a:prstGeom prst="rect">
+            <a:avLst/>
+          </a:prstGeom>
+        </p:spPr>
+      </p:pic>
+    </p:spTree>
+    <p:extLst>
+      <p:ext uri="{BB962C8B-B14F-4D97-AF65-F5344CB8AC3E}">
+        <p14:creationId xmlns:p14="http://schemas.microsoft.com/office/powerpoint/2010/main" val="1255973063"/>
+      </p:ext>
+    </p:extLst>
+  </p:cSld>
+  <p:clrMapOvr>
+    <a:masterClrMapping/>
+  </p:clrMapOvr>
+</p:sld>
+</file>
+
+<file path=ppt/slides/slide27.xml><?xml version="1.0" encoding="utf-8"?>
+<p:sld xmlns:a="http://schemas.openxmlformats.org/drawingml/2006/main" xmlns:r="http://schemas.openxmlformats.org/officeDocument/2006/relationships" xmlns:p="http://schemas.openxmlformats.org/presentationml/2006/main">
+  <p:cSld>
+    <p:spTree>
+      <p:nvGrpSpPr>
+        <p:cNvPr id="1" name="Shape 58"/>
+        <p:cNvGrpSpPr/>
+        <p:nvPr/>
+      </p:nvGrpSpPr>
+      <p:grpSpPr>
+        <a:xfrm>
+          <a:off x="0" y="0"/>
+          <a:ext cx="0" cy="0"/>
+          <a:chOff x="0" y="0"/>
+          <a:chExt cx="0" cy="0"/>
+        </a:xfrm>
+      </p:grpSpPr>
+      <p:sp>
+        <p:nvSpPr>
+          <p:cNvPr id="59" name="Google Shape;59;p24"/>
+          <p:cNvSpPr txBox="1">
+            <a:spLocks noGrp="1"/>
+          </p:cNvSpPr>
+          <p:nvPr>
+            <p:ph type="title"/>
+          </p:nvPr>
+        </p:nvSpPr>
+        <p:spPr>
+          <a:xfrm>
+            <a:off x="593725" y="327554"/>
+            <a:ext cx="7886700" cy="473075"/>
+          </a:xfrm>
+          <a:prstGeom prst="rect">
+            <a:avLst/>
+          </a:prstGeom>
+          <a:noFill/>
+          <a:ln>
+            <a:noFill/>
+          </a:ln>
+        </p:spPr>
+        <p:txBody>
+          <a:bodyPr spcFirstLastPara="1" wrap="square" lIns="91425" tIns="45700" rIns="91425" bIns="45700" anchor="ctr" anchorCtr="0">
+            <a:noAutofit/>
+          </a:bodyPr>
+          <a:lstStyle/>
+          <a:p>
+            <a:pPr algn="ctr"/>
+            <a:r>
+              <a:rPr lang="fr-FR" dirty="0"/>
+              <a:t>restaurer un fichier </a:t>
+            </a:r>
+            <a:r>
+              <a:rPr lang="fr-FR" dirty="0" err="1"/>
+              <a:t>mysqldump</a:t>
+            </a:r>
+            <a:r>
+              <a:rPr lang="fr-FR" dirty="0"/>
+              <a:t> </a:t>
+            </a:r>
+            <a:r>
+              <a:rPr lang="fr-FR" dirty="0" err="1"/>
+              <a:t>gzippé</a:t>
+            </a:r>
+            <a:r>
+              <a:rPr lang="fr-FR" dirty="0"/>
+              <a:t> sans</a:t>
+            </a:r>
+            <a:br>
+              <a:rPr lang="fr-FR" dirty="0"/>
+            </a:br>
+            <a:r>
+              <a:rPr lang="fr-FR" dirty="0"/>
+              <a:t>décompresser</a:t>
+            </a:r>
+            <a:endParaRPr lang="fr-FR" b="1" dirty="0">
+              <a:highlight>
+                <a:srgbClr val="FFFFFF"/>
+              </a:highlight>
+            </a:endParaRPr>
+          </a:p>
+        </p:txBody>
+      </p:sp>
+      <p:sp>
+        <p:nvSpPr>
+          <p:cNvPr id="60" name="Google Shape;60;p24"/>
+          <p:cNvSpPr txBox="1"/>
+          <p:nvPr/>
+        </p:nvSpPr>
+        <p:spPr>
+          <a:xfrm>
+            <a:off x="6457950" y="6356350"/>
+            <a:ext cx="2057400" cy="365125"/>
+          </a:xfrm>
+          <a:prstGeom prst="rect">
+            <a:avLst/>
+          </a:prstGeom>
+          <a:noFill/>
+          <a:ln>
+            <a:noFill/>
+          </a:ln>
+        </p:spPr>
+        <p:txBody>
+          <a:bodyPr spcFirstLastPara="1" wrap="square" lIns="91425" tIns="45700" rIns="91425" bIns="45700" anchor="ctr" anchorCtr="0">
+            <a:noAutofit/>
+          </a:bodyPr>
+          <a:lstStyle/>
+          <a:p>
+            <a:pPr marL="0" marR="0" lvl="0" indent="0" algn="r" rtl="0">
+              <a:lnSpc>
+                <a:spcPct val="100000"/>
+              </a:lnSpc>
+              <a:spcBef>
+                <a:spcPts val="0"/>
+              </a:spcBef>
+              <a:spcAft>
+                <a:spcPts val="0"/>
+              </a:spcAft>
+              <a:buClr>
+                <a:schemeClr val="lt1"/>
+              </a:buClr>
+              <a:buSzPts val="900"/>
+              <a:buFont typeface="Arial"/>
+              <a:buNone/>
+            </a:pPr>
+            <a:fld id="{00000000-1234-1234-1234-123412341234}" type="slidenum">
+              <a:rPr lang="en-US" sz="900" b="0" i="0" u="none" strike="noStrike" cap="none">
+                <a:solidFill>
+                  <a:schemeClr val="lt1"/>
+                </a:solidFill>
+                <a:latin typeface="Arial"/>
+                <a:ea typeface="Arial"/>
+                <a:cs typeface="Arial"/>
+                <a:sym typeface="Arial"/>
+              </a:rPr>
+              <a:t>27</a:t>
+            </a:fld>
+            <a:endParaRPr/>
+          </a:p>
+        </p:txBody>
+      </p:sp>
+      <p:pic>
+        <p:nvPicPr>
+          <p:cNvPr id="2" name="Picture 1">
+            <a:extLst>
+              <a:ext uri="{FF2B5EF4-FFF2-40B4-BE49-F238E27FC236}">
+                <a16:creationId xmlns:a16="http://schemas.microsoft.com/office/drawing/2014/main" id="{89D6D10A-CEC8-4219-975C-B89233A6BBF3}"/>
+              </a:ext>
+            </a:extLst>
+          </p:cNvPr>
+          <p:cNvPicPr>
+            <a:picLocks noChangeAspect="1"/>
+          </p:cNvPicPr>
+          <p:nvPr/>
+        </p:nvPicPr>
+        <p:blipFill>
+          <a:blip r:embed="rId3"/>
+          <a:stretch>
+            <a:fillRect/>
+          </a:stretch>
+        </p:blipFill>
+        <p:spPr>
+          <a:xfrm>
+            <a:off x="475315" y="1303339"/>
+            <a:ext cx="8382889" cy="473075"/>
+          </a:xfrm>
+          <a:prstGeom prst="rect">
+            <a:avLst/>
+          </a:prstGeom>
+        </p:spPr>
+      </p:pic>
+      <p:sp>
+        <p:nvSpPr>
+          <p:cNvPr id="4" name="Rectangle 3">
+            <a:extLst>
+              <a:ext uri="{FF2B5EF4-FFF2-40B4-BE49-F238E27FC236}">
+                <a16:creationId xmlns:a16="http://schemas.microsoft.com/office/drawing/2014/main" id="{E2D077FB-F552-42F8-99C6-1BEDA549209E}"/>
+              </a:ext>
+            </a:extLst>
+          </p:cNvPr>
+          <p:cNvSpPr/>
+          <p:nvPr/>
+        </p:nvSpPr>
+        <p:spPr>
+          <a:xfrm>
+            <a:off x="475315" y="1953631"/>
+            <a:ext cx="8245352" cy="369332"/>
+          </a:xfrm>
+          <a:prstGeom prst="rect">
+            <a:avLst/>
+          </a:prstGeom>
+        </p:spPr>
+        <p:txBody>
+          <a:bodyPr wrap="square">
+            <a:spAutoFit/>
+          </a:bodyPr>
+          <a:lstStyle/>
+          <a:p>
+            <a:r>
+              <a:rPr lang="fr-FR" sz="1800" b="1" dirty="0"/>
+              <a:t>Note : -c signifie écrire la sortie à </a:t>
+            </a:r>
+            <a:r>
+              <a:rPr lang="fr-FR" sz="1800" b="1" dirty="0" err="1"/>
+              <a:t>stdout</a:t>
+            </a:r>
+            <a:r>
+              <a:rPr lang="fr-FR" sz="1800" b="1" dirty="0"/>
+              <a:t>.</a:t>
+            </a:r>
+          </a:p>
+        </p:txBody>
+      </p:sp>
+      <p:sp>
+        <p:nvSpPr>
+          <p:cNvPr id="5" name="Rectangle 4">
+            <a:extLst>
+              <a:ext uri="{FF2B5EF4-FFF2-40B4-BE49-F238E27FC236}">
+                <a16:creationId xmlns:a16="http://schemas.microsoft.com/office/drawing/2014/main" id="{66C10901-FC1C-466B-A2A2-472767BDCDB7}"/>
+              </a:ext>
+            </a:extLst>
+          </p:cNvPr>
+          <p:cNvSpPr/>
+          <p:nvPr/>
+        </p:nvSpPr>
+        <p:spPr>
+          <a:xfrm>
+            <a:off x="475315" y="2777816"/>
+            <a:ext cx="7822018" cy="954107"/>
+          </a:xfrm>
+          <a:prstGeom prst="rect">
+            <a:avLst/>
+          </a:prstGeom>
+        </p:spPr>
+        <p:txBody>
+          <a:bodyPr wrap="square">
+            <a:spAutoFit/>
+          </a:bodyPr>
+          <a:lstStyle/>
+          <a:p>
+            <a:pPr algn="ctr"/>
+            <a:r>
+              <a:rPr lang="fr-FR" sz="2800" i="1" dirty="0"/>
+              <a:t>Sauvegarde  de Base de données avec procédures stockées  et fonctions</a:t>
+            </a:r>
+          </a:p>
+        </p:txBody>
+      </p:sp>
+      <p:sp>
+        <p:nvSpPr>
+          <p:cNvPr id="6" name="Rectangle 5">
+            <a:extLst>
+              <a:ext uri="{FF2B5EF4-FFF2-40B4-BE49-F238E27FC236}">
+                <a16:creationId xmlns:a16="http://schemas.microsoft.com/office/drawing/2014/main" id="{61C772E1-C2FB-4137-B89C-352C9F432909}"/>
+              </a:ext>
+            </a:extLst>
+          </p:cNvPr>
+          <p:cNvSpPr/>
+          <p:nvPr/>
+        </p:nvSpPr>
+        <p:spPr>
+          <a:xfrm>
+            <a:off x="414399" y="4016491"/>
+            <a:ext cx="8245352" cy="646331"/>
+          </a:xfrm>
+          <a:prstGeom prst="rect">
+            <a:avLst/>
+          </a:prstGeom>
+        </p:spPr>
+        <p:txBody>
+          <a:bodyPr wrap="square">
+            <a:spAutoFit/>
+          </a:bodyPr>
+          <a:lstStyle/>
+          <a:p>
+            <a:pPr marL="285750" indent="-285750">
+              <a:buFont typeface="Wingdings" panose="05000000000000000000" pitchFamily="2" charset="2"/>
+              <a:buChar char="ü"/>
+            </a:pPr>
+            <a:r>
+              <a:rPr lang="fr-FR" sz="1800" dirty="0"/>
+              <a:t>Par défaut, les procédures et fonctions stockées ou non générées par </a:t>
+            </a:r>
+            <a:r>
+              <a:rPr lang="fr-FR" sz="1800" dirty="0" err="1"/>
+              <a:t>mysqldump</a:t>
+            </a:r>
+            <a:r>
+              <a:rPr lang="fr-FR" sz="1800" dirty="0"/>
+              <a:t>, vous devrez ajouter le paramètre </a:t>
+            </a:r>
+            <a:r>
+              <a:rPr lang="fr-FR" sz="1800" b="1" dirty="0"/>
+              <a:t>--routines </a:t>
+            </a:r>
+            <a:r>
+              <a:rPr lang="fr-FR" sz="1800" dirty="0"/>
+              <a:t>(ou </a:t>
+            </a:r>
+            <a:r>
+              <a:rPr lang="fr-FR" sz="1800" b="1" dirty="0"/>
+              <a:t>-R</a:t>
+            </a:r>
+            <a:r>
+              <a:rPr lang="fr-FR" sz="1800" dirty="0"/>
+              <a:t>) :</a:t>
+            </a:r>
+          </a:p>
+        </p:txBody>
+      </p:sp>
+      <p:pic>
+        <p:nvPicPr>
+          <p:cNvPr id="7" name="Picture 6">
+            <a:extLst>
+              <a:ext uri="{FF2B5EF4-FFF2-40B4-BE49-F238E27FC236}">
+                <a16:creationId xmlns:a16="http://schemas.microsoft.com/office/drawing/2014/main" id="{2AF4D1C5-A9EE-49AA-AA6D-9052BCCED2C4}"/>
+              </a:ext>
+            </a:extLst>
+          </p:cNvPr>
+          <p:cNvPicPr>
+            <a:picLocks noChangeAspect="1"/>
+          </p:cNvPicPr>
+          <p:nvPr/>
+        </p:nvPicPr>
+        <p:blipFill>
+          <a:blip r:embed="rId4"/>
+          <a:stretch>
+            <a:fillRect/>
+          </a:stretch>
+        </p:blipFill>
+        <p:spPr>
+          <a:xfrm>
+            <a:off x="593725" y="4947390"/>
+            <a:ext cx="7029267" cy="478061"/>
+          </a:xfrm>
+          <a:prstGeom prst="rect">
+            <a:avLst/>
+          </a:prstGeom>
+        </p:spPr>
+      </p:pic>
+      <p:sp>
+        <p:nvSpPr>
+          <p:cNvPr id="8" name="Rectangle 7">
+            <a:extLst>
+              <a:ext uri="{FF2B5EF4-FFF2-40B4-BE49-F238E27FC236}">
+                <a16:creationId xmlns:a16="http://schemas.microsoft.com/office/drawing/2014/main" id="{EFE9BF7A-DBCB-43F2-9B96-457402A70906}"/>
+              </a:ext>
+            </a:extLst>
+          </p:cNvPr>
+          <p:cNvSpPr/>
+          <p:nvPr/>
+        </p:nvSpPr>
+        <p:spPr>
+          <a:xfrm>
+            <a:off x="400050" y="5584805"/>
+            <a:ext cx="8591549" cy="923330"/>
+          </a:xfrm>
+          <a:prstGeom prst="rect">
+            <a:avLst/>
+          </a:prstGeom>
+        </p:spPr>
+        <p:txBody>
+          <a:bodyPr wrap="square">
+            <a:spAutoFit/>
+          </a:bodyPr>
+          <a:lstStyle/>
+          <a:p>
+            <a:pPr marL="285750" indent="-285750" algn="just">
+              <a:buFont typeface="Wingdings" panose="05000000000000000000" pitchFamily="2" charset="2"/>
+              <a:buChar char="ü"/>
+            </a:pPr>
+            <a:r>
+              <a:rPr lang="fr-FR" sz="1800" dirty="0"/>
+              <a:t>Lorsque vous utilisez --routines, les horodatages de création et de modification ne sont pas maintenus, vous devriez à la place créer un dump et puis recharger le contenu de </a:t>
+            </a:r>
+            <a:r>
+              <a:rPr lang="fr-FR" sz="1800" dirty="0" err="1"/>
+              <a:t>mysql.proc</a:t>
+            </a:r>
+            <a:r>
+              <a:rPr lang="fr-FR" sz="1800" dirty="0"/>
+              <a:t>.</a:t>
+            </a:r>
+          </a:p>
+        </p:txBody>
+      </p:sp>
+    </p:spTree>
+    <p:extLst>
+      <p:ext uri="{BB962C8B-B14F-4D97-AF65-F5344CB8AC3E}">
+        <p14:creationId xmlns:p14="http://schemas.microsoft.com/office/powerpoint/2010/main" val="2366271772"/>
+      </p:ext>
+    </p:extLst>
+  </p:cSld>
+  <p:clrMapOvr>
+    <a:masterClrMapping/>
+  </p:clrMapOvr>
+</p:sld>
+</file>
+
+<file path=ppt/slides/slide28.xml><?xml version="1.0" encoding="utf-8"?>
+<p:sld xmlns:a="http://schemas.openxmlformats.org/drawingml/2006/main" xmlns:r="http://schemas.openxmlformats.org/officeDocument/2006/relationships" xmlns:p="http://schemas.openxmlformats.org/presentationml/2006/main">
+  <p:cSld>
+    <p:spTree>
+      <p:nvGrpSpPr>
+        <p:cNvPr id="1" name="Shape 58"/>
+        <p:cNvGrpSpPr/>
+        <p:nvPr/>
+      </p:nvGrpSpPr>
+      <p:grpSpPr>
+        <a:xfrm>
+          <a:off x="0" y="0"/>
+          <a:ext cx="0" cy="0"/>
+          <a:chOff x="0" y="0"/>
+          <a:chExt cx="0" cy="0"/>
+        </a:xfrm>
+      </p:grpSpPr>
+      <p:sp>
+        <p:nvSpPr>
+          <p:cNvPr id="59" name="Google Shape;59;p24"/>
+          <p:cNvSpPr txBox="1">
+            <a:spLocks noGrp="1"/>
+          </p:cNvSpPr>
+          <p:nvPr>
+            <p:ph type="title"/>
+          </p:nvPr>
+        </p:nvSpPr>
+        <p:spPr>
+          <a:xfrm>
+            <a:off x="593725" y="327554"/>
+            <a:ext cx="7886700" cy="473075"/>
+          </a:xfrm>
+          <a:prstGeom prst="rect">
+            <a:avLst/>
+          </a:prstGeom>
+          <a:noFill/>
+          <a:ln>
+            <a:noFill/>
+          </a:ln>
+        </p:spPr>
+        <p:txBody>
+          <a:bodyPr spcFirstLastPara="1" wrap="square" lIns="91425" tIns="45700" rIns="91425" bIns="45700" anchor="ctr" anchorCtr="0">
+            <a:noAutofit/>
+          </a:bodyPr>
+          <a:lstStyle/>
+          <a:p>
+            <a:pPr algn="ctr"/>
+            <a:r>
+              <a:rPr lang="fr-FR" dirty="0" err="1"/>
+              <a:t>mysqlimport</a:t>
+            </a:r>
+            <a:endParaRPr lang="fr-FR" b="1" dirty="0">
+              <a:highlight>
+                <a:srgbClr val="FFFFFF"/>
+              </a:highlight>
+            </a:endParaRPr>
+          </a:p>
+        </p:txBody>
+      </p:sp>
+      <p:sp>
+        <p:nvSpPr>
+          <p:cNvPr id="60" name="Google Shape;60;p24"/>
+          <p:cNvSpPr txBox="1"/>
+          <p:nvPr/>
+        </p:nvSpPr>
+        <p:spPr>
+          <a:xfrm>
+            <a:off x="6457950" y="6356350"/>
+            <a:ext cx="2057400" cy="365125"/>
+          </a:xfrm>
+          <a:prstGeom prst="rect">
+            <a:avLst/>
+          </a:prstGeom>
+          <a:noFill/>
+          <a:ln>
+            <a:noFill/>
+          </a:ln>
+        </p:spPr>
+        <p:txBody>
+          <a:bodyPr spcFirstLastPara="1" wrap="square" lIns="91425" tIns="45700" rIns="91425" bIns="45700" anchor="ctr" anchorCtr="0">
+            <a:noAutofit/>
+          </a:bodyPr>
+          <a:lstStyle/>
+          <a:p>
+            <a:pPr marL="0" marR="0" lvl="0" indent="0" algn="r" rtl="0">
+              <a:lnSpc>
+                <a:spcPct val="100000"/>
+              </a:lnSpc>
+              <a:spcBef>
+                <a:spcPts val="0"/>
+              </a:spcBef>
+              <a:spcAft>
+                <a:spcPts val="0"/>
+              </a:spcAft>
+              <a:buClr>
+                <a:schemeClr val="lt1"/>
+              </a:buClr>
+              <a:buSzPts val="900"/>
+              <a:buFont typeface="Arial"/>
+              <a:buNone/>
+            </a:pPr>
+            <a:fld id="{00000000-1234-1234-1234-123412341234}" type="slidenum">
+              <a:rPr lang="en-US" sz="900" b="0" i="0" u="none" strike="noStrike" cap="none">
+                <a:solidFill>
+                  <a:schemeClr val="lt1"/>
+                </a:solidFill>
+                <a:latin typeface="Arial"/>
+                <a:ea typeface="Arial"/>
+                <a:cs typeface="Arial"/>
+                <a:sym typeface="Arial"/>
+              </a:rPr>
+              <a:t>28</a:t>
+            </a:fld>
+            <a:endParaRPr/>
+          </a:p>
+        </p:txBody>
+      </p:sp>
+      <p:pic>
+        <p:nvPicPr>
+          <p:cNvPr id="3" name="Picture 2">
+            <a:extLst>
+              <a:ext uri="{FF2B5EF4-FFF2-40B4-BE49-F238E27FC236}">
+                <a16:creationId xmlns:a16="http://schemas.microsoft.com/office/drawing/2014/main" id="{DDB171D2-3809-4BFF-BF80-7D6ED5B0CF0E}"/>
+              </a:ext>
+            </a:extLst>
+          </p:cNvPr>
+          <p:cNvPicPr>
+            <a:picLocks noChangeAspect="1"/>
+          </p:cNvPicPr>
+          <p:nvPr/>
+        </p:nvPicPr>
+        <p:blipFill>
+          <a:blip r:embed="rId3"/>
+          <a:stretch>
+            <a:fillRect/>
+          </a:stretch>
+        </p:blipFill>
+        <p:spPr>
+          <a:xfrm>
+            <a:off x="135467" y="1032933"/>
+            <a:ext cx="8344959" cy="3833466"/>
+          </a:xfrm>
+          <a:prstGeom prst="rect">
+            <a:avLst/>
+          </a:prstGeom>
+        </p:spPr>
+      </p:pic>
+      <p:pic>
+        <p:nvPicPr>
+          <p:cNvPr id="9" name="Picture 8">
+            <a:extLst>
+              <a:ext uri="{FF2B5EF4-FFF2-40B4-BE49-F238E27FC236}">
+                <a16:creationId xmlns:a16="http://schemas.microsoft.com/office/drawing/2014/main" id="{9021697A-A147-495F-9FE5-7F807B23A63E}"/>
+              </a:ext>
+            </a:extLst>
+          </p:cNvPr>
+          <p:cNvPicPr>
+            <a:picLocks noChangeAspect="1"/>
+          </p:cNvPicPr>
+          <p:nvPr/>
+        </p:nvPicPr>
+        <p:blipFill>
+          <a:blip r:embed="rId4"/>
+          <a:stretch>
+            <a:fillRect/>
+          </a:stretch>
+        </p:blipFill>
+        <p:spPr>
+          <a:xfrm>
+            <a:off x="-2" y="5618163"/>
+            <a:ext cx="9144001" cy="923076"/>
+          </a:xfrm>
+          <a:prstGeom prst="rect">
+            <a:avLst/>
+          </a:prstGeom>
+        </p:spPr>
+      </p:pic>
+    </p:spTree>
+    <p:extLst>
+      <p:ext uri="{BB962C8B-B14F-4D97-AF65-F5344CB8AC3E}">
+        <p14:creationId xmlns:p14="http://schemas.microsoft.com/office/powerpoint/2010/main" val="3956065971"/>
+      </p:ext>
+    </p:extLst>
+  </p:cSld>
+  <p:clrMapOvr>
+    <a:masterClrMapping/>
+  </p:clrMapOvr>
+</p:sld>
+</file>
+
+<file path=ppt/slides/slide29.xml><?xml version="1.0" encoding="utf-8"?>
+<p:sld xmlns:a="http://schemas.openxmlformats.org/drawingml/2006/main" xmlns:r="http://schemas.openxmlformats.org/officeDocument/2006/relationships" xmlns:p="http://schemas.openxmlformats.org/presentationml/2006/main">
+  <p:cSld>
+    <p:spTree>
+      <p:nvGrpSpPr>
+        <p:cNvPr id="1" name="Shape 247"/>
+        <p:cNvGrpSpPr/>
+        <p:nvPr/>
+      </p:nvGrpSpPr>
+      <p:grpSpPr>
+        <a:xfrm>
+          <a:off x="0" y="0"/>
+          <a:ext cx="0" cy="0"/>
+          <a:chOff x="0" y="0"/>
+          <a:chExt cx="0" cy="0"/>
+        </a:xfrm>
+      </p:grpSpPr>
+      <p:sp>
+        <p:nvSpPr>
+          <p:cNvPr id="248" name="Google Shape;248;p37"/>
+          <p:cNvSpPr txBox="1">
+            <a:spLocks noGrp="1"/>
+          </p:cNvSpPr>
+          <p:nvPr>
+            <p:ph type="title"/>
+          </p:nvPr>
+        </p:nvSpPr>
+        <p:spPr>
+          <a:xfrm>
+            <a:off x="533400" y="3962400"/>
+            <a:ext cx="7772400" cy="1362075"/>
+          </a:xfrm>
+          <a:prstGeom prst="rect">
+            <a:avLst/>
+          </a:prstGeom>
+          <a:noFill/>
+          <a:ln>
+            <a:noFill/>
+          </a:ln>
+        </p:spPr>
+        <p:txBody>
+          <a:bodyPr spcFirstLastPara="1" wrap="square" lIns="91425" tIns="45700" rIns="91425" bIns="45700" anchor="t" anchorCtr="0">
+            <a:noAutofit/>
+          </a:bodyPr>
+          <a:lstStyle/>
+          <a:p>
+            <a:pPr algn="ctr" fontAlgn="base"/>
+            <a:r>
+              <a:rPr lang="fr-FR" b="1" dirty="0"/>
+              <a:t>Réplication Master-Slave  </a:t>
+            </a:r>
+          </a:p>
+        </p:txBody>
+      </p:sp>
+    </p:spTree>
+    <p:extLst>
+      <p:ext uri="{BB962C8B-B14F-4D97-AF65-F5344CB8AC3E}">
+        <p14:creationId xmlns:p14="http://schemas.microsoft.com/office/powerpoint/2010/main" val="2653007674"/>
+      </p:ext>
+    </p:extLst>
   </p:cSld>
   <p:clrMapOvr>
     <a:masterClrMapping/>
@@ -12311,19 +17181,7 @@
               <a:rPr lang="en-US" sz="1600" b="1" dirty="0">
                 <a:latin typeface="Consolas" panose="020B0609020204030204" pitchFamily="49" charset="0"/>
               </a:rPr>
-              <a:t> docker run  -e ALLOW_EMPTY_PASSWORD=yes  -v /path/to/</a:t>
-            </a:r>
-            <a:r>
-              <a:rPr lang="en-US" sz="1600" b="1" dirty="0" err="1">
-                <a:latin typeface="Consolas" panose="020B0609020204030204" pitchFamily="49" charset="0"/>
-              </a:rPr>
-              <a:t>mysql</a:t>
-            </a:r>
-            <a:r>
-              <a:rPr lang="en-US" sz="1600" b="1" dirty="0">
-                <a:latin typeface="Consolas" panose="020B0609020204030204" pitchFamily="49" charset="0"/>
-              </a:rPr>
-              <a:t>-persistence:/</a:t>
+              <a:t> docker run  -e ALLOW_EMPTY_PASSWORD=yes  -v /home/vagrant:/</a:t>
             </a:r>
             <a:r>
               <a:rPr lang="en-US" sz="1600" b="1" dirty="0" err="1">
@@ -12612,6 +17470,2251 @@
     <p:extLst>
       <p:ext uri="{BB962C8B-B14F-4D97-AF65-F5344CB8AC3E}">
         <p14:creationId xmlns:p14="http://schemas.microsoft.com/office/powerpoint/2010/main" val="2446761752"/>
+      </p:ext>
+    </p:extLst>
+  </p:cSld>
+  <p:clrMapOvr>
+    <a:masterClrMapping/>
+  </p:clrMapOvr>
+</p:sld>
+</file>
+
+<file path=ppt/slides/slide30.xml><?xml version="1.0" encoding="utf-8"?>
+<p:sld xmlns:a="http://schemas.openxmlformats.org/drawingml/2006/main" xmlns:r="http://schemas.openxmlformats.org/officeDocument/2006/relationships" xmlns:p="http://schemas.openxmlformats.org/presentationml/2006/main">
+  <p:cSld>
+    <p:spTree>
+      <p:nvGrpSpPr>
+        <p:cNvPr id="1" name=""/>
+        <p:cNvGrpSpPr/>
+        <p:nvPr/>
+      </p:nvGrpSpPr>
+      <p:grpSpPr>
+        <a:xfrm>
+          <a:off x="0" y="0"/>
+          <a:ext cx="0" cy="0"/>
+          <a:chOff x="0" y="0"/>
+          <a:chExt cx="0" cy="0"/>
+        </a:xfrm>
+      </p:grpSpPr>
+      <p:sp>
+        <p:nvSpPr>
+          <p:cNvPr id="4" name="Slide Number Placeholder 3">
+            <a:extLst>
+              <a:ext uri="{FF2B5EF4-FFF2-40B4-BE49-F238E27FC236}">
+                <a16:creationId xmlns:a16="http://schemas.microsoft.com/office/drawing/2014/main" id="{C4192824-C33D-4406-A580-04476BDF5BFD}"/>
+              </a:ext>
+            </a:extLst>
+          </p:cNvPr>
+          <p:cNvSpPr>
+            <a:spLocks noGrp="1"/>
+          </p:cNvSpPr>
+          <p:nvPr>
+            <p:ph type="sldNum" idx="12"/>
+          </p:nvPr>
+        </p:nvSpPr>
+        <p:spPr/>
+        <p:txBody>
+          <a:bodyPr/>
+          <a:lstStyle/>
+          <a:p>
+            <a:pPr marL="0" lvl="0" indent="0" algn="r" rtl="0">
+              <a:spcBef>
+                <a:spcPts val="0"/>
+              </a:spcBef>
+              <a:spcAft>
+                <a:spcPts val="0"/>
+              </a:spcAft>
+              <a:buNone/>
+            </a:pPr>
+            <a:fld id="{00000000-1234-1234-1234-123412341234}" type="slidenum">
+              <a:rPr lang="en-US" smtClean="0"/>
+              <a:t>30</a:t>
+            </a:fld>
+            <a:endParaRPr lang="en-US"/>
+          </a:p>
+        </p:txBody>
+      </p:sp>
+      <p:pic>
+        <p:nvPicPr>
+          <p:cNvPr id="5122" name="Picture 2" descr="https://www.it-connect.fr/wp-content-itc/uploads/2013/08/ReplicationMysql04.png">
+            <a:extLst>
+              <a:ext uri="{FF2B5EF4-FFF2-40B4-BE49-F238E27FC236}">
+                <a16:creationId xmlns:a16="http://schemas.microsoft.com/office/drawing/2014/main" id="{49781C80-B36F-49A8-9F69-DB978F4FF031}"/>
+              </a:ext>
+            </a:extLst>
+          </p:cNvPr>
+          <p:cNvPicPr>
+            <a:picLocks noChangeAspect="1" noChangeArrowheads="1"/>
+          </p:cNvPicPr>
+          <p:nvPr/>
+        </p:nvPicPr>
+        <p:blipFill>
+          <a:blip r:embed="rId2">
+            <a:extLst>
+              <a:ext uri="{28A0092B-C50C-407E-A947-70E740481C1C}">
+                <a14:useLocalDpi xmlns:a14="http://schemas.microsoft.com/office/drawing/2010/main" val="0"/>
+              </a:ext>
+            </a:extLst>
+          </a:blip>
+          <a:srcRect/>
+          <a:stretch>
+            <a:fillRect/>
+          </a:stretch>
+        </p:blipFill>
+        <p:spPr bwMode="auto">
+          <a:xfrm>
+            <a:off x="125891" y="1338263"/>
+            <a:ext cx="9061935" cy="4520670"/>
+          </a:xfrm>
+          <a:prstGeom prst="rect">
+            <a:avLst/>
+          </a:prstGeom>
+          <a:noFill/>
+          <a:extLst>
+            <a:ext uri="{909E8E84-426E-40DD-AFC4-6F175D3DCCD1}">
+              <a14:hiddenFill xmlns:a14="http://schemas.microsoft.com/office/drawing/2010/main">
+                <a:solidFill>
+                  <a:srgbClr val="FFFFFF"/>
+                </a:solidFill>
+              </a14:hiddenFill>
+            </a:ext>
+          </a:extLst>
+        </p:spPr>
+      </p:pic>
+      <p:sp>
+        <p:nvSpPr>
+          <p:cNvPr id="6" name="Google Shape;59;p24">
+            <a:extLst>
+              <a:ext uri="{FF2B5EF4-FFF2-40B4-BE49-F238E27FC236}">
+                <a16:creationId xmlns:a16="http://schemas.microsoft.com/office/drawing/2014/main" id="{0D933BFB-D537-414B-ACBC-6B337B51C964}"/>
+              </a:ext>
+            </a:extLst>
+          </p:cNvPr>
+          <p:cNvSpPr txBox="1">
+            <a:spLocks noGrp="1"/>
+          </p:cNvSpPr>
+          <p:nvPr>
+            <p:ph type="title"/>
+          </p:nvPr>
+        </p:nvSpPr>
+        <p:spPr>
+          <a:xfrm>
+            <a:off x="628650" y="379942"/>
+            <a:ext cx="7886700" cy="473075"/>
+          </a:xfrm>
+          <a:prstGeom prst="rect">
+            <a:avLst/>
+          </a:prstGeom>
+          <a:noFill/>
+          <a:ln>
+            <a:noFill/>
+          </a:ln>
+        </p:spPr>
+        <p:txBody>
+          <a:bodyPr spcFirstLastPara="1" wrap="square" lIns="91425" tIns="45700" rIns="91425" bIns="45700" anchor="ctr" anchorCtr="0">
+            <a:noAutofit/>
+          </a:bodyPr>
+          <a:lstStyle/>
+          <a:p>
+            <a:r>
+              <a:rPr lang="fr-FR" b="1" dirty="0">
+                <a:highlight>
+                  <a:srgbClr val="FFFFFF"/>
+                </a:highlight>
+              </a:rPr>
+              <a:t>Les étapes de la réplication de données</a:t>
+            </a:r>
+          </a:p>
+        </p:txBody>
+      </p:sp>
+    </p:spTree>
+    <p:extLst>
+      <p:ext uri="{BB962C8B-B14F-4D97-AF65-F5344CB8AC3E}">
+        <p14:creationId xmlns:p14="http://schemas.microsoft.com/office/powerpoint/2010/main" val="2983304916"/>
+      </p:ext>
+    </p:extLst>
+  </p:cSld>
+  <p:clrMapOvr>
+    <a:masterClrMapping/>
+  </p:clrMapOvr>
+</p:sld>
+</file>
+
+<file path=ppt/slides/slide31.xml><?xml version="1.0" encoding="utf-8"?>
+<p:sld xmlns:a="http://schemas.openxmlformats.org/drawingml/2006/main" xmlns:r="http://schemas.openxmlformats.org/officeDocument/2006/relationships" xmlns:p="http://schemas.openxmlformats.org/presentationml/2006/main">
+  <p:cSld>
+    <p:spTree>
+      <p:nvGrpSpPr>
+        <p:cNvPr id="1" name="Shape 58"/>
+        <p:cNvGrpSpPr/>
+        <p:nvPr/>
+      </p:nvGrpSpPr>
+      <p:grpSpPr>
+        <a:xfrm>
+          <a:off x="0" y="0"/>
+          <a:ext cx="0" cy="0"/>
+          <a:chOff x="0" y="0"/>
+          <a:chExt cx="0" cy="0"/>
+        </a:xfrm>
+      </p:grpSpPr>
+      <p:sp>
+        <p:nvSpPr>
+          <p:cNvPr id="59" name="Google Shape;59;p24"/>
+          <p:cNvSpPr txBox="1">
+            <a:spLocks noGrp="1"/>
+          </p:cNvSpPr>
+          <p:nvPr>
+            <p:ph type="title"/>
+          </p:nvPr>
+        </p:nvSpPr>
+        <p:spPr>
+          <a:xfrm>
+            <a:off x="593725" y="141287"/>
+            <a:ext cx="7886700" cy="473075"/>
+          </a:xfrm>
+          <a:prstGeom prst="rect">
+            <a:avLst/>
+          </a:prstGeom>
+          <a:noFill/>
+          <a:ln>
+            <a:noFill/>
+          </a:ln>
+        </p:spPr>
+        <p:txBody>
+          <a:bodyPr spcFirstLastPara="1" wrap="square" lIns="91425" tIns="45700" rIns="91425" bIns="45700" anchor="ctr" anchorCtr="0">
+            <a:noAutofit/>
+          </a:bodyPr>
+          <a:lstStyle/>
+          <a:p>
+            <a:r>
+              <a:rPr lang="fr-FR" dirty="0"/>
+              <a:t>La mise en place du serveur 'MAITRE'</a:t>
+            </a:r>
+            <a:endParaRPr lang="fr-FR" b="1" dirty="0">
+              <a:highlight>
+                <a:srgbClr val="FFFFFF"/>
+              </a:highlight>
+            </a:endParaRPr>
+          </a:p>
+        </p:txBody>
+      </p:sp>
+      <p:sp>
+        <p:nvSpPr>
+          <p:cNvPr id="60" name="Google Shape;60;p24"/>
+          <p:cNvSpPr txBox="1"/>
+          <p:nvPr/>
+        </p:nvSpPr>
+        <p:spPr>
+          <a:xfrm>
+            <a:off x="6457950" y="6356350"/>
+            <a:ext cx="2057400" cy="365125"/>
+          </a:xfrm>
+          <a:prstGeom prst="rect">
+            <a:avLst/>
+          </a:prstGeom>
+          <a:noFill/>
+          <a:ln>
+            <a:noFill/>
+          </a:ln>
+        </p:spPr>
+        <p:txBody>
+          <a:bodyPr spcFirstLastPara="1" wrap="square" lIns="91425" tIns="45700" rIns="91425" bIns="45700" anchor="ctr" anchorCtr="0">
+            <a:noAutofit/>
+          </a:bodyPr>
+          <a:lstStyle/>
+          <a:p>
+            <a:pPr marL="0" marR="0" lvl="0" indent="0" algn="r" rtl="0">
+              <a:lnSpc>
+                <a:spcPct val="100000"/>
+              </a:lnSpc>
+              <a:spcBef>
+                <a:spcPts val="0"/>
+              </a:spcBef>
+              <a:spcAft>
+                <a:spcPts val="0"/>
+              </a:spcAft>
+              <a:buClr>
+                <a:schemeClr val="lt1"/>
+              </a:buClr>
+              <a:buSzPts val="900"/>
+              <a:buFont typeface="Arial"/>
+              <a:buNone/>
+            </a:pPr>
+            <a:fld id="{00000000-1234-1234-1234-123412341234}" type="slidenum">
+              <a:rPr lang="en-US" sz="900" b="0" i="0" u="none" strike="noStrike" cap="none">
+                <a:solidFill>
+                  <a:schemeClr val="lt1"/>
+                </a:solidFill>
+                <a:latin typeface="Arial"/>
+                <a:ea typeface="Arial"/>
+                <a:cs typeface="Arial"/>
+                <a:sym typeface="Arial"/>
+              </a:rPr>
+              <a:t>31</a:t>
+            </a:fld>
+            <a:endParaRPr/>
+          </a:p>
+        </p:txBody>
+      </p:sp>
+      <p:sp>
+        <p:nvSpPr>
+          <p:cNvPr id="2" name="Rectangle 1">
+            <a:extLst>
+              <a:ext uri="{FF2B5EF4-FFF2-40B4-BE49-F238E27FC236}">
+                <a16:creationId xmlns:a16="http://schemas.microsoft.com/office/drawing/2014/main" id="{88959A05-9D10-45B3-AB65-059F823359AB}"/>
+              </a:ext>
+            </a:extLst>
+          </p:cNvPr>
+          <p:cNvSpPr/>
+          <p:nvPr/>
+        </p:nvSpPr>
+        <p:spPr>
+          <a:xfrm>
+            <a:off x="152401" y="948266"/>
+            <a:ext cx="8788399" cy="646331"/>
+          </a:xfrm>
+          <a:prstGeom prst="rect">
+            <a:avLst/>
+          </a:prstGeom>
+        </p:spPr>
+        <p:txBody>
+          <a:bodyPr wrap="square">
+            <a:spAutoFit/>
+          </a:bodyPr>
+          <a:lstStyle/>
+          <a:p>
+            <a:pPr marL="285750" indent="-285750" algn="just">
+              <a:buFont typeface="Wingdings" panose="05000000000000000000" pitchFamily="2" charset="2"/>
+              <a:buChar char="ü"/>
+            </a:pPr>
+            <a:r>
+              <a:rPr lang="fr-FR" sz="1800" dirty="0">
+                <a:solidFill>
+                  <a:srgbClr val="555858"/>
+                </a:solidFill>
+                <a:latin typeface="open sans"/>
+              </a:rPr>
+              <a:t>Editez le fichier </a:t>
+            </a:r>
+            <a:r>
+              <a:rPr lang="fr-FR" sz="1800" dirty="0" err="1">
+                <a:solidFill>
+                  <a:srgbClr val="555858"/>
+                </a:solidFill>
+                <a:latin typeface="open sans"/>
+              </a:rPr>
+              <a:t>my.cnf</a:t>
+            </a:r>
+            <a:r>
+              <a:rPr lang="fr-FR" sz="1800" dirty="0">
+                <a:solidFill>
+                  <a:srgbClr val="555858"/>
+                </a:solidFill>
+                <a:latin typeface="open sans"/>
+              </a:rPr>
+              <a:t> qui se trouve normalement dans /</a:t>
+            </a:r>
+            <a:r>
+              <a:rPr lang="fr-FR" sz="1800" dirty="0" err="1">
+                <a:solidFill>
+                  <a:srgbClr val="555858"/>
+                </a:solidFill>
+                <a:latin typeface="open sans"/>
+              </a:rPr>
+              <a:t>etc</a:t>
+            </a:r>
+            <a:r>
+              <a:rPr lang="fr-FR" sz="1800" dirty="0">
+                <a:solidFill>
+                  <a:srgbClr val="555858"/>
+                </a:solidFill>
+                <a:latin typeface="open sans"/>
+              </a:rPr>
+              <a:t>/</a:t>
+            </a:r>
+            <a:r>
+              <a:rPr lang="fr-FR" sz="1800" dirty="0" err="1">
+                <a:solidFill>
+                  <a:srgbClr val="555858"/>
+                </a:solidFill>
+                <a:latin typeface="open sans"/>
+              </a:rPr>
+              <a:t>mysql</a:t>
+            </a:r>
+            <a:r>
+              <a:rPr lang="fr-FR" sz="1800" dirty="0">
+                <a:solidFill>
+                  <a:srgbClr val="555858"/>
+                </a:solidFill>
+                <a:latin typeface="open sans"/>
+              </a:rPr>
+              <a:t>/</a:t>
+            </a:r>
+            <a:r>
+              <a:rPr lang="fr-FR" sz="1800" dirty="0" err="1">
+                <a:solidFill>
+                  <a:srgbClr val="555858"/>
+                </a:solidFill>
+                <a:latin typeface="open sans"/>
+              </a:rPr>
+              <a:t>my.cnf</a:t>
+            </a:r>
+            <a:endParaRPr lang="fr-FR" sz="1800" dirty="0">
+              <a:solidFill>
+                <a:srgbClr val="555858"/>
+              </a:solidFill>
+              <a:latin typeface="open sans"/>
+            </a:endParaRPr>
+          </a:p>
+          <a:p>
+            <a:pPr algn="just"/>
+            <a:r>
+              <a:rPr lang="fr-FR" sz="1800" dirty="0">
+                <a:solidFill>
+                  <a:srgbClr val="555858"/>
+                </a:solidFill>
+                <a:latin typeface="open sans"/>
+              </a:rPr>
+              <a:t>Ajoutez-y les lignes suivantes :</a:t>
+            </a:r>
+          </a:p>
+        </p:txBody>
+      </p:sp>
+      <p:pic>
+        <p:nvPicPr>
+          <p:cNvPr id="4" name="Picture 3">
+            <a:extLst>
+              <a:ext uri="{FF2B5EF4-FFF2-40B4-BE49-F238E27FC236}">
+                <a16:creationId xmlns:a16="http://schemas.microsoft.com/office/drawing/2014/main" id="{C85CB404-57D3-4AE5-B995-B6D13237AAD1}"/>
+              </a:ext>
+            </a:extLst>
+          </p:cNvPr>
+          <p:cNvPicPr>
+            <a:picLocks noChangeAspect="1"/>
+          </p:cNvPicPr>
+          <p:nvPr/>
+        </p:nvPicPr>
+        <p:blipFill>
+          <a:blip r:embed="rId3"/>
+          <a:stretch>
+            <a:fillRect/>
+          </a:stretch>
+        </p:blipFill>
+        <p:spPr>
+          <a:xfrm>
+            <a:off x="593725" y="1717346"/>
+            <a:ext cx="6626119" cy="1339448"/>
+          </a:xfrm>
+          <a:prstGeom prst="rect">
+            <a:avLst/>
+          </a:prstGeom>
+        </p:spPr>
+      </p:pic>
+      <p:sp>
+        <p:nvSpPr>
+          <p:cNvPr id="5" name="Rectangle 4">
+            <a:extLst>
+              <a:ext uri="{FF2B5EF4-FFF2-40B4-BE49-F238E27FC236}">
+                <a16:creationId xmlns:a16="http://schemas.microsoft.com/office/drawing/2014/main" id="{2B9A6D0C-0811-41B1-8311-54C194E048CD}"/>
+              </a:ext>
+            </a:extLst>
+          </p:cNvPr>
+          <p:cNvSpPr/>
+          <p:nvPr/>
+        </p:nvSpPr>
+        <p:spPr>
+          <a:xfrm>
+            <a:off x="304800" y="3431875"/>
+            <a:ext cx="4572000" cy="800219"/>
+          </a:xfrm>
+          <a:prstGeom prst="rect">
+            <a:avLst/>
+          </a:prstGeom>
+        </p:spPr>
+        <p:txBody>
+          <a:bodyPr>
+            <a:spAutoFit/>
+          </a:bodyPr>
+          <a:lstStyle/>
+          <a:p>
+            <a:pPr marL="285750" indent="-285750" algn="just">
+              <a:buFont typeface="Wingdings" panose="05000000000000000000" pitchFamily="2" charset="2"/>
+              <a:buChar char="ü"/>
+            </a:pPr>
+            <a:r>
+              <a:rPr lang="fr-FR" sz="1800" dirty="0">
+                <a:solidFill>
+                  <a:srgbClr val="555858"/>
+                </a:solidFill>
+                <a:latin typeface="open sans"/>
+              </a:rPr>
+              <a:t>Redémarrez la base:</a:t>
+            </a:r>
+          </a:p>
+          <a:p>
+            <a:br>
+              <a:rPr lang="fr-FR" dirty="0"/>
+            </a:br>
+            <a:endParaRPr lang="fr-FR" dirty="0"/>
+          </a:p>
+        </p:txBody>
+      </p:sp>
+      <p:pic>
+        <p:nvPicPr>
+          <p:cNvPr id="6" name="Picture 5">
+            <a:extLst>
+              <a:ext uri="{FF2B5EF4-FFF2-40B4-BE49-F238E27FC236}">
+                <a16:creationId xmlns:a16="http://schemas.microsoft.com/office/drawing/2014/main" id="{D4C97DCD-09E6-4378-9010-95FCB6275ADB}"/>
+              </a:ext>
+            </a:extLst>
+          </p:cNvPr>
+          <p:cNvPicPr>
+            <a:picLocks noChangeAspect="1"/>
+          </p:cNvPicPr>
+          <p:nvPr/>
+        </p:nvPicPr>
+        <p:blipFill>
+          <a:blip r:embed="rId4"/>
+          <a:stretch>
+            <a:fillRect/>
+          </a:stretch>
+        </p:blipFill>
+        <p:spPr>
+          <a:xfrm>
+            <a:off x="593725" y="3824936"/>
+            <a:ext cx="5946650" cy="407158"/>
+          </a:xfrm>
+          <a:prstGeom prst="rect">
+            <a:avLst/>
+          </a:prstGeom>
+        </p:spPr>
+      </p:pic>
+      <p:pic>
+        <p:nvPicPr>
+          <p:cNvPr id="7" name="Picture 6">
+            <a:extLst>
+              <a:ext uri="{FF2B5EF4-FFF2-40B4-BE49-F238E27FC236}">
+                <a16:creationId xmlns:a16="http://schemas.microsoft.com/office/drawing/2014/main" id="{36555CF3-9C2C-4698-921D-77E63D7AFBC0}"/>
+              </a:ext>
+            </a:extLst>
+          </p:cNvPr>
+          <p:cNvPicPr>
+            <a:picLocks noChangeAspect="1"/>
+          </p:cNvPicPr>
+          <p:nvPr/>
+        </p:nvPicPr>
+        <p:blipFill>
+          <a:blip r:embed="rId5"/>
+          <a:stretch>
+            <a:fillRect/>
+          </a:stretch>
+        </p:blipFill>
+        <p:spPr>
+          <a:xfrm>
+            <a:off x="18050" y="5261087"/>
+            <a:ext cx="9125949" cy="857472"/>
+          </a:xfrm>
+          <a:prstGeom prst="rect">
+            <a:avLst/>
+          </a:prstGeom>
+        </p:spPr>
+      </p:pic>
+      <p:sp>
+        <p:nvSpPr>
+          <p:cNvPr id="10" name="Rectangle 9">
+            <a:extLst>
+              <a:ext uri="{FF2B5EF4-FFF2-40B4-BE49-F238E27FC236}">
+                <a16:creationId xmlns:a16="http://schemas.microsoft.com/office/drawing/2014/main" id="{B447F25B-F459-4AD1-BD5A-C292F48DAA9B}"/>
+              </a:ext>
+            </a:extLst>
+          </p:cNvPr>
+          <p:cNvSpPr/>
+          <p:nvPr/>
+        </p:nvSpPr>
+        <p:spPr>
+          <a:xfrm>
+            <a:off x="304800" y="4485838"/>
+            <a:ext cx="8636000" cy="1354217"/>
+          </a:xfrm>
+          <a:prstGeom prst="rect">
+            <a:avLst/>
+          </a:prstGeom>
+        </p:spPr>
+        <p:txBody>
+          <a:bodyPr wrap="square">
+            <a:spAutoFit/>
+          </a:bodyPr>
+          <a:lstStyle/>
+          <a:p>
+            <a:pPr marL="285750" indent="-285750">
+              <a:buFont typeface="Wingdings" panose="05000000000000000000" pitchFamily="2" charset="2"/>
+              <a:buChar char="ü"/>
+            </a:pPr>
+            <a:r>
+              <a:rPr lang="fr-FR" sz="1800" dirty="0"/>
+              <a:t>Ensuite, connectez vous à MySQL sur le serveur MAITRE et créez un utilisateur pour la réplication:</a:t>
+            </a:r>
+          </a:p>
+          <a:p>
+            <a:br>
+              <a:rPr lang="fr-FR" sz="1800" dirty="0"/>
+            </a:br>
+            <a:br>
+              <a:rPr lang="fr-FR" dirty="0"/>
+            </a:br>
+            <a:endParaRPr lang="fr-FR" dirty="0"/>
+          </a:p>
+        </p:txBody>
+      </p:sp>
+    </p:spTree>
+    <p:extLst>
+      <p:ext uri="{BB962C8B-B14F-4D97-AF65-F5344CB8AC3E}">
+        <p14:creationId xmlns:p14="http://schemas.microsoft.com/office/powerpoint/2010/main" val="264795345"/>
+      </p:ext>
+    </p:extLst>
+  </p:cSld>
+  <p:clrMapOvr>
+    <a:masterClrMapping/>
+  </p:clrMapOvr>
+</p:sld>
+</file>
+
+<file path=ppt/slides/slide32.xml><?xml version="1.0" encoding="utf-8"?>
+<p:sld xmlns:a="http://schemas.openxmlformats.org/drawingml/2006/main" xmlns:r="http://schemas.openxmlformats.org/officeDocument/2006/relationships" xmlns:p="http://schemas.openxmlformats.org/presentationml/2006/main">
+  <p:cSld>
+    <p:spTree>
+      <p:nvGrpSpPr>
+        <p:cNvPr id="1" name="Shape 58"/>
+        <p:cNvGrpSpPr/>
+        <p:nvPr/>
+      </p:nvGrpSpPr>
+      <p:grpSpPr>
+        <a:xfrm>
+          <a:off x="0" y="0"/>
+          <a:ext cx="0" cy="0"/>
+          <a:chOff x="0" y="0"/>
+          <a:chExt cx="0" cy="0"/>
+        </a:xfrm>
+      </p:grpSpPr>
+      <p:sp>
+        <p:nvSpPr>
+          <p:cNvPr id="59" name="Google Shape;59;p24"/>
+          <p:cNvSpPr txBox="1">
+            <a:spLocks noGrp="1"/>
+          </p:cNvSpPr>
+          <p:nvPr>
+            <p:ph type="title"/>
+          </p:nvPr>
+        </p:nvSpPr>
+        <p:spPr>
+          <a:xfrm>
+            <a:off x="593725" y="141287"/>
+            <a:ext cx="7886700" cy="473075"/>
+          </a:xfrm>
+          <a:prstGeom prst="rect">
+            <a:avLst/>
+          </a:prstGeom>
+          <a:noFill/>
+          <a:ln>
+            <a:noFill/>
+          </a:ln>
+        </p:spPr>
+        <p:txBody>
+          <a:bodyPr spcFirstLastPara="1" wrap="square" lIns="91425" tIns="45700" rIns="91425" bIns="45700" anchor="ctr" anchorCtr="0">
+            <a:noAutofit/>
+          </a:bodyPr>
+          <a:lstStyle/>
+          <a:p>
+            <a:pPr algn="ctr"/>
+            <a:r>
+              <a:rPr lang="fr-FR" dirty="0"/>
+              <a:t>La mise en place du serveur 'MAITRE'</a:t>
+            </a:r>
+            <a:endParaRPr lang="fr-FR" b="1" dirty="0">
+              <a:highlight>
+                <a:srgbClr val="FFFFFF"/>
+              </a:highlight>
+            </a:endParaRPr>
+          </a:p>
+        </p:txBody>
+      </p:sp>
+      <p:sp>
+        <p:nvSpPr>
+          <p:cNvPr id="60" name="Google Shape;60;p24"/>
+          <p:cNvSpPr txBox="1"/>
+          <p:nvPr/>
+        </p:nvSpPr>
+        <p:spPr>
+          <a:xfrm>
+            <a:off x="6457950" y="6356350"/>
+            <a:ext cx="2057400" cy="365125"/>
+          </a:xfrm>
+          <a:prstGeom prst="rect">
+            <a:avLst/>
+          </a:prstGeom>
+          <a:noFill/>
+          <a:ln>
+            <a:noFill/>
+          </a:ln>
+        </p:spPr>
+        <p:txBody>
+          <a:bodyPr spcFirstLastPara="1" wrap="square" lIns="91425" tIns="45700" rIns="91425" bIns="45700" anchor="ctr" anchorCtr="0">
+            <a:noAutofit/>
+          </a:bodyPr>
+          <a:lstStyle/>
+          <a:p>
+            <a:pPr marL="0" marR="0" lvl="0" indent="0" algn="r" rtl="0">
+              <a:lnSpc>
+                <a:spcPct val="100000"/>
+              </a:lnSpc>
+              <a:spcBef>
+                <a:spcPts val="0"/>
+              </a:spcBef>
+              <a:spcAft>
+                <a:spcPts val="0"/>
+              </a:spcAft>
+              <a:buClr>
+                <a:schemeClr val="lt1"/>
+              </a:buClr>
+              <a:buSzPts val="900"/>
+              <a:buFont typeface="Arial"/>
+              <a:buNone/>
+            </a:pPr>
+            <a:fld id="{00000000-1234-1234-1234-123412341234}" type="slidenum">
+              <a:rPr lang="en-US" sz="900" b="0" i="0" u="none" strike="noStrike" cap="none">
+                <a:solidFill>
+                  <a:schemeClr val="lt1"/>
+                </a:solidFill>
+                <a:latin typeface="Arial"/>
+                <a:ea typeface="Arial"/>
+                <a:cs typeface="Arial"/>
+                <a:sym typeface="Arial"/>
+              </a:rPr>
+              <a:t>32</a:t>
+            </a:fld>
+            <a:endParaRPr/>
+          </a:p>
+        </p:txBody>
+      </p:sp>
+      <p:sp>
+        <p:nvSpPr>
+          <p:cNvPr id="5" name="Rectangle 4">
+            <a:extLst>
+              <a:ext uri="{FF2B5EF4-FFF2-40B4-BE49-F238E27FC236}">
+                <a16:creationId xmlns:a16="http://schemas.microsoft.com/office/drawing/2014/main" id="{9A0DDE3E-2956-49D1-A443-AD844829FE8F}"/>
+              </a:ext>
+            </a:extLst>
+          </p:cNvPr>
+          <p:cNvSpPr/>
+          <p:nvPr/>
+        </p:nvSpPr>
+        <p:spPr>
+          <a:xfrm>
+            <a:off x="194733" y="938267"/>
+            <a:ext cx="8754534" cy="923330"/>
+          </a:xfrm>
+          <a:prstGeom prst="rect">
+            <a:avLst/>
+          </a:prstGeom>
+        </p:spPr>
+        <p:txBody>
+          <a:bodyPr wrap="square">
+            <a:spAutoFit/>
+          </a:bodyPr>
+          <a:lstStyle/>
+          <a:p>
+            <a:pPr marL="285750" indent="-285750">
+              <a:buFont typeface="Wingdings" panose="05000000000000000000" pitchFamily="2" charset="2"/>
+              <a:buChar char="ü"/>
+            </a:pPr>
+            <a:r>
+              <a:rPr lang="fr-FR" sz="1800" dirty="0">
+                <a:solidFill>
+                  <a:srgbClr val="555858"/>
+                </a:solidFill>
+                <a:latin typeface="open sans"/>
+              </a:rPr>
+              <a:t>On récupère le nom du fichier binaire, et son offset. Il faut bien les noter car nous en auront besoin après pour configurer le serveur ESCLAVE. Pour ce faire, tapez la commande suivante :</a:t>
+            </a:r>
+            <a:endParaRPr lang="fr-FR" sz="1800" dirty="0"/>
+          </a:p>
+        </p:txBody>
+      </p:sp>
+      <p:pic>
+        <p:nvPicPr>
+          <p:cNvPr id="6" name="Picture 5">
+            <a:extLst>
+              <a:ext uri="{FF2B5EF4-FFF2-40B4-BE49-F238E27FC236}">
+                <a16:creationId xmlns:a16="http://schemas.microsoft.com/office/drawing/2014/main" id="{E96602D0-B9D0-42EA-A6F4-AAFC337BFF34}"/>
+              </a:ext>
+            </a:extLst>
+          </p:cNvPr>
+          <p:cNvPicPr>
+            <a:picLocks noChangeAspect="1"/>
+          </p:cNvPicPr>
+          <p:nvPr/>
+        </p:nvPicPr>
+        <p:blipFill>
+          <a:blip r:embed="rId4"/>
+          <a:stretch>
+            <a:fillRect/>
+          </a:stretch>
+        </p:blipFill>
+        <p:spPr>
+          <a:xfrm>
+            <a:off x="117475" y="1930930"/>
+            <a:ext cx="8754534" cy="1466850"/>
+          </a:xfrm>
+          <a:prstGeom prst="rect">
+            <a:avLst/>
+          </a:prstGeom>
+        </p:spPr>
+      </p:pic>
+      <p:sp>
+        <p:nvSpPr>
+          <p:cNvPr id="7" name="Rectangle 6">
+            <a:extLst>
+              <a:ext uri="{FF2B5EF4-FFF2-40B4-BE49-F238E27FC236}">
+                <a16:creationId xmlns:a16="http://schemas.microsoft.com/office/drawing/2014/main" id="{F915B630-9E4A-4A07-9303-889E6CB4BE86}"/>
+              </a:ext>
+            </a:extLst>
+          </p:cNvPr>
+          <p:cNvSpPr/>
+          <p:nvPr/>
+        </p:nvSpPr>
+        <p:spPr>
+          <a:xfrm>
+            <a:off x="78846" y="3614991"/>
+            <a:ext cx="8831792" cy="1477328"/>
+          </a:xfrm>
+          <a:prstGeom prst="rect">
+            <a:avLst/>
+          </a:prstGeom>
+        </p:spPr>
+        <p:txBody>
+          <a:bodyPr wrap="square">
+            <a:spAutoFit/>
+          </a:bodyPr>
+          <a:lstStyle/>
+          <a:p>
+            <a:pPr marL="285750" indent="-285750" algn="just">
+              <a:buFont typeface="Wingdings" panose="05000000000000000000" pitchFamily="2" charset="2"/>
+              <a:buChar char="ü"/>
+            </a:pPr>
+            <a:r>
+              <a:rPr lang="fr-FR" sz="1800" dirty="0">
+                <a:solidFill>
+                  <a:srgbClr val="555858"/>
+                </a:solidFill>
+                <a:latin typeface="open sans"/>
+              </a:rPr>
+              <a:t>Notez le nom du fichier dans la colonne “File” qui doit ressembler normalement à log-bin-… et notez également le numéro dans « Position”.</a:t>
+            </a:r>
+          </a:p>
+          <a:p>
+            <a:pPr marL="285750" indent="-285750" algn="just">
+              <a:buFont typeface="Wingdings" panose="05000000000000000000" pitchFamily="2" charset="2"/>
+              <a:buChar char="ü"/>
+            </a:pPr>
+            <a:r>
+              <a:rPr lang="fr-FR" sz="1800" dirty="0">
+                <a:solidFill>
+                  <a:srgbClr val="555858"/>
+                </a:solidFill>
+                <a:latin typeface="open sans"/>
+              </a:rPr>
+              <a:t>Si les colonnes 'File' et 'Position' sont vides, prenez les valeurs par défaut : </a:t>
+            </a:r>
+          </a:p>
+          <a:p>
+            <a:pPr algn="just"/>
+            <a:r>
+              <a:rPr lang="fr-FR" sz="1800" dirty="0">
+                <a:solidFill>
+                  <a:srgbClr val="555858"/>
+                </a:solidFill>
+                <a:latin typeface="open sans"/>
+              </a:rPr>
+              <a:t>         File = '' et Position = 4. </a:t>
+            </a:r>
+          </a:p>
+          <a:p>
+            <a:pPr marL="285750" indent="-285750" algn="just">
+              <a:buFont typeface="Wingdings" panose="05000000000000000000" pitchFamily="2" charset="2"/>
+              <a:buChar char="ü"/>
+            </a:pPr>
+            <a:r>
+              <a:rPr lang="fr-FR" sz="1800" dirty="0">
+                <a:solidFill>
+                  <a:srgbClr val="555858"/>
+                </a:solidFill>
+                <a:latin typeface="open sans"/>
+              </a:rPr>
+              <a:t>Pour terminer, exécutez les requêtes suivantes :</a:t>
+            </a:r>
+          </a:p>
+        </p:txBody>
+      </p:sp>
+      <p:pic>
+        <p:nvPicPr>
+          <p:cNvPr id="8" name="Picture 7">
+            <a:extLst>
+              <a:ext uri="{FF2B5EF4-FFF2-40B4-BE49-F238E27FC236}">
+                <a16:creationId xmlns:a16="http://schemas.microsoft.com/office/drawing/2014/main" id="{98891452-76A2-484A-B286-06832DA0D568}"/>
+              </a:ext>
+            </a:extLst>
+          </p:cNvPr>
+          <p:cNvPicPr>
+            <a:picLocks noChangeAspect="1"/>
+          </p:cNvPicPr>
+          <p:nvPr/>
+        </p:nvPicPr>
+        <p:blipFill>
+          <a:blip r:embed="rId5"/>
+          <a:stretch>
+            <a:fillRect/>
+          </a:stretch>
+        </p:blipFill>
+        <p:spPr>
+          <a:xfrm>
+            <a:off x="117475" y="5459285"/>
+            <a:ext cx="7777191" cy="658865"/>
+          </a:xfrm>
+          <a:prstGeom prst="rect">
+            <a:avLst/>
+          </a:prstGeom>
+        </p:spPr>
+      </p:pic>
+    </p:spTree>
+    <p:extLst>
+      <p:ext uri="{BB962C8B-B14F-4D97-AF65-F5344CB8AC3E}">
+        <p14:creationId xmlns:p14="http://schemas.microsoft.com/office/powerpoint/2010/main" val="3195158744"/>
+      </p:ext>
+    </p:extLst>
+  </p:cSld>
+  <p:clrMapOvr>
+    <a:masterClrMapping/>
+  </p:clrMapOvr>
+</p:sld>
+</file>
+
+<file path=ppt/slides/slide33.xml><?xml version="1.0" encoding="utf-8"?>
+<p:sld xmlns:a="http://schemas.openxmlformats.org/drawingml/2006/main" xmlns:r="http://schemas.openxmlformats.org/officeDocument/2006/relationships" xmlns:p="http://schemas.openxmlformats.org/presentationml/2006/main">
+  <p:cSld>
+    <p:spTree>
+      <p:nvGrpSpPr>
+        <p:cNvPr id="1" name="Shape 58"/>
+        <p:cNvGrpSpPr/>
+        <p:nvPr/>
+      </p:nvGrpSpPr>
+      <p:grpSpPr>
+        <a:xfrm>
+          <a:off x="0" y="0"/>
+          <a:ext cx="0" cy="0"/>
+          <a:chOff x="0" y="0"/>
+          <a:chExt cx="0" cy="0"/>
+        </a:xfrm>
+      </p:grpSpPr>
+      <p:sp>
+        <p:nvSpPr>
+          <p:cNvPr id="59" name="Google Shape;59;p24"/>
+          <p:cNvSpPr txBox="1">
+            <a:spLocks noGrp="1"/>
+          </p:cNvSpPr>
+          <p:nvPr>
+            <p:ph type="title"/>
+          </p:nvPr>
+        </p:nvSpPr>
+        <p:spPr>
+          <a:xfrm>
+            <a:off x="593725" y="141287"/>
+            <a:ext cx="7886700" cy="473075"/>
+          </a:xfrm>
+          <a:prstGeom prst="rect">
+            <a:avLst/>
+          </a:prstGeom>
+          <a:noFill/>
+          <a:ln>
+            <a:noFill/>
+          </a:ln>
+        </p:spPr>
+        <p:txBody>
+          <a:bodyPr spcFirstLastPara="1" wrap="square" lIns="91425" tIns="45700" rIns="91425" bIns="45700" anchor="ctr" anchorCtr="0">
+            <a:noAutofit/>
+          </a:bodyPr>
+          <a:lstStyle/>
+          <a:p>
+            <a:pPr algn="ctr"/>
+            <a:r>
+              <a:rPr lang="fr-FR" dirty="0"/>
+              <a:t>La mise en place du serveur ESCLAVE</a:t>
+            </a:r>
+            <a:endParaRPr lang="fr-FR" b="1" dirty="0">
+              <a:highlight>
+                <a:srgbClr val="FFFFFF"/>
+              </a:highlight>
+            </a:endParaRPr>
+          </a:p>
+        </p:txBody>
+      </p:sp>
+      <p:sp>
+        <p:nvSpPr>
+          <p:cNvPr id="60" name="Google Shape;60;p24"/>
+          <p:cNvSpPr txBox="1"/>
+          <p:nvPr/>
+        </p:nvSpPr>
+        <p:spPr>
+          <a:xfrm>
+            <a:off x="6457950" y="6356350"/>
+            <a:ext cx="2057400" cy="365125"/>
+          </a:xfrm>
+          <a:prstGeom prst="rect">
+            <a:avLst/>
+          </a:prstGeom>
+          <a:noFill/>
+          <a:ln>
+            <a:noFill/>
+          </a:ln>
+        </p:spPr>
+        <p:txBody>
+          <a:bodyPr spcFirstLastPara="1" wrap="square" lIns="91425" tIns="45700" rIns="91425" bIns="45700" anchor="ctr" anchorCtr="0">
+            <a:noAutofit/>
+          </a:bodyPr>
+          <a:lstStyle/>
+          <a:p>
+            <a:pPr marL="0" marR="0" lvl="0" indent="0" algn="r" rtl="0">
+              <a:lnSpc>
+                <a:spcPct val="100000"/>
+              </a:lnSpc>
+              <a:spcBef>
+                <a:spcPts val="0"/>
+              </a:spcBef>
+              <a:spcAft>
+                <a:spcPts val="0"/>
+              </a:spcAft>
+              <a:buClr>
+                <a:schemeClr val="lt1"/>
+              </a:buClr>
+              <a:buSzPts val="900"/>
+              <a:buFont typeface="Arial"/>
+              <a:buNone/>
+            </a:pPr>
+            <a:fld id="{00000000-1234-1234-1234-123412341234}" type="slidenum">
+              <a:rPr lang="en-US" sz="900" b="0" i="0" u="none" strike="noStrike" cap="none">
+                <a:solidFill>
+                  <a:schemeClr val="lt1"/>
+                </a:solidFill>
+                <a:latin typeface="Arial"/>
+                <a:ea typeface="Arial"/>
+                <a:cs typeface="Arial"/>
+                <a:sym typeface="Arial"/>
+              </a:rPr>
+              <a:t>33</a:t>
+            </a:fld>
+            <a:endParaRPr/>
+          </a:p>
+        </p:txBody>
+      </p:sp>
+      <p:sp>
+        <p:nvSpPr>
+          <p:cNvPr id="5" name="Rectangle 4">
+            <a:extLst>
+              <a:ext uri="{FF2B5EF4-FFF2-40B4-BE49-F238E27FC236}">
+                <a16:creationId xmlns:a16="http://schemas.microsoft.com/office/drawing/2014/main" id="{9A0DDE3E-2956-49D1-A443-AD844829FE8F}"/>
+              </a:ext>
+            </a:extLst>
+          </p:cNvPr>
+          <p:cNvSpPr/>
+          <p:nvPr/>
+        </p:nvSpPr>
+        <p:spPr>
+          <a:xfrm>
+            <a:off x="194733" y="1022932"/>
+            <a:ext cx="8754534" cy="369332"/>
+          </a:xfrm>
+          <a:prstGeom prst="rect">
+            <a:avLst/>
+          </a:prstGeom>
+        </p:spPr>
+        <p:txBody>
+          <a:bodyPr wrap="square">
+            <a:spAutoFit/>
+          </a:bodyPr>
+          <a:lstStyle/>
+          <a:p>
+            <a:pPr marL="285750" indent="-285750">
+              <a:buFont typeface="Wingdings" panose="05000000000000000000" pitchFamily="2" charset="2"/>
+              <a:buChar char="ü"/>
+            </a:pPr>
+            <a:r>
+              <a:rPr lang="fr-FR" sz="1800" dirty="0"/>
+              <a:t>Eteignez la base sur le serveur ESCLAVE</a:t>
+            </a:r>
+          </a:p>
+        </p:txBody>
+      </p:sp>
+      <p:pic>
+        <p:nvPicPr>
+          <p:cNvPr id="2" name="Picture 1">
+            <a:extLst>
+              <a:ext uri="{FF2B5EF4-FFF2-40B4-BE49-F238E27FC236}">
+                <a16:creationId xmlns:a16="http://schemas.microsoft.com/office/drawing/2014/main" id="{13147D00-6BA4-4398-B53F-EE22D48CD5EA}"/>
+              </a:ext>
+            </a:extLst>
+          </p:cNvPr>
+          <p:cNvPicPr>
+            <a:picLocks noChangeAspect="1"/>
+          </p:cNvPicPr>
+          <p:nvPr/>
+        </p:nvPicPr>
+        <p:blipFill>
+          <a:blip r:embed="rId4"/>
+          <a:stretch>
+            <a:fillRect/>
+          </a:stretch>
+        </p:blipFill>
+        <p:spPr>
+          <a:xfrm>
+            <a:off x="194733" y="1493002"/>
+            <a:ext cx="7475527" cy="566792"/>
+          </a:xfrm>
+          <a:prstGeom prst="rect">
+            <a:avLst/>
+          </a:prstGeom>
+        </p:spPr>
+      </p:pic>
+      <p:sp>
+        <p:nvSpPr>
+          <p:cNvPr id="3" name="Rectangle 2">
+            <a:extLst>
+              <a:ext uri="{FF2B5EF4-FFF2-40B4-BE49-F238E27FC236}">
+                <a16:creationId xmlns:a16="http://schemas.microsoft.com/office/drawing/2014/main" id="{036D98BF-843E-4F87-A7B2-662C136AA50B}"/>
+              </a:ext>
+            </a:extLst>
+          </p:cNvPr>
+          <p:cNvSpPr/>
+          <p:nvPr/>
+        </p:nvSpPr>
+        <p:spPr>
+          <a:xfrm>
+            <a:off x="190499" y="2362101"/>
+            <a:ext cx="6663267" cy="646331"/>
+          </a:xfrm>
+          <a:prstGeom prst="rect">
+            <a:avLst/>
+          </a:prstGeom>
+        </p:spPr>
+        <p:txBody>
+          <a:bodyPr wrap="square">
+            <a:spAutoFit/>
+          </a:bodyPr>
+          <a:lstStyle/>
+          <a:p>
+            <a:pPr marL="285750" indent="-285750" algn="just">
+              <a:buFont typeface="Wingdings" panose="05000000000000000000" pitchFamily="2" charset="2"/>
+              <a:buChar char="ü"/>
+            </a:pPr>
+            <a:r>
+              <a:rPr lang="fr-FR" sz="1800" dirty="0">
+                <a:solidFill>
+                  <a:srgbClr val="555858"/>
+                </a:solidFill>
+                <a:latin typeface="open sans"/>
+              </a:rPr>
+              <a:t>Editez le fichier </a:t>
+            </a:r>
+            <a:r>
+              <a:rPr lang="fr-FR" sz="1800" dirty="0" err="1">
+                <a:solidFill>
+                  <a:srgbClr val="555858"/>
+                </a:solidFill>
+                <a:latin typeface="open sans"/>
+              </a:rPr>
+              <a:t>my.cnf</a:t>
+            </a:r>
+            <a:r>
+              <a:rPr lang="fr-FR" sz="1800" dirty="0">
+                <a:solidFill>
+                  <a:srgbClr val="555858"/>
+                </a:solidFill>
+                <a:latin typeface="open sans"/>
+              </a:rPr>
+              <a:t> qui se trouve dans /</a:t>
+            </a:r>
+            <a:r>
+              <a:rPr lang="fr-FR" sz="1800" dirty="0" err="1">
+                <a:solidFill>
+                  <a:srgbClr val="555858"/>
+                </a:solidFill>
+                <a:latin typeface="open sans"/>
+              </a:rPr>
+              <a:t>etc</a:t>
+            </a:r>
+            <a:r>
+              <a:rPr lang="fr-FR" sz="1800" dirty="0">
+                <a:solidFill>
+                  <a:srgbClr val="555858"/>
+                </a:solidFill>
+                <a:latin typeface="open sans"/>
+              </a:rPr>
+              <a:t>/</a:t>
+            </a:r>
+            <a:r>
+              <a:rPr lang="fr-FR" sz="1800" dirty="0" err="1">
+                <a:solidFill>
+                  <a:srgbClr val="555858"/>
+                </a:solidFill>
+                <a:latin typeface="open sans"/>
+              </a:rPr>
+              <a:t>mysql</a:t>
+            </a:r>
+            <a:r>
+              <a:rPr lang="fr-FR" sz="1800" dirty="0">
+                <a:solidFill>
+                  <a:srgbClr val="555858"/>
+                </a:solidFill>
+                <a:latin typeface="open sans"/>
+              </a:rPr>
+              <a:t>/</a:t>
+            </a:r>
+            <a:r>
+              <a:rPr lang="fr-FR" sz="1800" dirty="0" err="1">
+                <a:solidFill>
+                  <a:srgbClr val="555858"/>
+                </a:solidFill>
+                <a:latin typeface="open sans"/>
+              </a:rPr>
+              <a:t>my.cnf</a:t>
+            </a:r>
+            <a:endParaRPr lang="fr-FR" sz="1800" dirty="0">
+              <a:solidFill>
+                <a:srgbClr val="555858"/>
+              </a:solidFill>
+              <a:latin typeface="open sans"/>
+            </a:endParaRPr>
+          </a:p>
+          <a:p>
+            <a:pPr marL="285750" indent="-285750" algn="just">
+              <a:buFont typeface="Wingdings" panose="05000000000000000000" pitchFamily="2" charset="2"/>
+              <a:buChar char="ü"/>
+            </a:pPr>
+            <a:r>
+              <a:rPr lang="fr-FR" sz="1800" dirty="0">
+                <a:solidFill>
+                  <a:srgbClr val="555858"/>
+                </a:solidFill>
+                <a:latin typeface="open sans"/>
+              </a:rPr>
+              <a:t>Ajoutez-y les lignes suivantes :</a:t>
+            </a:r>
+          </a:p>
+        </p:txBody>
+      </p:sp>
+      <p:pic>
+        <p:nvPicPr>
+          <p:cNvPr id="4" name="Picture 3">
+            <a:extLst>
+              <a:ext uri="{FF2B5EF4-FFF2-40B4-BE49-F238E27FC236}">
+                <a16:creationId xmlns:a16="http://schemas.microsoft.com/office/drawing/2014/main" id="{F9477CD6-35A4-4A4C-AD0C-312BAB347BBF}"/>
+              </a:ext>
+            </a:extLst>
+          </p:cNvPr>
+          <p:cNvPicPr>
+            <a:picLocks noChangeAspect="1"/>
+          </p:cNvPicPr>
+          <p:nvPr/>
+        </p:nvPicPr>
+        <p:blipFill>
+          <a:blip r:embed="rId5"/>
+          <a:stretch>
+            <a:fillRect/>
+          </a:stretch>
+        </p:blipFill>
+        <p:spPr>
+          <a:xfrm>
+            <a:off x="127516" y="3190693"/>
+            <a:ext cx="8775339" cy="1843431"/>
+          </a:xfrm>
+          <a:prstGeom prst="rect">
+            <a:avLst/>
+          </a:prstGeom>
+        </p:spPr>
+      </p:pic>
+      <p:sp>
+        <p:nvSpPr>
+          <p:cNvPr id="9" name="Rectangle 8">
+            <a:extLst>
+              <a:ext uri="{FF2B5EF4-FFF2-40B4-BE49-F238E27FC236}">
+                <a16:creationId xmlns:a16="http://schemas.microsoft.com/office/drawing/2014/main" id="{A4D13E47-2C49-4374-B8E9-C9BD757279E2}"/>
+              </a:ext>
+            </a:extLst>
+          </p:cNvPr>
+          <p:cNvSpPr/>
+          <p:nvPr/>
+        </p:nvSpPr>
+        <p:spPr>
+          <a:xfrm>
+            <a:off x="190500" y="5265992"/>
+            <a:ext cx="4572000" cy="800219"/>
+          </a:xfrm>
+          <a:prstGeom prst="rect">
+            <a:avLst/>
+          </a:prstGeom>
+        </p:spPr>
+        <p:txBody>
+          <a:bodyPr>
+            <a:spAutoFit/>
+          </a:bodyPr>
+          <a:lstStyle/>
+          <a:p>
+            <a:pPr marL="285750" indent="-285750" algn="just">
+              <a:buFont typeface="Wingdings" panose="05000000000000000000" pitchFamily="2" charset="2"/>
+              <a:buChar char="ü"/>
+            </a:pPr>
+            <a:r>
+              <a:rPr lang="fr-FR" sz="1800" dirty="0">
+                <a:solidFill>
+                  <a:srgbClr val="555858"/>
+                </a:solidFill>
+                <a:latin typeface="open sans"/>
+              </a:rPr>
+              <a:t>Relancez la base MySQL :</a:t>
+            </a:r>
+          </a:p>
+          <a:p>
+            <a:br>
+              <a:rPr lang="fr-FR" dirty="0"/>
+            </a:br>
+            <a:endParaRPr lang="fr-FR" dirty="0"/>
+          </a:p>
+        </p:txBody>
+      </p:sp>
+      <p:pic>
+        <p:nvPicPr>
+          <p:cNvPr id="10" name="Picture 9">
+            <a:extLst>
+              <a:ext uri="{FF2B5EF4-FFF2-40B4-BE49-F238E27FC236}">
+                <a16:creationId xmlns:a16="http://schemas.microsoft.com/office/drawing/2014/main" id="{52D3CB84-86E6-4594-9C9A-F15E331BA461}"/>
+              </a:ext>
+            </a:extLst>
+          </p:cNvPr>
+          <p:cNvPicPr>
+            <a:picLocks noChangeAspect="1"/>
+          </p:cNvPicPr>
+          <p:nvPr/>
+        </p:nvPicPr>
+        <p:blipFill>
+          <a:blip r:embed="rId6"/>
+          <a:stretch>
+            <a:fillRect/>
+          </a:stretch>
+        </p:blipFill>
+        <p:spPr>
+          <a:xfrm>
+            <a:off x="190499" y="5761195"/>
+            <a:ext cx="6139623" cy="544644"/>
+          </a:xfrm>
+          <a:prstGeom prst="rect">
+            <a:avLst/>
+          </a:prstGeom>
+        </p:spPr>
+      </p:pic>
+    </p:spTree>
+    <p:extLst>
+      <p:ext uri="{BB962C8B-B14F-4D97-AF65-F5344CB8AC3E}">
+        <p14:creationId xmlns:p14="http://schemas.microsoft.com/office/powerpoint/2010/main" val="406935961"/>
+      </p:ext>
+    </p:extLst>
+  </p:cSld>
+  <p:clrMapOvr>
+    <a:masterClrMapping/>
+  </p:clrMapOvr>
+</p:sld>
+</file>
+
+<file path=ppt/slides/slide34.xml><?xml version="1.0" encoding="utf-8"?>
+<p:sld xmlns:a="http://schemas.openxmlformats.org/drawingml/2006/main" xmlns:r="http://schemas.openxmlformats.org/officeDocument/2006/relationships" xmlns:p="http://schemas.openxmlformats.org/presentationml/2006/main">
+  <p:cSld>
+    <p:spTree>
+      <p:nvGrpSpPr>
+        <p:cNvPr id="1" name="Shape 58"/>
+        <p:cNvGrpSpPr/>
+        <p:nvPr/>
+      </p:nvGrpSpPr>
+      <p:grpSpPr>
+        <a:xfrm>
+          <a:off x="0" y="0"/>
+          <a:ext cx="0" cy="0"/>
+          <a:chOff x="0" y="0"/>
+          <a:chExt cx="0" cy="0"/>
+        </a:xfrm>
+      </p:grpSpPr>
+      <p:sp>
+        <p:nvSpPr>
+          <p:cNvPr id="59" name="Google Shape;59;p24"/>
+          <p:cNvSpPr txBox="1">
+            <a:spLocks noGrp="1"/>
+          </p:cNvSpPr>
+          <p:nvPr>
+            <p:ph type="title"/>
+          </p:nvPr>
+        </p:nvSpPr>
+        <p:spPr>
+          <a:xfrm>
+            <a:off x="593725" y="141287"/>
+            <a:ext cx="7886700" cy="473075"/>
+          </a:xfrm>
+          <a:prstGeom prst="rect">
+            <a:avLst/>
+          </a:prstGeom>
+          <a:noFill/>
+          <a:ln>
+            <a:noFill/>
+          </a:ln>
+        </p:spPr>
+        <p:txBody>
+          <a:bodyPr spcFirstLastPara="1" wrap="square" lIns="91425" tIns="45700" rIns="91425" bIns="45700" anchor="ctr" anchorCtr="0">
+            <a:noAutofit/>
+          </a:bodyPr>
+          <a:lstStyle/>
+          <a:p>
+            <a:pPr algn="ctr"/>
+            <a:r>
+              <a:rPr lang="fr-FR" dirty="0"/>
+              <a:t>La mise en place du serveur ESCLAVE</a:t>
+            </a:r>
+            <a:endParaRPr lang="fr-FR" b="1" dirty="0">
+              <a:highlight>
+                <a:srgbClr val="FFFFFF"/>
+              </a:highlight>
+            </a:endParaRPr>
+          </a:p>
+        </p:txBody>
+      </p:sp>
+      <p:sp>
+        <p:nvSpPr>
+          <p:cNvPr id="6" name="Rectangle 5">
+            <a:extLst>
+              <a:ext uri="{FF2B5EF4-FFF2-40B4-BE49-F238E27FC236}">
+                <a16:creationId xmlns:a16="http://schemas.microsoft.com/office/drawing/2014/main" id="{B9E02333-FA18-4638-80C2-2C90574366B3}"/>
+              </a:ext>
+            </a:extLst>
+          </p:cNvPr>
+          <p:cNvSpPr/>
+          <p:nvPr/>
+        </p:nvSpPr>
+        <p:spPr>
+          <a:xfrm>
+            <a:off x="9525" y="779562"/>
+            <a:ext cx="8557683" cy="923330"/>
+          </a:xfrm>
+          <a:prstGeom prst="rect">
+            <a:avLst/>
+          </a:prstGeom>
+        </p:spPr>
+        <p:txBody>
+          <a:bodyPr wrap="square">
+            <a:spAutoFit/>
+          </a:bodyPr>
+          <a:lstStyle/>
+          <a:p>
+            <a:pPr marL="285750" indent="-285750" algn="just">
+              <a:buFont typeface="Wingdings" panose="05000000000000000000" pitchFamily="2" charset="2"/>
+              <a:buChar char="ü"/>
+            </a:pPr>
+            <a:r>
+              <a:rPr lang="fr-FR" sz="1800" dirty="0">
+                <a:solidFill>
+                  <a:srgbClr val="555858"/>
+                </a:solidFill>
+                <a:latin typeface="open sans"/>
+              </a:rPr>
+              <a:t>On se rend dans le prompt MySQL pour lancer le serveur </a:t>
+            </a:r>
+            <a:r>
+              <a:rPr lang="fr-FR" sz="1800" dirty="0" err="1">
+                <a:solidFill>
+                  <a:srgbClr val="555858"/>
+                </a:solidFill>
+                <a:latin typeface="open sans"/>
+              </a:rPr>
+              <a:t>ESCLAVE.Puis</a:t>
+            </a:r>
+            <a:r>
+              <a:rPr lang="fr-FR" sz="1800" dirty="0">
+                <a:solidFill>
+                  <a:srgbClr val="555858"/>
+                </a:solidFill>
+                <a:latin typeface="open sans"/>
+              </a:rPr>
+              <a:t>, on exécute les requêtes suivantes :</a:t>
+            </a:r>
+          </a:p>
+          <a:p>
+            <a:pPr algn="just"/>
+            <a:r>
+              <a:rPr lang="fr-FR" sz="1800" dirty="0">
+                <a:solidFill>
+                  <a:srgbClr val="555858"/>
+                </a:solidFill>
+                <a:latin typeface="open sans"/>
+              </a:rPr>
+              <a:t>	</a:t>
+            </a:r>
+            <a:r>
+              <a:rPr lang="fr-FR" sz="1800" dirty="0" err="1">
+                <a:solidFill>
+                  <a:srgbClr val="555858"/>
+                </a:solidFill>
+                <a:latin typeface="open sans"/>
+              </a:rPr>
+              <a:t>shell</a:t>
+            </a:r>
+            <a:r>
+              <a:rPr lang="fr-FR" sz="1800" dirty="0">
+                <a:solidFill>
+                  <a:srgbClr val="555858"/>
+                </a:solidFill>
+                <a:latin typeface="open sans"/>
+              </a:rPr>
+              <a:t>&gt; </a:t>
+            </a:r>
+            <a:r>
+              <a:rPr lang="fr-FR" sz="1800" dirty="0" err="1">
+                <a:solidFill>
+                  <a:srgbClr val="555858"/>
+                </a:solidFill>
+                <a:latin typeface="open sans"/>
+              </a:rPr>
+              <a:t>mysql</a:t>
+            </a:r>
+            <a:r>
+              <a:rPr lang="fr-FR" sz="1800" dirty="0">
+                <a:solidFill>
+                  <a:srgbClr val="555858"/>
+                </a:solidFill>
+                <a:latin typeface="open sans"/>
+              </a:rPr>
+              <a:t> –</a:t>
+            </a:r>
+            <a:r>
+              <a:rPr lang="fr-FR" sz="1800" dirty="0" err="1">
+                <a:solidFill>
+                  <a:srgbClr val="555858"/>
+                </a:solidFill>
+                <a:latin typeface="open sans"/>
+              </a:rPr>
+              <a:t>uroot</a:t>
+            </a:r>
+            <a:r>
+              <a:rPr lang="fr-FR" sz="1800" dirty="0">
+                <a:solidFill>
+                  <a:srgbClr val="555858"/>
+                </a:solidFill>
+                <a:latin typeface="open sans"/>
+              </a:rPr>
+              <a:t> –</a:t>
+            </a:r>
+            <a:r>
+              <a:rPr lang="fr-FR" sz="1800" dirty="0" err="1">
+                <a:solidFill>
+                  <a:srgbClr val="555858"/>
+                </a:solidFill>
+                <a:latin typeface="open sans"/>
+              </a:rPr>
+              <a:t>ppassword</a:t>
+            </a:r>
+            <a:endParaRPr lang="fr-FR" sz="1800" dirty="0">
+              <a:solidFill>
+                <a:srgbClr val="555858"/>
+              </a:solidFill>
+              <a:latin typeface="open sans"/>
+            </a:endParaRPr>
+          </a:p>
+        </p:txBody>
+      </p:sp>
+      <p:pic>
+        <p:nvPicPr>
+          <p:cNvPr id="7" name="Picture 6">
+            <a:extLst>
+              <a:ext uri="{FF2B5EF4-FFF2-40B4-BE49-F238E27FC236}">
+                <a16:creationId xmlns:a16="http://schemas.microsoft.com/office/drawing/2014/main" id="{BCE2942C-69C0-471D-B627-8EFA94D29107}"/>
+              </a:ext>
+            </a:extLst>
+          </p:cNvPr>
+          <p:cNvPicPr>
+            <a:picLocks noChangeAspect="1"/>
+          </p:cNvPicPr>
+          <p:nvPr/>
+        </p:nvPicPr>
+        <p:blipFill>
+          <a:blip r:embed="rId4"/>
+          <a:stretch>
+            <a:fillRect/>
+          </a:stretch>
+        </p:blipFill>
+        <p:spPr>
+          <a:xfrm>
+            <a:off x="403022" y="1738594"/>
+            <a:ext cx="8164186" cy="1930895"/>
+          </a:xfrm>
+          <a:prstGeom prst="rect">
+            <a:avLst/>
+          </a:prstGeom>
+        </p:spPr>
+      </p:pic>
+      <p:sp>
+        <p:nvSpPr>
+          <p:cNvPr id="8" name="Rectangle 7">
+            <a:extLst>
+              <a:ext uri="{FF2B5EF4-FFF2-40B4-BE49-F238E27FC236}">
+                <a16:creationId xmlns:a16="http://schemas.microsoft.com/office/drawing/2014/main" id="{DBE6AEFB-1525-41BD-813A-E86C10B19CBD}"/>
+              </a:ext>
+            </a:extLst>
+          </p:cNvPr>
+          <p:cNvSpPr/>
+          <p:nvPr/>
+        </p:nvSpPr>
+        <p:spPr>
+          <a:xfrm>
+            <a:off x="48418" y="3863772"/>
+            <a:ext cx="8682567" cy="1077218"/>
+          </a:xfrm>
+          <a:prstGeom prst="rect">
+            <a:avLst/>
+          </a:prstGeom>
+        </p:spPr>
+        <p:txBody>
+          <a:bodyPr wrap="square">
+            <a:spAutoFit/>
+          </a:bodyPr>
+          <a:lstStyle/>
+          <a:p>
+            <a:pPr marL="285750" indent="-285750" algn="just">
+              <a:buFont typeface="Wingdings" panose="05000000000000000000" pitchFamily="2" charset="2"/>
+              <a:buChar char="ü"/>
+            </a:pPr>
+            <a:r>
+              <a:rPr lang="fr-FR" sz="1800" dirty="0">
+                <a:solidFill>
+                  <a:srgbClr val="555858"/>
+                </a:solidFill>
+                <a:latin typeface="open sans"/>
+              </a:rPr>
+              <a:t>Si vous n’aviez pas de nom de fichier et de position en faisant le SHOW MASTER STATUS sur le maître, entrez ceci:</a:t>
+            </a:r>
+          </a:p>
+          <a:p>
+            <a:br>
+              <a:rPr lang="fr-FR" dirty="0"/>
+            </a:br>
+            <a:endParaRPr lang="fr-FR" dirty="0"/>
+          </a:p>
+        </p:txBody>
+      </p:sp>
+      <p:pic>
+        <p:nvPicPr>
+          <p:cNvPr id="11" name="Picture 10">
+            <a:extLst>
+              <a:ext uri="{FF2B5EF4-FFF2-40B4-BE49-F238E27FC236}">
+                <a16:creationId xmlns:a16="http://schemas.microsoft.com/office/drawing/2014/main" id="{0EE159B1-7F12-47DA-8CF5-FA01ED6F0532}"/>
+              </a:ext>
+            </a:extLst>
+          </p:cNvPr>
+          <p:cNvPicPr>
+            <a:picLocks noChangeAspect="1"/>
+          </p:cNvPicPr>
+          <p:nvPr/>
+        </p:nvPicPr>
+        <p:blipFill>
+          <a:blip r:embed="rId5"/>
+          <a:stretch>
+            <a:fillRect/>
+          </a:stretch>
+        </p:blipFill>
+        <p:spPr>
+          <a:xfrm>
+            <a:off x="593723" y="4555840"/>
+            <a:ext cx="7591955" cy="2302160"/>
+          </a:xfrm>
+          <a:prstGeom prst="rect">
+            <a:avLst/>
+          </a:prstGeom>
+        </p:spPr>
+      </p:pic>
+    </p:spTree>
+    <p:extLst>
+      <p:ext uri="{BB962C8B-B14F-4D97-AF65-F5344CB8AC3E}">
+        <p14:creationId xmlns:p14="http://schemas.microsoft.com/office/powerpoint/2010/main" val="4140760219"/>
+      </p:ext>
+    </p:extLst>
+  </p:cSld>
+  <p:clrMapOvr>
+    <a:masterClrMapping/>
+  </p:clrMapOvr>
+</p:sld>
+</file>
+
+<file path=ppt/slides/slide35.xml><?xml version="1.0" encoding="utf-8"?>
+<p:sld xmlns:a="http://schemas.openxmlformats.org/drawingml/2006/main" xmlns:r="http://schemas.openxmlformats.org/officeDocument/2006/relationships" xmlns:p="http://schemas.openxmlformats.org/presentationml/2006/main">
+  <p:cSld>
+    <p:spTree>
+      <p:nvGrpSpPr>
+        <p:cNvPr id="1" name="Shape 58"/>
+        <p:cNvGrpSpPr/>
+        <p:nvPr/>
+      </p:nvGrpSpPr>
+      <p:grpSpPr>
+        <a:xfrm>
+          <a:off x="0" y="0"/>
+          <a:ext cx="0" cy="0"/>
+          <a:chOff x="0" y="0"/>
+          <a:chExt cx="0" cy="0"/>
+        </a:xfrm>
+      </p:grpSpPr>
+      <p:sp>
+        <p:nvSpPr>
+          <p:cNvPr id="59" name="Google Shape;59;p24"/>
+          <p:cNvSpPr txBox="1">
+            <a:spLocks noGrp="1"/>
+          </p:cNvSpPr>
+          <p:nvPr>
+            <p:ph type="title"/>
+          </p:nvPr>
+        </p:nvSpPr>
+        <p:spPr>
+          <a:xfrm>
+            <a:off x="593725" y="141287"/>
+            <a:ext cx="7886700" cy="473075"/>
+          </a:xfrm>
+          <a:prstGeom prst="rect">
+            <a:avLst/>
+          </a:prstGeom>
+          <a:noFill/>
+          <a:ln>
+            <a:noFill/>
+          </a:ln>
+        </p:spPr>
+        <p:txBody>
+          <a:bodyPr spcFirstLastPara="1" wrap="square" lIns="91425" tIns="45700" rIns="91425" bIns="45700" anchor="ctr" anchorCtr="0">
+            <a:noAutofit/>
+          </a:bodyPr>
+          <a:lstStyle/>
+          <a:p>
+            <a:pPr algn="ctr"/>
+            <a:r>
+              <a:rPr lang="fr-FR" dirty="0"/>
+              <a:t>La mise en place du serveur ESCLAVE</a:t>
+            </a:r>
+            <a:endParaRPr lang="fr-FR" b="1" dirty="0">
+              <a:highlight>
+                <a:srgbClr val="FFFFFF"/>
+              </a:highlight>
+            </a:endParaRPr>
+          </a:p>
+        </p:txBody>
+      </p:sp>
+      <p:sp>
+        <p:nvSpPr>
+          <p:cNvPr id="2" name="Rectangle 1">
+            <a:extLst>
+              <a:ext uri="{FF2B5EF4-FFF2-40B4-BE49-F238E27FC236}">
+                <a16:creationId xmlns:a16="http://schemas.microsoft.com/office/drawing/2014/main" id="{D5F43CD2-A2A5-4C21-A510-20539E04A19A}"/>
+              </a:ext>
+            </a:extLst>
+          </p:cNvPr>
+          <p:cNvSpPr/>
+          <p:nvPr/>
+        </p:nvSpPr>
+        <p:spPr>
+          <a:xfrm>
+            <a:off x="252941" y="696991"/>
+            <a:ext cx="8568267" cy="1077218"/>
+          </a:xfrm>
+          <a:prstGeom prst="rect">
+            <a:avLst/>
+          </a:prstGeom>
+        </p:spPr>
+        <p:txBody>
+          <a:bodyPr wrap="square">
+            <a:spAutoFit/>
+          </a:bodyPr>
+          <a:lstStyle/>
+          <a:p>
+            <a:pPr marL="285750" indent="-285750" algn="just">
+              <a:buFont typeface="Wingdings" panose="05000000000000000000" pitchFamily="2" charset="2"/>
+              <a:buChar char="ü"/>
+            </a:pPr>
+            <a:r>
+              <a:rPr lang="fr-FR" sz="1800" dirty="0">
+                <a:solidFill>
+                  <a:srgbClr val="555858"/>
+                </a:solidFill>
+                <a:latin typeface="open sans"/>
+              </a:rPr>
+              <a:t>Si tout s’est déroulé correctement, vous devez avoir ceci : (Les lignes en gras sont les plus importantes):</a:t>
+            </a:r>
+          </a:p>
+          <a:p>
+            <a:br>
+              <a:rPr lang="fr-FR" dirty="0"/>
+            </a:br>
+            <a:endParaRPr lang="fr-FR" dirty="0"/>
+          </a:p>
+        </p:txBody>
+      </p:sp>
+      <p:pic>
+        <p:nvPicPr>
+          <p:cNvPr id="3" name="Picture 2">
+            <a:extLst>
+              <a:ext uri="{FF2B5EF4-FFF2-40B4-BE49-F238E27FC236}">
+                <a16:creationId xmlns:a16="http://schemas.microsoft.com/office/drawing/2014/main" id="{66104642-E823-4A59-A67B-75BB788CC15C}"/>
+              </a:ext>
+            </a:extLst>
+          </p:cNvPr>
+          <p:cNvPicPr>
+            <a:picLocks noChangeAspect="1"/>
+          </p:cNvPicPr>
+          <p:nvPr/>
+        </p:nvPicPr>
+        <p:blipFill>
+          <a:blip r:embed="rId4"/>
+          <a:stretch>
+            <a:fillRect/>
+          </a:stretch>
+        </p:blipFill>
+        <p:spPr>
+          <a:xfrm>
+            <a:off x="792692" y="1369629"/>
+            <a:ext cx="7687733" cy="5347084"/>
+          </a:xfrm>
+          <a:prstGeom prst="rect">
+            <a:avLst/>
+          </a:prstGeom>
+        </p:spPr>
+      </p:pic>
+    </p:spTree>
+    <p:extLst>
+      <p:ext uri="{BB962C8B-B14F-4D97-AF65-F5344CB8AC3E}">
+        <p14:creationId xmlns:p14="http://schemas.microsoft.com/office/powerpoint/2010/main" val="1676046391"/>
+      </p:ext>
+    </p:extLst>
+  </p:cSld>
+  <p:clrMapOvr>
+    <a:masterClrMapping/>
+  </p:clrMapOvr>
+</p:sld>
+</file>
+
+<file path=ppt/slides/slide36.xml><?xml version="1.0" encoding="utf-8"?>
+<p:sld xmlns:a="http://schemas.openxmlformats.org/drawingml/2006/main" xmlns:r="http://schemas.openxmlformats.org/officeDocument/2006/relationships" xmlns:p="http://schemas.openxmlformats.org/presentationml/2006/main">
+  <p:cSld>
+    <p:spTree>
+      <p:nvGrpSpPr>
+        <p:cNvPr id="1" name="Shape 247"/>
+        <p:cNvGrpSpPr/>
+        <p:nvPr/>
+      </p:nvGrpSpPr>
+      <p:grpSpPr>
+        <a:xfrm>
+          <a:off x="0" y="0"/>
+          <a:ext cx="0" cy="0"/>
+          <a:chOff x="0" y="0"/>
+          <a:chExt cx="0" cy="0"/>
+        </a:xfrm>
+      </p:grpSpPr>
+      <p:sp>
+        <p:nvSpPr>
+          <p:cNvPr id="248" name="Google Shape;248;p37"/>
+          <p:cNvSpPr txBox="1">
+            <a:spLocks noGrp="1"/>
+          </p:cNvSpPr>
+          <p:nvPr>
+            <p:ph type="title"/>
+          </p:nvPr>
+        </p:nvSpPr>
+        <p:spPr>
+          <a:xfrm>
+            <a:off x="533400" y="3962400"/>
+            <a:ext cx="7772400" cy="1362075"/>
+          </a:xfrm>
+          <a:prstGeom prst="rect">
+            <a:avLst/>
+          </a:prstGeom>
+          <a:noFill/>
+          <a:ln>
+            <a:noFill/>
+          </a:ln>
+        </p:spPr>
+        <p:txBody>
+          <a:bodyPr spcFirstLastPara="1" wrap="square" lIns="91425" tIns="45700" rIns="91425" bIns="45700" anchor="t" anchorCtr="0">
+            <a:noAutofit/>
+          </a:bodyPr>
+          <a:lstStyle/>
+          <a:p>
+            <a:pPr lvl="0" algn="ctr"/>
+            <a:r>
+              <a:rPr lang="fr-FR" b="1" dirty="0" err="1"/>
+              <a:t>Error</a:t>
+            </a:r>
+            <a:r>
+              <a:rPr lang="fr-FR" b="1" dirty="0"/>
+              <a:t> codes</a:t>
+            </a:r>
+            <a:endParaRPr b="1" dirty="0"/>
+          </a:p>
+        </p:txBody>
+      </p:sp>
+    </p:spTree>
+    <p:extLst>
+      <p:ext uri="{BB962C8B-B14F-4D97-AF65-F5344CB8AC3E}">
+        <p14:creationId xmlns:p14="http://schemas.microsoft.com/office/powerpoint/2010/main" val="350587205"/>
+      </p:ext>
+    </p:extLst>
+  </p:cSld>
+  <p:clrMapOvr>
+    <a:masterClrMapping/>
+  </p:clrMapOvr>
+</p:sld>
+</file>
+
+<file path=ppt/slides/slide37.xml><?xml version="1.0" encoding="utf-8"?>
+<p:sld xmlns:a="http://schemas.openxmlformats.org/drawingml/2006/main" xmlns:r="http://schemas.openxmlformats.org/officeDocument/2006/relationships" xmlns:p="http://schemas.openxmlformats.org/presentationml/2006/main">
+  <p:cSld>
+    <p:spTree>
+      <p:nvGrpSpPr>
+        <p:cNvPr id="1" name="Shape 58"/>
+        <p:cNvGrpSpPr/>
+        <p:nvPr/>
+      </p:nvGrpSpPr>
+      <p:grpSpPr>
+        <a:xfrm>
+          <a:off x="0" y="0"/>
+          <a:ext cx="0" cy="0"/>
+          <a:chOff x="0" y="0"/>
+          <a:chExt cx="0" cy="0"/>
+        </a:xfrm>
+      </p:grpSpPr>
+      <p:sp>
+        <p:nvSpPr>
+          <p:cNvPr id="59" name="Google Shape;59;p24"/>
+          <p:cNvSpPr txBox="1">
+            <a:spLocks noGrp="1"/>
+          </p:cNvSpPr>
+          <p:nvPr>
+            <p:ph type="title"/>
+          </p:nvPr>
+        </p:nvSpPr>
+        <p:spPr>
+          <a:xfrm>
+            <a:off x="593725" y="141287"/>
+            <a:ext cx="7886700" cy="473075"/>
+          </a:xfrm>
+          <a:prstGeom prst="rect">
+            <a:avLst/>
+          </a:prstGeom>
+          <a:noFill/>
+          <a:ln>
+            <a:noFill/>
+          </a:ln>
+        </p:spPr>
+        <p:txBody>
+          <a:bodyPr spcFirstLastPara="1" wrap="square" lIns="91425" tIns="45700" rIns="91425" bIns="45700" anchor="ctr" anchorCtr="0">
+            <a:noAutofit/>
+          </a:bodyPr>
+          <a:lstStyle/>
+          <a:p>
+            <a:pPr algn="ctr"/>
+            <a:r>
+              <a:rPr lang="es-ES" dirty="0"/>
+              <a:t>Error </a:t>
+            </a:r>
+            <a:r>
+              <a:rPr lang="es-ES" dirty="0" err="1"/>
+              <a:t>code</a:t>
+            </a:r>
+            <a:r>
+              <a:rPr lang="es-ES" dirty="0"/>
+              <a:t> 1064: </a:t>
+            </a:r>
+            <a:r>
+              <a:rPr lang="es-ES" dirty="0" err="1"/>
+              <a:t>Syntax</a:t>
+            </a:r>
+            <a:r>
+              <a:rPr lang="es-ES" dirty="0"/>
+              <a:t> error</a:t>
+            </a:r>
+            <a:endParaRPr lang="fr-FR" b="1" dirty="0">
+              <a:highlight>
+                <a:srgbClr val="FFFFFF"/>
+              </a:highlight>
+            </a:endParaRPr>
+          </a:p>
+        </p:txBody>
+      </p:sp>
+      <p:pic>
+        <p:nvPicPr>
+          <p:cNvPr id="6" name="Picture 5">
+            <a:extLst>
+              <a:ext uri="{FF2B5EF4-FFF2-40B4-BE49-F238E27FC236}">
+                <a16:creationId xmlns:a16="http://schemas.microsoft.com/office/drawing/2014/main" id="{B20B3CBA-EFCA-429D-80A6-338B424E0502}"/>
+              </a:ext>
+            </a:extLst>
+          </p:cNvPr>
+          <p:cNvPicPr>
+            <a:picLocks noChangeAspect="1"/>
+          </p:cNvPicPr>
+          <p:nvPr/>
+        </p:nvPicPr>
+        <p:blipFill>
+          <a:blip r:embed="rId4"/>
+          <a:stretch>
+            <a:fillRect/>
+          </a:stretch>
+        </p:blipFill>
+        <p:spPr>
+          <a:xfrm>
+            <a:off x="201657" y="637758"/>
+            <a:ext cx="8942343" cy="6220242"/>
+          </a:xfrm>
+          <a:prstGeom prst="rect">
+            <a:avLst/>
+          </a:prstGeom>
+        </p:spPr>
+      </p:pic>
+    </p:spTree>
+    <p:extLst>
+      <p:ext uri="{BB962C8B-B14F-4D97-AF65-F5344CB8AC3E}">
+        <p14:creationId xmlns:p14="http://schemas.microsoft.com/office/powerpoint/2010/main" val="2717289233"/>
+      </p:ext>
+    </p:extLst>
+  </p:cSld>
+  <p:clrMapOvr>
+    <a:masterClrMapping/>
+  </p:clrMapOvr>
+</p:sld>
+</file>
+
+<file path=ppt/slides/slide38.xml><?xml version="1.0" encoding="utf-8"?>
+<p:sld xmlns:a="http://schemas.openxmlformats.org/drawingml/2006/main" xmlns:r="http://schemas.openxmlformats.org/officeDocument/2006/relationships" xmlns:p="http://schemas.openxmlformats.org/presentationml/2006/main">
+  <p:cSld>
+    <p:spTree>
+      <p:nvGrpSpPr>
+        <p:cNvPr id="1" name="Shape 58"/>
+        <p:cNvGrpSpPr/>
+        <p:nvPr/>
+      </p:nvGrpSpPr>
+      <p:grpSpPr>
+        <a:xfrm>
+          <a:off x="0" y="0"/>
+          <a:ext cx="0" cy="0"/>
+          <a:chOff x="0" y="0"/>
+          <a:chExt cx="0" cy="0"/>
+        </a:xfrm>
+      </p:grpSpPr>
+      <p:sp>
+        <p:nvSpPr>
+          <p:cNvPr id="59" name="Google Shape;59;p24"/>
+          <p:cNvSpPr txBox="1">
+            <a:spLocks noGrp="1"/>
+          </p:cNvSpPr>
+          <p:nvPr>
+            <p:ph type="title"/>
+          </p:nvPr>
+        </p:nvSpPr>
+        <p:spPr>
+          <a:xfrm>
+            <a:off x="593725" y="141287"/>
+            <a:ext cx="7886700" cy="473075"/>
+          </a:xfrm>
+          <a:prstGeom prst="rect">
+            <a:avLst/>
+          </a:prstGeom>
+          <a:noFill/>
+          <a:ln>
+            <a:noFill/>
+          </a:ln>
+        </p:spPr>
+        <p:txBody>
+          <a:bodyPr spcFirstLastPara="1" wrap="square" lIns="91425" tIns="45700" rIns="91425" bIns="45700" anchor="ctr" anchorCtr="0">
+            <a:noAutofit/>
+          </a:bodyPr>
+          <a:lstStyle/>
+          <a:p>
+            <a:pPr algn="ctr"/>
+            <a:r>
+              <a:rPr lang="es-ES" dirty="0"/>
+              <a:t>Error </a:t>
+            </a:r>
+            <a:r>
+              <a:rPr lang="es-ES" dirty="0" err="1"/>
+              <a:t>code</a:t>
+            </a:r>
+            <a:r>
+              <a:rPr lang="es-ES" dirty="0"/>
+              <a:t> 1175: </a:t>
+            </a:r>
+            <a:r>
+              <a:rPr lang="es-ES" dirty="0" err="1"/>
+              <a:t>Safe</a:t>
+            </a:r>
+            <a:r>
+              <a:rPr lang="es-ES" dirty="0"/>
+              <a:t> </a:t>
+            </a:r>
+            <a:r>
+              <a:rPr lang="es-ES" dirty="0" err="1"/>
+              <a:t>Update</a:t>
+            </a:r>
+            <a:endParaRPr lang="fr-FR" b="1" dirty="0">
+              <a:highlight>
+                <a:srgbClr val="FFFFFF"/>
+              </a:highlight>
+            </a:endParaRPr>
+          </a:p>
+        </p:txBody>
+      </p:sp>
+      <p:pic>
+        <p:nvPicPr>
+          <p:cNvPr id="2" name="Picture 1">
+            <a:extLst>
+              <a:ext uri="{FF2B5EF4-FFF2-40B4-BE49-F238E27FC236}">
+                <a16:creationId xmlns:a16="http://schemas.microsoft.com/office/drawing/2014/main" id="{D60AB313-8E31-4DC2-A7F8-A8700CB4403E}"/>
+              </a:ext>
+            </a:extLst>
+          </p:cNvPr>
+          <p:cNvPicPr>
+            <a:picLocks noChangeAspect="1"/>
+          </p:cNvPicPr>
+          <p:nvPr/>
+        </p:nvPicPr>
+        <p:blipFill>
+          <a:blip r:embed="rId4"/>
+          <a:stretch>
+            <a:fillRect/>
+          </a:stretch>
+        </p:blipFill>
+        <p:spPr>
+          <a:xfrm>
+            <a:off x="88371" y="1341702"/>
+            <a:ext cx="8897408" cy="2734202"/>
+          </a:xfrm>
+          <a:prstGeom prst="rect">
+            <a:avLst/>
+          </a:prstGeom>
+        </p:spPr>
+      </p:pic>
+    </p:spTree>
+    <p:extLst>
+      <p:ext uri="{BB962C8B-B14F-4D97-AF65-F5344CB8AC3E}">
+        <p14:creationId xmlns:p14="http://schemas.microsoft.com/office/powerpoint/2010/main" val="1167910904"/>
+      </p:ext>
+    </p:extLst>
+  </p:cSld>
+  <p:clrMapOvr>
+    <a:masterClrMapping/>
+  </p:clrMapOvr>
+</p:sld>
+</file>
+
+<file path=ppt/slides/slide39.xml><?xml version="1.0" encoding="utf-8"?>
+<p:sld xmlns:a="http://schemas.openxmlformats.org/drawingml/2006/main" xmlns:r="http://schemas.openxmlformats.org/officeDocument/2006/relationships" xmlns:p="http://schemas.openxmlformats.org/presentationml/2006/main">
+  <p:cSld>
+    <p:spTree>
+      <p:nvGrpSpPr>
+        <p:cNvPr id="1" name="Shape 58"/>
+        <p:cNvGrpSpPr/>
+        <p:nvPr/>
+      </p:nvGrpSpPr>
+      <p:grpSpPr>
+        <a:xfrm>
+          <a:off x="0" y="0"/>
+          <a:ext cx="0" cy="0"/>
+          <a:chOff x="0" y="0"/>
+          <a:chExt cx="0" cy="0"/>
+        </a:xfrm>
+      </p:grpSpPr>
+      <p:sp>
+        <p:nvSpPr>
+          <p:cNvPr id="59" name="Google Shape;59;p24"/>
+          <p:cNvSpPr txBox="1">
+            <a:spLocks noGrp="1"/>
+          </p:cNvSpPr>
+          <p:nvPr>
+            <p:ph type="title"/>
+          </p:nvPr>
+        </p:nvSpPr>
+        <p:spPr>
+          <a:xfrm>
+            <a:off x="0" y="93662"/>
+            <a:ext cx="9096375" cy="473075"/>
+          </a:xfrm>
+          <a:prstGeom prst="rect">
+            <a:avLst/>
+          </a:prstGeom>
+          <a:noFill/>
+          <a:ln>
+            <a:noFill/>
+          </a:ln>
+        </p:spPr>
+        <p:txBody>
+          <a:bodyPr spcFirstLastPara="1" wrap="square" lIns="91425" tIns="45700" rIns="91425" bIns="45700" anchor="ctr" anchorCtr="0">
+            <a:noAutofit/>
+          </a:bodyPr>
+          <a:lstStyle/>
+          <a:p>
+            <a:pPr algn="ctr"/>
+            <a:r>
+              <a:rPr lang="en-US" sz="3200" dirty="0"/>
+              <a:t>Error code 1215: Cannot add foreign key </a:t>
+            </a:r>
+            <a:r>
+              <a:rPr lang="fr-FR" sz="3200" dirty="0" err="1"/>
+              <a:t>constraint</a:t>
+            </a:r>
+            <a:endParaRPr lang="fr-FR" sz="3200" b="1" dirty="0">
+              <a:highlight>
+                <a:srgbClr val="FFFFFF"/>
+              </a:highlight>
+            </a:endParaRPr>
+          </a:p>
+        </p:txBody>
+      </p:sp>
+      <p:pic>
+        <p:nvPicPr>
+          <p:cNvPr id="3" name="Picture 2">
+            <a:extLst>
+              <a:ext uri="{FF2B5EF4-FFF2-40B4-BE49-F238E27FC236}">
+                <a16:creationId xmlns:a16="http://schemas.microsoft.com/office/drawing/2014/main" id="{4A342246-E69C-48A7-A8BB-27385C7016CD}"/>
+              </a:ext>
+            </a:extLst>
+          </p:cNvPr>
+          <p:cNvPicPr>
+            <a:picLocks noChangeAspect="1"/>
+          </p:cNvPicPr>
+          <p:nvPr/>
+        </p:nvPicPr>
+        <p:blipFill>
+          <a:blip r:embed="rId4"/>
+          <a:stretch>
+            <a:fillRect/>
+          </a:stretch>
+        </p:blipFill>
+        <p:spPr>
+          <a:xfrm>
+            <a:off x="628649" y="681037"/>
+            <a:ext cx="7922684" cy="6176963"/>
+          </a:xfrm>
+          <a:prstGeom prst="rect">
+            <a:avLst/>
+          </a:prstGeom>
+        </p:spPr>
+      </p:pic>
+    </p:spTree>
+    <p:extLst>
+      <p:ext uri="{BB962C8B-B14F-4D97-AF65-F5344CB8AC3E}">
+        <p14:creationId xmlns:p14="http://schemas.microsoft.com/office/powerpoint/2010/main" val="2089666897"/>
       </p:ext>
     </p:extLst>
   </p:cSld>
@@ -12886,6 +19989,590 @@
         </p:spPr>
       </p:pic>
     </p:spTree>
+  </p:cSld>
+  <p:clrMapOvr>
+    <a:masterClrMapping/>
+  </p:clrMapOvr>
+</p:sld>
+</file>
+
+<file path=ppt/slides/slide40.xml><?xml version="1.0" encoding="utf-8"?>
+<p:sld xmlns:a="http://schemas.openxmlformats.org/drawingml/2006/main" xmlns:r="http://schemas.openxmlformats.org/officeDocument/2006/relationships" xmlns:p="http://schemas.openxmlformats.org/presentationml/2006/main">
+  <p:cSld>
+    <p:spTree>
+      <p:nvGrpSpPr>
+        <p:cNvPr id="1" name="Shape 58"/>
+        <p:cNvGrpSpPr/>
+        <p:nvPr/>
+      </p:nvGrpSpPr>
+      <p:grpSpPr>
+        <a:xfrm>
+          <a:off x="0" y="0"/>
+          <a:ext cx="0" cy="0"/>
+          <a:chOff x="0" y="0"/>
+          <a:chExt cx="0" cy="0"/>
+        </a:xfrm>
+      </p:grpSpPr>
+      <p:sp>
+        <p:nvSpPr>
+          <p:cNvPr id="59" name="Google Shape;59;p24"/>
+          <p:cNvSpPr txBox="1">
+            <a:spLocks noGrp="1"/>
+          </p:cNvSpPr>
+          <p:nvPr>
+            <p:ph type="title"/>
+          </p:nvPr>
+        </p:nvSpPr>
+        <p:spPr>
+          <a:xfrm>
+            <a:off x="0" y="93662"/>
+            <a:ext cx="9096375" cy="473075"/>
+          </a:xfrm>
+          <a:prstGeom prst="rect">
+            <a:avLst/>
+          </a:prstGeom>
+          <a:noFill/>
+          <a:ln>
+            <a:noFill/>
+          </a:ln>
+        </p:spPr>
+        <p:txBody>
+          <a:bodyPr spcFirstLastPara="1" wrap="square" lIns="91425" tIns="45700" rIns="91425" bIns="45700" anchor="ctr" anchorCtr="0">
+            <a:noAutofit/>
+          </a:bodyPr>
+          <a:lstStyle/>
+          <a:p>
+            <a:pPr algn="ctr"/>
+            <a:r>
+              <a:rPr lang="en-US" sz="3200" dirty="0"/>
+              <a:t>Error code 1215: Cannot add foreign key </a:t>
+            </a:r>
+            <a:r>
+              <a:rPr lang="fr-FR" sz="3200" dirty="0" err="1"/>
+              <a:t>constraint</a:t>
+            </a:r>
+            <a:endParaRPr lang="fr-FR" sz="3200" b="1" dirty="0">
+              <a:highlight>
+                <a:srgbClr val="FFFFFF"/>
+              </a:highlight>
+            </a:endParaRPr>
+          </a:p>
+        </p:txBody>
+      </p:sp>
+      <p:pic>
+        <p:nvPicPr>
+          <p:cNvPr id="2" name="Picture 1">
+            <a:extLst>
+              <a:ext uri="{FF2B5EF4-FFF2-40B4-BE49-F238E27FC236}">
+                <a16:creationId xmlns:a16="http://schemas.microsoft.com/office/drawing/2014/main" id="{32982FB7-6200-4DD9-BDC5-30C3FE863A41}"/>
+              </a:ext>
+            </a:extLst>
+          </p:cNvPr>
+          <p:cNvPicPr>
+            <a:picLocks noChangeAspect="1"/>
+          </p:cNvPicPr>
+          <p:nvPr/>
+        </p:nvPicPr>
+        <p:blipFill>
+          <a:blip r:embed="rId4"/>
+          <a:stretch>
+            <a:fillRect/>
+          </a:stretch>
+        </p:blipFill>
+        <p:spPr>
+          <a:xfrm>
+            <a:off x="142616" y="1325430"/>
+            <a:ext cx="9001384" cy="4605074"/>
+          </a:xfrm>
+          <a:prstGeom prst="rect">
+            <a:avLst/>
+          </a:prstGeom>
+        </p:spPr>
+      </p:pic>
+    </p:spTree>
+    <p:extLst>
+      <p:ext uri="{BB962C8B-B14F-4D97-AF65-F5344CB8AC3E}">
+        <p14:creationId xmlns:p14="http://schemas.microsoft.com/office/powerpoint/2010/main" val="811903602"/>
+      </p:ext>
+    </p:extLst>
+  </p:cSld>
+  <p:clrMapOvr>
+    <a:masterClrMapping/>
+  </p:clrMapOvr>
+</p:sld>
+</file>
+
+<file path=ppt/slides/slide41.xml><?xml version="1.0" encoding="utf-8"?>
+<p:sld xmlns:a="http://schemas.openxmlformats.org/drawingml/2006/main" xmlns:r="http://schemas.openxmlformats.org/officeDocument/2006/relationships" xmlns:p="http://schemas.openxmlformats.org/presentationml/2006/main">
+  <p:cSld>
+    <p:spTree>
+      <p:nvGrpSpPr>
+        <p:cNvPr id="1" name="Shape 58"/>
+        <p:cNvGrpSpPr/>
+        <p:nvPr/>
+      </p:nvGrpSpPr>
+      <p:grpSpPr>
+        <a:xfrm>
+          <a:off x="0" y="0"/>
+          <a:ext cx="0" cy="0"/>
+          <a:chOff x="0" y="0"/>
+          <a:chExt cx="0" cy="0"/>
+        </a:xfrm>
+      </p:grpSpPr>
+      <p:sp>
+        <p:nvSpPr>
+          <p:cNvPr id="59" name="Google Shape;59;p24"/>
+          <p:cNvSpPr txBox="1">
+            <a:spLocks noGrp="1"/>
+          </p:cNvSpPr>
+          <p:nvPr>
+            <p:ph type="title"/>
+          </p:nvPr>
+        </p:nvSpPr>
+        <p:spPr>
+          <a:xfrm>
+            <a:off x="0" y="93662"/>
+            <a:ext cx="9096375" cy="473075"/>
+          </a:xfrm>
+          <a:prstGeom prst="rect">
+            <a:avLst/>
+          </a:prstGeom>
+          <a:noFill/>
+          <a:ln>
+            <a:noFill/>
+          </a:ln>
+        </p:spPr>
+        <p:txBody>
+          <a:bodyPr spcFirstLastPara="1" wrap="square" lIns="91425" tIns="45700" rIns="91425" bIns="45700" anchor="ctr" anchorCtr="0">
+            <a:noAutofit/>
+          </a:bodyPr>
+          <a:lstStyle/>
+          <a:p>
+            <a:pPr algn="ctr"/>
+            <a:r>
+              <a:rPr lang="en-US" sz="3200" dirty="0"/>
+              <a:t>Error code 1215: Cannot add foreign key </a:t>
+            </a:r>
+            <a:r>
+              <a:rPr lang="fr-FR" sz="3200" dirty="0" err="1"/>
+              <a:t>constraint</a:t>
+            </a:r>
+            <a:endParaRPr lang="fr-FR" sz="3200" b="1" dirty="0">
+              <a:highlight>
+                <a:srgbClr val="FFFFFF"/>
+              </a:highlight>
+            </a:endParaRPr>
+          </a:p>
+        </p:txBody>
+      </p:sp>
+      <p:pic>
+        <p:nvPicPr>
+          <p:cNvPr id="3" name="Picture 2">
+            <a:extLst>
+              <a:ext uri="{FF2B5EF4-FFF2-40B4-BE49-F238E27FC236}">
+                <a16:creationId xmlns:a16="http://schemas.microsoft.com/office/drawing/2014/main" id="{D057988F-0FA2-4923-99D4-F6F6C31DE799}"/>
+              </a:ext>
+            </a:extLst>
+          </p:cNvPr>
+          <p:cNvPicPr>
+            <a:picLocks noChangeAspect="1"/>
+          </p:cNvPicPr>
+          <p:nvPr/>
+        </p:nvPicPr>
+        <p:blipFill>
+          <a:blip r:embed="rId4"/>
+          <a:stretch>
+            <a:fillRect/>
+          </a:stretch>
+        </p:blipFill>
+        <p:spPr>
+          <a:xfrm>
+            <a:off x="-1" y="1053042"/>
+            <a:ext cx="9164729" cy="5038725"/>
+          </a:xfrm>
+          <a:prstGeom prst="rect">
+            <a:avLst/>
+          </a:prstGeom>
+        </p:spPr>
+      </p:pic>
+    </p:spTree>
+    <p:extLst>
+      <p:ext uri="{BB962C8B-B14F-4D97-AF65-F5344CB8AC3E}">
+        <p14:creationId xmlns:p14="http://schemas.microsoft.com/office/powerpoint/2010/main" val="978598889"/>
+      </p:ext>
+    </p:extLst>
+  </p:cSld>
+  <p:clrMapOvr>
+    <a:masterClrMapping/>
+  </p:clrMapOvr>
+</p:sld>
+</file>
+
+<file path=ppt/slides/slide42.xml><?xml version="1.0" encoding="utf-8"?>
+<p:sld xmlns:a="http://schemas.openxmlformats.org/drawingml/2006/main" xmlns:r="http://schemas.openxmlformats.org/officeDocument/2006/relationships" xmlns:p="http://schemas.openxmlformats.org/presentationml/2006/main">
+  <p:cSld>
+    <p:spTree>
+      <p:nvGrpSpPr>
+        <p:cNvPr id="1" name="Shape 58"/>
+        <p:cNvGrpSpPr/>
+        <p:nvPr/>
+      </p:nvGrpSpPr>
+      <p:grpSpPr>
+        <a:xfrm>
+          <a:off x="0" y="0"/>
+          <a:ext cx="0" cy="0"/>
+          <a:chOff x="0" y="0"/>
+          <a:chExt cx="0" cy="0"/>
+        </a:xfrm>
+      </p:grpSpPr>
+      <p:sp>
+        <p:nvSpPr>
+          <p:cNvPr id="59" name="Google Shape;59;p24"/>
+          <p:cNvSpPr txBox="1">
+            <a:spLocks noGrp="1"/>
+          </p:cNvSpPr>
+          <p:nvPr>
+            <p:ph type="title"/>
+          </p:nvPr>
+        </p:nvSpPr>
+        <p:spPr>
+          <a:xfrm>
+            <a:off x="0" y="260350"/>
+            <a:ext cx="9096375" cy="473075"/>
+          </a:xfrm>
+          <a:prstGeom prst="rect">
+            <a:avLst/>
+          </a:prstGeom>
+          <a:noFill/>
+          <a:ln>
+            <a:noFill/>
+          </a:ln>
+        </p:spPr>
+        <p:txBody>
+          <a:bodyPr spcFirstLastPara="1" wrap="square" lIns="91425" tIns="45700" rIns="91425" bIns="45700" anchor="ctr" anchorCtr="0">
+            <a:noAutofit/>
+          </a:bodyPr>
+          <a:lstStyle/>
+          <a:p>
+            <a:pPr algn="ctr"/>
+            <a:r>
+              <a:rPr lang="en-US" sz="3200" dirty="0"/>
+              <a:t>1067, 1292, 1366, 1411 - Bad Value for number, date, default, </a:t>
+            </a:r>
+            <a:r>
+              <a:rPr lang="en-US" sz="3200" dirty="0" err="1"/>
+              <a:t>etc</a:t>
+            </a:r>
+            <a:r>
+              <a:rPr lang="en-US" sz="3200" dirty="0"/>
+              <a:t> </a:t>
+            </a:r>
+            <a:endParaRPr lang="fr-FR" sz="3200" b="1" dirty="0">
+              <a:highlight>
+                <a:srgbClr val="FFFFFF"/>
+              </a:highlight>
+            </a:endParaRPr>
+          </a:p>
+        </p:txBody>
+      </p:sp>
+      <p:pic>
+        <p:nvPicPr>
+          <p:cNvPr id="2" name="Picture 1">
+            <a:extLst>
+              <a:ext uri="{FF2B5EF4-FFF2-40B4-BE49-F238E27FC236}">
+                <a16:creationId xmlns:a16="http://schemas.microsoft.com/office/drawing/2014/main" id="{59829D37-9C7B-43F8-8568-A9969353BF1D}"/>
+              </a:ext>
+            </a:extLst>
+          </p:cNvPr>
+          <p:cNvPicPr>
+            <a:picLocks noChangeAspect="1"/>
+          </p:cNvPicPr>
+          <p:nvPr/>
+        </p:nvPicPr>
+        <p:blipFill>
+          <a:blip r:embed="rId4"/>
+          <a:stretch>
+            <a:fillRect/>
+          </a:stretch>
+        </p:blipFill>
+        <p:spPr>
+          <a:xfrm>
+            <a:off x="9524" y="1466849"/>
+            <a:ext cx="9146115" cy="3917951"/>
+          </a:xfrm>
+          <a:prstGeom prst="rect">
+            <a:avLst/>
+          </a:prstGeom>
+        </p:spPr>
+      </p:pic>
+    </p:spTree>
+    <p:extLst>
+      <p:ext uri="{BB962C8B-B14F-4D97-AF65-F5344CB8AC3E}">
+        <p14:creationId xmlns:p14="http://schemas.microsoft.com/office/powerpoint/2010/main" val="787530114"/>
+      </p:ext>
+    </p:extLst>
+  </p:cSld>
+  <p:clrMapOvr>
+    <a:masterClrMapping/>
+  </p:clrMapOvr>
+</p:sld>
+</file>
+
+<file path=ppt/slides/slide43.xml><?xml version="1.0" encoding="utf-8"?>
+<p:sld xmlns:a="http://schemas.openxmlformats.org/drawingml/2006/main" xmlns:r="http://schemas.openxmlformats.org/officeDocument/2006/relationships" xmlns:p="http://schemas.openxmlformats.org/presentationml/2006/main">
+  <p:cSld>
+    <p:spTree>
+      <p:nvGrpSpPr>
+        <p:cNvPr id="1" name="Shape 58"/>
+        <p:cNvGrpSpPr/>
+        <p:nvPr/>
+      </p:nvGrpSpPr>
+      <p:grpSpPr>
+        <a:xfrm>
+          <a:off x="0" y="0"/>
+          <a:ext cx="0" cy="0"/>
+          <a:chOff x="0" y="0"/>
+          <a:chExt cx="0" cy="0"/>
+        </a:xfrm>
+      </p:grpSpPr>
+      <p:sp>
+        <p:nvSpPr>
+          <p:cNvPr id="59" name="Google Shape;59;p24"/>
+          <p:cNvSpPr txBox="1">
+            <a:spLocks noGrp="1"/>
+          </p:cNvSpPr>
+          <p:nvPr>
+            <p:ph type="title"/>
+          </p:nvPr>
+        </p:nvSpPr>
+        <p:spPr>
+          <a:xfrm>
+            <a:off x="0" y="158750"/>
+            <a:ext cx="9096375" cy="473075"/>
+          </a:xfrm>
+          <a:prstGeom prst="rect">
+            <a:avLst/>
+          </a:prstGeom>
+          <a:noFill/>
+          <a:ln>
+            <a:noFill/>
+          </a:ln>
+        </p:spPr>
+        <p:txBody>
+          <a:bodyPr spcFirstLastPara="1" wrap="square" lIns="91425" tIns="45700" rIns="91425" bIns="45700" anchor="ctr" anchorCtr="0">
+            <a:noAutofit/>
+          </a:bodyPr>
+          <a:lstStyle/>
+          <a:p>
+            <a:pPr algn="ctr"/>
+            <a:r>
+              <a:rPr lang="fr-FR" sz="3200" dirty="0"/>
+              <a:t>126, 127, 134, 144, 145</a:t>
+            </a:r>
+            <a:endParaRPr lang="fr-FR" sz="3200" b="1" dirty="0">
+              <a:highlight>
+                <a:srgbClr val="FFFFFF"/>
+              </a:highlight>
+            </a:endParaRPr>
+          </a:p>
+        </p:txBody>
+      </p:sp>
+      <p:pic>
+        <p:nvPicPr>
+          <p:cNvPr id="3" name="Picture 2">
+            <a:extLst>
+              <a:ext uri="{FF2B5EF4-FFF2-40B4-BE49-F238E27FC236}">
+                <a16:creationId xmlns:a16="http://schemas.microsoft.com/office/drawing/2014/main" id="{A0263A43-58E7-426D-92BD-FEBF08B3F333}"/>
+              </a:ext>
+            </a:extLst>
+          </p:cNvPr>
+          <p:cNvPicPr>
+            <a:picLocks noChangeAspect="1"/>
+          </p:cNvPicPr>
+          <p:nvPr/>
+        </p:nvPicPr>
+        <p:blipFill>
+          <a:blip r:embed="rId4"/>
+          <a:stretch>
+            <a:fillRect/>
+          </a:stretch>
+        </p:blipFill>
+        <p:spPr>
+          <a:xfrm>
+            <a:off x="8814" y="1133475"/>
+            <a:ext cx="9087561" cy="5423024"/>
+          </a:xfrm>
+          <a:prstGeom prst="rect">
+            <a:avLst/>
+          </a:prstGeom>
+        </p:spPr>
+      </p:pic>
+    </p:spTree>
+    <p:extLst>
+      <p:ext uri="{BB962C8B-B14F-4D97-AF65-F5344CB8AC3E}">
+        <p14:creationId xmlns:p14="http://schemas.microsoft.com/office/powerpoint/2010/main" val="1410285237"/>
+      </p:ext>
+    </p:extLst>
+  </p:cSld>
+  <p:clrMapOvr>
+    <a:masterClrMapping/>
+  </p:clrMapOvr>
+</p:sld>
+</file>
+
+<file path=ppt/slides/slide44.xml><?xml version="1.0" encoding="utf-8"?>
+<p:sld xmlns:a="http://schemas.openxmlformats.org/drawingml/2006/main" xmlns:r="http://schemas.openxmlformats.org/officeDocument/2006/relationships" xmlns:p="http://schemas.openxmlformats.org/presentationml/2006/main">
+  <p:cSld>
+    <p:spTree>
+      <p:nvGrpSpPr>
+        <p:cNvPr id="1" name="Shape 247"/>
+        <p:cNvGrpSpPr/>
+        <p:nvPr/>
+      </p:nvGrpSpPr>
+      <p:grpSpPr>
+        <a:xfrm>
+          <a:off x="0" y="0"/>
+          <a:ext cx="0" cy="0"/>
+          <a:chOff x="0" y="0"/>
+          <a:chExt cx="0" cy="0"/>
+        </a:xfrm>
+      </p:grpSpPr>
+      <p:sp>
+        <p:nvSpPr>
+          <p:cNvPr id="248" name="Google Shape;248;p37"/>
+          <p:cNvSpPr txBox="1">
+            <a:spLocks noGrp="1"/>
+          </p:cNvSpPr>
+          <p:nvPr>
+            <p:ph type="title"/>
+          </p:nvPr>
+        </p:nvSpPr>
+        <p:spPr>
+          <a:xfrm>
+            <a:off x="533400" y="3962400"/>
+            <a:ext cx="7772400" cy="1362075"/>
+          </a:xfrm>
+          <a:prstGeom prst="rect">
+            <a:avLst/>
+          </a:prstGeom>
+          <a:noFill/>
+          <a:ln>
+            <a:noFill/>
+          </a:ln>
+        </p:spPr>
+        <p:txBody>
+          <a:bodyPr spcFirstLastPara="1" wrap="square" lIns="91425" tIns="45700" rIns="91425" bIns="45700" anchor="t" anchorCtr="0">
+            <a:noAutofit/>
+          </a:bodyPr>
+          <a:lstStyle/>
+          <a:p>
+            <a:pPr lvl="0" algn="ctr"/>
+            <a:r>
+              <a:rPr lang="en-US" b="1" dirty="0"/>
+              <a:t>Log files</a:t>
+            </a:r>
+            <a:endParaRPr dirty="0"/>
+          </a:p>
+        </p:txBody>
+      </p:sp>
+    </p:spTree>
+    <p:extLst>
+      <p:ext uri="{BB962C8B-B14F-4D97-AF65-F5344CB8AC3E}">
+        <p14:creationId xmlns:p14="http://schemas.microsoft.com/office/powerpoint/2010/main" val="1339903830"/>
+      </p:ext>
+    </p:extLst>
+  </p:cSld>
+  <p:clrMapOvr>
+    <a:masterClrMapping/>
+  </p:clrMapOvr>
+</p:sld>
+</file>
+
+<file path=ppt/slides/slide45.xml><?xml version="1.0" encoding="utf-8"?>
+<p:sld xmlns:a="http://schemas.openxmlformats.org/drawingml/2006/main" xmlns:r="http://schemas.openxmlformats.org/officeDocument/2006/relationships" xmlns:p="http://schemas.openxmlformats.org/presentationml/2006/main">
+  <p:cSld>
+    <p:spTree>
+      <p:nvGrpSpPr>
+        <p:cNvPr id="1" name="Shape 247"/>
+        <p:cNvGrpSpPr/>
+        <p:nvPr/>
+      </p:nvGrpSpPr>
+      <p:grpSpPr>
+        <a:xfrm>
+          <a:off x="0" y="0"/>
+          <a:ext cx="0" cy="0"/>
+          <a:chOff x="0" y="0"/>
+          <a:chExt cx="0" cy="0"/>
+        </a:xfrm>
+      </p:grpSpPr>
+      <p:sp>
+        <p:nvSpPr>
+          <p:cNvPr id="248" name="Google Shape;248;p37"/>
+          <p:cNvSpPr txBox="1">
+            <a:spLocks noGrp="1"/>
+          </p:cNvSpPr>
+          <p:nvPr>
+            <p:ph type="title"/>
+          </p:nvPr>
+        </p:nvSpPr>
+        <p:spPr>
+          <a:xfrm>
+            <a:off x="533400" y="3962400"/>
+            <a:ext cx="7772400" cy="1362075"/>
+          </a:xfrm>
+          <a:prstGeom prst="rect">
+            <a:avLst/>
+          </a:prstGeom>
+          <a:noFill/>
+          <a:ln>
+            <a:noFill/>
+          </a:ln>
+        </p:spPr>
+        <p:txBody>
+          <a:bodyPr spcFirstLastPara="1" wrap="square" lIns="91425" tIns="45700" rIns="91425" bIns="45700" anchor="t" anchorCtr="0">
+            <a:noAutofit/>
+          </a:bodyPr>
+          <a:lstStyle/>
+          <a:p>
+            <a:pPr marL="0" lvl="0" indent="0" algn="ctr" rtl="0">
+              <a:lnSpc>
+                <a:spcPct val="90000"/>
+              </a:lnSpc>
+              <a:spcBef>
+                <a:spcPts val="0"/>
+              </a:spcBef>
+              <a:spcAft>
+                <a:spcPts val="0"/>
+              </a:spcAft>
+              <a:buClr>
+                <a:schemeClr val="dk1"/>
+              </a:buClr>
+              <a:buSzPts val="4000"/>
+              <a:buFont typeface="Calibri"/>
+              <a:buNone/>
+            </a:pPr>
+            <a:r>
+              <a:rPr lang="en-US" sz="4000" b="1" i="0" u="none">
+                <a:solidFill>
+                  <a:schemeClr val="dk1"/>
+                </a:solidFill>
+                <a:latin typeface="Calibri"/>
+                <a:ea typeface="Calibri"/>
+                <a:cs typeface="Calibri"/>
+                <a:sym typeface="Calibri"/>
+              </a:rPr>
+              <a:t>Thank you</a:t>
+            </a:r>
+            <a:endParaRPr/>
+          </a:p>
+        </p:txBody>
+      </p:sp>
+    </p:spTree>
+    <p:extLst>
+      <p:ext uri="{BB962C8B-B14F-4D97-AF65-F5344CB8AC3E}">
+        <p14:creationId xmlns:p14="http://schemas.microsoft.com/office/powerpoint/2010/main" val="916042450"/>
+      </p:ext>
+    </p:extLst>
   </p:cSld>
   <p:clrMapOvr>
     <a:masterClrMapping/>

--- a/Administration MYSQL.pptx
+++ b/Administration MYSQL.pptx
@@ -6,7 +6,7 @@
     <p:sldMasterId id="2147483650" r:id="rId2"/>
   </p:sldMasterIdLst>
   <p:notesMasterIdLst>
-    <p:notesMasterId r:id="rId48"/>
+    <p:notesMasterId r:id="rId49"/>
   </p:notesMasterIdLst>
   <p:sldIdLst>
     <p:sldId id="256" r:id="rId3"/>
@@ -53,24 +53,25 @@
     <p:sldId id="324" r:id="rId44"/>
     <p:sldId id="325" r:id="rId45"/>
     <p:sldId id="303" r:id="rId46"/>
-    <p:sldId id="317" r:id="rId47"/>
+    <p:sldId id="326" r:id="rId47"/>
+    <p:sldId id="317" r:id="rId48"/>
   </p:sldIdLst>
   <p:sldSz cx="9144000" cy="6858000" type="screen4x3"/>
   <p:notesSz cx="6858000" cy="9144000"/>
   <p:embeddedFontLst>
     <p:embeddedFont>
       <p:font typeface="Calibri" panose="020F0502020204030204" pitchFamily="34" charset="0"/>
-      <p:regular r:id="rId49"/>
-      <p:bold r:id="rId50"/>
-      <p:italic r:id="rId51"/>
-      <p:boldItalic r:id="rId52"/>
+      <p:regular r:id="rId50"/>
+      <p:bold r:id="rId51"/>
+      <p:italic r:id="rId52"/>
+      <p:boldItalic r:id="rId53"/>
     </p:embeddedFont>
     <p:embeddedFont>
       <p:font typeface="Consolas" panose="020B0609020204030204" pitchFamily="49" charset="0"/>
-      <p:regular r:id="rId53"/>
-      <p:bold r:id="rId54"/>
-      <p:italic r:id="rId55"/>
-      <p:boldItalic r:id="rId56"/>
+      <p:regular r:id="rId54"/>
+      <p:bold r:id="rId55"/>
+      <p:italic r:id="rId56"/>
+      <p:boldItalic r:id="rId57"/>
     </p:embeddedFont>
   </p:embeddedFontLst>
   <p:defaultTextStyle>
@@ -323,7 +324,7 @@
       </p15:sldGuideLst>
     </p:ext>
     <p:ext uri="http://customooxmlschemas.google.com/">
-      <go:slidesCustomData xmlns="" xmlns:mc="http://schemas.openxmlformats.org/markup-compatibility/2006" xmlns:mv="urn:schemas-microsoft-com:mac:vml" xmlns:c="http://schemas.openxmlformats.org/drawingml/2006/chart" xmlns:dgm="http://schemas.openxmlformats.org/drawingml/2006/diagram" xmlns:o="urn:schemas-microsoft-com:office:office" xmlns:v="urn:schemas-microsoft-com:vml" xmlns:pvml="urn:schemas-microsoft-com:office:powerpoint" xmlns:com="http://schemas.openxmlformats.org/drawingml/2006/compatibility" xmlns:p14="http://schemas.microsoft.com/office/powerpoint/2010/main" xmlns:p15="http://schemas.microsoft.com/office/powerpoint/2012/main" xmlns:go="http://customooxmlschemas.google.com/" r:id="rId57" roundtripDataSignature="AMtx7mgdwha1DXh13JkAsd7RYtQbsz3FFg=="/>
+      <go:slidesCustomData xmlns="" xmlns:mc="http://schemas.openxmlformats.org/markup-compatibility/2006" xmlns:mv="urn:schemas-microsoft-com:mac:vml" xmlns:c="http://schemas.openxmlformats.org/drawingml/2006/chart" xmlns:dgm="http://schemas.openxmlformats.org/drawingml/2006/diagram" xmlns:o="urn:schemas-microsoft-com:office:office" xmlns:v="urn:schemas-microsoft-com:vml" xmlns:pvml="urn:schemas-microsoft-com:office:powerpoint" xmlns:com="http://schemas.openxmlformats.org/drawingml/2006/compatibility" xmlns:p14="http://schemas.microsoft.com/office/powerpoint/2010/main" xmlns:p15="http://schemas.microsoft.com/office/powerpoint/2012/main" xmlns:go="http://customooxmlschemas.google.com/" r:id="rId58" roundtripDataSignature="AMtx7mgdwha1DXh13JkAsd7RYtQbsz3FFg=="/>
     </p:ext>
   </p:extLst>
 </p:presentation>
@@ -4796,12 +4797,8 @@
               <a:buNone/>
             </a:pPr>
             <a:r>
-              <a:rPr lang="fr-FR"/>
-              <a:t>1062</a:t>
-            </a:r>
-            <a:r>
               <a:rPr lang="fr-FR" dirty="0"/>
-              <a:t>: Duplicate Entry </a:t>
+              <a:t>1062: Duplicate Entry </a:t>
             </a:r>
             <a:endParaRPr dirty="0"/>
           </a:p>
@@ -5838,6 +5835,115 @@
 </file>
 
 <file path=ppt/notesSlides/notesSlide44.xml><?xml version="1.0" encoding="utf-8"?>
+<p:notes xmlns:a="http://schemas.openxmlformats.org/drawingml/2006/main" xmlns:r="http://schemas.openxmlformats.org/officeDocument/2006/relationships" xmlns:p="http://schemas.openxmlformats.org/presentationml/2006/main" showMasterSp="0" showMasterPhAnim="0">
+  <p:cSld>
+    <p:spTree>
+      <p:nvGrpSpPr>
+        <p:cNvPr id="1" name="Shape 55"/>
+        <p:cNvGrpSpPr/>
+        <p:nvPr/>
+      </p:nvGrpSpPr>
+      <p:grpSpPr>
+        <a:xfrm>
+          <a:off x="0" y="0"/>
+          <a:ext cx="0" cy="0"/>
+          <a:chOff x="0" y="0"/>
+          <a:chExt cx="0" cy="0"/>
+        </a:xfrm>
+      </p:grpSpPr>
+      <p:sp>
+        <p:nvSpPr>
+          <p:cNvPr id="56" name="Google Shape;56;p24:notes"/>
+          <p:cNvSpPr txBox="1">
+            <a:spLocks noGrp="1"/>
+          </p:cNvSpPr>
+          <p:nvPr>
+            <p:ph type="body" idx="1"/>
+          </p:nvPr>
+        </p:nvSpPr>
+        <p:spPr>
+          <a:xfrm>
+            <a:off x="685800" y="4343400"/>
+            <a:ext cx="5486400" cy="4114800"/>
+          </a:xfrm>
+          <a:prstGeom prst="rect">
+            <a:avLst/>
+          </a:prstGeom>
+        </p:spPr>
+        <p:txBody>
+          <a:bodyPr spcFirstLastPara="1" wrap="square" lIns="91425" tIns="45700" rIns="91425" bIns="45700" anchor="t" anchorCtr="0">
+            <a:noAutofit/>
+          </a:bodyPr>
+          <a:lstStyle/>
+          <a:p>
+            <a:pPr marL="0" lvl="0" indent="0" algn="l" rtl="0">
+              <a:spcBef>
+                <a:spcPts val="0"/>
+              </a:spcBef>
+              <a:spcAft>
+                <a:spcPts val="0"/>
+              </a:spcAft>
+              <a:buNone/>
+            </a:pPr>
+            <a:endParaRPr dirty="0"/>
+          </a:p>
+        </p:txBody>
+      </p:sp>
+      <p:sp>
+        <p:nvSpPr>
+          <p:cNvPr id="57" name="Google Shape;57;p24:notes"/>
+          <p:cNvSpPr>
+            <a:spLocks noGrp="1" noRot="1" noChangeAspect="1"/>
+          </p:cNvSpPr>
+          <p:nvPr>
+            <p:ph type="sldImg" idx="2"/>
+          </p:nvPr>
+        </p:nvSpPr>
+        <p:spPr>
+          <a:xfrm>
+            <a:off x="1143000" y="685800"/>
+            <a:ext cx="4572000" cy="3429000"/>
+          </a:xfrm>
+          <a:custGeom>
+            <a:avLst/>
+            <a:gdLst/>
+            <a:ahLst/>
+            <a:cxnLst/>
+            <a:rect l="l" t="t" r="r" b="b"/>
+            <a:pathLst>
+              <a:path w="120000" h="120000" extrusionOk="0">
+                <a:moveTo>
+                  <a:pt x="0" y="0"/>
+                </a:moveTo>
+                <a:lnTo>
+                  <a:pt x="120000" y="0"/>
+                </a:lnTo>
+                <a:lnTo>
+                  <a:pt x="120000" y="120000"/>
+                </a:lnTo>
+                <a:lnTo>
+                  <a:pt x="0" y="120000"/>
+                </a:lnTo>
+                <a:close/>
+              </a:path>
+            </a:pathLst>
+          </a:custGeom>
+        </p:spPr>
+      </p:sp>
+    </p:spTree>
+    <p:extLst>
+      <p:ext uri="{BB962C8B-B14F-4D97-AF65-F5344CB8AC3E}">
+        <p14:creationId xmlns:p14="http://schemas.microsoft.com/office/powerpoint/2010/main" val="1416830744"/>
+      </p:ext>
+    </p:extLst>
+  </p:cSld>
+  <p:clrMapOvr>
+    <a:masterClrMapping/>
+  </p:clrMapOvr>
+</p:notes>
+</file>
+
+<file path=ppt/notesSlides/notesSlide45.xml><?xml version="1.0" encoding="utf-8"?>
 <p:notes xmlns:a="http://schemas.openxmlformats.org/drawingml/2006/main" xmlns:r="http://schemas.openxmlformats.org/officeDocument/2006/relationships" xmlns:p="http://schemas.openxmlformats.org/presentationml/2006/main" showMasterSp="0" showMasterPhAnim="0">
   <p:cSld>
     <p:spTree>
@@ -20489,6 +20595,344 @@
 </file>
 
 <file path=ppt/slides/slide45.xml><?xml version="1.0" encoding="utf-8"?>
+<p:sld xmlns:a="http://schemas.openxmlformats.org/drawingml/2006/main" xmlns:r="http://schemas.openxmlformats.org/officeDocument/2006/relationships" xmlns:p="http://schemas.openxmlformats.org/presentationml/2006/main">
+  <p:cSld>
+    <p:spTree>
+      <p:nvGrpSpPr>
+        <p:cNvPr id="1" name="Shape 58"/>
+        <p:cNvGrpSpPr/>
+        <p:nvPr/>
+      </p:nvGrpSpPr>
+      <p:grpSpPr>
+        <a:xfrm>
+          <a:off x="0" y="0"/>
+          <a:ext cx="0" cy="0"/>
+          <a:chOff x="0" y="0"/>
+          <a:chExt cx="0" cy="0"/>
+        </a:xfrm>
+      </p:grpSpPr>
+      <p:sp>
+        <p:nvSpPr>
+          <p:cNvPr id="59" name="Google Shape;59;p24"/>
+          <p:cNvSpPr txBox="1">
+            <a:spLocks noGrp="1"/>
+          </p:cNvSpPr>
+          <p:nvPr>
+            <p:ph type="title"/>
+          </p:nvPr>
+        </p:nvSpPr>
+        <p:spPr>
+          <a:xfrm>
+            <a:off x="0" y="158750"/>
+            <a:ext cx="9096375" cy="473075"/>
+          </a:xfrm>
+          <a:prstGeom prst="rect">
+            <a:avLst/>
+          </a:prstGeom>
+          <a:noFill/>
+          <a:ln>
+            <a:noFill/>
+          </a:ln>
+        </p:spPr>
+        <p:txBody>
+          <a:bodyPr spcFirstLastPara="1" wrap="square" lIns="91425" tIns="45700" rIns="91425" bIns="45700" anchor="ctr" anchorCtr="0">
+            <a:noAutofit/>
+          </a:bodyPr>
+          <a:lstStyle/>
+          <a:p>
+            <a:pPr algn="ctr"/>
+            <a:r>
+              <a:rPr lang="fr-FR" sz="3200" dirty="0"/>
+              <a:t>Liste des journaux </a:t>
+            </a:r>
+            <a:r>
+              <a:rPr lang="fr-FR" sz="3200" dirty="0" err="1"/>
+              <a:t>Mysql</a:t>
+            </a:r>
+            <a:endParaRPr lang="fr-FR" sz="3200" b="1" dirty="0">
+              <a:highlight>
+                <a:srgbClr val="FFFFFF"/>
+              </a:highlight>
+            </a:endParaRPr>
+          </a:p>
+        </p:txBody>
+      </p:sp>
+      <p:sp>
+        <p:nvSpPr>
+          <p:cNvPr id="2" name="Rectangle 1">
+            <a:extLst>
+              <a:ext uri="{FF2B5EF4-FFF2-40B4-BE49-F238E27FC236}">
+                <a16:creationId xmlns:a16="http://schemas.microsoft.com/office/drawing/2014/main" id="{464966F1-D668-4408-B6FA-ADF953C7810D}"/>
+              </a:ext>
+            </a:extLst>
+          </p:cNvPr>
+          <p:cNvSpPr/>
+          <p:nvPr/>
+        </p:nvSpPr>
+        <p:spPr>
+          <a:xfrm>
+            <a:off x="220133" y="1133475"/>
+            <a:ext cx="8703734" cy="5725157"/>
+          </a:xfrm>
+          <a:prstGeom prst="rect">
+            <a:avLst/>
+          </a:prstGeom>
+        </p:spPr>
+        <p:txBody>
+          <a:bodyPr wrap="square">
+            <a:spAutoFit/>
+          </a:bodyPr>
+          <a:lstStyle/>
+          <a:p>
+            <a:pPr marL="342900" indent="-342900">
+              <a:lnSpc>
+                <a:spcPct val="150000"/>
+              </a:lnSpc>
+              <a:buFont typeface="Wingdings" panose="05000000000000000000" pitchFamily="2" charset="2"/>
+              <a:buChar char="§"/>
+            </a:pPr>
+            <a:r>
+              <a:rPr lang="fr-FR" sz="2200" b="1" dirty="0"/>
+              <a:t>General log</a:t>
+            </a:r>
+            <a:r>
+              <a:rPr lang="fr-FR" sz="2200" dirty="0"/>
+              <a:t> - toutes les requêtes - voir VARIABLE </a:t>
+            </a:r>
+            <a:r>
+              <a:rPr lang="fr-FR" sz="2200" dirty="0" err="1"/>
+              <a:t>general_log</a:t>
+            </a:r>
+            <a:endParaRPr lang="fr-FR" sz="2200" dirty="0"/>
+          </a:p>
+          <a:p>
+            <a:pPr marL="342900" indent="-342900">
+              <a:lnSpc>
+                <a:spcPct val="150000"/>
+              </a:lnSpc>
+              <a:buFont typeface="Wingdings" panose="05000000000000000000" pitchFamily="2" charset="2"/>
+              <a:buChar char="§"/>
+            </a:pPr>
+            <a:r>
+              <a:rPr lang="fr-FR" sz="2200" b="1" dirty="0"/>
+              <a:t>Slow log </a:t>
+            </a:r>
+            <a:r>
+              <a:rPr lang="fr-FR" sz="2200" dirty="0"/>
+              <a:t>- requêtes plus lentes que </a:t>
+            </a:r>
+            <a:r>
+              <a:rPr lang="fr-FR" sz="2200" dirty="0" err="1"/>
+              <a:t>long_query_time</a:t>
+            </a:r>
+            <a:r>
+              <a:rPr lang="fr-FR" sz="2200" dirty="0"/>
+              <a:t> - </a:t>
+            </a:r>
+            <a:r>
+              <a:rPr lang="fr-FR" sz="2200" dirty="0" err="1"/>
+              <a:t>slow_query_log_file</a:t>
+            </a:r>
+            <a:endParaRPr lang="fr-FR" sz="2200" dirty="0"/>
+          </a:p>
+          <a:p>
+            <a:pPr marL="342900" indent="-342900">
+              <a:lnSpc>
+                <a:spcPct val="150000"/>
+              </a:lnSpc>
+              <a:buFont typeface="Wingdings" panose="05000000000000000000" pitchFamily="2" charset="2"/>
+              <a:buChar char="§"/>
+            </a:pPr>
+            <a:r>
+              <a:rPr lang="fr-FR" sz="2200" b="1" dirty="0" err="1"/>
+              <a:t>Binlog</a:t>
+            </a:r>
+            <a:r>
+              <a:rPr lang="fr-FR" sz="2200" dirty="0"/>
+              <a:t> - pour réplication et sauvegarde - </a:t>
+            </a:r>
+            <a:r>
+              <a:rPr lang="fr-FR" sz="2200" dirty="0" err="1"/>
+              <a:t>log_bin_basename</a:t>
+            </a:r>
+            <a:endParaRPr lang="fr-FR" sz="2200" dirty="0"/>
+          </a:p>
+          <a:p>
+            <a:pPr marL="342900" indent="-342900">
+              <a:lnSpc>
+                <a:spcPct val="150000"/>
+              </a:lnSpc>
+              <a:buFont typeface="Wingdings" panose="05000000000000000000" pitchFamily="2" charset="2"/>
+              <a:buChar char="§"/>
+            </a:pPr>
+            <a:r>
+              <a:rPr lang="fr-FR" sz="2200" b="1" dirty="0"/>
+              <a:t>Relay log </a:t>
+            </a:r>
+            <a:r>
+              <a:rPr lang="fr-FR" sz="2200" dirty="0"/>
+              <a:t>- également pour la réplication</a:t>
+            </a:r>
+          </a:p>
+          <a:p>
+            <a:pPr marL="342900" indent="-342900">
+              <a:lnSpc>
+                <a:spcPct val="150000"/>
+              </a:lnSpc>
+              <a:buFont typeface="Wingdings" panose="05000000000000000000" pitchFamily="2" charset="2"/>
+              <a:buChar char="§"/>
+            </a:pPr>
+            <a:r>
+              <a:rPr lang="fr-FR" sz="2200" b="1" dirty="0" err="1"/>
+              <a:t>general</a:t>
+            </a:r>
+            <a:r>
+              <a:rPr lang="fr-FR" sz="2200" b="1" dirty="0"/>
+              <a:t> </a:t>
+            </a:r>
+            <a:r>
+              <a:rPr lang="fr-FR" sz="2200" b="1" dirty="0" err="1"/>
+              <a:t>errors</a:t>
+            </a:r>
+            <a:r>
+              <a:rPr lang="fr-FR" sz="2200" b="1" dirty="0"/>
+              <a:t> </a:t>
+            </a:r>
+            <a:r>
+              <a:rPr lang="fr-FR" sz="2200" dirty="0"/>
+              <a:t>- </a:t>
+            </a:r>
+            <a:r>
+              <a:rPr lang="fr-FR" sz="2200" dirty="0" err="1"/>
+              <a:t>mysqld.err</a:t>
+            </a:r>
+            <a:endParaRPr lang="fr-FR" sz="2200" dirty="0"/>
+          </a:p>
+          <a:p>
+            <a:pPr marL="342900" indent="-342900">
+              <a:lnSpc>
+                <a:spcPct val="150000"/>
+              </a:lnSpc>
+              <a:buFont typeface="Wingdings" panose="05000000000000000000" pitchFamily="2" charset="2"/>
+              <a:buChar char="§"/>
+            </a:pPr>
+            <a:r>
+              <a:rPr lang="fr-FR" sz="2200" b="1" dirty="0"/>
+              <a:t>start/stop </a:t>
+            </a:r>
+            <a:r>
+              <a:rPr lang="fr-FR" sz="2200" dirty="0"/>
+              <a:t>- mysql.log (pas très intéressant) - </a:t>
+            </a:r>
+            <a:r>
+              <a:rPr lang="fr-FR" sz="2200" dirty="0" err="1"/>
+              <a:t>log_error</a:t>
+            </a:r>
+            <a:endParaRPr lang="fr-FR" sz="2200" dirty="0"/>
+          </a:p>
+          <a:p>
+            <a:pPr marL="342900" indent="-342900">
+              <a:lnSpc>
+                <a:spcPct val="150000"/>
+              </a:lnSpc>
+              <a:buFont typeface="Wingdings" panose="05000000000000000000" pitchFamily="2" charset="2"/>
+              <a:buChar char="§"/>
+            </a:pPr>
+            <a:r>
+              <a:rPr lang="fr-FR" sz="2200" b="1" dirty="0" err="1"/>
+              <a:t>InnoDB</a:t>
+            </a:r>
+            <a:r>
+              <a:rPr lang="fr-FR" sz="2200" b="1" dirty="0"/>
+              <a:t> </a:t>
+            </a:r>
+            <a:r>
+              <a:rPr lang="fr-FR" sz="2200" b="1" dirty="0" err="1"/>
+              <a:t>redo</a:t>
+            </a:r>
+            <a:r>
+              <a:rPr lang="fr-FR" sz="2200" b="1" dirty="0"/>
+              <a:t> log </a:t>
+            </a:r>
+            <a:r>
+              <a:rPr lang="fr-FR" sz="2200" dirty="0"/>
+              <a:t>- </a:t>
+            </a:r>
+            <a:r>
+              <a:rPr lang="fr-FR" sz="2200" dirty="0" err="1"/>
+              <a:t>iblog</a:t>
+            </a:r>
+            <a:r>
+              <a:rPr lang="fr-FR" sz="2200" dirty="0"/>
+              <a:t>*</a:t>
+            </a:r>
+          </a:p>
+          <a:p>
+            <a:pPr>
+              <a:lnSpc>
+                <a:spcPct val="150000"/>
+              </a:lnSpc>
+            </a:pPr>
+            <a:endParaRPr lang="fr-FR" sz="2200" dirty="0"/>
+          </a:p>
+          <a:p>
+            <a:pPr marL="285750" indent="-285750">
+              <a:lnSpc>
+                <a:spcPct val="150000"/>
+              </a:lnSpc>
+              <a:buFont typeface="Wingdings" panose="05000000000000000000" pitchFamily="2" charset="2"/>
+              <a:buChar char="Ø"/>
+            </a:pPr>
+            <a:r>
+              <a:rPr lang="fr-FR" sz="1600" dirty="0"/>
+              <a:t>Voir les variables </a:t>
+            </a:r>
+            <a:r>
+              <a:rPr lang="fr-FR" sz="1600" b="1" dirty="0" err="1"/>
+              <a:t>basedir</a:t>
+            </a:r>
+            <a:r>
+              <a:rPr lang="fr-FR" sz="1600" dirty="0"/>
+              <a:t> et </a:t>
+            </a:r>
+            <a:r>
+              <a:rPr lang="fr-FR" sz="1600" b="1" dirty="0" err="1"/>
+              <a:t>datadir</a:t>
+            </a:r>
+            <a:r>
+              <a:rPr lang="fr-FR" sz="1600" dirty="0"/>
+              <a:t> pour l’emplacement par défaut de nombreux logs</a:t>
+            </a:r>
+          </a:p>
+          <a:p>
+            <a:pPr marL="285750" indent="-285750">
+              <a:lnSpc>
+                <a:spcPct val="150000"/>
+              </a:lnSpc>
+              <a:buFont typeface="Wingdings" panose="05000000000000000000" pitchFamily="2" charset="2"/>
+              <a:buChar char="Ø"/>
+            </a:pPr>
+            <a:r>
+              <a:rPr lang="fr-FR" sz="1600" dirty="0"/>
+              <a:t>Certains logs sont activés/désactivés par d’autres VARIABLES. Certains sont écrits dans un fichier ou dans une table.</a:t>
+            </a:r>
+          </a:p>
+        </p:txBody>
+      </p:sp>
+    </p:spTree>
+    <p:extLst>
+      <p:ext uri="{BB962C8B-B14F-4D97-AF65-F5344CB8AC3E}">
+        <p14:creationId xmlns:p14="http://schemas.microsoft.com/office/powerpoint/2010/main" val="2181765811"/>
+      </p:ext>
+    </p:extLst>
+  </p:cSld>
+  <p:clrMapOvr>
+    <a:masterClrMapping/>
+  </p:clrMapOvr>
+</p:sld>
+</file>
+
+<file path=ppt/slides/slide46.xml><?xml version="1.0" encoding="utf-8"?>
 <p:sld xmlns:a="http://schemas.openxmlformats.org/drawingml/2006/main" xmlns:r="http://schemas.openxmlformats.org/officeDocument/2006/relationships" xmlns:p="http://schemas.openxmlformats.org/presentationml/2006/main">
   <p:cSld>
     <p:spTree>

--- a/Administration MYSQL.pptx
+++ b/Administration MYSQL.pptx
@@ -6,7 +6,7 @@
     <p:sldMasterId id="2147483650" r:id="rId2"/>
   </p:sldMasterIdLst>
   <p:notesMasterIdLst>
-    <p:notesMasterId r:id="rId49"/>
+    <p:notesMasterId r:id="rId61"/>
   </p:notesMasterIdLst>
   <p:sldIdLst>
     <p:sldId id="256" r:id="rId3"/>
@@ -54,24 +54,36 @@
     <p:sldId id="325" r:id="rId45"/>
     <p:sldId id="303" r:id="rId46"/>
     <p:sldId id="326" r:id="rId47"/>
-    <p:sldId id="317" r:id="rId48"/>
+    <p:sldId id="327" r:id="rId48"/>
+    <p:sldId id="329" r:id="rId49"/>
+    <p:sldId id="328" r:id="rId50"/>
+    <p:sldId id="333" r:id="rId51"/>
+    <p:sldId id="330" r:id="rId52"/>
+    <p:sldId id="331" r:id="rId53"/>
+    <p:sldId id="332" r:id="rId54"/>
+    <p:sldId id="334" r:id="rId55"/>
+    <p:sldId id="317" r:id="rId56"/>
+    <p:sldId id="336" r:id="rId57"/>
+    <p:sldId id="337" r:id="rId58"/>
+    <p:sldId id="338" r:id="rId59"/>
+    <p:sldId id="335" r:id="rId60"/>
   </p:sldIdLst>
   <p:sldSz cx="9144000" cy="6858000" type="screen4x3"/>
   <p:notesSz cx="6858000" cy="9144000"/>
   <p:embeddedFontLst>
     <p:embeddedFont>
       <p:font typeface="Calibri" panose="020F0502020204030204" pitchFamily="34" charset="0"/>
-      <p:regular r:id="rId50"/>
-      <p:bold r:id="rId51"/>
-      <p:italic r:id="rId52"/>
-      <p:boldItalic r:id="rId53"/>
+      <p:regular r:id="rId62"/>
+      <p:bold r:id="rId63"/>
+      <p:italic r:id="rId64"/>
+      <p:boldItalic r:id="rId65"/>
     </p:embeddedFont>
     <p:embeddedFont>
       <p:font typeface="Consolas" panose="020B0609020204030204" pitchFamily="49" charset="0"/>
-      <p:regular r:id="rId54"/>
-      <p:bold r:id="rId55"/>
-      <p:italic r:id="rId56"/>
-      <p:boldItalic r:id="rId57"/>
+      <p:regular r:id="rId66"/>
+      <p:bold r:id="rId67"/>
+      <p:italic r:id="rId68"/>
+      <p:boldItalic r:id="rId69"/>
     </p:embeddedFont>
   </p:embeddedFontLst>
   <p:defaultTextStyle>
@@ -324,7 +336,7 @@
       </p15:sldGuideLst>
     </p:ext>
     <p:ext uri="http://customooxmlschemas.google.com/">
-      <go:slidesCustomData xmlns="" xmlns:mc="http://schemas.openxmlformats.org/markup-compatibility/2006" xmlns:mv="urn:schemas-microsoft-com:mac:vml" xmlns:c="http://schemas.openxmlformats.org/drawingml/2006/chart" xmlns:dgm="http://schemas.openxmlformats.org/drawingml/2006/diagram" xmlns:o="urn:schemas-microsoft-com:office:office" xmlns:v="urn:schemas-microsoft-com:vml" xmlns:pvml="urn:schemas-microsoft-com:office:powerpoint" xmlns:com="http://schemas.openxmlformats.org/drawingml/2006/compatibility" xmlns:p14="http://schemas.microsoft.com/office/powerpoint/2010/main" xmlns:p15="http://schemas.microsoft.com/office/powerpoint/2012/main" xmlns:go="http://customooxmlschemas.google.com/" r:id="rId58" roundtripDataSignature="AMtx7mgdwha1DXh13JkAsd7RYtQbsz3FFg=="/>
+      <go:slidesCustomData xmlns:go="http://customooxmlschemas.google.com/" xmlns:p15="http://schemas.microsoft.com/office/powerpoint/2012/main" xmlns:p14="http://schemas.microsoft.com/office/powerpoint/2010/main" xmlns:com="http://schemas.openxmlformats.org/drawingml/2006/compatibility" xmlns:pvml="urn:schemas-microsoft-com:office:powerpoint" xmlns:v="urn:schemas-microsoft-com:vml" xmlns:o="urn:schemas-microsoft-com:office:office" xmlns:dgm="http://schemas.openxmlformats.org/drawingml/2006/diagram" xmlns:c="http://schemas.openxmlformats.org/drawingml/2006/chart" xmlns:mv="urn:schemas-microsoft-com:mac:vml" xmlns:mc="http://schemas.openxmlformats.org/markup-compatibility/2006" xmlns="" r:id="rId70" roundtripDataSignature="AMtx7mgdwha1DXh13JkAsd7RYtQbsz3FFg=="/>
     </p:ext>
   </p:extLst>
 </p:presentation>
@@ -5948,7 +5960,7 @@
   <p:cSld>
     <p:spTree>
       <p:nvGrpSpPr>
-        <p:cNvPr id="1" name="Shape 244"/>
+        <p:cNvPr id="1" name="Shape 55"/>
         <p:cNvGrpSpPr/>
         <p:nvPr/>
       </p:nvGrpSpPr>
@@ -5962,7 +5974,7 @@
       </p:grpSpPr>
       <p:sp>
         <p:nvSpPr>
-          <p:cNvPr id="245" name="Google Shape;245;p37:notes"/>
+          <p:cNvPr id="56" name="Google Shape;56;p24:notes"/>
           <p:cNvSpPr txBox="1">
             <a:spLocks noGrp="1"/>
           </p:cNvSpPr>
@@ -5994,13 +6006,17 @@
               </a:spcAft>
               <a:buNone/>
             </a:pPr>
-            <a:endParaRPr/>
+            <a:r>
+              <a:rPr lang="fr-FR" dirty="0"/>
+              <a:t>https://dev.mysql.com/get/Downloads/Connector-ODBC/8.0/mysql-connector-odbc-8.0.18-winx64.msi</a:t>
+            </a:r>
+            <a:endParaRPr dirty="0"/>
           </a:p>
         </p:txBody>
       </p:sp>
       <p:sp>
         <p:nvSpPr>
-          <p:cNvPr id="246" name="Google Shape;246;p37:notes"/>
+          <p:cNvPr id="57" name="Google Shape;57;p24:notes"/>
           <p:cNvSpPr>
             <a:spLocks noGrp="1" noRot="1" noChangeAspect="1"/>
           </p:cNvSpPr>
@@ -6042,7 +6058,443 @@
     </p:spTree>
     <p:extLst>
       <p:ext uri="{BB962C8B-B14F-4D97-AF65-F5344CB8AC3E}">
-        <p14:creationId xmlns:p14="http://schemas.microsoft.com/office/powerpoint/2010/main" val="52347336"/>
+        <p14:creationId xmlns:p14="http://schemas.microsoft.com/office/powerpoint/2010/main" val="3110677707"/>
+      </p:ext>
+    </p:extLst>
+  </p:cSld>
+  <p:clrMapOvr>
+    <a:masterClrMapping/>
+  </p:clrMapOvr>
+</p:notes>
+</file>
+
+<file path=ppt/notesSlides/notesSlide46.xml><?xml version="1.0" encoding="utf-8"?>
+<p:notes xmlns:a="http://schemas.openxmlformats.org/drawingml/2006/main" xmlns:r="http://schemas.openxmlformats.org/officeDocument/2006/relationships" xmlns:p="http://schemas.openxmlformats.org/presentationml/2006/main" showMasterSp="0" showMasterPhAnim="0">
+  <p:cSld>
+    <p:spTree>
+      <p:nvGrpSpPr>
+        <p:cNvPr id="1" name="Shape 55"/>
+        <p:cNvGrpSpPr/>
+        <p:nvPr/>
+      </p:nvGrpSpPr>
+      <p:grpSpPr>
+        <a:xfrm>
+          <a:off x="0" y="0"/>
+          <a:ext cx="0" cy="0"/>
+          <a:chOff x="0" y="0"/>
+          <a:chExt cx="0" cy="0"/>
+        </a:xfrm>
+      </p:grpSpPr>
+      <p:sp>
+        <p:nvSpPr>
+          <p:cNvPr id="56" name="Google Shape;56;p24:notes"/>
+          <p:cNvSpPr txBox="1">
+            <a:spLocks noGrp="1"/>
+          </p:cNvSpPr>
+          <p:nvPr>
+            <p:ph type="body" idx="1"/>
+          </p:nvPr>
+        </p:nvSpPr>
+        <p:spPr>
+          <a:xfrm>
+            <a:off x="685800" y="4343400"/>
+            <a:ext cx="5486400" cy="4114800"/>
+          </a:xfrm>
+          <a:prstGeom prst="rect">
+            <a:avLst/>
+          </a:prstGeom>
+        </p:spPr>
+        <p:txBody>
+          <a:bodyPr spcFirstLastPara="1" wrap="square" lIns="91425" tIns="45700" rIns="91425" bIns="45700" anchor="t" anchorCtr="0">
+            <a:noAutofit/>
+          </a:bodyPr>
+          <a:lstStyle/>
+          <a:p>
+            <a:pPr marL="0" lvl="0" indent="0" algn="l" rtl="0">
+              <a:spcBef>
+                <a:spcPts val="0"/>
+              </a:spcBef>
+              <a:spcAft>
+                <a:spcPts val="0"/>
+              </a:spcAft>
+              <a:buNone/>
+            </a:pPr>
+            <a:endParaRPr dirty="0"/>
+          </a:p>
+        </p:txBody>
+      </p:sp>
+      <p:sp>
+        <p:nvSpPr>
+          <p:cNvPr id="57" name="Google Shape;57;p24:notes"/>
+          <p:cNvSpPr>
+            <a:spLocks noGrp="1" noRot="1" noChangeAspect="1"/>
+          </p:cNvSpPr>
+          <p:nvPr>
+            <p:ph type="sldImg" idx="2"/>
+          </p:nvPr>
+        </p:nvSpPr>
+        <p:spPr>
+          <a:xfrm>
+            <a:off x="1143000" y="685800"/>
+            <a:ext cx="4572000" cy="3429000"/>
+          </a:xfrm>
+          <a:custGeom>
+            <a:avLst/>
+            <a:gdLst/>
+            <a:ahLst/>
+            <a:cxnLst/>
+            <a:rect l="l" t="t" r="r" b="b"/>
+            <a:pathLst>
+              <a:path w="120000" h="120000" extrusionOk="0">
+                <a:moveTo>
+                  <a:pt x="0" y="0"/>
+                </a:moveTo>
+                <a:lnTo>
+                  <a:pt x="120000" y="0"/>
+                </a:lnTo>
+                <a:lnTo>
+                  <a:pt x="120000" y="120000"/>
+                </a:lnTo>
+                <a:lnTo>
+                  <a:pt x="0" y="120000"/>
+                </a:lnTo>
+                <a:close/>
+              </a:path>
+            </a:pathLst>
+          </a:custGeom>
+        </p:spPr>
+      </p:sp>
+    </p:spTree>
+    <p:extLst>
+      <p:ext uri="{BB962C8B-B14F-4D97-AF65-F5344CB8AC3E}">
+        <p14:creationId xmlns:p14="http://schemas.microsoft.com/office/powerpoint/2010/main" val="1774450020"/>
+      </p:ext>
+    </p:extLst>
+  </p:cSld>
+  <p:clrMapOvr>
+    <a:masterClrMapping/>
+  </p:clrMapOvr>
+</p:notes>
+</file>
+
+<file path=ppt/notesSlides/notesSlide47.xml><?xml version="1.0" encoding="utf-8"?>
+<p:notes xmlns:a="http://schemas.openxmlformats.org/drawingml/2006/main" xmlns:r="http://schemas.openxmlformats.org/officeDocument/2006/relationships" xmlns:p="http://schemas.openxmlformats.org/presentationml/2006/main" showMasterSp="0" showMasterPhAnim="0">
+  <p:cSld>
+    <p:spTree>
+      <p:nvGrpSpPr>
+        <p:cNvPr id="1" name="Shape 55"/>
+        <p:cNvGrpSpPr/>
+        <p:nvPr/>
+      </p:nvGrpSpPr>
+      <p:grpSpPr>
+        <a:xfrm>
+          <a:off x="0" y="0"/>
+          <a:ext cx="0" cy="0"/>
+          <a:chOff x="0" y="0"/>
+          <a:chExt cx="0" cy="0"/>
+        </a:xfrm>
+      </p:grpSpPr>
+      <p:sp>
+        <p:nvSpPr>
+          <p:cNvPr id="56" name="Google Shape;56;p24:notes"/>
+          <p:cNvSpPr txBox="1">
+            <a:spLocks noGrp="1"/>
+          </p:cNvSpPr>
+          <p:nvPr>
+            <p:ph type="body" idx="1"/>
+          </p:nvPr>
+        </p:nvSpPr>
+        <p:spPr>
+          <a:xfrm>
+            <a:off x="685800" y="4343400"/>
+            <a:ext cx="5486400" cy="4114800"/>
+          </a:xfrm>
+          <a:prstGeom prst="rect">
+            <a:avLst/>
+          </a:prstGeom>
+        </p:spPr>
+        <p:txBody>
+          <a:bodyPr spcFirstLastPara="1" wrap="square" lIns="91425" tIns="45700" rIns="91425" bIns="45700" anchor="t" anchorCtr="0">
+            <a:noAutofit/>
+          </a:bodyPr>
+          <a:lstStyle/>
+          <a:p>
+            <a:pPr marL="0" lvl="0" indent="0" algn="l" rtl="0">
+              <a:spcBef>
+                <a:spcPts val="0"/>
+              </a:spcBef>
+              <a:spcAft>
+                <a:spcPts val="0"/>
+              </a:spcAft>
+              <a:buNone/>
+            </a:pPr>
+            <a:endParaRPr dirty="0"/>
+          </a:p>
+        </p:txBody>
+      </p:sp>
+      <p:sp>
+        <p:nvSpPr>
+          <p:cNvPr id="57" name="Google Shape;57;p24:notes"/>
+          <p:cNvSpPr>
+            <a:spLocks noGrp="1" noRot="1" noChangeAspect="1"/>
+          </p:cNvSpPr>
+          <p:nvPr>
+            <p:ph type="sldImg" idx="2"/>
+          </p:nvPr>
+        </p:nvSpPr>
+        <p:spPr>
+          <a:xfrm>
+            <a:off x="1143000" y="685800"/>
+            <a:ext cx="4572000" cy="3429000"/>
+          </a:xfrm>
+          <a:custGeom>
+            <a:avLst/>
+            <a:gdLst/>
+            <a:ahLst/>
+            <a:cxnLst/>
+            <a:rect l="l" t="t" r="r" b="b"/>
+            <a:pathLst>
+              <a:path w="120000" h="120000" extrusionOk="0">
+                <a:moveTo>
+                  <a:pt x="0" y="0"/>
+                </a:moveTo>
+                <a:lnTo>
+                  <a:pt x="120000" y="0"/>
+                </a:lnTo>
+                <a:lnTo>
+                  <a:pt x="120000" y="120000"/>
+                </a:lnTo>
+                <a:lnTo>
+                  <a:pt x="0" y="120000"/>
+                </a:lnTo>
+                <a:close/>
+              </a:path>
+            </a:pathLst>
+          </a:custGeom>
+        </p:spPr>
+      </p:sp>
+    </p:spTree>
+    <p:extLst>
+      <p:ext uri="{BB962C8B-B14F-4D97-AF65-F5344CB8AC3E}">
+        <p14:creationId xmlns:p14="http://schemas.microsoft.com/office/powerpoint/2010/main" val="2115983070"/>
+      </p:ext>
+    </p:extLst>
+  </p:cSld>
+  <p:clrMapOvr>
+    <a:masterClrMapping/>
+  </p:clrMapOvr>
+</p:notes>
+</file>
+
+<file path=ppt/notesSlides/notesSlide48.xml><?xml version="1.0" encoding="utf-8"?>
+<p:notes xmlns:a="http://schemas.openxmlformats.org/drawingml/2006/main" xmlns:r="http://schemas.openxmlformats.org/officeDocument/2006/relationships" xmlns:p="http://schemas.openxmlformats.org/presentationml/2006/main">
+  <p:cSld>
+    <p:spTree>
+      <p:nvGrpSpPr>
+        <p:cNvPr id="1" name=""/>
+        <p:cNvGrpSpPr/>
+        <p:nvPr/>
+      </p:nvGrpSpPr>
+      <p:grpSpPr>
+        <a:xfrm>
+          <a:off x="0" y="0"/>
+          <a:ext cx="0" cy="0"/>
+          <a:chOff x="0" y="0"/>
+          <a:chExt cx="0" cy="0"/>
+        </a:xfrm>
+      </p:grpSpPr>
+      <p:sp>
+        <p:nvSpPr>
+          <p:cNvPr id="2" name="Slide Image Placeholder 1"/>
+          <p:cNvSpPr>
+            <a:spLocks noGrp="1" noRot="1" noChangeAspect="1"/>
+          </p:cNvSpPr>
+          <p:nvPr>
+            <p:ph type="sldImg"/>
+          </p:nvPr>
+        </p:nvSpPr>
+        <p:spPr/>
+      </p:sp>
+      <p:sp>
+        <p:nvSpPr>
+          <p:cNvPr id="3" name="Notes Placeholder 2"/>
+          <p:cNvSpPr>
+            <a:spLocks noGrp="1"/>
+          </p:cNvSpPr>
+          <p:nvPr>
+            <p:ph type="body" idx="1"/>
+          </p:nvPr>
+        </p:nvSpPr>
+        <p:spPr/>
+        <p:txBody>
+          <a:bodyPr/>
+          <a:lstStyle/>
+          <a:p>
+            <a:endParaRPr lang="fr-FR" dirty="0"/>
+          </a:p>
+        </p:txBody>
+      </p:sp>
+      <p:sp>
+        <p:nvSpPr>
+          <p:cNvPr id="4" name="Slide Number Placeholder 3"/>
+          <p:cNvSpPr>
+            <a:spLocks noGrp="1"/>
+          </p:cNvSpPr>
+          <p:nvPr>
+            <p:ph type="sldNum" idx="12"/>
+          </p:nvPr>
+        </p:nvSpPr>
+        <p:spPr/>
+        <p:txBody>
+          <a:bodyPr/>
+          <a:lstStyle/>
+          <a:p>
+            <a:pPr marL="0" marR="0" lvl="0" indent="0" algn="r" rtl="0">
+              <a:lnSpc>
+                <a:spcPct val="100000"/>
+              </a:lnSpc>
+              <a:spcBef>
+                <a:spcPts val="0"/>
+              </a:spcBef>
+              <a:spcAft>
+                <a:spcPts val="0"/>
+              </a:spcAft>
+              <a:buClr>
+                <a:srgbClr val="000000"/>
+              </a:buClr>
+              <a:buSzPts val="1200"/>
+              <a:buFont typeface="Calibri"/>
+              <a:buNone/>
+            </a:pPr>
+            <a:fld id="{00000000-1234-1234-1234-123412341234}" type="slidenum">
+              <a:rPr lang="en-US" sz="1200" b="0" i="0" u="none" strike="noStrike" cap="none" smtClean="0">
+                <a:solidFill>
+                  <a:srgbClr val="000000"/>
+                </a:solidFill>
+                <a:latin typeface="Calibri"/>
+                <a:ea typeface="Calibri"/>
+                <a:cs typeface="Calibri"/>
+                <a:sym typeface="Calibri"/>
+              </a:rPr>
+              <a:t>50</a:t>
+            </a:fld>
+            <a:endParaRPr lang="en-US"/>
+          </a:p>
+        </p:txBody>
+      </p:sp>
+    </p:spTree>
+    <p:extLst>
+      <p:ext uri="{BB962C8B-B14F-4D97-AF65-F5344CB8AC3E}">
+        <p14:creationId xmlns:p14="http://schemas.microsoft.com/office/powerpoint/2010/main" val="2096939644"/>
+      </p:ext>
+    </p:extLst>
+  </p:cSld>
+  <p:clrMapOvr>
+    <a:masterClrMapping/>
+  </p:clrMapOvr>
+</p:notes>
+</file>
+
+<file path=ppt/notesSlides/notesSlide49.xml><?xml version="1.0" encoding="utf-8"?>
+<p:notes xmlns:a="http://schemas.openxmlformats.org/drawingml/2006/main" xmlns:r="http://schemas.openxmlformats.org/officeDocument/2006/relationships" xmlns:p="http://schemas.openxmlformats.org/presentationml/2006/main">
+  <p:cSld>
+    <p:spTree>
+      <p:nvGrpSpPr>
+        <p:cNvPr id="1" name=""/>
+        <p:cNvGrpSpPr/>
+        <p:nvPr/>
+      </p:nvGrpSpPr>
+      <p:grpSpPr>
+        <a:xfrm>
+          <a:off x="0" y="0"/>
+          <a:ext cx="0" cy="0"/>
+          <a:chOff x="0" y="0"/>
+          <a:chExt cx="0" cy="0"/>
+        </a:xfrm>
+      </p:grpSpPr>
+      <p:sp>
+        <p:nvSpPr>
+          <p:cNvPr id="2" name="Slide Image Placeholder 1"/>
+          <p:cNvSpPr>
+            <a:spLocks noGrp="1" noRot="1" noChangeAspect="1"/>
+          </p:cNvSpPr>
+          <p:nvPr>
+            <p:ph type="sldImg"/>
+          </p:nvPr>
+        </p:nvSpPr>
+        <p:spPr/>
+      </p:sp>
+      <p:sp>
+        <p:nvSpPr>
+          <p:cNvPr id="3" name="Notes Placeholder 2"/>
+          <p:cNvSpPr>
+            <a:spLocks noGrp="1"/>
+          </p:cNvSpPr>
+          <p:nvPr>
+            <p:ph type="body" idx="1"/>
+          </p:nvPr>
+        </p:nvSpPr>
+        <p:spPr/>
+        <p:txBody>
+          <a:bodyPr/>
+          <a:lstStyle/>
+          <a:p>
+            <a:endParaRPr lang="fr-FR" dirty="0"/>
+          </a:p>
+        </p:txBody>
+      </p:sp>
+      <p:sp>
+        <p:nvSpPr>
+          <p:cNvPr id="4" name="Slide Number Placeholder 3"/>
+          <p:cNvSpPr>
+            <a:spLocks noGrp="1"/>
+          </p:cNvSpPr>
+          <p:nvPr>
+            <p:ph type="sldNum" idx="12"/>
+          </p:nvPr>
+        </p:nvSpPr>
+        <p:spPr/>
+        <p:txBody>
+          <a:bodyPr/>
+          <a:lstStyle/>
+          <a:p>
+            <a:pPr marL="0" marR="0" lvl="0" indent="0" algn="r" rtl="0">
+              <a:lnSpc>
+                <a:spcPct val="100000"/>
+              </a:lnSpc>
+              <a:spcBef>
+                <a:spcPts val="0"/>
+              </a:spcBef>
+              <a:spcAft>
+                <a:spcPts val="0"/>
+              </a:spcAft>
+              <a:buClr>
+                <a:srgbClr val="000000"/>
+              </a:buClr>
+              <a:buSzPts val="1200"/>
+              <a:buFont typeface="Calibri"/>
+              <a:buNone/>
+            </a:pPr>
+            <a:fld id="{00000000-1234-1234-1234-123412341234}" type="slidenum">
+              <a:rPr lang="en-US" sz="1200" b="0" i="0" u="none" strike="noStrike" cap="none" smtClean="0">
+                <a:solidFill>
+                  <a:srgbClr val="000000"/>
+                </a:solidFill>
+                <a:latin typeface="Calibri"/>
+                <a:ea typeface="Calibri"/>
+                <a:cs typeface="Calibri"/>
+                <a:sym typeface="Calibri"/>
+              </a:rPr>
+              <a:t>51</a:t>
+            </a:fld>
+            <a:endParaRPr lang="en-US"/>
+          </a:p>
+        </p:txBody>
+      </p:sp>
+    </p:spTree>
+    <p:extLst>
+      <p:ext uri="{BB962C8B-B14F-4D97-AF65-F5344CB8AC3E}">
+        <p14:creationId xmlns:p14="http://schemas.microsoft.com/office/powerpoint/2010/main" val="489296533"/>
       </p:ext>
     </p:extLst>
   </p:cSld>
@@ -6223,6 +6675,769 @@
     <p:extLst>
       <p:ext uri="{BB962C8B-B14F-4D97-AF65-F5344CB8AC3E}">
         <p14:creationId xmlns:p14="http://schemas.microsoft.com/office/powerpoint/2010/main" val="733297707"/>
+      </p:ext>
+    </p:extLst>
+  </p:cSld>
+  <p:clrMapOvr>
+    <a:masterClrMapping/>
+  </p:clrMapOvr>
+</p:notes>
+</file>
+
+<file path=ppt/notesSlides/notesSlide50.xml><?xml version="1.0" encoding="utf-8"?>
+<p:notes xmlns:a="http://schemas.openxmlformats.org/drawingml/2006/main" xmlns:r="http://schemas.openxmlformats.org/officeDocument/2006/relationships" xmlns:p="http://schemas.openxmlformats.org/presentationml/2006/main">
+  <p:cSld>
+    <p:spTree>
+      <p:nvGrpSpPr>
+        <p:cNvPr id="1" name=""/>
+        <p:cNvGrpSpPr/>
+        <p:nvPr/>
+      </p:nvGrpSpPr>
+      <p:grpSpPr>
+        <a:xfrm>
+          <a:off x="0" y="0"/>
+          <a:ext cx="0" cy="0"/>
+          <a:chOff x="0" y="0"/>
+          <a:chExt cx="0" cy="0"/>
+        </a:xfrm>
+      </p:grpSpPr>
+      <p:sp>
+        <p:nvSpPr>
+          <p:cNvPr id="2" name="Slide Image Placeholder 1"/>
+          <p:cNvSpPr>
+            <a:spLocks noGrp="1" noRot="1" noChangeAspect="1"/>
+          </p:cNvSpPr>
+          <p:nvPr>
+            <p:ph type="sldImg"/>
+          </p:nvPr>
+        </p:nvSpPr>
+        <p:spPr/>
+      </p:sp>
+      <p:sp>
+        <p:nvSpPr>
+          <p:cNvPr id="3" name="Notes Placeholder 2"/>
+          <p:cNvSpPr>
+            <a:spLocks noGrp="1"/>
+          </p:cNvSpPr>
+          <p:nvPr>
+            <p:ph type="body" idx="1"/>
+          </p:nvPr>
+        </p:nvSpPr>
+        <p:spPr/>
+        <p:txBody>
+          <a:bodyPr/>
+          <a:lstStyle/>
+          <a:p>
+            <a:endParaRPr lang="fr-FR" dirty="0"/>
+          </a:p>
+        </p:txBody>
+      </p:sp>
+      <p:sp>
+        <p:nvSpPr>
+          <p:cNvPr id="4" name="Slide Number Placeholder 3"/>
+          <p:cNvSpPr>
+            <a:spLocks noGrp="1"/>
+          </p:cNvSpPr>
+          <p:nvPr>
+            <p:ph type="sldNum" idx="12"/>
+          </p:nvPr>
+        </p:nvSpPr>
+        <p:spPr/>
+        <p:txBody>
+          <a:bodyPr/>
+          <a:lstStyle/>
+          <a:p>
+            <a:pPr marL="0" marR="0" lvl="0" indent="0" algn="r" rtl="0">
+              <a:lnSpc>
+                <a:spcPct val="100000"/>
+              </a:lnSpc>
+              <a:spcBef>
+                <a:spcPts val="0"/>
+              </a:spcBef>
+              <a:spcAft>
+                <a:spcPts val="0"/>
+              </a:spcAft>
+              <a:buClr>
+                <a:srgbClr val="000000"/>
+              </a:buClr>
+              <a:buSzPts val="1200"/>
+              <a:buFont typeface="Calibri"/>
+              <a:buNone/>
+            </a:pPr>
+            <a:fld id="{00000000-1234-1234-1234-123412341234}" type="slidenum">
+              <a:rPr lang="en-US" sz="1200" b="0" i="0" u="none" strike="noStrike" cap="none" smtClean="0">
+                <a:solidFill>
+                  <a:srgbClr val="000000"/>
+                </a:solidFill>
+                <a:latin typeface="Calibri"/>
+                <a:ea typeface="Calibri"/>
+                <a:cs typeface="Calibri"/>
+                <a:sym typeface="Calibri"/>
+              </a:rPr>
+              <a:t>52</a:t>
+            </a:fld>
+            <a:endParaRPr lang="en-US"/>
+          </a:p>
+        </p:txBody>
+      </p:sp>
+    </p:spTree>
+    <p:extLst>
+      <p:ext uri="{BB962C8B-B14F-4D97-AF65-F5344CB8AC3E}">
+        <p14:creationId xmlns:p14="http://schemas.microsoft.com/office/powerpoint/2010/main" val="3291474786"/>
+      </p:ext>
+    </p:extLst>
+  </p:cSld>
+  <p:clrMapOvr>
+    <a:masterClrMapping/>
+  </p:clrMapOvr>
+</p:notes>
+</file>
+
+<file path=ppt/notesSlides/notesSlide51.xml><?xml version="1.0" encoding="utf-8"?>
+<p:notes xmlns:a="http://schemas.openxmlformats.org/drawingml/2006/main" xmlns:r="http://schemas.openxmlformats.org/officeDocument/2006/relationships" xmlns:p="http://schemas.openxmlformats.org/presentationml/2006/main">
+  <p:cSld>
+    <p:spTree>
+      <p:nvGrpSpPr>
+        <p:cNvPr id="1" name=""/>
+        <p:cNvGrpSpPr/>
+        <p:nvPr/>
+      </p:nvGrpSpPr>
+      <p:grpSpPr>
+        <a:xfrm>
+          <a:off x="0" y="0"/>
+          <a:ext cx="0" cy="0"/>
+          <a:chOff x="0" y="0"/>
+          <a:chExt cx="0" cy="0"/>
+        </a:xfrm>
+      </p:grpSpPr>
+      <p:sp>
+        <p:nvSpPr>
+          <p:cNvPr id="2" name="Slide Image Placeholder 1"/>
+          <p:cNvSpPr>
+            <a:spLocks noGrp="1" noRot="1" noChangeAspect="1"/>
+          </p:cNvSpPr>
+          <p:nvPr>
+            <p:ph type="sldImg"/>
+          </p:nvPr>
+        </p:nvSpPr>
+        <p:spPr/>
+      </p:sp>
+      <p:sp>
+        <p:nvSpPr>
+          <p:cNvPr id="3" name="Notes Placeholder 2"/>
+          <p:cNvSpPr>
+            <a:spLocks noGrp="1"/>
+          </p:cNvSpPr>
+          <p:nvPr>
+            <p:ph type="body" idx="1"/>
+          </p:nvPr>
+        </p:nvSpPr>
+        <p:spPr/>
+        <p:txBody>
+          <a:bodyPr/>
+          <a:lstStyle/>
+          <a:p>
+            <a:endParaRPr lang="fr-FR" dirty="0"/>
+          </a:p>
+        </p:txBody>
+      </p:sp>
+      <p:sp>
+        <p:nvSpPr>
+          <p:cNvPr id="4" name="Slide Number Placeholder 3"/>
+          <p:cNvSpPr>
+            <a:spLocks noGrp="1"/>
+          </p:cNvSpPr>
+          <p:nvPr>
+            <p:ph type="sldNum" idx="12"/>
+          </p:nvPr>
+        </p:nvSpPr>
+        <p:spPr/>
+        <p:txBody>
+          <a:bodyPr/>
+          <a:lstStyle/>
+          <a:p>
+            <a:pPr marL="0" marR="0" lvl="0" indent="0" algn="r" rtl="0">
+              <a:lnSpc>
+                <a:spcPct val="100000"/>
+              </a:lnSpc>
+              <a:spcBef>
+                <a:spcPts val="0"/>
+              </a:spcBef>
+              <a:spcAft>
+                <a:spcPts val="0"/>
+              </a:spcAft>
+              <a:buClr>
+                <a:srgbClr val="000000"/>
+              </a:buClr>
+              <a:buSzPts val="1200"/>
+              <a:buFont typeface="Calibri"/>
+              <a:buNone/>
+            </a:pPr>
+            <a:fld id="{00000000-1234-1234-1234-123412341234}" type="slidenum">
+              <a:rPr lang="en-US" sz="1200" b="0" i="0" u="none" strike="noStrike" cap="none" smtClean="0">
+                <a:solidFill>
+                  <a:srgbClr val="000000"/>
+                </a:solidFill>
+                <a:latin typeface="Calibri"/>
+                <a:ea typeface="Calibri"/>
+                <a:cs typeface="Calibri"/>
+                <a:sym typeface="Calibri"/>
+              </a:rPr>
+              <a:t>53</a:t>
+            </a:fld>
+            <a:endParaRPr lang="en-US"/>
+          </a:p>
+        </p:txBody>
+      </p:sp>
+    </p:spTree>
+    <p:extLst>
+      <p:ext uri="{BB962C8B-B14F-4D97-AF65-F5344CB8AC3E}">
+        <p14:creationId xmlns:p14="http://schemas.microsoft.com/office/powerpoint/2010/main" val="34064257"/>
+      </p:ext>
+    </p:extLst>
+  </p:cSld>
+  <p:clrMapOvr>
+    <a:masterClrMapping/>
+  </p:clrMapOvr>
+</p:notes>
+</file>
+
+<file path=ppt/notesSlides/notesSlide52.xml><?xml version="1.0" encoding="utf-8"?>
+<p:notes xmlns:a="http://schemas.openxmlformats.org/drawingml/2006/main" xmlns:r="http://schemas.openxmlformats.org/officeDocument/2006/relationships" xmlns:p="http://schemas.openxmlformats.org/presentationml/2006/main" showMasterSp="0" showMasterPhAnim="0">
+  <p:cSld>
+    <p:spTree>
+      <p:nvGrpSpPr>
+        <p:cNvPr id="1" name="Shape 244"/>
+        <p:cNvGrpSpPr/>
+        <p:nvPr/>
+      </p:nvGrpSpPr>
+      <p:grpSpPr>
+        <a:xfrm>
+          <a:off x="0" y="0"/>
+          <a:ext cx="0" cy="0"/>
+          <a:chOff x="0" y="0"/>
+          <a:chExt cx="0" cy="0"/>
+        </a:xfrm>
+      </p:grpSpPr>
+      <p:sp>
+        <p:nvSpPr>
+          <p:cNvPr id="245" name="Google Shape;245;p37:notes"/>
+          <p:cNvSpPr txBox="1">
+            <a:spLocks noGrp="1"/>
+          </p:cNvSpPr>
+          <p:nvPr>
+            <p:ph type="body" idx="1"/>
+          </p:nvPr>
+        </p:nvSpPr>
+        <p:spPr>
+          <a:xfrm>
+            <a:off x="685800" y="4343400"/>
+            <a:ext cx="5486400" cy="4114800"/>
+          </a:xfrm>
+          <a:prstGeom prst="rect">
+            <a:avLst/>
+          </a:prstGeom>
+        </p:spPr>
+        <p:txBody>
+          <a:bodyPr spcFirstLastPara="1" wrap="square" lIns="91425" tIns="45700" rIns="91425" bIns="45700" anchor="t" anchorCtr="0">
+            <a:noAutofit/>
+          </a:bodyPr>
+          <a:lstStyle/>
+          <a:p>
+            <a:pPr marL="0" lvl="0" indent="0" algn="l" rtl="0">
+              <a:spcBef>
+                <a:spcPts val="0"/>
+              </a:spcBef>
+              <a:spcAft>
+                <a:spcPts val="0"/>
+              </a:spcAft>
+              <a:buNone/>
+            </a:pPr>
+            <a:endParaRPr/>
+          </a:p>
+        </p:txBody>
+      </p:sp>
+      <p:sp>
+        <p:nvSpPr>
+          <p:cNvPr id="246" name="Google Shape;246;p37:notes"/>
+          <p:cNvSpPr>
+            <a:spLocks noGrp="1" noRot="1" noChangeAspect="1"/>
+          </p:cNvSpPr>
+          <p:nvPr>
+            <p:ph type="sldImg" idx="2"/>
+          </p:nvPr>
+        </p:nvSpPr>
+        <p:spPr>
+          <a:xfrm>
+            <a:off x="1143000" y="685800"/>
+            <a:ext cx="4572000" cy="3429000"/>
+          </a:xfrm>
+          <a:custGeom>
+            <a:avLst/>
+            <a:gdLst/>
+            <a:ahLst/>
+            <a:cxnLst/>
+            <a:rect l="l" t="t" r="r" b="b"/>
+            <a:pathLst>
+              <a:path w="120000" h="120000" extrusionOk="0">
+                <a:moveTo>
+                  <a:pt x="0" y="0"/>
+                </a:moveTo>
+                <a:lnTo>
+                  <a:pt x="120000" y="0"/>
+                </a:lnTo>
+                <a:lnTo>
+                  <a:pt x="120000" y="120000"/>
+                </a:lnTo>
+                <a:lnTo>
+                  <a:pt x="0" y="120000"/>
+                </a:lnTo>
+                <a:close/>
+              </a:path>
+            </a:pathLst>
+          </a:custGeom>
+        </p:spPr>
+      </p:sp>
+    </p:spTree>
+    <p:extLst>
+      <p:ext uri="{BB962C8B-B14F-4D97-AF65-F5344CB8AC3E}">
+        <p14:creationId xmlns:p14="http://schemas.microsoft.com/office/powerpoint/2010/main" val="52347336"/>
+      </p:ext>
+    </p:extLst>
+  </p:cSld>
+  <p:clrMapOvr>
+    <a:masterClrMapping/>
+  </p:clrMapOvr>
+</p:notes>
+</file>
+
+<file path=ppt/notesSlides/notesSlide53.xml><?xml version="1.0" encoding="utf-8"?>
+<p:notes xmlns:a="http://schemas.openxmlformats.org/drawingml/2006/main" xmlns:r="http://schemas.openxmlformats.org/officeDocument/2006/relationships" xmlns:p="http://schemas.openxmlformats.org/presentationml/2006/main">
+  <p:cSld>
+    <p:spTree>
+      <p:nvGrpSpPr>
+        <p:cNvPr id="1" name=""/>
+        <p:cNvGrpSpPr/>
+        <p:nvPr/>
+      </p:nvGrpSpPr>
+      <p:grpSpPr>
+        <a:xfrm>
+          <a:off x="0" y="0"/>
+          <a:ext cx="0" cy="0"/>
+          <a:chOff x="0" y="0"/>
+          <a:chExt cx="0" cy="0"/>
+        </a:xfrm>
+      </p:grpSpPr>
+      <p:sp>
+        <p:nvSpPr>
+          <p:cNvPr id="2" name="Slide Image Placeholder 1"/>
+          <p:cNvSpPr>
+            <a:spLocks noGrp="1" noRot="1" noChangeAspect="1"/>
+          </p:cNvSpPr>
+          <p:nvPr>
+            <p:ph type="sldImg"/>
+          </p:nvPr>
+        </p:nvSpPr>
+        <p:spPr/>
+      </p:sp>
+      <p:sp>
+        <p:nvSpPr>
+          <p:cNvPr id="3" name="Notes Placeholder 2"/>
+          <p:cNvSpPr>
+            <a:spLocks noGrp="1"/>
+          </p:cNvSpPr>
+          <p:nvPr>
+            <p:ph type="body" idx="1"/>
+          </p:nvPr>
+        </p:nvSpPr>
+        <p:spPr/>
+        <p:txBody>
+          <a:bodyPr/>
+          <a:lstStyle/>
+          <a:p>
+            <a:endParaRPr lang="fr-FR" dirty="0"/>
+          </a:p>
+        </p:txBody>
+      </p:sp>
+      <p:sp>
+        <p:nvSpPr>
+          <p:cNvPr id="4" name="Slide Number Placeholder 3"/>
+          <p:cNvSpPr>
+            <a:spLocks noGrp="1"/>
+          </p:cNvSpPr>
+          <p:nvPr>
+            <p:ph type="sldNum" idx="12"/>
+          </p:nvPr>
+        </p:nvSpPr>
+        <p:spPr/>
+        <p:txBody>
+          <a:bodyPr/>
+          <a:lstStyle/>
+          <a:p>
+            <a:pPr marL="0" marR="0" lvl="0" indent="0" algn="r" rtl="0">
+              <a:lnSpc>
+                <a:spcPct val="100000"/>
+              </a:lnSpc>
+              <a:spcBef>
+                <a:spcPts val="0"/>
+              </a:spcBef>
+              <a:spcAft>
+                <a:spcPts val="0"/>
+              </a:spcAft>
+              <a:buClr>
+                <a:srgbClr val="000000"/>
+              </a:buClr>
+              <a:buSzPts val="1200"/>
+              <a:buFont typeface="Calibri"/>
+              <a:buNone/>
+            </a:pPr>
+            <a:fld id="{00000000-1234-1234-1234-123412341234}" type="slidenum">
+              <a:rPr lang="en-US" sz="1200" b="0" i="0" u="none" strike="noStrike" cap="none" smtClean="0">
+                <a:solidFill>
+                  <a:srgbClr val="000000"/>
+                </a:solidFill>
+                <a:latin typeface="Calibri"/>
+                <a:ea typeface="Calibri"/>
+                <a:cs typeface="Calibri"/>
+                <a:sym typeface="Calibri"/>
+              </a:rPr>
+              <a:t>55</a:t>
+            </a:fld>
+            <a:endParaRPr lang="en-US"/>
+          </a:p>
+        </p:txBody>
+      </p:sp>
+    </p:spTree>
+    <p:extLst>
+      <p:ext uri="{BB962C8B-B14F-4D97-AF65-F5344CB8AC3E}">
+        <p14:creationId xmlns:p14="http://schemas.microsoft.com/office/powerpoint/2010/main" val="996319703"/>
+      </p:ext>
+    </p:extLst>
+  </p:cSld>
+  <p:clrMapOvr>
+    <a:masterClrMapping/>
+  </p:clrMapOvr>
+</p:notes>
+</file>
+
+<file path=ppt/notesSlides/notesSlide54.xml><?xml version="1.0" encoding="utf-8"?>
+<p:notes xmlns:a="http://schemas.openxmlformats.org/drawingml/2006/main" xmlns:r="http://schemas.openxmlformats.org/officeDocument/2006/relationships" xmlns:p="http://schemas.openxmlformats.org/presentationml/2006/main">
+  <p:cSld>
+    <p:spTree>
+      <p:nvGrpSpPr>
+        <p:cNvPr id="1" name=""/>
+        <p:cNvGrpSpPr/>
+        <p:nvPr/>
+      </p:nvGrpSpPr>
+      <p:grpSpPr>
+        <a:xfrm>
+          <a:off x="0" y="0"/>
+          <a:ext cx="0" cy="0"/>
+          <a:chOff x="0" y="0"/>
+          <a:chExt cx="0" cy="0"/>
+        </a:xfrm>
+      </p:grpSpPr>
+      <p:sp>
+        <p:nvSpPr>
+          <p:cNvPr id="2" name="Slide Image Placeholder 1"/>
+          <p:cNvSpPr>
+            <a:spLocks noGrp="1" noRot="1" noChangeAspect="1"/>
+          </p:cNvSpPr>
+          <p:nvPr>
+            <p:ph type="sldImg"/>
+          </p:nvPr>
+        </p:nvSpPr>
+        <p:spPr/>
+      </p:sp>
+      <p:sp>
+        <p:nvSpPr>
+          <p:cNvPr id="3" name="Notes Placeholder 2"/>
+          <p:cNvSpPr>
+            <a:spLocks noGrp="1"/>
+          </p:cNvSpPr>
+          <p:nvPr>
+            <p:ph type="body" idx="1"/>
+          </p:nvPr>
+        </p:nvSpPr>
+        <p:spPr/>
+        <p:txBody>
+          <a:bodyPr/>
+          <a:lstStyle/>
+          <a:p>
+            <a:endParaRPr lang="fr-FR" dirty="0"/>
+          </a:p>
+        </p:txBody>
+      </p:sp>
+      <p:sp>
+        <p:nvSpPr>
+          <p:cNvPr id="4" name="Slide Number Placeholder 3"/>
+          <p:cNvSpPr>
+            <a:spLocks noGrp="1"/>
+          </p:cNvSpPr>
+          <p:nvPr>
+            <p:ph type="sldNum" idx="12"/>
+          </p:nvPr>
+        </p:nvSpPr>
+        <p:spPr/>
+        <p:txBody>
+          <a:bodyPr/>
+          <a:lstStyle/>
+          <a:p>
+            <a:pPr marL="0" marR="0" lvl="0" indent="0" algn="r" rtl="0">
+              <a:lnSpc>
+                <a:spcPct val="100000"/>
+              </a:lnSpc>
+              <a:spcBef>
+                <a:spcPts val="0"/>
+              </a:spcBef>
+              <a:spcAft>
+                <a:spcPts val="0"/>
+              </a:spcAft>
+              <a:buClr>
+                <a:srgbClr val="000000"/>
+              </a:buClr>
+              <a:buSzPts val="1200"/>
+              <a:buFont typeface="Calibri"/>
+              <a:buNone/>
+            </a:pPr>
+            <a:fld id="{00000000-1234-1234-1234-123412341234}" type="slidenum">
+              <a:rPr lang="en-US" sz="1200" b="0" i="0" u="none" strike="noStrike" cap="none" smtClean="0">
+                <a:solidFill>
+                  <a:srgbClr val="000000"/>
+                </a:solidFill>
+                <a:latin typeface="Calibri"/>
+                <a:ea typeface="Calibri"/>
+                <a:cs typeface="Calibri"/>
+                <a:sym typeface="Calibri"/>
+              </a:rPr>
+              <a:t>56</a:t>
+            </a:fld>
+            <a:endParaRPr lang="en-US"/>
+          </a:p>
+        </p:txBody>
+      </p:sp>
+    </p:spTree>
+    <p:extLst>
+      <p:ext uri="{BB962C8B-B14F-4D97-AF65-F5344CB8AC3E}">
+        <p14:creationId xmlns:p14="http://schemas.microsoft.com/office/powerpoint/2010/main" val="4280914162"/>
+      </p:ext>
+    </p:extLst>
+  </p:cSld>
+  <p:clrMapOvr>
+    <a:masterClrMapping/>
+  </p:clrMapOvr>
+</p:notes>
+</file>
+
+<file path=ppt/notesSlides/notesSlide55.xml><?xml version="1.0" encoding="utf-8"?>
+<p:notes xmlns:a="http://schemas.openxmlformats.org/drawingml/2006/main" xmlns:r="http://schemas.openxmlformats.org/officeDocument/2006/relationships" xmlns:p="http://schemas.openxmlformats.org/presentationml/2006/main">
+  <p:cSld>
+    <p:spTree>
+      <p:nvGrpSpPr>
+        <p:cNvPr id="1" name=""/>
+        <p:cNvGrpSpPr/>
+        <p:nvPr/>
+      </p:nvGrpSpPr>
+      <p:grpSpPr>
+        <a:xfrm>
+          <a:off x="0" y="0"/>
+          <a:ext cx="0" cy="0"/>
+          <a:chOff x="0" y="0"/>
+          <a:chExt cx="0" cy="0"/>
+        </a:xfrm>
+      </p:grpSpPr>
+      <p:sp>
+        <p:nvSpPr>
+          <p:cNvPr id="2" name="Slide Image Placeholder 1"/>
+          <p:cNvSpPr>
+            <a:spLocks noGrp="1" noRot="1" noChangeAspect="1"/>
+          </p:cNvSpPr>
+          <p:nvPr>
+            <p:ph type="sldImg"/>
+          </p:nvPr>
+        </p:nvSpPr>
+        <p:spPr/>
+      </p:sp>
+      <p:sp>
+        <p:nvSpPr>
+          <p:cNvPr id="3" name="Notes Placeholder 2"/>
+          <p:cNvSpPr>
+            <a:spLocks noGrp="1"/>
+          </p:cNvSpPr>
+          <p:nvPr>
+            <p:ph type="body" idx="1"/>
+          </p:nvPr>
+        </p:nvSpPr>
+        <p:spPr/>
+        <p:txBody>
+          <a:bodyPr/>
+          <a:lstStyle/>
+          <a:p>
+            <a:endParaRPr lang="fr-FR" dirty="0"/>
+          </a:p>
+        </p:txBody>
+      </p:sp>
+      <p:sp>
+        <p:nvSpPr>
+          <p:cNvPr id="4" name="Slide Number Placeholder 3"/>
+          <p:cNvSpPr>
+            <a:spLocks noGrp="1"/>
+          </p:cNvSpPr>
+          <p:nvPr>
+            <p:ph type="sldNum" idx="12"/>
+          </p:nvPr>
+        </p:nvSpPr>
+        <p:spPr/>
+        <p:txBody>
+          <a:bodyPr/>
+          <a:lstStyle/>
+          <a:p>
+            <a:pPr marL="0" marR="0" lvl="0" indent="0" algn="r" rtl="0">
+              <a:lnSpc>
+                <a:spcPct val="100000"/>
+              </a:lnSpc>
+              <a:spcBef>
+                <a:spcPts val="0"/>
+              </a:spcBef>
+              <a:spcAft>
+                <a:spcPts val="0"/>
+              </a:spcAft>
+              <a:buClr>
+                <a:srgbClr val="000000"/>
+              </a:buClr>
+              <a:buSzPts val="1200"/>
+              <a:buFont typeface="Calibri"/>
+              <a:buNone/>
+            </a:pPr>
+            <a:fld id="{00000000-1234-1234-1234-123412341234}" type="slidenum">
+              <a:rPr lang="en-US" sz="1200" b="0" i="0" u="none" strike="noStrike" cap="none" smtClean="0">
+                <a:solidFill>
+                  <a:srgbClr val="000000"/>
+                </a:solidFill>
+                <a:latin typeface="Calibri"/>
+                <a:ea typeface="Calibri"/>
+                <a:cs typeface="Calibri"/>
+                <a:sym typeface="Calibri"/>
+              </a:rPr>
+              <a:t>57</a:t>
+            </a:fld>
+            <a:endParaRPr lang="en-US"/>
+          </a:p>
+        </p:txBody>
+      </p:sp>
+    </p:spTree>
+    <p:extLst>
+      <p:ext uri="{BB962C8B-B14F-4D97-AF65-F5344CB8AC3E}">
+        <p14:creationId xmlns:p14="http://schemas.microsoft.com/office/powerpoint/2010/main" val="2239248938"/>
+      </p:ext>
+    </p:extLst>
+  </p:cSld>
+  <p:clrMapOvr>
+    <a:masterClrMapping/>
+  </p:clrMapOvr>
+</p:notes>
+</file>
+
+<file path=ppt/notesSlides/notesSlide56.xml><?xml version="1.0" encoding="utf-8"?>
+<p:notes xmlns:a="http://schemas.openxmlformats.org/drawingml/2006/main" xmlns:r="http://schemas.openxmlformats.org/officeDocument/2006/relationships" xmlns:p="http://schemas.openxmlformats.org/presentationml/2006/main" showMasterSp="0" showMasterPhAnim="0">
+  <p:cSld>
+    <p:spTree>
+      <p:nvGrpSpPr>
+        <p:cNvPr id="1" name="Shape 244"/>
+        <p:cNvGrpSpPr/>
+        <p:nvPr/>
+      </p:nvGrpSpPr>
+      <p:grpSpPr>
+        <a:xfrm>
+          <a:off x="0" y="0"/>
+          <a:ext cx="0" cy="0"/>
+          <a:chOff x="0" y="0"/>
+          <a:chExt cx="0" cy="0"/>
+        </a:xfrm>
+      </p:grpSpPr>
+      <p:sp>
+        <p:nvSpPr>
+          <p:cNvPr id="245" name="Google Shape;245;p37:notes"/>
+          <p:cNvSpPr txBox="1">
+            <a:spLocks noGrp="1"/>
+          </p:cNvSpPr>
+          <p:nvPr>
+            <p:ph type="body" idx="1"/>
+          </p:nvPr>
+        </p:nvSpPr>
+        <p:spPr>
+          <a:xfrm>
+            <a:off x="685800" y="4343400"/>
+            <a:ext cx="5486400" cy="4114800"/>
+          </a:xfrm>
+          <a:prstGeom prst="rect">
+            <a:avLst/>
+          </a:prstGeom>
+        </p:spPr>
+        <p:txBody>
+          <a:bodyPr spcFirstLastPara="1" wrap="square" lIns="91425" tIns="45700" rIns="91425" bIns="45700" anchor="t" anchorCtr="0">
+            <a:noAutofit/>
+          </a:bodyPr>
+          <a:lstStyle/>
+          <a:p>
+            <a:pPr marL="0" lvl="0" indent="0" algn="l" rtl="0">
+              <a:spcBef>
+                <a:spcPts val="0"/>
+              </a:spcBef>
+              <a:spcAft>
+                <a:spcPts val="0"/>
+              </a:spcAft>
+              <a:buNone/>
+            </a:pPr>
+            <a:endParaRPr/>
+          </a:p>
+        </p:txBody>
+      </p:sp>
+      <p:sp>
+        <p:nvSpPr>
+          <p:cNvPr id="246" name="Google Shape;246;p37:notes"/>
+          <p:cNvSpPr>
+            <a:spLocks noGrp="1" noRot="1" noChangeAspect="1"/>
+          </p:cNvSpPr>
+          <p:nvPr>
+            <p:ph type="sldImg" idx="2"/>
+          </p:nvPr>
+        </p:nvSpPr>
+        <p:spPr>
+          <a:xfrm>
+            <a:off x="1143000" y="685800"/>
+            <a:ext cx="4572000" cy="3429000"/>
+          </a:xfrm>
+          <a:custGeom>
+            <a:avLst/>
+            <a:gdLst/>
+            <a:ahLst/>
+            <a:cxnLst/>
+            <a:rect l="l" t="t" r="r" b="b"/>
+            <a:pathLst>
+              <a:path w="120000" h="120000" extrusionOk="0">
+                <a:moveTo>
+                  <a:pt x="0" y="0"/>
+                </a:moveTo>
+                <a:lnTo>
+                  <a:pt x="120000" y="0"/>
+                </a:lnTo>
+                <a:lnTo>
+                  <a:pt x="120000" y="120000"/>
+                </a:lnTo>
+                <a:lnTo>
+                  <a:pt x="0" y="120000"/>
+                </a:lnTo>
+                <a:close/>
+              </a:path>
+            </a:pathLst>
+          </a:custGeom>
+        </p:spPr>
+      </p:sp>
+    </p:spTree>
+    <p:extLst>
+      <p:ext uri="{BB962C8B-B14F-4D97-AF65-F5344CB8AC3E}">
+        <p14:creationId xmlns:p14="http://schemas.microsoft.com/office/powerpoint/2010/main" val="4242220672"/>
       </p:ext>
     </p:extLst>
   </p:cSld>
@@ -18361,7 +19576,7 @@
           <p:nvPr/>
         </p:nvPicPr>
         <p:blipFill>
-          <a:blip r:embed="rId4"/>
+          <a:blip r:embed="rId3"/>
           <a:stretch>
             <a:fillRect/>
           </a:stretch>
@@ -18476,7 +19691,7 @@
           <p:nvPr/>
         </p:nvPicPr>
         <p:blipFill>
-          <a:blip r:embed="rId5"/>
+          <a:blip r:embed="rId4"/>
           <a:stretch>
             <a:fillRect/>
           </a:stretch>
@@ -18489,6 +19704,53 @@
           <a:prstGeom prst="rect">
             <a:avLst/>
           </a:prstGeom>
+        </p:spPr>
+      </p:pic>
+      <p:pic>
+        <p:nvPicPr>
+          <p:cNvPr id="1029" name="Picture 5" descr="pixel">
+            <a:extLst>
+              <a:ext uri="{FF2B5EF4-FFF2-40B4-BE49-F238E27FC236}">
+                <a16:creationId xmlns:a16="http://schemas.microsoft.com/office/drawing/2014/main" id="{9EE3CCF9-4240-4FAB-9CD3-1EC3800DB1A9}"/>
+              </a:ext>
+            </a:extLst>
+          </p:cNvPr>
+          <p:cNvPicPr>
+            <a:picLocks noChangeAspect="1" noChangeArrowheads="1"/>
+          </p:cNvPicPr>
+          <p:nvPr/>
+        </p:nvPicPr>
+        <p:blipFill>
+          <a:blip r:embed="rId5">
+            <a:extLst>
+              <a:ext uri="{28A0092B-C50C-407E-A947-70E740481C1C}">
+                <a14:useLocalDpi xmlns:a14="http://schemas.microsoft.com/office/drawing/2010/main" val="0"/>
+              </a:ext>
+            </a:extLst>
+          </a:blip>
+          <a:srcRect/>
+          <a:stretch>
+            <a:fillRect/>
+          </a:stretch>
+        </p:blipFill>
+        <p:spPr bwMode="auto">
+          <a:xfrm>
+            <a:off x="0" y="0"/>
+            <a:ext cx="9525" cy="9525"/>
+          </a:xfrm>
+          <a:prstGeom prst="rect">
+            <a:avLst/>
+          </a:prstGeom>
+          <a:noFill/>
+          <a:extLst>
+            <a:ext uri="{909E8E84-426E-40DD-AFC4-6F175D3DCCD1}">
+              <a14:hiddenFill xmlns:a14="http://schemas.microsoft.com/office/drawing/2010/main">
+                <a:solidFill>
+                  <a:srgbClr val="FFFFFF"/>
+                </a:solidFill>
+              </a14:hiddenFill>
+            </a:ext>
+          </a:extLst>
         </p:spPr>
       </p:pic>
     </p:spTree>
@@ -18674,7 +19936,7 @@
           <p:nvPr/>
         </p:nvPicPr>
         <p:blipFill>
-          <a:blip r:embed="rId4"/>
+          <a:blip r:embed="rId3"/>
           <a:stretch>
             <a:fillRect/>
           </a:stretch>
@@ -18831,7 +20093,7 @@
           <p:nvPr/>
         </p:nvPicPr>
         <p:blipFill>
-          <a:blip r:embed="rId5"/>
+          <a:blip r:embed="rId4"/>
           <a:stretch>
             <a:fillRect/>
           </a:stretch>
@@ -18910,7 +20172,7 @@
           <p:nvPr/>
         </p:nvPicPr>
         <p:blipFill>
-          <a:blip r:embed="rId6"/>
+          <a:blip r:embed="rId5"/>
           <a:stretch>
             <a:fillRect/>
           </a:stretch>
@@ -18923,6 +20185,53 @@
           <a:prstGeom prst="rect">
             <a:avLst/>
           </a:prstGeom>
+        </p:spPr>
+      </p:pic>
+      <p:pic>
+        <p:nvPicPr>
+          <p:cNvPr id="2053" name="Picture 5" descr="pixel">
+            <a:extLst>
+              <a:ext uri="{FF2B5EF4-FFF2-40B4-BE49-F238E27FC236}">
+                <a16:creationId xmlns:a16="http://schemas.microsoft.com/office/drawing/2014/main" id="{F76180AB-7B3E-4434-80FD-8747224ED9EE}"/>
+              </a:ext>
+            </a:extLst>
+          </p:cNvPr>
+          <p:cNvPicPr>
+            <a:picLocks noChangeAspect="1" noChangeArrowheads="1"/>
+          </p:cNvPicPr>
+          <p:nvPr/>
+        </p:nvPicPr>
+        <p:blipFill>
+          <a:blip r:embed="rId6">
+            <a:extLst>
+              <a:ext uri="{28A0092B-C50C-407E-A947-70E740481C1C}">
+                <a14:useLocalDpi xmlns:a14="http://schemas.microsoft.com/office/drawing/2010/main" val="0"/>
+              </a:ext>
+            </a:extLst>
+          </a:blip>
+          <a:srcRect/>
+          <a:stretch>
+            <a:fillRect/>
+          </a:stretch>
+        </p:blipFill>
+        <p:spPr bwMode="auto">
+          <a:xfrm>
+            <a:off x="0" y="0"/>
+            <a:ext cx="9525" cy="9525"/>
+          </a:xfrm>
+          <a:prstGeom prst="rect">
+            <a:avLst/>
+          </a:prstGeom>
+          <a:noFill/>
+          <a:extLst>
+            <a:ext uri="{909E8E84-426E-40DD-AFC4-6F175D3DCCD1}">
+              <a14:hiddenFill xmlns:a14="http://schemas.microsoft.com/office/drawing/2010/main">
+                <a:solidFill>
+                  <a:srgbClr val="FFFFFF"/>
+                </a:solidFill>
+              </a14:hiddenFill>
+            </a:ext>
+          </a:extLst>
         </p:spPr>
       </p:pic>
     </p:spTree>
@@ -19154,7 +20463,7 @@
           <p:nvPr/>
         </p:nvPicPr>
         <p:blipFill>
-          <a:blip r:embed="rId4"/>
+          <a:blip r:embed="rId3"/>
           <a:stretch>
             <a:fillRect/>
           </a:stretch>
@@ -19233,7 +20542,7 @@
           <p:nvPr/>
         </p:nvPicPr>
         <p:blipFill>
-          <a:blip r:embed="rId5"/>
+          <a:blip r:embed="rId4"/>
           <a:stretch>
             <a:fillRect/>
           </a:stretch>
@@ -19246,6 +20555,53 @@
           <a:prstGeom prst="rect">
             <a:avLst/>
           </a:prstGeom>
+        </p:spPr>
+      </p:pic>
+      <p:pic>
+        <p:nvPicPr>
+          <p:cNvPr id="3077" name="Picture 5" descr="pixel">
+            <a:extLst>
+              <a:ext uri="{FF2B5EF4-FFF2-40B4-BE49-F238E27FC236}">
+                <a16:creationId xmlns:a16="http://schemas.microsoft.com/office/drawing/2014/main" id="{894B8969-1464-4DE4-847D-C3E2E28414F5}"/>
+              </a:ext>
+            </a:extLst>
+          </p:cNvPr>
+          <p:cNvPicPr>
+            <a:picLocks noChangeAspect="1" noChangeArrowheads="1"/>
+          </p:cNvPicPr>
+          <p:nvPr/>
+        </p:nvPicPr>
+        <p:blipFill>
+          <a:blip r:embed="rId5">
+            <a:extLst>
+              <a:ext uri="{28A0092B-C50C-407E-A947-70E740481C1C}">
+                <a14:useLocalDpi xmlns:a14="http://schemas.microsoft.com/office/drawing/2010/main" val="0"/>
+              </a:ext>
+            </a:extLst>
+          </a:blip>
+          <a:srcRect/>
+          <a:stretch>
+            <a:fillRect/>
+          </a:stretch>
+        </p:blipFill>
+        <p:spPr bwMode="auto">
+          <a:xfrm>
+            <a:off x="0" y="0"/>
+            <a:ext cx="9525" cy="9525"/>
+          </a:xfrm>
+          <a:prstGeom prst="rect">
+            <a:avLst/>
+          </a:prstGeom>
+          <a:noFill/>
+          <a:extLst>
+            <a:ext uri="{909E8E84-426E-40DD-AFC4-6F175D3DCCD1}">
+              <a14:hiddenFill xmlns:a14="http://schemas.microsoft.com/office/drawing/2010/main">
+                <a:solidFill>
+                  <a:srgbClr val="FFFFFF"/>
+                </a:solidFill>
+              </a14:hiddenFill>
+            </a:ext>
+          </a:extLst>
         </p:spPr>
       </p:pic>
     </p:spTree>
@@ -19384,7 +20740,7 @@
           <p:nvPr/>
         </p:nvPicPr>
         <p:blipFill>
-          <a:blip r:embed="rId4"/>
+          <a:blip r:embed="rId3"/>
           <a:stretch>
             <a:fillRect/>
           </a:stretch>
@@ -19397,6 +20753,53 @@
           <a:prstGeom prst="rect">
             <a:avLst/>
           </a:prstGeom>
+        </p:spPr>
+      </p:pic>
+      <p:pic>
+        <p:nvPicPr>
+          <p:cNvPr id="4101" name="Picture 5" descr="pixel">
+            <a:extLst>
+              <a:ext uri="{FF2B5EF4-FFF2-40B4-BE49-F238E27FC236}">
+                <a16:creationId xmlns:a16="http://schemas.microsoft.com/office/drawing/2014/main" id="{7D8C6C02-57A9-4E04-BCC1-A944C19E2025}"/>
+              </a:ext>
+            </a:extLst>
+          </p:cNvPr>
+          <p:cNvPicPr>
+            <a:picLocks noChangeAspect="1" noChangeArrowheads="1"/>
+          </p:cNvPicPr>
+          <p:nvPr/>
+        </p:nvPicPr>
+        <p:blipFill>
+          <a:blip r:embed="rId4">
+            <a:extLst>
+              <a:ext uri="{28A0092B-C50C-407E-A947-70E740481C1C}">
+                <a14:useLocalDpi xmlns:a14="http://schemas.microsoft.com/office/drawing/2010/main" val="0"/>
+              </a:ext>
+            </a:extLst>
+          </a:blip>
+          <a:srcRect/>
+          <a:stretch>
+            <a:fillRect/>
+          </a:stretch>
+        </p:blipFill>
+        <p:spPr bwMode="auto">
+          <a:xfrm>
+            <a:off x="0" y="0"/>
+            <a:ext cx="9525" cy="9525"/>
+          </a:xfrm>
+          <a:prstGeom prst="rect">
+            <a:avLst/>
+          </a:prstGeom>
+          <a:noFill/>
+          <a:extLst>
+            <a:ext uri="{909E8E84-426E-40DD-AFC4-6F175D3DCCD1}">
+              <a14:hiddenFill xmlns:a14="http://schemas.microsoft.com/office/drawing/2010/main">
+                <a:solidFill>
+                  <a:srgbClr val="FFFFFF"/>
+                </a:solidFill>
+              </a14:hiddenFill>
+            </a:ext>
+          </a:extLst>
         </p:spPr>
       </p:pic>
     </p:spTree>
@@ -19574,7 +20977,7 @@
           <p:nvPr/>
         </p:nvPicPr>
         <p:blipFill>
-          <a:blip r:embed="rId4"/>
+          <a:blip r:embed="rId3"/>
           <a:stretch>
             <a:fillRect/>
           </a:stretch>
@@ -19587,6 +20990,53 @@
           <a:prstGeom prst="rect">
             <a:avLst/>
           </a:prstGeom>
+        </p:spPr>
+      </p:pic>
+      <p:pic>
+        <p:nvPicPr>
+          <p:cNvPr id="6149" name="Picture 5" descr="pixel">
+            <a:extLst>
+              <a:ext uri="{FF2B5EF4-FFF2-40B4-BE49-F238E27FC236}">
+                <a16:creationId xmlns:a16="http://schemas.microsoft.com/office/drawing/2014/main" id="{6A56E74D-B1E2-44C4-A6B7-EB96D6D5701D}"/>
+              </a:ext>
+            </a:extLst>
+          </p:cNvPr>
+          <p:cNvPicPr>
+            <a:picLocks noChangeAspect="1" noChangeArrowheads="1"/>
+          </p:cNvPicPr>
+          <p:nvPr/>
+        </p:nvPicPr>
+        <p:blipFill>
+          <a:blip r:embed="rId4">
+            <a:extLst>
+              <a:ext uri="{28A0092B-C50C-407E-A947-70E740481C1C}">
+                <a14:useLocalDpi xmlns:a14="http://schemas.microsoft.com/office/drawing/2010/main" val="0"/>
+              </a:ext>
+            </a:extLst>
+          </a:blip>
+          <a:srcRect/>
+          <a:stretch>
+            <a:fillRect/>
+          </a:stretch>
+        </p:blipFill>
+        <p:spPr bwMode="auto">
+          <a:xfrm>
+            <a:off x="0" y="0"/>
+            <a:ext cx="9525" cy="9525"/>
+          </a:xfrm>
+          <a:prstGeom prst="rect">
+            <a:avLst/>
+          </a:prstGeom>
+          <a:noFill/>
+          <a:extLst>
+            <a:ext uri="{909E8E84-426E-40DD-AFC4-6F175D3DCCD1}">
+              <a14:hiddenFill xmlns:a14="http://schemas.microsoft.com/office/drawing/2010/main">
+                <a:solidFill>
+                  <a:srgbClr val="FFFFFF"/>
+                </a:solidFill>
+              </a14:hiddenFill>
+            </a:ext>
+          </a:extLst>
         </p:spPr>
       </p:pic>
     </p:spTree>
@@ -19696,7 +21146,7 @@
           <p:nvPr/>
         </p:nvPicPr>
         <p:blipFill>
-          <a:blip r:embed="rId4"/>
+          <a:blip r:embed="rId3"/>
           <a:stretch>
             <a:fillRect/>
           </a:stretch>
@@ -19709,6 +21159,53 @@
           <a:prstGeom prst="rect">
             <a:avLst/>
           </a:prstGeom>
+        </p:spPr>
+      </p:pic>
+      <p:pic>
+        <p:nvPicPr>
+          <p:cNvPr id="7173" name="Picture 5" descr="pixel">
+            <a:extLst>
+              <a:ext uri="{FF2B5EF4-FFF2-40B4-BE49-F238E27FC236}">
+                <a16:creationId xmlns:a16="http://schemas.microsoft.com/office/drawing/2014/main" id="{09362AD8-0D0D-450E-8366-DDE5D9DD060F}"/>
+              </a:ext>
+            </a:extLst>
+          </p:cNvPr>
+          <p:cNvPicPr>
+            <a:picLocks noChangeAspect="1" noChangeArrowheads="1"/>
+          </p:cNvPicPr>
+          <p:nvPr/>
+        </p:nvPicPr>
+        <p:blipFill>
+          <a:blip r:embed="rId4">
+            <a:extLst>
+              <a:ext uri="{28A0092B-C50C-407E-A947-70E740481C1C}">
+                <a14:useLocalDpi xmlns:a14="http://schemas.microsoft.com/office/drawing/2010/main" val="0"/>
+              </a:ext>
+            </a:extLst>
+          </a:blip>
+          <a:srcRect/>
+          <a:stretch>
+            <a:fillRect/>
+          </a:stretch>
+        </p:blipFill>
+        <p:spPr bwMode="auto">
+          <a:xfrm>
+            <a:off x="0" y="0"/>
+            <a:ext cx="9525" cy="9525"/>
+          </a:xfrm>
+          <a:prstGeom prst="rect">
+            <a:avLst/>
+          </a:prstGeom>
+          <a:noFill/>
+          <a:extLst>
+            <a:ext uri="{909E8E84-426E-40DD-AFC4-6F175D3DCCD1}">
+              <a14:hiddenFill xmlns:a14="http://schemas.microsoft.com/office/drawing/2010/main">
+                <a:solidFill>
+                  <a:srgbClr val="FFFFFF"/>
+                </a:solidFill>
+              </a14:hiddenFill>
+            </a:ext>
+          </a:extLst>
         </p:spPr>
       </p:pic>
     </p:spTree>
@@ -19802,7 +21299,7 @@
           <p:nvPr/>
         </p:nvPicPr>
         <p:blipFill>
-          <a:blip r:embed="rId4"/>
+          <a:blip r:embed="rId3"/>
           <a:stretch>
             <a:fillRect/>
           </a:stretch>
@@ -19815,6 +21312,53 @@
           <a:prstGeom prst="rect">
             <a:avLst/>
           </a:prstGeom>
+        </p:spPr>
+      </p:pic>
+      <p:pic>
+        <p:nvPicPr>
+          <p:cNvPr id="8197" name="Picture 5" descr="pixel">
+            <a:extLst>
+              <a:ext uri="{FF2B5EF4-FFF2-40B4-BE49-F238E27FC236}">
+                <a16:creationId xmlns:a16="http://schemas.microsoft.com/office/drawing/2014/main" id="{BCF8598A-E90A-4BF7-97C9-B2B348D1353F}"/>
+              </a:ext>
+            </a:extLst>
+          </p:cNvPr>
+          <p:cNvPicPr>
+            <a:picLocks noChangeAspect="1" noChangeArrowheads="1"/>
+          </p:cNvPicPr>
+          <p:nvPr/>
+        </p:nvPicPr>
+        <p:blipFill>
+          <a:blip r:embed="rId4">
+            <a:extLst>
+              <a:ext uri="{28A0092B-C50C-407E-A947-70E740481C1C}">
+                <a14:useLocalDpi xmlns:a14="http://schemas.microsoft.com/office/drawing/2010/main" val="0"/>
+              </a:ext>
+            </a:extLst>
+          </a:blip>
+          <a:srcRect/>
+          <a:stretch>
+            <a:fillRect/>
+          </a:stretch>
+        </p:blipFill>
+        <p:spPr bwMode="auto">
+          <a:xfrm>
+            <a:off x="0" y="0"/>
+            <a:ext cx="9525" cy="9525"/>
+          </a:xfrm>
+          <a:prstGeom prst="rect">
+            <a:avLst/>
+          </a:prstGeom>
+          <a:noFill/>
+          <a:extLst>
+            <a:ext uri="{909E8E84-426E-40DD-AFC4-6F175D3DCCD1}">
+              <a14:hiddenFill xmlns:a14="http://schemas.microsoft.com/office/drawing/2010/main">
+                <a:solidFill>
+                  <a:srgbClr val="FFFFFF"/>
+                </a:solidFill>
+              </a14:hiddenFill>
+            </a:ext>
+          </a:extLst>
         </p:spPr>
       </p:pic>
     </p:spTree>
@@ -20180,7 +21724,7 @@
           <p:nvPr/>
         </p:nvPicPr>
         <p:blipFill>
-          <a:blip r:embed="rId4"/>
+          <a:blip r:embed="rId3"/>
           <a:stretch>
             <a:fillRect/>
           </a:stretch>
@@ -20193,6 +21737,53 @@
           <a:prstGeom prst="rect">
             <a:avLst/>
           </a:prstGeom>
+        </p:spPr>
+      </p:pic>
+      <p:pic>
+        <p:nvPicPr>
+          <p:cNvPr id="9221" name="Picture 5" descr="pixel">
+            <a:extLst>
+              <a:ext uri="{FF2B5EF4-FFF2-40B4-BE49-F238E27FC236}">
+                <a16:creationId xmlns:a16="http://schemas.microsoft.com/office/drawing/2014/main" id="{9257D027-8572-4F11-99CD-FC8B9002F7BD}"/>
+              </a:ext>
+            </a:extLst>
+          </p:cNvPr>
+          <p:cNvPicPr>
+            <a:picLocks noChangeAspect="1" noChangeArrowheads="1"/>
+          </p:cNvPicPr>
+          <p:nvPr/>
+        </p:nvPicPr>
+        <p:blipFill>
+          <a:blip r:embed="rId4">
+            <a:extLst>
+              <a:ext uri="{28A0092B-C50C-407E-A947-70E740481C1C}">
+                <a14:useLocalDpi xmlns:a14="http://schemas.microsoft.com/office/drawing/2010/main" val="0"/>
+              </a:ext>
+            </a:extLst>
+          </a:blip>
+          <a:srcRect/>
+          <a:stretch>
+            <a:fillRect/>
+          </a:stretch>
+        </p:blipFill>
+        <p:spPr bwMode="auto">
+          <a:xfrm>
+            <a:off x="0" y="0"/>
+            <a:ext cx="9525" cy="9525"/>
+          </a:xfrm>
+          <a:prstGeom prst="rect">
+            <a:avLst/>
+          </a:prstGeom>
+          <a:noFill/>
+          <a:extLst>
+            <a:ext uri="{909E8E84-426E-40DD-AFC4-6F175D3DCCD1}">
+              <a14:hiddenFill xmlns:a14="http://schemas.microsoft.com/office/drawing/2010/main">
+                <a:solidFill>
+                  <a:srgbClr val="FFFFFF"/>
+                </a:solidFill>
+              </a14:hiddenFill>
+            </a:ext>
+          </a:extLst>
         </p:spPr>
       </p:pic>
     </p:spTree>
@@ -20286,7 +21877,7 @@
           <p:nvPr/>
         </p:nvPicPr>
         <p:blipFill>
-          <a:blip r:embed="rId4"/>
+          <a:blip r:embed="rId3"/>
           <a:stretch>
             <a:fillRect/>
           </a:stretch>
@@ -20299,6 +21890,53 @@
           <a:prstGeom prst="rect">
             <a:avLst/>
           </a:prstGeom>
+        </p:spPr>
+      </p:pic>
+      <p:pic>
+        <p:nvPicPr>
+          <p:cNvPr id="10245" name="Picture 5" descr="pixel">
+            <a:extLst>
+              <a:ext uri="{FF2B5EF4-FFF2-40B4-BE49-F238E27FC236}">
+                <a16:creationId xmlns:a16="http://schemas.microsoft.com/office/drawing/2014/main" id="{0F4331BD-4462-4339-8954-0DBA3BB77C32}"/>
+              </a:ext>
+            </a:extLst>
+          </p:cNvPr>
+          <p:cNvPicPr>
+            <a:picLocks noChangeAspect="1" noChangeArrowheads="1"/>
+          </p:cNvPicPr>
+          <p:nvPr/>
+        </p:nvPicPr>
+        <p:blipFill>
+          <a:blip r:embed="rId4">
+            <a:extLst>
+              <a:ext uri="{28A0092B-C50C-407E-A947-70E740481C1C}">
+                <a14:useLocalDpi xmlns:a14="http://schemas.microsoft.com/office/drawing/2010/main" val="0"/>
+              </a:ext>
+            </a:extLst>
+          </a:blip>
+          <a:srcRect/>
+          <a:stretch>
+            <a:fillRect/>
+          </a:stretch>
+        </p:blipFill>
+        <p:spPr bwMode="auto">
+          <a:xfrm>
+            <a:off x="0" y="0"/>
+            <a:ext cx="9525" cy="9525"/>
+          </a:xfrm>
+          <a:prstGeom prst="rect">
+            <a:avLst/>
+          </a:prstGeom>
+          <a:noFill/>
+          <a:extLst>
+            <a:ext uri="{909E8E84-426E-40DD-AFC4-6F175D3DCCD1}">
+              <a14:hiddenFill xmlns:a14="http://schemas.microsoft.com/office/drawing/2010/main">
+                <a:solidFill>
+                  <a:srgbClr val="FFFFFF"/>
+                </a:solidFill>
+              </a14:hiddenFill>
+            </a:ext>
+          </a:extLst>
         </p:spPr>
       </p:pic>
     </p:spTree>
@@ -20396,7 +22034,7 @@
           <p:nvPr/>
         </p:nvPicPr>
         <p:blipFill>
-          <a:blip r:embed="rId4"/>
+          <a:blip r:embed="rId3"/>
           <a:stretch>
             <a:fillRect/>
           </a:stretch>
@@ -20409,6 +22047,53 @@
           <a:prstGeom prst="rect">
             <a:avLst/>
           </a:prstGeom>
+        </p:spPr>
+      </p:pic>
+      <p:pic>
+        <p:nvPicPr>
+          <p:cNvPr id="11269" name="Picture 5" descr="pixel">
+            <a:extLst>
+              <a:ext uri="{FF2B5EF4-FFF2-40B4-BE49-F238E27FC236}">
+                <a16:creationId xmlns:a16="http://schemas.microsoft.com/office/drawing/2014/main" id="{E0A05364-41A4-4443-90FD-A722AF869169}"/>
+              </a:ext>
+            </a:extLst>
+          </p:cNvPr>
+          <p:cNvPicPr>
+            <a:picLocks noChangeAspect="1" noChangeArrowheads="1"/>
+          </p:cNvPicPr>
+          <p:nvPr/>
+        </p:nvPicPr>
+        <p:blipFill>
+          <a:blip r:embed="rId4">
+            <a:extLst>
+              <a:ext uri="{28A0092B-C50C-407E-A947-70E740481C1C}">
+                <a14:useLocalDpi xmlns:a14="http://schemas.microsoft.com/office/drawing/2010/main" val="0"/>
+              </a:ext>
+            </a:extLst>
+          </a:blip>
+          <a:srcRect/>
+          <a:stretch>
+            <a:fillRect/>
+          </a:stretch>
+        </p:blipFill>
+        <p:spPr bwMode="auto">
+          <a:xfrm>
+            <a:off x="0" y="0"/>
+            <a:ext cx="9525" cy="9525"/>
+          </a:xfrm>
+          <a:prstGeom prst="rect">
+            <a:avLst/>
+          </a:prstGeom>
+          <a:noFill/>
+          <a:extLst>
+            <a:ext uri="{909E8E84-426E-40DD-AFC4-6F175D3DCCD1}">
+              <a14:hiddenFill xmlns:a14="http://schemas.microsoft.com/office/drawing/2010/main">
+                <a:solidFill>
+                  <a:srgbClr val="FFFFFF"/>
+                </a:solidFill>
+              </a14:hiddenFill>
+            </a:ext>
+          </a:extLst>
         </p:spPr>
       </p:pic>
     </p:spTree>
@@ -20498,7 +22183,7 @@
           <p:nvPr/>
         </p:nvPicPr>
         <p:blipFill>
-          <a:blip r:embed="rId4"/>
+          <a:blip r:embed="rId3"/>
           <a:stretch>
             <a:fillRect/>
           </a:stretch>
@@ -20511,6 +22196,53 @@
           <a:prstGeom prst="rect">
             <a:avLst/>
           </a:prstGeom>
+        </p:spPr>
+      </p:pic>
+      <p:pic>
+        <p:nvPicPr>
+          <p:cNvPr id="12293" name="Picture 5" descr="pixel">
+            <a:extLst>
+              <a:ext uri="{FF2B5EF4-FFF2-40B4-BE49-F238E27FC236}">
+                <a16:creationId xmlns:a16="http://schemas.microsoft.com/office/drawing/2014/main" id="{0B1C78ED-8FD0-4DC1-A6FB-86AA7FDD3447}"/>
+              </a:ext>
+            </a:extLst>
+          </p:cNvPr>
+          <p:cNvPicPr>
+            <a:picLocks noChangeAspect="1" noChangeArrowheads="1"/>
+          </p:cNvPicPr>
+          <p:nvPr/>
+        </p:nvPicPr>
+        <p:blipFill>
+          <a:blip r:embed="rId4">
+            <a:extLst>
+              <a:ext uri="{28A0092B-C50C-407E-A947-70E740481C1C}">
+                <a14:useLocalDpi xmlns:a14="http://schemas.microsoft.com/office/drawing/2010/main" val="0"/>
+              </a:ext>
+            </a:extLst>
+          </a:blip>
+          <a:srcRect/>
+          <a:stretch>
+            <a:fillRect/>
+          </a:stretch>
+        </p:blipFill>
+        <p:spPr bwMode="auto">
+          <a:xfrm>
+            <a:off x="0" y="0"/>
+            <a:ext cx="9525" cy="9525"/>
+          </a:xfrm>
+          <a:prstGeom prst="rect">
+            <a:avLst/>
+          </a:prstGeom>
+          <a:noFill/>
+          <a:extLst>
+            <a:ext uri="{909E8E84-426E-40DD-AFC4-6F175D3DCCD1}">
+              <a14:hiddenFill xmlns:a14="http://schemas.microsoft.com/office/drawing/2010/main">
+                <a:solidFill>
+                  <a:srgbClr val="FFFFFF"/>
+                </a:solidFill>
+              </a14:hiddenFill>
+            </a:ext>
+          </a:extLst>
         </p:spPr>
       </p:pic>
     </p:spTree>
@@ -20919,6 +22651,53 @@
           </a:p>
         </p:txBody>
       </p:sp>
+      <p:pic>
+        <p:nvPicPr>
+          <p:cNvPr id="13317" name="Picture 5" descr="pixel">
+            <a:extLst>
+              <a:ext uri="{FF2B5EF4-FFF2-40B4-BE49-F238E27FC236}">
+                <a16:creationId xmlns:a16="http://schemas.microsoft.com/office/drawing/2014/main" id="{4FF54A7A-FDFA-4C3D-BB20-FAE8CE2BAF96}"/>
+              </a:ext>
+            </a:extLst>
+          </p:cNvPr>
+          <p:cNvPicPr>
+            <a:picLocks noChangeAspect="1" noChangeArrowheads="1"/>
+          </p:cNvPicPr>
+          <p:nvPr/>
+        </p:nvPicPr>
+        <p:blipFill>
+          <a:blip r:embed="rId3">
+            <a:extLst>
+              <a:ext uri="{28A0092B-C50C-407E-A947-70E740481C1C}">
+                <a14:useLocalDpi xmlns:a14="http://schemas.microsoft.com/office/drawing/2010/main" val="0"/>
+              </a:ext>
+            </a:extLst>
+          </a:blip>
+          <a:srcRect/>
+          <a:stretch>
+            <a:fillRect/>
+          </a:stretch>
+        </p:blipFill>
+        <p:spPr bwMode="auto">
+          <a:xfrm>
+            <a:off x="0" y="0"/>
+            <a:ext cx="9525" cy="9525"/>
+          </a:xfrm>
+          <a:prstGeom prst="rect">
+            <a:avLst/>
+          </a:prstGeom>
+          <a:noFill/>
+          <a:extLst>
+            <a:ext uri="{909E8E84-426E-40DD-AFC4-6F175D3DCCD1}">
+              <a14:hiddenFill xmlns:a14="http://schemas.microsoft.com/office/drawing/2010/main">
+                <a:solidFill>
+                  <a:srgbClr val="FFFFFF"/>
+                </a:solidFill>
+              </a14:hiddenFill>
+            </a:ext>
+          </a:extLst>
+        </p:spPr>
+      </p:pic>
     </p:spTree>
     <p:extLst>
       <p:ext uri="{BB962C8B-B14F-4D97-AF65-F5344CB8AC3E}">
@@ -20937,7 +22716,7 @@
   <p:cSld>
     <p:spTree>
       <p:nvGrpSpPr>
-        <p:cNvPr id="1" name="Shape 247"/>
+        <p:cNvPr id="1" name=""/>
         <p:cNvGrpSpPr/>
         <p:nvPr/>
       </p:nvGrpSpPr>
@@ -20951,7 +22730,69 @@
       </p:grpSpPr>
       <p:sp>
         <p:nvSpPr>
-          <p:cNvPr id="248" name="Google Shape;248;p37"/>
+          <p:cNvPr id="2" name="Title 1">
+            <a:extLst>
+              <a:ext uri="{FF2B5EF4-FFF2-40B4-BE49-F238E27FC236}">
+                <a16:creationId xmlns:a16="http://schemas.microsoft.com/office/drawing/2014/main" id="{21DE9BA4-EA58-424F-9D0B-F24117F0A26A}"/>
+              </a:ext>
+            </a:extLst>
+          </p:cNvPr>
+          <p:cNvSpPr>
+            <a:spLocks noGrp="1"/>
+          </p:cNvSpPr>
+          <p:nvPr>
+            <p:ph type="title"/>
+          </p:nvPr>
+        </p:nvSpPr>
+        <p:spPr/>
+        <p:txBody>
+          <a:bodyPr/>
+          <a:lstStyle/>
+          <a:p>
+            <a:pPr algn="ctr"/>
+            <a:r>
+              <a:rPr lang="fr-FR" dirty="0"/>
+              <a:t>Méthodes d'accès</a:t>
+            </a:r>
+          </a:p>
+        </p:txBody>
+      </p:sp>
+    </p:spTree>
+    <p:extLst>
+      <p:ext uri="{BB962C8B-B14F-4D97-AF65-F5344CB8AC3E}">
+        <p14:creationId xmlns:p14="http://schemas.microsoft.com/office/powerpoint/2010/main" val="2159721387"/>
+      </p:ext>
+    </p:extLst>
+  </p:cSld>
+  <p:clrMapOvr>
+    <a:masterClrMapping/>
+  </p:clrMapOvr>
+  <p:transition spd="slow">
+    <p:fade/>
+  </p:transition>
+</p:sld>
+</file>
+
+<file path=ppt/slides/slide47.xml><?xml version="1.0" encoding="utf-8"?>
+<p:sld xmlns:a="http://schemas.openxmlformats.org/drawingml/2006/main" xmlns:r="http://schemas.openxmlformats.org/officeDocument/2006/relationships" xmlns:p="http://schemas.openxmlformats.org/presentationml/2006/main">
+  <p:cSld>
+    <p:spTree>
+      <p:nvGrpSpPr>
+        <p:cNvPr id="1" name="Shape 58"/>
+        <p:cNvGrpSpPr/>
+        <p:nvPr/>
+      </p:nvGrpSpPr>
+      <p:grpSpPr>
+        <a:xfrm>
+          <a:off x="0" y="0"/>
+          <a:ext cx="0" cy="0"/>
+          <a:chOff x="0" y="0"/>
+          <a:chExt cx="0" cy="0"/>
+        </a:xfrm>
+      </p:grpSpPr>
+      <p:sp>
+        <p:nvSpPr>
+          <p:cNvPr id="59" name="Google Shape;59;p24"/>
           <p:cNvSpPr txBox="1">
             <a:spLocks noGrp="1"/>
           </p:cNvSpPr>
@@ -20961,8 +22802,8 @@
         </p:nvSpPr>
         <p:spPr>
           <a:xfrm>
-            <a:off x="533400" y="3962400"/>
-            <a:ext cx="7772400" cy="1362075"/>
+            <a:off x="0" y="158750"/>
+            <a:ext cx="9096375" cy="473075"/>
           </a:xfrm>
           <a:prstGeom prst="rect">
             <a:avLst/>
@@ -20973,48 +22814,423 @@
           </a:ln>
         </p:spPr>
         <p:txBody>
-          <a:bodyPr spcFirstLastPara="1" wrap="square" lIns="91425" tIns="45700" rIns="91425" bIns="45700" anchor="t" anchorCtr="0">
+          <a:bodyPr spcFirstLastPara="1" wrap="square" lIns="91425" tIns="45700" rIns="91425" bIns="45700" anchor="ctr" anchorCtr="0">
             <a:noAutofit/>
           </a:bodyPr>
           <a:lstStyle/>
           <a:p>
-            <a:pPr marL="0" lvl="0" indent="0" algn="ctr" rtl="0">
-              <a:lnSpc>
-                <a:spcPct val="90000"/>
-              </a:lnSpc>
-              <a:spcBef>
-                <a:spcPts val="0"/>
-              </a:spcBef>
-              <a:spcAft>
-                <a:spcPts val="0"/>
-              </a:spcAft>
-              <a:buClr>
-                <a:schemeClr val="dk1"/>
-              </a:buClr>
-              <a:buSzPts val="4000"/>
-              <a:buFont typeface="Calibri"/>
-              <a:buNone/>
-            </a:pPr>
-            <a:r>
-              <a:rPr lang="en-US" sz="4000" b="1" i="0" u="none">
-                <a:solidFill>
-                  <a:schemeClr val="dk1"/>
-                </a:solidFill>
-                <a:latin typeface="Calibri"/>
-                <a:ea typeface="Calibri"/>
-                <a:cs typeface="Calibri"/>
-                <a:sym typeface="Calibri"/>
-              </a:rPr>
-              <a:t>Thank you</a:t>
-            </a:r>
-            <a:endParaRPr/>
+            <a:pPr algn="ctr"/>
+            <a:r>
+              <a:rPr lang="fr-FR" sz="3200" dirty="0"/>
+              <a:t>Paramétrage ODBC</a:t>
+            </a:r>
+            <a:endParaRPr lang="fr-FR" sz="3200" b="1" dirty="0">
+              <a:highlight>
+                <a:srgbClr val="FFFFFF"/>
+              </a:highlight>
+            </a:endParaRPr>
           </a:p>
         </p:txBody>
       </p:sp>
+      <p:pic>
+        <p:nvPicPr>
+          <p:cNvPr id="13317" name="Picture 5" descr="pixel">
+            <a:extLst>
+              <a:ext uri="{FF2B5EF4-FFF2-40B4-BE49-F238E27FC236}">
+                <a16:creationId xmlns:a16="http://schemas.microsoft.com/office/drawing/2014/main" id="{4FF54A7A-FDFA-4C3D-BB20-FAE8CE2BAF96}"/>
+              </a:ext>
+            </a:extLst>
+          </p:cNvPr>
+          <p:cNvPicPr>
+            <a:picLocks noChangeAspect="1" noChangeArrowheads="1"/>
+          </p:cNvPicPr>
+          <p:nvPr/>
+        </p:nvPicPr>
+        <p:blipFill>
+          <a:blip r:embed="rId3">
+            <a:extLst>
+              <a:ext uri="{28A0092B-C50C-407E-A947-70E740481C1C}">
+                <a14:useLocalDpi xmlns:a14="http://schemas.microsoft.com/office/drawing/2010/main" val="0"/>
+              </a:ext>
+            </a:extLst>
+          </a:blip>
+          <a:srcRect/>
+          <a:stretch>
+            <a:fillRect/>
+          </a:stretch>
+        </p:blipFill>
+        <p:spPr bwMode="auto">
+          <a:xfrm>
+            <a:off x="0" y="0"/>
+            <a:ext cx="9525" cy="9525"/>
+          </a:xfrm>
+          <a:prstGeom prst="rect">
+            <a:avLst/>
+          </a:prstGeom>
+          <a:noFill/>
+          <a:extLst>
+            <a:ext uri="{909E8E84-426E-40DD-AFC4-6F175D3DCCD1}">
+              <a14:hiddenFill xmlns:a14="http://schemas.microsoft.com/office/drawing/2010/main">
+                <a:solidFill>
+                  <a:srgbClr val="FFFFFF"/>
+                </a:solidFill>
+              </a14:hiddenFill>
+            </a:ext>
+          </a:extLst>
+        </p:spPr>
+      </p:pic>
+      <p:pic>
+        <p:nvPicPr>
+          <p:cNvPr id="2" name="Picture 1">
+            <a:extLst>
+              <a:ext uri="{FF2B5EF4-FFF2-40B4-BE49-F238E27FC236}">
+                <a16:creationId xmlns:a16="http://schemas.microsoft.com/office/drawing/2014/main" id="{C485953E-4CF7-46D8-971E-5876E22A81BD}"/>
+              </a:ext>
+            </a:extLst>
+          </p:cNvPr>
+          <p:cNvPicPr>
+            <a:picLocks noChangeAspect="1"/>
+          </p:cNvPicPr>
+          <p:nvPr/>
+        </p:nvPicPr>
+        <p:blipFill>
+          <a:blip r:embed="rId4"/>
+          <a:stretch>
+            <a:fillRect/>
+          </a:stretch>
+        </p:blipFill>
+        <p:spPr>
+          <a:xfrm>
+            <a:off x="492389" y="789716"/>
+            <a:ext cx="8111596" cy="6068284"/>
+          </a:xfrm>
+          <a:prstGeom prst="rect">
+            <a:avLst/>
+          </a:prstGeom>
+        </p:spPr>
+      </p:pic>
     </p:spTree>
     <p:extLst>
       <p:ext uri="{BB962C8B-B14F-4D97-AF65-F5344CB8AC3E}">
-        <p14:creationId xmlns:p14="http://schemas.microsoft.com/office/powerpoint/2010/main" val="916042450"/>
+        <p14:creationId xmlns:p14="http://schemas.microsoft.com/office/powerpoint/2010/main" val="763809477"/>
+      </p:ext>
+    </p:extLst>
+  </p:cSld>
+  <p:clrMapOvr>
+    <a:masterClrMapping/>
+  </p:clrMapOvr>
+</p:sld>
+</file>
+
+<file path=ppt/slides/slide48.xml><?xml version="1.0" encoding="utf-8"?>
+<p:sld xmlns:a="http://schemas.openxmlformats.org/drawingml/2006/main" xmlns:r="http://schemas.openxmlformats.org/officeDocument/2006/relationships" xmlns:p="http://schemas.openxmlformats.org/presentationml/2006/main">
+  <p:cSld>
+    <p:spTree>
+      <p:nvGrpSpPr>
+        <p:cNvPr id="1" name="Shape 58"/>
+        <p:cNvGrpSpPr/>
+        <p:nvPr/>
+      </p:nvGrpSpPr>
+      <p:grpSpPr>
+        <a:xfrm>
+          <a:off x="0" y="0"/>
+          <a:ext cx="0" cy="0"/>
+          <a:chOff x="0" y="0"/>
+          <a:chExt cx="0" cy="0"/>
+        </a:xfrm>
+      </p:grpSpPr>
+      <p:sp>
+        <p:nvSpPr>
+          <p:cNvPr id="59" name="Google Shape;59;p24"/>
+          <p:cNvSpPr txBox="1">
+            <a:spLocks noGrp="1"/>
+          </p:cNvSpPr>
+          <p:nvPr>
+            <p:ph type="title"/>
+          </p:nvPr>
+        </p:nvSpPr>
+        <p:spPr>
+          <a:xfrm>
+            <a:off x="0" y="158750"/>
+            <a:ext cx="9096375" cy="473075"/>
+          </a:xfrm>
+          <a:prstGeom prst="rect">
+            <a:avLst/>
+          </a:prstGeom>
+          <a:noFill/>
+          <a:ln>
+            <a:noFill/>
+          </a:ln>
+        </p:spPr>
+        <p:txBody>
+          <a:bodyPr spcFirstLastPara="1" wrap="square" lIns="91425" tIns="45700" rIns="91425" bIns="45700" anchor="ctr" anchorCtr="0">
+            <a:noAutofit/>
+          </a:bodyPr>
+          <a:lstStyle/>
+          <a:p>
+            <a:pPr algn="ctr"/>
+            <a:r>
+              <a:rPr lang="fr-FR" sz="3200" dirty="0"/>
+              <a:t>Paramétrage ODBC</a:t>
+            </a:r>
+          </a:p>
+        </p:txBody>
+      </p:sp>
+      <p:pic>
+        <p:nvPicPr>
+          <p:cNvPr id="13317" name="Picture 5" descr="pixel">
+            <a:extLst>
+              <a:ext uri="{FF2B5EF4-FFF2-40B4-BE49-F238E27FC236}">
+                <a16:creationId xmlns:a16="http://schemas.microsoft.com/office/drawing/2014/main" id="{4FF54A7A-FDFA-4C3D-BB20-FAE8CE2BAF96}"/>
+              </a:ext>
+            </a:extLst>
+          </p:cNvPr>
+          <p:cNvPicPr>
+            <a:picLocks noChangeAspect="1" noChangeArrowheads="1"/>
+          </p:cNvPicPr>
+          <p:nvPr/>
+        </p:nvPicPr>
+        <p:blipFill>
+          <a:blip r:embed="rId3">
+            <a:extLst>
+              <a:ext uri="{28A0092B-C50C-407E-A947-70E740481C1C}">
+                <a14:useLocalDpi xmlns:a14="http://schemas.microsoft.com/office/drawing/2010/main" val="0"/>
+              </a:ext>
+            </a:extLst>
+          </a:blip>
+          <a:srcRect/>
+          <a:stretch>
+            <a:fillRect/>
+          </a:stretch>
+        </p:blipFill>
+        <p:spPr bwMode="auto">
+          <a:xfrm>
+            <a:off x="0" y="0"/>
+            <a:ext cx="9525" cy="9525"/>
+          </a:xfrm>
+          <a:prstGeom prst="rect">
+            <a:avLst/>
+          </a:prstGeom>
+          <a:noFill/>
+          <a:extLst>
+            <a:ext uri="{909E8E84-426E-40DD-AFC4-6F175D3DCCD1}">
+              <a14:hiddenFill xmlns:a14="http://schemas.microsoft.com/office/drawing/2010/main">
+                <a:solidFill>
+                  <a:srgbClr val="FFFFFF"/>
+                </a:solidFill>
+              </a14:hiddenFill>
+            </a:ext>
+          </a:extLst>
+        </p:spPr>
+      </p:pic>
+      <p:pic>
+        <p:nvPicPr>
+          <p:cNvPr id="4" name="Picture 3">
+            <a:extLst>
+              <a:ext uri="{FF2B5EF4-FFF2-40B4-BE49-F238E27FC236}">
+                <a16:creationId xmlns:a16="http://schemas.microsoft.com/office/drawing/2014/main" id="{2CE2101E-A5B4-45A0-A6D9-048035E77B73}"/>
+              </a:ext>
+            </a:extLst>
+          </p:cNvPr>
+          <p:cNvPicPr>
+            <a:picLocks noChangeAspect="1"/>
+          </p:cNvPicPr>
+          <p:nvPr/>
+        </p:nvPicPr>
+        <p:blipFill>
+          <a:blip r:embed="rId4"/>
+          <a:stretch>
+            <a:fillRect/>
+          </a:stretch>
+        </p:blipFill>
+        <p:spPr>
+          <a:xfrm>
+            <a:off x="316508" y="638399"/>
+            <a:ext cx="8510983" cy="6060851"/>
+          </a:xfrm>
+          <a:prstGeom prst="rect">
+            <a:avLst/>
+          </a:prstGeom>
+        </p:spPr>
+      </p:pic>
+    </p:spTree>
+    <p:extLst>
+      <p:ext uri="{BB962C8B-B14F-4D97-AF65-F5344CB8AC3E}">
+        <p14:creationId xmlns:p14="http://schemas.microsoft.com/office/powerpoint/2010/main" val="744976300"/>
+      </p:ext>
+    </p:extLst>
+  </p:cSld>
+  <p:clrMapOvr>
+    <a:masterClrMapping/>
+  </p:clrMapOvr>
+</p:sld>
+</file>
+
+<file path=ppt/slides/slide49.xml><?xml version="1.0" encoding="utf-8"?>
+<p:sld xmlns:a="http://schemas.openxmlformats.org/drawingml/2006/main" xmlns:r="http://schemas.openxmlformats.org/officeDocument/2006/relationships" xmlns:p="http://schemas.openxmlformats.org/presentationml/2006/main">
+  <p:cSld>
+    <p:spTree>
+      <p:nvGrpSpPr>
+        <p:cNvPr id="1" name="Shape 58"/>
+        <p:cNvGrpSpPr/>
+        <p:nvPr/>
+      </p:nvGrpSpPr>
+      <p:grpSpPr>
+        <a:xfrm>
+          <a:off x="0" y="0"/>
+          <a:ext cx="0" cy="0"/>
+          <a:chOff x="0" y="0"/>
+          <a:chExt cx="0" cy="0"/>
+        </a:xfrm>
+      </p:grpSpPr>
+      <p:sp>
+        <p:nvSpPr>
+          <p:cNvPr id="59" name="Google Shape;59;p24"/>
+          <p:cNvSpPr txBox="1">
+            <a:spLocks noGrp="1"/>
+          </p:cNvSpPr>
+          <p:nvPr>
+            <p:ph type="title"/>
+          </p:nvPr>
+        </p:nvSpPr>
+        <p:spPr>
+          <a:xfrm>
+            <a:off x="0" y="158750"/>
+            <a:ext cx="9096375" cy="473075"/>
+          </a:xfrm>
+          <a:prstGeom prst="rect">
+            <a:avLst/>
+          </a:prstGeom>
+          <a:noFill/>
+          <a:ln>
+            <a:noFill/>
+          </a:ln>
+        </p:spPr>
+        <p:txBody>
+          <a:bodyPr spcFirstLastPara="1" wrap="square" lIns="91425" tIns="45700" rIns="91425" bIns="45700" anchor="ctr" anchorCtr="0">
+            <a:noAutofit/>
+          </a:bodyPr>
+          <a:lstStyle/>
+          <a:p>
+            <a:pPr algn="ctr"/>
+            <a:r>
+              <a:rPr lang="fr-FR" sz="3200" dirty="0"/>
+              <a:t>Paramétrage ODBC</a:t>
+            </a:r>
+          </a:p>
+        </p:txBody>
+      </p:sp>
+      <p:pic>
+        <p:nvPicPr>
+          <p:cNvPr id="13317" name="Picture 5" descr="pixel">
+            <a:extLst>
+              <a:ext uri="{FF2B5EF4-FFF2-40B4-BE49-F238E27FC236}">
+                <a16:creationId xmlns:a16="http://schemas.microsoft.com/office/drawing/2014/main" id="{4FF54A7A-FDFA-4C3D-BB20-FAE8CE2BAF96}"/>
+              </a:ext>
+            </a:extLst>
+          </p:cNvPr>
+          <p:cNvPicPr>
+            <a:picLocks noChangeAspect="1" noChangeArrowheads="1"/>
+          </p:cNvPicPr>
+          <p:nvPr/>
+        </p:nvPicPr>
+        <p:blipFill>
+          <a:blip r:embed="rId3">
+            <a:extLst>
+              <a:ext uri="{28A0092B-C50C-407E-A947-70E740481C1C}">
+                <a14:useLocalDpi xmlns:a14="http://schemas.microsoft.com/office/drawing/2010/main" val="0"/>
+              </a:ext>
+            </a:extLst>
+          </a:blip>
+          <a:srcRect/>
+          <a:stretch>
+            <a:fillRect/>
+          </a:stretch>
+        </p:blipFill>
+        <p:spPr bwMode="auto">
+          <a:xfrm>
+            <a:off x="0" y="0"/>
+            <a:ext cx="9525" cy="9525"/>
+          </a:xfrm>
+          <a:prstGeom prst="rect">
+            <a:avLst/>
+          </a:prstGeom>
+          <a:noFill/>
+          <a:extLst>
+            <a:ext uri="{909E8E84-426E-40DD-AFC4-6F175D3DCCD1}">
+              <a14:hiddenFill xmlns:a14="http://schemas.microsoft.com/office/drawing/2010/main">
+                <a:solidFill>
+                  <a:srgbClr val="FFFFFF"/>
+                </a:solidFill>
+              </a14:hiddenFill>
+            </a:ext>
+          </a:extLst>
+        </p:spPr>
+      </p:pic>
+      <p:pic>
+        <p:nvPicPr>
+          <p:cNvPr id="2" name="Picture 1">
+            <a:extLst>
+              <a:ext uri="{FF2B5EF4-FFF2-40B4-BE49-F238E27FC236}">
+                <a16:creationId xmlns:a16="http://schemas.microsoft.com/office/drawing/2014/main" id="{79AF9C83-332E-4E88-A085-B6847EB982A6}"/>
+              </a:ext>
+            </a:extLst>
+          </p:cNvPr>
+          <p:cNvPicPr>
+            <a:picLocks noChangeAspect="1"/>
+          </p:cNvPicPr>
+          <p:nvPr/>
+        </p:nvPicPr>
+        <p:blipFill>
+          <a:blip r:embed="rId4"/>
+          <a:stretch>
+            <a:fillRect/>
+          </a:stretch>
+        </p:blipFill>
+        <p:spPr>
+          <a:xfrm>
+            <a:off x="125943" y="1188506"/>
+            <a:ext cx="3981450" cy="3905250"/>
+          </a:xfrm>
+          <a:prstGeom prst="rect">
+            <a:avLst/>
+          </a:prstGeom>
+        </p:spPr>
+      </p:pic>
+      <p:pic>
+        <p:nvPicPr>
+          <p:cNvPr id="3" name="Picture 2">
+            <a:extLst>
+              <a:ext uri="{FF2B5EF4-FFF2-40B4-BE49-F238E27FC236}">
+                <a16:creationId xmlns:a16="http://schemas.microsoft.com/office/drawing/2014/main" id="{616E9FD4-1FC0-48A5-87CB-A0AAA768CB04}"/>
+              </a:ext>
+            </a:extLst>
+          </p:cNvPr>
+          <p:cNvPicPr>
+            <a:picLocks noChangeAspect="1"/>
+          </p:cNvPicPr>
+          <p:nvPr/>
+        </p:nvPicPr>
+        <p:blipFill>
+          <a:blip r:embed="rId5"/>
+          <a:stretch>
+            <a:fillRect/>
+          </a:stretch>
+        </p:blipFill>
+        <p:spPr>
+          <a:xfrm>
+            <a:off x="4278964" y="3139016"/>
+            <a:ext cx="4817411" cy="3401483"/>
+          </a:xfrm>
+          <a:prstGeom prst="rect">
+            <a:avLst/>
+          </a:prstGeom>
+        </p:spPr>
+      </p:pic>
+    </p:spTree>
+    <p:extLst>
+      <p:ext uri="{BB962C8B-B14F-4D97-AF65-F5344CB8AC3E}">
+        <p14:creationId xmlns:p14="http://schemas.microsoft.com/office/powerpoint/2010/main" val="1176185323"/>
       </p:ext>
     </p:extLst>
   </p:cSld>
@@ -21085,6 +23301,3551 @@
     <p:extLst>
       <p:ext uri="{BB962C8B-B14F-4D97-AF65-F5344CB8AC3E}">
         <p14:creationId xmlns:p14="http://schemas.microsoft.com/office/powerpoint/2010/main" val="1581927387"/>
+      </p:ext>
+    </p:extLst>
+  </p:cSld>
+  <p:clrMapOvr>
+    <a:masterClrMapping/>
+  </p:clrMapOvr>
+</p:sld>
+</file>
+
+<file path=ppt/slides/slide50.xml><?xml version="1.0" encoding="utf-8"?>
+<p:sld xmlns:a="http://schemas.openxmlformats.org/drawingml/2006/main" xmlns:r="http://schemas.openxmlformats.org/officeDocument/2006/relationships" xmlns:p="http://schemas.openxmlformats.org/presentationml/2006/main">
+  <p:cSld>
+    <p:spTree>
+      <p:nvGrpSpPr>
+        <p:cNvPr id="1" name=""/>
+        <p:cNvGrpSpPr/>
+        <p:nvPr/>
+      </p:nvGrpSpPr>
+      <p:grpSpPr>
+        <a:xfrm>
+          <a:off x="0" y="0"/>
+          <a:ext cx="0" cy="0"/>
+          <a:chOff x="0" y="0"/>
+          <a:chExt cx="0" cy="0"/>
+        </a:xfrm>
+      </p:grpSpPr>
+      <p:sp>
+        <p:nvSpPr>
+          <p:cNvPr id="2" name="Title 1">
+            <a:extLst>
+              <a:ext uri="{FF2B5EF4-FFF2-40B4-BE49-F238E27FC236}">
+                <a16:creationId xmlns:a16="http://schemas.microsoft.com/office/drawing/2014/main" id="{7F98C04C-B4B9-4B43-B2FB-293DE62C10E7}"/>
+              </a:ext>
+            </a:extLst>
+          </p:cNvPr>
+          <p:cNvSpPr>
+            <a:spLocks noGrp="1"/>
+          </p:cNvSpPr>
+          <p:nvPr>
+            <p:ph type="title"/>
+          </p:nvPr>
+        </p:nvSpPr>
+        <p:spPr>
+          <a:xfrm>
+            <a:off x="628650" y="365125"/>
+            <a:ext cx="7886700" cy="532342"/>
+          </a:xfrm>
+        </p:spPr>
+        <p:txBody>
+          <a:bodyPr/>
+          <a:lstStyle/>
+          <a:p>
+            <a:r>
+              <a:rPr lang="fr-FR" sz="3200" dirty="0"/>
+              <a:t>Méthodes d'accès PHP </a:t>
+            </a:r>
+            <a:r>
+              <a:rPr lang="fr-FR" sz="2400" dirty="0"/>
+              <a:t>(</a:t>
+            </a:r>
+            <a:r>
+              <a:rPr lang="fr-FR" sz="2400" dirty="0" err="1"/>
+              <a:t>MySQLi</a:t>
+            </a:r>
+            <a:r>
+              <a:rPr lang="fr-FR" sz="2400" dirty="0"/>
+              <a:t> procédural)</a:t>
+            </a:r>
+            <a:endParaRPr lang="fr-FR" sz="3200" dirty="0"/>
+          </a:p>
+        </p:txBody>
+      </p:sp>
+      <p:sp>
+        <p:nvSpPr>
+          <p:cNvPr id="3" name="Text Placeholder 2">
+            <a:extLst>
+              <a:ext uri="{FF2B5EF4-FFF2-40B4-BE49-F238E27FC236}">
+                <a16:creationId xmlns:a16="http://schemas.microsoft.com/office/drawing/2014/main" id="{F93FFE8A-8D7B-4B77-862A-94C19F934F7A}"/>
+              </a:ext>
+            </a:extLst>
+          </p:cNvPr>
+          <p:cNvSpPr>
+            <a:spLocks noGrp="1"/>
+          </p:cNvSpPr>
+          <p:nvPr>
+            <p:ph type="body" idx="1"/>
+          </p:nvPr>
+        </p:nvSpPr>
+        <p:spPr>
+          <a:xfrm>
+            <a:off x="169333" y="897467"/>
+            <a:ext cx="8534400" cy="5595408"/>
+          </a:xfrm>
+        </p:spPr>
+        <p:txBody>
+          <a:bodyPr>
+            <a:normAutofit/>
+          </a:bodyPr>
+          <a:lstStyle/>
+          <a:p>
+            <a:r>
+              <a:rPr lang="en-US" dirty="0" err="1"/>
+              <a:t>sudo</a:t>
+            </a:r>
+            <a:r>
+              <a:rPr lang="en-US" dirty="0"/>
+              <a:t> apt-get install php7.2-cli</a:t>
+            </a:r>
+          </a:p>
+          <a:p>
+            <a:r>
+              <a:rPr lang="en-US" dirty="0" err="1"/>
+              <a:t>sudo</a:t>
+            </a:r>
+            <a:r>
+              <a:rPr lang="en-US" dirty="0"/>
+              <a:t> apt install php-</a:t>
+            </a:r>
+            <a:r>
+              <a:rPr lang="en-US" dirty="0" err="1"/>
+              <a:t>mysqli</a:t>
+            </a:r>
+            <a:endParaRPr lang="en-US" dirty="0"/>
+          </a:p>
+          <a:p>
+            <a:pPr marL="114300" indent="0">
+              <a:buNone/>
+            </a:pPr>
+            <a:endParaRPr lang="en-US" dirty="0"/>
+          </a:p>
+          <a:p>
+            <a:pPr marL="114300" indent="0">
+              <a:buNone/>
+            </a:pPr>
+            <a:r>
+              <a:rPr lang="fr-FR" sz="1600" b="1" dirty="0">
+                <a:solidFill>
+                  <a:srgbClr val="002060"/>
+                </a:solidFill>
+                <a:latin typeface="Consolas" panose="020B0609020204030204" pitchFamily="49" charset="0"/>
+              </a:rPr>
+              <a:t>&lt;?</a:t>
+            </a:r>
+            <a:r>
+              <a:rPr lang="fr-FR" sz="1600" b="1" dirty="0" err="1">
+                <a:solidFill>
+                  <a:srgbClr val="002060"/>
+                </a:solidFill>
+                <a:latin typeface="Consolas" panose="020B0609020204030204" pitchFamily="49" charset="0"/>
+              </a:rPr>
+              <a:t>php</a:t>
+            </a:r>
+            <a:endParaRPr lang="fr-FR" sz="1600" b="1" dirty="0">
+              <a:solidFill>
+                <a:srgbClr val="002060"/>
+              </a:solidFill>
+              <a:latin typeface="Consolas" panose="020B0609020204030204" pitchFamily="49" charset="0"/>
+            </a:endParaRPr>
+          </a:p>
+          <a:p>
+            <a:pPr marL="571500" lvl="1" indent="0">
+              <a:buNone/>
+            </a:pPr>
+            <a:r>
+              <a:rPr lang="fr-FR" sz="1600" b="1" dirty="0">
+                <a:solidFill>
+                  <a:srgbClr val="002060"/>
+                </a:solidFill>
+                <a:latin typeface="Consolas" panose="020B0609020204030204" pitchFamily="49" charset="0"/>
+              </a:rPr>
+              <a:t>$</a:t>
+            </a:r>
+            <a:r>
+              <a:rPr lang="fr-FR" sz="1600" b="1" dirty="0" err="1">
+                <a:solidFill>
+                  <a:srgbClr val="002060"/>
+                </a:solidFill>
+                <a:latin typeface="Consolas" panose="020B0609020204030204" pitchFamily="49" charset="0"/>
+              </a:rPr>
+              <a:t>servername</a:t>
+            </a:r>
+            <a:r>
+              <a:rPr lang="fr-FR" sz="1600" b="1" dirty="0">
+                <a:solidFill>
+                  <a:srgbClr val="002060"/>
+                </a:solidFill>
+                <a:latin typeface="Consolas" panose="020B0609020204030204" pitchFamily="49" charset="0"/>
+              </a:rPr>
+              <a:t> = "localhost";</a:t>
+            </a:r>
+          </a:p>
+          <a:p>
+            <a:pPr marL="571500" lvl="1" indent="0">
+              <a:buNone/>
+            </a:pPr>
+            <a:r>
+              <a:rPr lang="fr-FR" sz="1600" b="1" dirty="0">
+                <a:solidFill>
+                  <a:srgbClr val="002060"/>
+                </a:solidFill>
+                <a:latin typeface="Consolas" panose="020B0609020204030204" pitchFamily="49" charset="0"/>
+              </a:rPr>
+              <a:t>$</a:t>
+            </a:r>
+            <a:r>
+              <a:rPr lang="fr-FR" sz="1600" b="1" dirty="0" err="1">
+                <a:solidFill>
+                  <a:srgbClr val="002060"/>
+                </a:solidFill>
+                <a:latin typeface="Consolas" panose="020B0609020204030204" pitchFamily="49" charset="0"/>
+              </a:rPr>
+              <a:t>username</a:t>
+            </a:r>
+            <a:r>
+              <a:rPr lang="fr-FR" sz="1600" b="1" dirty="0">
+                <a:solidFill>
+                  <a:srgbClr val="002060"/>
+                </a:solidFill>
+                <a:latin typeface="Consolas" panose="020B0609020204030204" pitchFamily="49" charset="0"/>
+              </a:rPr>
+              <a:t> = "root";</a:t>
+            </a:r>
+          </a:p>
+          <a:p>
+            <a:pPr marL="571500" lvl="1" indent="0">
+              <a:buNone/>
+            </a:pPr>
+            <a:r>
+              <a:rPr lang="fr-FR" sz="1600" b="1" dirty="0">
+                <a:solidFill>
+                  <a:srgbClr val="002060"/>
+                </a:solidFill>
+                <a:latin typeface="Consolas" panose="020B0609020204030204" pitchFamily="49" charset="0"/>
+              </a:rPr>
+              <a:t>$</a:t>
+            </a:r>
+            <a:r>
+              <a:rPr lang="fr-FR" sz="1600" b="1" dirty="0" err="1">
+                <a:solidFill>
+                  <a:srgbClr val="002060"/>
+                </a:solidFill>
+                <a:latin typeface="Consolas" panose="020B0609020204030204" pitchFamily="49" charset="0"/>
+              </a:rPr>
+              <a:t>password</a:t>
+            </a:r>
+            <a:r>
+              <a:rPr lang="fr-FR" sz="1600" b="1" dirty="0">
+                <a:solidFill>
+                  <a:srgbClr val="002060"/>
+                </a:solidFill>
+                <a:latin typeface="Consolas" panose="020B0609020204030204" pitchFamily="49" charset="0"/>
+              </a:rPr>
+              <a:t> = "root";</a:t>
+            </a:r>
+          </a:p>
+          <a:p>
+            <a:pPr marL="571500" lvl="1" indent="0">
+              <a:buNone/>
+            </a:pPr>
+            <a:r>
+              <a:rPr lang="fr-FR" sz="1600" b="1" dirty="0">
+                <a:solidFill>
+                  <a:srgbClr val="002060"/>
+                </a:solidFill>
+                <a:latin typeface="Consolas" panose="020B0609020204030204" pitchFamily="49" charset="0"/>
+              </a:rPr>
+              <a:t>$</a:t>
+            </a:r>
+            <a:r>
+              <a:rPr lang="fr-FR" sz="1600" b="1" dirty="0" err="1">
+                <a:solidFill>
+                  <a:srgbClr val="002060"/>
+                </a:solidFill>
+                <a:latin typeface="Consolas" panose="020B0609020204030204" pitchFamily="49" charset="0"/>
+              </a:rPr>
+              <a:t>conn</a:t>
+            </a:r>
+            <a:r>
+              <a:rPr lang="fr-FR" sz="1600" b="1" dirty="0">
+                <a:solidFill>
+                  <a:srgbClr val="002060"/>
+                </a:solidFill>
+                <a:latin typeface="Consolas" panose="020B0609020204030204" pitchFamily="49" charset="0"/>
+              </a:rPr>
+              <a:t> = new </a:t>
+            </a:r>
+            <a:r>
+              <a:rPr lang="fr-FR" sz="1600" b="1" dirty="0" err="1">
+                <a:solidFill>
+                  <a:srgbClr val="002060"/>
+                </a:solidFill>
+                <a:latin typeface="Consolas" panose="020B0609020204030204" pitchFamily="49" charset="0"/>
+              </a:rPr>
+              <a:t>mysqli</a:t>
+            </a:r>
+            <a:r>
+              <a:rPr lang="fr-FR" sz="1600" b="1" dirty="0">
+                <a:solidFill>
+                  <a:srgbClr val="002060"/>
+                </a:solidFill>
+                <a:latin typeface="Consolas" panose="020B0609020204030204" pitchFamily="49" charset="0"/>
+              </a:rPr>
+              <a:t>($</a:t>
+            </a:r>
+            <a:r>
+              <a:rPr lang="fr-FR" sz="1600" b="1" dirty="0" err="1">
+                <a:solidFill>
+                  <a:srgbClr val="002060"/>
+                </a:solidFill>
+                <a:latin typeface="Consolas" panose="020B0609020204030204" pitchFamily="49" charset="0"/>
+              </a:rPr>
+              <a:t>servername</a:t>
+            </a:r>
+            <a:r>
+              <a:rPr lang="fr-FR" sz="1600" b="1" dirty="0">
+                <a:solidFill>
+                  <a:srgbClr val="002060"/>
+                </a:solidFill>
+                <a:latin typeface="Consolas" panose="020B0609020204030204" pitchFamily="49" charset="0"/>
+              </a:rPr>
+              <a:t>, $</a:t>
+            </a:r>
+            <a:r>
+              <a:rPr lang="fr-FR" sz="1600" b="1" dirty="0" err="1">
+                <a:solidFill>
+                  <a:srgbClr val="002060"/>
+                </a:solidFill>
+                <a:latin typeface="Consolas" panose="020B0609020204030204" pitchFamily="49" charset="0"/>
+              </a:rPr>
+              <a:t>username</a:t>
+            </a:r>
+            <a:r>
+              <a:rPr lang="fr-FR" sz="1600" b="1" dirty="0">
+                <a:solidFill>
+                  <a:srgbClr val="002060"/>
+                </a:solidFill>
+                <a:latin typeface="Consolas" panose="020B0609020204030204" pitchFamily="49" charset="0"/>
+              </a:rPr>
+              <a:t>, $</a:t>
+            </a:r>
+            <a:r>
+              <a:rPr lang="fr-FR" sz="1600" b="1" dirty="0" err="1">
+                <a:solidFill>
+                  <a:srgbClr val="002060"/>
+                </a:solidFill>
+                <a:latin typeface="Consolas" panose="020B0609020204030204" pitchFamily="49" charset="0"/>
+              </a:rPr>
+              <a:t>password</a:t>
+            </a:r>
+            <a:r>
+              <a:rPr lang="fr-FR" sz="1600" b="1" dirty="0">
+                <a:solidFill>
+                  <a:srgbClr val="002060"/>
+                </a:solidFill>
+                <a:latin typeface="Consolas" panose="020B0609020204030204" pitchFamily="49" charset="0"/>
+              </a:rPr>
+              <a:t>);</a:t>
+            </a:r>
+          </a:p>
+          <a:p>
+            <a:pPr marL="571500" lvl="1" indent="0">
+              <a:buNone/>
+            </a:pPr>
+            <a:endParaRPr lang="fr-FR" sz="1600" b="1" dirty="0">
+              <a:solidFill>
+                <a:srgbClr val="002060"/>
+              </a:solidFill>
+              <a:latin typeface="Consolas" panose="020B0609020204030204" pitchFamily="49" charset="0"/>
+            </a:endParaRPr>
+          </a:p>
+          <a:p>
+            <a:pPr marL="571500" lvl="1" indent="0">
+              <a:buNone/>
+            </a:pPr>
+            <a:r>
+              <a:rPr lang="fr-FR" sz="1600" b="1" dirty="0">
+                <a:solidFill>
+                  <a:srgbClr val="002060"/>
+                </a:solidFill>
+                <a:latin typeface="Consolas" panose="020B0609020204030204" pitchFamily="49" charset="0"/>
+              </a:rPr>
+              <a:t>// Check </a:t>
+            </a:r>
+            <a:r>
+              <a:rPr lang="fr-FR" sz="1600" b="1" dirty="0" err="1">
+                <a:solidFill>
+                  <a:srgbClr val="002060"/>
+                </a:solidFill>
+                <a:latin typeface="Consolas" panose="020B0609020204030204" pitchFamily="49" charset="0"/>
+              </a:rPr>
+              <a:t>connection</a:t>
+            </a:r>
+            <a:endParaRPr lang="fr-FR" sz="1600" b="1" dirty="0">
+              <a:solidFill>
+                <a:srgbClr val="002060"/>
+              </a:solidFill>
+              <a:latin typeface="Consolas" panose="020B0609020204030204" pitchFamily="49" charset="0"/>
+            </a:endParaRPr>
+          </a:p>
+          <a:p>
+            <a:pPr marL="571500" lvl="1" indent="0">
+              <a:buNone/>
+            </a:pPr>
+            <a:r>
+              <a:rPr lang="fr-FR" sz="1600" b="1" dirty="0">
+                <a:solidFill>
+                  <a:srgbClr val="002060"/>
+                </a:solidFill>
+                <a:latin typeface="Consolas" panose="020B0609020204030204" pitchFamily="49" charset="0"/>
+              </a:rPr>
+              <a:t>if ($</a:t>
+            </a:r>
+            <a:r>
+              <a:rPr lang="fr-FR" sz="1600" b="1" dirty="0" err="1">
+                <a:solidFill>
+                  <a:srgbClr val="002060"/>
+                </a:solidFill>
+                <a:latin typeface="Consolas" panose="020B0609020204030204" pitchFamily="49" charset="0"/>
+              </a:rPr>
+              <a:t>conn</a:t>
+            </a:r>
+            <a:r>
+              <a:rPr lang="fr-FR" sz="1600" b="1" dirty="0">
+                <a:solidFill>
+                  <a:srgbClr val="002060"/>
+                </a:solidFill>
+                <a:latin typeface="Consolas" panose="020B0609020204030204" pitchFamily="49" charset="0"/>
+              </a:rPr>
+              <a:t>-&gt;</a:t>
+            </a:r>
+            <a:r>
+              <a:rPr lang="fr-FR" sz="1600" b="1" dirty="0" err="1">
+                <a:solidFill>
+                  <a:srgbClr val="002060"/>
+                </a:solidFill>
+                <a:latin typeface="Consolas" panose="020B0609020204030204" pitchFamily="49" charset="0"/>
+              </a:rPr>
+              <a:t>connect_error</a:t>
+            </a:r>
+            <a:r>
+              <a:rPr lang="fr-FR" sz="1600" b="1" dirty="0">
+                <a:solidFill>
+                  <a:srgbClr val="002060"/>
+                </a:solidFill>
+                <a:latin typeface="Consolas" panose="020B0609020204030204" pitchFamily="49" charset="0"/>
+              </a:rPr>
+              <a:t>) {</a:t>
+            </a:r>
+          </a:p>
+          <a:p>
+            <a:pPr marL="571500" lvl="1" indent="0">
+              <a:buNone/>
+            </a:pPr>
+            <a:r>
+              <a:rPr lang="fr-FR" sz="1600" b="1" dirty="0">
+                <a:solidFill>
+                  <a:srgbClr val="002060"/>
+                </a:solidFill>
+                <a:latin typeface="Consolas" panose="020B0609020204030204" pitchFamily="49" charset="0"/>
+              </a:rPr>
+              <a:t>    die("Connection </a:t>
+            </a:r>
+            <a:r>
+              <a:rPr lang="fr-FR" sz="1600" b="1" dirty="0" err="1">
+                <a:solidFill>
+                  <a:srgbClr val="002060"/>
+                </a:solidFill>
+                <a:latin typeface="Consolas" panose="020B0609020204030204" pitchFamily="49" charset="0"/>
+              </a:rPr>
+              <a:t>failed</a:t>
+            </a:r>
+            <a:r>
+              <a:rPr lang="fr-FR" sz="1600" b="1" dirty="0">
+                <a:solidFill>
+                  <a:srgbClr val="002060"/>
+                </a:solidFill>
+                <a:latin typeface="Consolas" panose="020B0609020204030204" pitchFamily="49" charset="0"/>
+              </a:rPr>
+              <a:t>: " . $</a:t>
+            </a:r>
+            <a:r>
+              <a:rPr lang="fr-FR" sz="1600" b="1" dirty="0" err="1">
+                <a:solidFill>
+                  <a:srgbClr val="002060"/>
+                </a:solidFill>
+                <a:latin typeface="Consolas" panose="020B0609020204030204" pitchFamily="49" charset="0"/>
+              </a:rPr>
+              <a:t>conn</a:t>
+            </a:r>
+            <a:r>
+              <a:rPr lang="fr-FR" sz="1600" b="1" dirty="0">
+                <a:solidFill>
+                  <a:srgbClr val="002060"/>
+                </a:solidFill>
+                <a:latin typeface="Consolas" panose="020B0609020204030204" pitchFamily="49" charset="0"/>
+              </a:rPr>
+              <a:t>-&gt;</a:t>
+            </a:r>
+            <a:r>
+              <a:rPr lang="fr-FR" sz="1600" b="1" dirty="0" err="1">
+                <a:solidFill>
+                  <a:srgbClr val="002060"/>
+                </a:solidFill>
+                <a:latin typeface="Consolas" panose="020B0609020204030204" pitchFamily="49" charset="0"/>
+              </a:rPr>
+              <a:t>connect_error</a:t>
+            </a:r>
+            <a:r>
+              <a:rPr lang="fr-FR" sz="1600" b="1" dirty="0">
+                <a:solidFill>
+                  <a:srgbClr val="002060"/>
+                </a:solidFill>
+                <a:latin typeface="Consolas" panose="020B0609020204030204" pitchFamily="49" charset="0"/>
+              </a:rPr>
+              <a:t>);</a:t>
+            </a:r>
+          </a:p>
+          <a:p>
+            <a:pPr marL="571500" lvl="1" indent="0">
+              <a:buNone/>
+            </a:pPr>
+            <a:r>
+              <a:rPr lang="fr-FR" sz="1600" b="1" dirty="0">
+                <a:solidFill>
+                  <a:srgbClr val="002060"/>
+                </a:solidFill>
+                <a:latin typeface="Consolas" panose="020B0609020204030204" pitchFamily="49" charset="0"/>
+              </a:rPr>
+              <a:t>}</a:t>
+            </a:r>
+          </a:p>
+          <a:p>
+            <a:pPr marL="571500" lvl="1" indent="0">
+              <a:buNone/>
+            </a:pPr>
+            <a:r>
+              <a:rPr lang="fr-FR" sz="1600" b="1" dirty="0" err="1">
+                <a:solidFill>
+                  <a:srgbClr val="002060"/>
+                </a:solidFill>
+                <a:latin typeface="Consolas" panose="020B0609020204030204" pitchFamily="49" charset="0"/>
+              </a:rPr>
+              <a:t>echo</a:t>
+            </a:r>
+            <a:r>
+              <a:rPr lang="fr-FR" sz="1600" b="1" dirty="0">
+                <a:solidFill>
+                  <a:srgbClr val="002060"/>
+                </a:solidFill>
+                <a:latin typeface="Consolas" panose="020B0609020204030204" pitchFamily="49" charset="0"/>
+              </a:rPr>
+              <a:t> "</a:t>
+            </a:r>
+            <a:r>
+              <a:rPr lang="fr-FR" sz="1600" b="1" dirty="0" err="1">
+                <a:solidFill>
+                  <a:srgbClr val="002060"/>
+                </a:solidFill>
+                <a:latin typeface="Consolas" panose="020B0609020204030204" pitchFamily="49" charset="0"/>
+              </a:rPr>
+              <a:t>Connected</a:t>
+            </a:r>
+            <a:r>
+              <a:rPr lang="fr-FR" sz="1600" b="1" dirty="0">
+                <a:solidFill>
+                  <a:srgbClr val="002060"/>
+                </a:solidFill>
+                <a:latin typeface="Consolas" panose="020B0609020204030204" pitchFamily="49" charset="0"/>
+              </a:rPr>
+              <a:t> successfully";</a:t>
+            </a:r>
+          </a:p>
+          <a:p>
+            <a:pPr marL="114300" indent="0">
+              <a:buNone/>
+            </a:pPr>
+            <a:r>
+              <a:rPr lang="fr-FR" sz="1600" b="1" dirty="0">
+                <a:solidFill>
+                  <a:srgbClr val="002060"/>
+                </a:solidFill>
+                <a:latin typeface="Consolas" panose="020B0609020204030204" pitchFamily="49" charset="0"/>
+              </a:rPr>
+              <a:t>?&gt;</a:t>
+            </a:r>
+          </a:p>
+        </p:txBody>
+      </p:sp>
+      <p:sp>
+        <p:nvSpPr>
+          <p:cNvPr id="4" name="Slide Number Placeholder 3">
+            <a:extLst>
+              <a:ext uri="{FF2B5EF4-FFF2-40B4-BE49-F238E27FC236}">
+                <a16:creationId xmlns:a16="http://schemas.microsoft.com/office/drawing/2014/main" id="{97DD5DFF-FE2F-4943-8C92-BAE5C9A416B1}"/>
+              </a:ext>
+            </a:extLst>
+          </p:cNvPr>
+          <p:cNvSpPr>
+            <a:spLocks noGrp="1"/>
+          </p:cNvSpPr>
+          <p:nvPr>
+            <p:ph type="sldNum" idx="12"/>
+          </p:nvPr>
+        </p:nvSpPr>
+        <p:spPr/>
+        <p:txBody>
+          <a:bodyPr/>
+          <a:lstStyle/>
+          <a:p>
+            <a:pPr marL="0" lvl="0" indent="0" algn="r" rtl="0">
+              <a:spcBef>
+                <a:spcPts val="0"/>
+              </a:spcBef>
+              <a:spcAft>
+                <a:spcPts val="0"/>
+              </a:spcAft>
+              <a:buNone/>
+            </a:pPr>
+            <a:fld id="{00000000-1234-1234-1234-123412341234}" type="slidenum">
+              <a:rPr lang="en-US" smtClean="0"/>
+              <a:t>50</a:t>
+            </a:fld>
+            <a:endParaRPr lang="en-US"/>
+          </a:p>
+        </p:txBody>
+      </p:sp>
+    </p:spTree>
+    <p:extLst>
+      <p:ext uri="{BB962C8B-B14F-4D97-AF65-F5344CB8AC3E}">
+        <p14:creationId xmlns:p14="http://schemas.microsoft.com/office/powerpoint/2010/main" val="2020035995"/>
+      </p:ext>
+    </p:extLst>
+  </p:cSld>
+  <p:clrMapOvr>
+    <a:masterClrMapping/>
+  </p:clrMapOvr>
+</p:sld>
+</file>
+
+<file path=ppt/slides/slide51.xml><?xml version="1.0" encoding="utf-8"?>
+<p:sld xmlns:a="http://schemas.openxmlformats.org/drawingml/2006/main" xmlns:r="http://schemas.openxmlformats.org/officeDocument/2006/relationships" xmlns:p="http://schemas.openxmlformats.org/presentationml/2006/main">
+  <p:cSld>
+    <p:spTree>
+      <p:nvGrpSpPr>
+        <p:cNvPr id="1" name=""/>
+        <p:cNvGrpSpPr/>
+        <p:nvPr/>
+      </p:nvGrpSpPr>
+      <p:grpSpPr>
+        <a:xfrm>
+          <a:off x="0" y="0"/>
+          <a:ext cx="0" cy="0"/>
+          <a:chOff x="0" y="0"/>
+          <a:chExt cx="0" cy="0"/>
+        </a:xfrm>
+      </p:grpSpPr>
+      <p:sp>
+        <p:nvSpPr>
+          <p:cNvPr id="2" name="Title 1">
+            <a:extLst>
+              <a:ext uri="{FF2B5EF4-FFF2-40B4-BE49-F238E27FC236}">
+                <a16:creationId xmlns:a16="http://schemas.microsoft.com/office/drawing/2014/main" id="{7F98C04C-B4B9-4B43-B2FB-293DE62C10E7}"/>
+              </a:ext>
+            </a:extLst>
+          </p:cNvPr>
+          <p:cNvSpPr>
+            <a:spLocks noGrp="1"/>
+          </p:cNvSpPr>
+          <p:nvPr>
+            <p:ph type="title"/>
+          </p:nvPr>
+        </p:nvSpPr>
+        <p:spPr>
+          <a:xfrm>
+            <a:off x="628650" y="365125"/>
+            <a:ext cx="7886700" cy="532342"/>
+          </a:xfrm>
+        </p:spPr>
+        <p:txBody>
+          <a:bodyPr/>
+          <a:lstStyle/>
+          <a:p>
+            <a:r>
+              <a:rPr lang="fr-FR" sz="3200" dirty="0"/>
+              <a:t>Méthodes d'accès PHP </a:t>
+            </a:r>
+            <a:r>
+              <a:rPr lang="fr-FR" sz="2400" dirty="0"/>
+              <a:t>(PDO)</a:t>
+            </a:r>
+            <a:endParaRPr lang="fr-FR" sz="3200" dirty="0"/>
+          </a:p>
+        </p:txBody>
+      </p:sp>
+      <p:sp>
+        <p:nvSpPr>
+          <p:cNvPr id="3" name="Text Placeholder 2">
+            <a:extLst>
+              <a:ext uri="{FF2B5EF4-FFF2-40B4-BE49-F238E27FC236}">
+                <a16:creationId xmlns:a16="http://schemas.microsoft.com/office/drawing/2014/main" id="{F93FFE8A-8D7B-4B77-862A-94C19F934F7A}"/>
+              </a:ext>
+            </a:extLst>
+          </p:cNvPr>
+          <p:cNvSpPr>
+            <a:spLocks noGrp="1"/>
+          </p:cNvSpPr>
+          <p:nvPr>
+            <p:ph type="body" idx="1"/>
+          </p:nvPr>
+        </p:nvSpPr>
+        <p:spPr>
+          <a:xfrm>
+            <a:off x="169333" y="897467"/>
+            <a:ext cx="8534400" cy="5595408"/>
+          </a:xfrm>
+        </p:spPr>
+        <p:txBody>
+          <a:bodyPr>
+            <a:normAutofit/>
+          </a:bodyPr>
+          <a:lstStyle/>
+          <a:p>
+            <a:pPr marL="114300" indent="0">
+              <a:buNone/>
+            </a:pPr>
+            <a:r>
+              <a:rPr lang="fr-FR" sz="1400" b="1" dirty="0">
+                <a:solidFill>
+                  <a:srgbClr val="002060"/>
+                </a:solidFill>
+                <a:latin typeface="Consolas" panose="020B0609020204030204" pitchFamily="49" charset="0"/>
+              </a:rPr>
+              <a:t>&lt;?</a:t>
+            </a:r>
+            <a:r>
+              <a:rPr lang="fr-FR" sz="1400" b="1" dirty="0" err="1">
+                <a:solidFill>
+                  <a:srgbClr val="002060"/>
+                </a:solidFill>
+                <a:latin typeface="Consolas" panose="020B0609020204030204" pitchFamily="49" charset="0"/>
+              </a:rPr>
+              <a:t>php</a:t>
+            </a:r>
+            <a:endParaRPr lang="fr-FR" sz="1400" b="1" dirty="0">
+              <a:solidFill>
+                <a:srgbClr val="002060"/>
+              </a:solidFill>
+              <a:latin typeface="Consolas" panose="020B0609020204030204" pitchFamily="49" charset="0"/>
+            </a:endParaRPr>
+          </a:p>
+          <a:p>
+            <a:pPr marL="114300" indent="0">
+              <a:buNone/>
+            </a:pPr>
+            <a:r>
+              <a:rPr lang="fr-FR" sz="1400" b="1" dirty="0">
+                <a:solidFill>
+                  <a:srgbClr val="002060"/>
+                </a:solidFill>
+                <a:latin typeface="Consolas" panose="020B0609020204030204" pitchFamily="49" charset="0"/>
+              </a:rPr>
+              <a:t>$</a:t>
+            </a:r>
+            <a:r>
+              <a:rPr lang="fr-FR" sz="1400" b="1" dirty="0" err="1">
+                <a:solidFill>
+                  <a:srgbClr val="002060"/>
+                </a:solidFill>
+                <a:latin typeface="Consolas" panose="020B0609020204030204" pitchFamily="49" charset="0"/>
+              </a:rPr>
+              <a:t>servername</a:t>
+            </a:r>
+            <a:r>
+              <a:rPr lang="fr-FR" sz="1400" b="1" dirty="0">
+                <a:solidFill>
+                  <a:srgbClr val="002060"/>
+                </a:solidFill>
+                <a:latin typeface="Consolas" panose="020B0609020204030204" pitchFamily="49" charset="0"/>
+              </a:rPr>
+              <a:t> = "localhost";</a:t>
+            </a:r>
+          </a:p>
+          <a:p>
+            <a:pPr marL="114300" indent="0">
+              <a:buNone/>
+            </a:pPr>
+            <a:r>
+              <a:rPr lang="fr-FR" sz="1400" b="1" dirty="0">
+                <a:solidFill>
+                  <a:srgbClr val="002060"/>
+                </a:solidFill>
+                <a:latin typeface="Consolas" panose="020B0609020204030204" pitchFamily="49" charset="0"/>
+              </a:rPr>
+              <a:t>$</a:t>
+            </a:r>
+            <a:r>
+              <a:rPr lang="fr-FR" sz="1400" b="1" dirty="0" err="1">
+                <a:solidFill>
+                  <a:srgbClr val="002060"/>
+                </a:solidFill>
+                <a:latin typeface="Consolas" panose="020B0609020204030204" pitchFamily="49" charset="0"/>
+              </a:rPr>
+              <a:t>username</a:t>
+            </a:r>
+            <a:r>
+              <a:rPr lang="fr-FR" sz="1400" b="1" dirty="0">
+                <a:solidFill>
+                  <a:srgbClr val="002060"/>
+                </a:solidFill>
+                <a:latin typeface="Consolas" panose="020B0609020204030204" pitchFamily="49" charset="0"/>
+              </a:rPr>
+              <a:t> = "root";</a:t>
+            </a:r>
+          </a:p>
+          <a:p>
+            <a:pPr marL="114300" indent="0">
+              <a:buNone/>
+            </a:pPr>
+            <a:r>
+              <a:rPr lang="fr-FR" sz="1400" b="1" dirty="0">
+                <a:solidFill>
+                  <a:srgbClr val="002060"/>
+                </a:solidFill>
+                <a:latin typeface="Consolas" panose="020B0609020204030204" pitchFamily="49" charset="0"/>
+              </a:rPr>
+              <a:t>$</a:t>
+            </a:r>
+            <a:r>
+              <a:rPr lang="fr-FR" sz="1400" b="1" dirty="0" err="1">
+                <a:solidFill>
+                  <a:srgbClr val="002060"/>
+                </a:solidFill>
+                <a:latin typeface="Consolas" panose="020B0609020204030204" pitchFamily="49" charset="0"/>
+              </a:rPr>
+              <a:t>password</a:t>
+            </a:r>
+            <a:r>
+              <a:rPr lang="fr-FR" sz="1400" b="1" dirty="0">
+                <a:solidFill>
+                  <a:srgbClr val="002060"/>
+                </a:solidFill>
+                <a:latin typeface="Consolas" panose="020B0609020204030204" pitchFamily="49" charset="0"/>
+              </a:rPr>
+              <a:t> = "root";</a:t>
+            </a:r>
+          </a:p>
+          <a:p>
+            <a:pPr marL="114300" indent="0">
+              <a:buNone/>
+            </a:pPr>
+            <a:endParaRPr lang="fr-FR" sz="1400" b="1" dirty="0">
+              <a:solidFill>
+                <a:srgbClr val="002060"/>
+              </a:solidFill>
+              <a:latin typeface="Consolas" panose="020B0609020204030204" pitchFamily="49" charset="0"/>
+            </a:endParaRPr>
+          </a:p>
+          <a:p>
+            <a:pPr marL="114300" indent="0">
+              <a:buNone/>
+            </a:pPr>
+            <a:r>
+              <a:rPr lang="fr-FR" sz="1400" b="1" dirty="0" err="1">
+                <a:solidFill>
+                  <a:srgbClr val="002060"/>
+                </a:solidFill>
+                <a:latin typeface="Consolas" panose="020B0609020204030204" pitchFamily="49" charset="0"/>
+              </a:rPr>
+              <a:t>try</a:t>
+            </a:r>
+            <a:r>
+              <a:rPr lang="fr-FR" sz="1400" b="1" dirty="0">
+                <a:solidFill>
+                  <a:srgbClr val="002060"/>
+                </a:solidFill>
+                <a:latin typeface="Consolas" panose="020B0609020204030204" pitchFamily="49" charset="0"/>
+              </a:rPr>
+              <a:t> {</a:t>
+            </a:r>
+          </a:p>
+          <a:p>
+            <a:pPr marL="114300" indent="0">
+              <a:buNone/>
+            </a:pPr>
+            <a:r>
+              <a:rPr lang="fr-FR" sz="1400" b="1" dirty="0">
+                <a:solidFill>
+                  <a:srgbClr val="002060"/>
+                </a:solidFill>
+                <a:latin typeface="Consolas" panose="020B0609020204030204" pitchFamily="49" charset="0"/>
+              </a:rPr>
+              <a:t>    $</a:t>
+            </a:r>
+            <a:r>
+              <a:rPr lang="fr-FR" sz="1400" b="1" dirty="0" err="1">
+                <a:solidFill>
+                  <a:srgbClr val="002060"/>
+                </a:solidFill>
+                <a:latin typeface="Consolas" panose="020B0609020204030204" pitchFamily="49" charset="0"/>
+              </a:rPr>
+              <a:t>conn</a:t>
+            </a:r>
+            <a:r>
+              <a:rPr lang="fr-FR" sz="1400" b="1" dirty="0">
+                <a:solidFill>
+                  <a:srgbClr val="002060"/>
+                </a:solidFill>
+                <a:latin typeface="Consolas" panose="020B0609020204030204" pitchFamily="49" charset="0"/>
+              </a:rPr>
+              <a:t> = new PDO("</a:t>
+            </a:r>
+            <a:r>
+              <a:rPr lang="fr-FR" sz="1400" b="1" dirty="0" err="1">
+                <a:solidFill>
+                  <a:srgbClr val="002060"/>
+                </a:solidFill>
+                <a:latin typeface="Consolas" panose="020B0609020204030204" pitchFamily="49" charset="0"/>
+              </a:rPr>
+              <a:t>mysql:host</a:t>
+            </a:r>
+            <a:r>
+              <a:rPr lang="fr-FR" sz="1400" b="1" dirty="0">
+                <a:solidFill>
+                  <a:srgbClr val="002060"/>
+                </a:solidFill>
+                <a:latin typeface="Consolas" panose="020B0609020204030204" pitchFamily="49" charset="0"/>
+              </a:rPr>
+              <a:t>=$</a:t>
+            </a:r>
+            <a:r>
+              <a:rPr lang="fr-FR" sz="1400" b="1" dirty="0" err="1">
+                <a:solidFill>
+                  <a:srgbClr val="002060"/>
+                </a:solidFill>
+                <a:latin typeface="Consolas" panose="020B0609020204030204" pitchFamily="49" charset="0"/>
+              </a:rPr>
+              <a:t>servername;dbname</a:t>
+            </a:r>
+            <a:r>
+              <a:rPr lang="fr-FR" sz="1400" b="1" dirty="0">
+                <a:solidFill>
+                  <a:srgbClr val="002060"/>
+                </a:solidFill>
+                <a:latin typeface="Consolas" panose="020B0609020204030204" pitchFamily="49" charset="0"/>
+              </a:rPr>
+              <a:t>=</a:t>
+            </a:r>
+            <a:r>
+              <a:rPr lang="fr-FR" sz="1400" b="1" dirty="0" err="1">
+                <a:solidFill>
+                  <a:srgbClr val="002060"/>
+                </a:solidFill>
+                <a:latin typeface="Consolas" panose="020B0609020204030204" pitchFamily="49" charset="0"/>
+              </a:rPr>
+              <a:t>myDB</a:t>
+            </a:r>
+            <a:r>
+              <a:rPr lang="fr-FR" sz="1400" b="1" dirty="0">
+                <a:solidFill>
+                  <a:srgbClr val="002060"/>
+                </a:solidFill>
+                <a:latin typeface="Consolas" panose="020B0609020204030204" pitchFamily="49" charset="0"/>
+              </a:rPr>
+              <a:t>", $</a:t>
+            </a:r>
+            <a:r>
+              <a:rPr lang="fr-FR" sz="1400" b="1" dirty="0" err="1">
+                <a:solidFill>
+                  <a:srgbClr val="002060"/>
+                </a:solidFill>
+                <a:latin typeface="Consolas" panose="020B0609020204030204" pitchFamily="49" charset="0"/>
+              </a:rPr>
+              <a:t>username</a:t>
+            </a:r>
+            <a:r>
+              <a:rPr lang="fr-FR" sz="1400" b="1" dirty="0">
+                <a:solidFill>
+                  <a:srgbClr val="002060"/>
+                </a:solidFill>
+                <a:latin typeface="Consolas" panose="020B0609020204030204" pitchFamily="49" charset="0"/>
+              </a:rPr>
+              <a:t>, $</a:t>
+            </a:r>
+            <a:r>
+              <a:rPr lang="fr-FR" sz="1400" b="1" dirty="0" err="1">
+                <a:solidFill>
+                  <a:srgbClr val="002060"/>
+                </a:solidFill>
+                <a:latin typeface="Consolas" panose="020B0609020204030204" pitchFamily="49" charset="0"/>
+              </a:rPr>
+              <a:t>password</a:t>
+            </a:r>
+            <a:r>
+              <a:rPr lang="fr-FR" sz="1400" b="1" dirty="0">
+                <a:solidFill>
+                  <a:srgbClr val="002060"/>
+                </a:solidFill>
+                <a:latin typeface="Consolas" panose="020B0609020204030204" pitchFamily="49" charset="0"/>
+              </a:rPr>
+              <a:t>);</a:t>
+            </a:r>
+          </a:p>
+          <a:p>
+            <a:pPr marL="114300" indent="0">
+              <a:buNone/>
+            </a:pPr>
+            <a:r>
+              <a:rPr lang="fr-FR" sz="1400" b="1" dirty="0">
+                <a:solidFill>
+                  <a:srgbClr val="002060"/>
+                </a:solidFill>
+                <a:latin typeface="Consolas" panose="020B0609020204030204" pitchFamily="49" charset="0"/>
+              </a:rPr>
+              <a:t>    // set the PDO </a:t>
+            </a:r>
+            <a:r>
+              <a:rPr lang="fr-FR" sz="1400" b="1" dirty="0" err="1">
+                <a:solidFill>
+                  <a:srgbClr val="002060"/>
+                </a:solidFill>
+                <a:latin typeface="Consolas" panose="020B0609020204030204" pitchFamily="49" charset="0"/>
+              </a:rPr>
+              <a:t>error</a:t>
+            </a:r>
+            <a:r>
+              <a:rPr lang="fr-FR" sz="1400" b="1" dirty="0">
+                <a:solidFill>
+                  <a:srgbClr val="002060"/>
+                </a:solidFill>
+                <a:latin typeface="Consolas" panose="020B0609020204030204" pitchFamily="49" charset="0"/>
+              </a:rPr>
+              <a:t> mode to exception</a:t>
+            </a:r>
+          </a:p>
+          <a:p>
+            <a:pPr marL="114300" indent="0">
+              <a:buNone/>
+            </a:pPr>
+            <a:r>
+              <a:rPr lang="fr-FR" sz="1400" b="1" dirty="0">
+                <a:solidFill>
+                  <a:srgbClr val="002060"/>
+                </a:solidFill>
+                <a:latin typeface="Consolas" panose="020B0609020204030204" pitchFamily="49" charset="0"/>
+              </a:rPr>
+              <a:t>    $</a:t>
+            </a:r>
+            <a:r>
+              <a:rPr lang="fr-FR" sz="1400" b="1" dirty="0" err="1">
+                <a:solidFill>
+                  <a:srgbClr val="002060"/>
+                </a:solidFill>
+                <a:latin typeface="Consolas" panose="020B0609020204030204" pitchFamily="49" charset="0"/>
+              </a:rPr>
+              <a:t>conn</a:t>
+            </a:r>
+            <a:r>
+              <a:rPr lang="fr-FR" sz="1400" b="1" dirty="0">
+                <a:solidFill>
+                  <a:srgbClr val="002060"/>
+                </a:solidFill>
+                <a:latin typeface="Consolas" panose="020B0609020204030204" pitchFamily="49" charset="0"/>
+              </a:rPr>
+              <a:t>-&gt;</a:t>
+            </a:r>
+            <a:r>
+              <a:rPr lang="fr-FR" sz="1400" b="1" dirty="0" err="1">
+                <a:solidFill>
+                  <a:srgbClr val="002060"/>
+                </a:solidFill>
+                <a:latin typeface="Consolas" panose="020B0609020204030204" pitchFamily="49" charset="0"/>
+              </a:rPr>
+              <a:t>setAttribute</a:t>
+            </a:r>
+            <a:r>
+              <a:rPr lang="fr-FR" sz="1400" b="1" dirty="0">
+                <a:solidFill>
+                  <a:srgbClr val="002060"/>
+                </a:solidFill>
+                <a:latin typeface="Consolas" panose="020B0609020204030204" pitchFamily="49" charset="0"/>
+              </a:rPr>
+              <a:t>(PDO::ATTR_ERRMODE, PDO::ERRMODE_EXCEPTION);</a:t>
+            </a:r>
+          </a:p>
+          <a:p>
+            <a:pPr marL="114300" indent="0">
+              <a:buNone/>
+            </a:pPr>
+            <a:r>
+              <a:rPr lang="fr-FR" sz="1400" b="1" dirty="0">
+                <a:solidFill>
+                  <a:srgbClr val="002060"/>
+                </a:solidFill>
+                <a:latin typeface="Consolas" panose="020B0609020204030204" pitchFamily="49" charset="0"/>
+              </a:rPr>
+              <a:t>    </a:t>
+            </a:r>
+            <a:r>
+              <a:rPr lang="fr-FR" sz="1400" b="1" dirty="0" err="1">
+                <a:solidFill>
+                  <a:srgbClr val="002060"/>
+                </a:solidFill>
+                <a:latin typeface="Consolas" panose="020B0609020204030204" pitchFamily="49" charset="0"/>
+              </a:rPr>
+              <a:t>echo</a:t>
+            </a:r>
+            <a:r>
+              <a:rPr lang="fr-FR" sz="1400" b="1" dirty="0">
+                <a:solidFill>
+                  <a:srgbClr val="002060"/>
+                </a:solidFill>
+                <a:latin typeface="Consolas" panose="020B0609020204030204" pitchFamily="49" charset="0"/>
+              </a:rPr>
+              <a:t> "</a:t>
+            </a:r>
+            <a:r>
+              <a:rPr lang="fr-FR" sz="1400" b="1" dirty="0" err="1">
+                <a:solidFill>
+                  <a:srgbClr val="002060"/>
+                </a:solidFill>
+                <a:latin typeface="Consolas" panose="020B0609020204030204" pitchFamily="49" charset="0"/>
+              </a:rPr>
+              <a:t>Connected</a:t>
+            </a:r>
+            <a:r>
+              <a:rPr lang="fr-FR" sz="1400" b="1" dirty="0">
+                <a:solidFill>
+                  <a:srgbClr val="002060"/>
+                </a:solidFill>
+                <a:latin typeface="Consolas" panose="020B0609020204030204" pitchFamily="49" charset="0"/>
+              </a:rPr>
+              <a:t> successfully";</a:t>
+            </a:r>
+          </a:p>
+          <a:p>
+            <a:pPr marL="114300" indent="0">
+              <a:buNone/>
+            </a:pPr>
+            <a:r>
+              <a:rPr lang="fr-FR" sz="1400" b="1" dirty="0">
+                <a:solidFill>
+                  <a:srgbClr val="002060"/>
+                </a:solidFill>
+                <a:latin typeface="Consolas" panose="020B0609020204030204" pitchFamily="49" charset="0"/>
+              </a:rPr>
+              <a:t>    }</a:t>
+            </a:r>
+          </a:p>
+          <a:p>
+            <a:pPr marL="114300" indent="0">
+              <a:buNone/>
+            </a:pPr>
+            <a:r>
+              <a:rPr lang="fr-FR" sz="1400" b="1" dirty="0">
+                <a:solidFill>
+                  <a:srgbClr val="002060"/>
+                </a:solidFill>
+                <a:latin typeface="Consolas" panose="020B0609020204030204" pitchFamily="49" charset="0"/>
+              </a:rPr>
+              <a:t>catch(</a:t>
+            </a:r>
+            <a:r>
+              <a:rPr lang="fr-FR" sz="1400" b="1" dirty="0" err="1">
+                <a:solidFill>
+                  <a:srgbClr val="002060"/>
+                </a:solidFill>
+                <a:latin typeface="Consolas" panose="020B0609020204030204" pitchFamily="49" charset="0"/>
+              </a:rPr>
+              <a:t>PDOException</a:t>
+            </a:r>
+            <a:r>
+              <a:rPr lang="fr-FR" sz="1400" b="1" dirty="0">
+                <a:solidFill>
+                  <a:srgbClr val="002060"/>
+                </a:solidFill>
+                <a:latin typeface="Consolas" panose="020B0609020204030204" pitchFamily="49" charset="0"/>
+              </a:rPr>
+              <a:t> $e)</a:t>
+            </a:r>
+          </a:p>
+          <a:p>
+            <a:pPr marL="114300" indent="0">
+              <a:buNone/>
+            </a:pPr>
+            <a:r>
+              <a:rPr lang="fr-FR" sz="1400" b="1" dirty="0">
+                <a:solidFill>
+                  <a:srgbClr val="002060"/>
+                </a:solidFill>
+                <a:latin typeface="Consolas" panose="020B0609020204030204" pitchFamily="49" charset="0"/>
+              </a:rPr>
+              <a:t>    {</a:t>
+            </a:r>
+          </a:p>
+          <a:p>
+            <a:pPr marL="114300" indent="0">
+              <a:buNone/>
+            </a:pPr>
+            <a:r>
+              <a:rPr lang="fr-FR" sz="1400" b="1" dirty="0">
+                <a:solidFill>
+                  <a:srgbClr val="002060"/>
+                </a:solidFill>
+                <a:latin typeface="Consolas" panose="020B0609020204030204" pitchFamily="49" charset="0"/>
+              </a:rPr>
+              <a:t>    </a:t>
+            </a:r>
+            <a:r>
+              <a:rPr lang="fr-FR" sz="1400" b="1" dirty="0" err="1">
+                <a:solidFill>
+                  <a:srgbClr val="002060"/>
+                </a:solidFill>
+                <a:latin typeface="Consolas" panose="020B0609020204030204" pitchFamily="49" charset="0"/>
+              </a:rPr>
+              <a:t>echo</a:t>
+            </a:r>
+            <a:r>
+              <a:rPr lang="fr-FR" sz="1400" b="1" dirty="0">
+                <a:solidFill>
+                  <a:srgbClr val="002060"/>
+                </a:solidFill>
+                <a:latin typeface="Consolas" panose="020B0609020204030204" pitchFamily="49" charset="0"/>
+              </a:rPr>
+              <a:t> "Connection </a:t>
+            </a:r>
+            <a:r>
+              <a:rPr lang="fr-FR" sz="1400" b="1" dirty="0" err="1">
+                <a:solidFill>
+                  <a:srgbClr val="002060"/>
+                </a:solidFill>
+                <a:latin typeface="Consolas" panose="020B0609020204030204" pitchFamily="49" charset="0"/>
+              </a:rPr>
+              <a:t>failed</a:t>
+            </a:r>
+            <a:r>
+              <a:rPr lang="fr-FR" sz="1400" b="1" dirty="0">
+                <a:solidFill>
+                  <a:srgbClr val="002060"/>
+                </a:solidFill>
+                <a:latin typeface="Consolas" panose="020B0609020204030204" pitchFamily="49" charset="0"/>
+              </a:rPr>
+              <a:t>: " . $e-&gt;</a:t>
+            </a:r>
+            <a:r>
+              <a:rPr lang="fr-FR" sz="1400" b="1" dirty="0" err="1">
+                <a:solidFill>
+                  <a:srgbClr val="002060"/>
+                </a:solidFill>
+                <a:latin typeface="Consolas" panose="020B0609020204030204" pitchFamily="49" charset="0"/>
+              </a:rPr>
+              <a:t>getMessage</a:t>
+            </a:r>
+            <a:r>
+              <a:rPr lang="fr-FR" sz="1400" b="1" dirty="0">
+                <a:solidFill>
+                  <a:srgbClr val="002060"/>
+                </a:solidFill>
+                <a:latin typeface="Consolas" panose="020B0609020204030204" pitchFamily="49" charset="0"/>
+              </a:rPr>
+              <a:t>();</a:t>
+            </a:r>
+          </a:p>
+          <a:p>
+            <a:pPr marL="114300" indent="0">
+              <a:buNone/>
+            </a:pPr>
+            <a:r>
+              <a:rPr lang="fr-FR" sz="1400" b="1" dirty="0">
+                <a:solidFill>
+                  <a:srgbClr val="002060"/>
+                </a:solidFill>
+                <a:latin typeface="Consolas" panose="020B0609020204030204" pitchFamily="49" charset="0"/>
+              </a:rPr>
+              <a:t>    }</a:t>
+            </a:r>
+          </a:p>
+          <a:p>
+            <a:pPr marL="114300" indent="0">
+              <a:buNone/>
+            </a:pPr>
+            <a:r>
+              <a:rPr lang="fr-FR" sz="1400" b="1" dirty="0">
+                <a:solidFill>
+                  <a:srgbClr val="002060"/>
+                </a:solidFill>
+                <a:latin typeface="Consolas" panose="020B0609020204030204" pitchFamily="49" charset="0"/>
+              </a:rPr>
+              <a:t>?</a:t>
+            </a:r>
+          </a:p>
+        </p:txBody>
+      </p:sp>
+      <p:sp>
+        <p:nvSpPr>
+          <p:cNvPr id="4" name="Slide Number Placeholder 3">
+            <a:extLst>
+              <a:ext uri="{FF2B5EF4-FFF2-40B4-BE49-F238E27FC236}">
+                <a16:creationId xmlns:a16="http://schemas.microsoft.com/office/drawing/2014/main" id="{97DD5DFF-FE2F-4943-8C92-BAE5C9A416B1}"/>
+              </a:ext>
+            </a:extLst>
+          </p:cNvPr>
+          <p:cNvSpPr>
+            <a:spLocks noGrp="1"/>
+          </p:cNvSpPr>
+          <p:nvPr>
+            <p:ph type="sldNum" idx="12"/>
+          </p:nvPr>
+        </p:nvSpPr>
+        <p:spPr/>
+        <p:txBody>
+          <a:bodyPr/>
+          <a:lstStyle/>
+          <a:p>
+            <a:pPr marL="0" lvl="0" indent="0" algn="r" rtl="0">
+              <a:spcBef>
+                <a:spcPts val="0"/>
+              </a:spcBef>
+              <a:spcAft>
+                <a:spcPts val="0"/>
+              </a:spcAft>
+              <a:buNone/>
+            </a:pPr>
+            <a:fld id="{00000000-1234-1234-1234-123412341234}" type="slidenum">
+              <a:rPr lang="en-US" smtClean="0"/>
+              <a:t>51</a:t>
+            </a:fld>
+            <a:endParaRPr lang="en-US"/>
+          </a:p>
+        </p:txBody>
+      </p:sp>
+      <p:pic>
+        <p:nvPicPr>
+          <p:cNvPr id="5" name="Picture 4">
+            <a:extLst>
+              <a:ext uri="{FF2B5EF4-FFF2-40B4-BE49-F238E27FC236}">
+                <a16:creationId xmlns:a16="http://schemas.microsoft.com/office/drawing/2014/main" id="{A073EDCB-BE30-4475-A90C-3E43D00AAC63}"/>
+              </a:ext>
+            </a:extLst>
+          </p:cNvPr>
+          <p:cNvPicPr>
+            <a:picLocks noChangeAspect="1"/>
+          </p:cNvPicPr>
+          <p:nvPr/>
+        </p:nvPicPr>
+        <p:blipFill>
+          <a:blip r:embed="rId3"/>
+          <a:stretch>
+            <a:fillRect/>
+          </a:stretch>
+        </p:blipFill>
+        <p:spPr>
+          <a:xfrm>
+            <a:off x="31856" y="5960533"/>
+            <a:ext cx="9112144" cy="568325"/>
+          </a:xfrm>
+          <a:prstGeom prst="rect">
+            <a:avLst/>
+          </a:prstGeom>
+        </p:spPr>
+      </p:pic>
+    </p:spTree>
+    <p:extLst>
+      <p:ext uri="{BB962C8B-B14F-4D97-AF65-F5344CB8AC3E}">
+        <p14:creationId xmlns:p14="http://schemas.microsoft.com/office/powerpoint/2010/main" val="307863808"/>
+      </p:ext>
+    </p:extLst>
+  </p:cSld>
+  <p:clrMapOvr>
+    <a:masterClrMapping/>
+  </p:clrMapOvr>
+</p:sld>
+</file>
+
+<file path=ppt/slides/slide52.xml><?xml version="1.0" encoding="utf-8"?>
+<p:sld xmlns:a="http://schemas.openxmlformats.org/drawingml/2006/main" xmlns:r="http://schemas.openxmlformats.org/officeDocument/2006/relationships" xmlns:p="http://schemas.openxmlformats.org/presentationml/2006/main">
+  <p:cSld>
+    <p:spTree>
+      <p:nvGrpSpPr>
+        <p:cNvPr id="1" name=""/>
+        <p:cNvGrpSpPr/>
+        <p:nvPr/>
+      </p:nvGrpSpPr>
+      <p:grpSpPr>
+        <a:xfrm>
+          <a:off x="0" y="0"/>
+          <a:ext cx="0" cy="0"/>
+          <a:chOff x="0" y="0"/>
+          <a:chExt cx="0" cy="0"/>
+        </a:xfrm>
+      </p:grpSpPr>
+      <p:sp>
+        <p:nvSpPr>
+          <p:cNvPr id="2" name="Title 1">
+            <a:extLst>
+              <a:ext uri="{FF2B5EF4-FFF2-40B4-BE49-F238E27FC236}">
+                <a16:creationId xmlns:a16="http://schemas.microsoft.com/office/drawing/2014/main" id="{7F98C04C-B4B9-4B43-B2FB-293DE62C10E7}"/>
+              </a:ext>
+            </a:extLst>
+          </p:cNvPr>
+          <p:cNvSpPr>
+            <a:spLocks noGrp="1"/>
+          </p:cNvSpPr>
+          <p:nvPr>
+            <p:ph type="title"/>
+          </p:nvPr>
+        </p:nvSpPr>
+        <p:spPr>
+          <a:xfrm>
+            <a:off x="628650" y="365125"/>
+            <a:ext cx="7886700" cy="532342"/>
+          </a:xfrm>
+        </p:spPr>
+        <p:txBody>
+          <a:bodyPr/>
+          <a:lstStyle/>
+          <a:p>
+            <a:r>
+              <a:rPr lang="fr-FR" sz="3200" dirty="0"/>
+              <a:t>Méthodes d'accès JAVA </a:t>
+            </a:r>
+            <a:r>
+              <a:rPr lang="fr-FR" sz="2400" dirty="0"/>
+              <a:t>(JDBC </a:t>
+            </a:r>
+            <a:r>
+              <a:rPr lang="fr-FR" sz="2400" dirty="0" err="1"/>
+              <a:t>DriverManager</a:t>
+            </a:r>
+            <a:r>
+              <a:rPr lang="fr-FR" sz="2400" dirty="0"/>
+              <a:t>)</a:t>
+            </a:r>
+            <a:endParaRPr lang="fr-FR" sz="3200" dirty="0"/>
+          </a:p>
+        </p:txBody>
+      </p:sp>
+      <p:sp>
+        <p:nvSpPr>
+          <p:cNvPr id="3" name="Text Placeholder 2">
+            <a:extLst>
+              <a:ext uri="{FF2B5EF4-FFF2-40B4-BE49-F238E27FC236}">
+                <a16:creationId xmlns:a16="http://schemas.microsoft.com/office/drawing/2014/main" id="{F93FFE8A-8D7B-4B77-862A-94C19F934F7A}"/>
+              </a:ext>
+            </a:extLst>
+          </p:cNvPr>
+          <p:cNvSpPr>
+            <a:spLocks noGrp="1"/>
+          </p:cNvSpPr>
+          <p:nvPr>
+            <p:ph type="body" idx="1"/>
+          </p:nvPr>
+        </p:nvSpPr>
+        <p:spPr>
+          <a:xfrm>
+            <a:off x="169332" y="897467"/>
+            <a:ext cx="8974667" cy="5595408"/>
+          </a:xfrm>
+        </p:spPr>
+        <p:txBody>
+          <a:bodyPr>
+            <a:normAutofit lnSpcReduction="10000"/>
+          </a:bodyPr>
+          <a:lstStyle/>
+          <a:p>
+            <a:pPr>
+              <a:buFont typeface="Wingdings" panose="05000000000000000000" pitchFamily="2" charset="2"/>
+              <a:buChar char="Ø"/>
+            </a:pPr>
+            <a:r>
+              <a:rPr lang="en-US" sz="2000" b="1" dirty="0"/>
+              <a:t>Installer OpenJDK 8 </a:t>
+            </a:r>
+            <a:r>
+              <a:rPr lang="en-US" sz="2000" b="1" dirty="0" err="1"/>
+              <a:t>d'abord</a:t>
+            </a:r>
+            <a:r>
+              <a:rPr lang="en-US" sz="2000" b="1" dirty="0"/>
+              <a:t>:</a:t>
+            </a:r>
+          </a:p>
+          <a:p>
+            <a:pPr>
+              <a:buFont typeface="Wingdings" panose="05000000000000000000" pitchFamily="2" charset="2"/>
+              <a:buChar char="§"/>
+            </a:pPr>
+            <a:endParaRPr lang="en-US" sz="2000" dirty="0"/>
+          </a:p>
+          <a:p>
+            <a:pPr>
+              <a:buFont typeface="Wingdings" panose="05000000000000000000" pitchFamily="2" charset="2"/>
+              <a:buChar char="§"/>
+            </a:pPr>
+            <a:r>
+              <a:rPr lang="en-US" sz="2000" dirty="0" err="1"/>
+              <a:t>sudo</a:t>
+            </a:r>
+            <a:r>
+              <a:rPr lang="en-US" sz="2000" dirty="0"/>
+              <a:t> add-apt-repository </a:t>
+            </a:r>
+            <a:r>
+              <a:rPr lang="en-US" sz="2000" dirty="0" err="1"/>
+              <a:t>ppa:openjdk-r</a:t>
+            </a:r>
+            <a:r>
+              <a:rPr lang="en-US" sz="2000" dirty="0"/>
+              <a:t>/</a:t>
+            </a:r>
+            <a:r>
+              <a:rPr lang="en-US" sz="2000" dirty="0" err="1"/>
+              <a:t>ppa</a:t>
+            </a:r>
+            <a:endParaRPr lang="en-US" sz="2000" dirty="0"/>
+          </a:p>
+          <a:p>
+            <a:pPr>
+              <a:buFont typeface="Wingdings" panose="05000000000000000000" pitchFamily="2" charset="2"/>
+              <a:buChar char="§"/>
+            </a:pPr>
+            <a:r>
+              <a:rPr lang="en-US" sz="2000" dirty="0" err="1"/>
+              <a:t>sudo</a:t>
+            </a:r>
+            <a:r>
+              <a:rPr lang="en-US" sz="2000" dirty="0"/>
+              <a:t> apt-get update</a:t>
+            </a:r>
+          </a:p>
+          <a:p>
+            <a:pPr>
+              <a:buFont typeface="Wingdings" panose="05000000000000000000" pitchFamily="2" charset="2"/>
+              <a:buChar char="§"/>
+            </a:pPr>
+            <a:r>
+              <a:rPr lang="en-US" sz="2000" dirty="0" err="1"/>
+              <a:t>sudo</a:t>
+            </a:r>
+            <a:r>
+              <a:rPr lang="en-US" sz="2000" dirty="0"/>
+              <a:t> apt-get install openjdk-8-jdk</a:t>
+            </a:r>
+          </a:p>
+          <a:p>
+            <a:pPr>
+              <a:buFont typeface="Wingdings" panose="05000000000000000000" pitchFamily="2" charset="2"/>
+              <a:buChar char="§"/>
+            </a:pPr>
+            <a:r>
+              <a:rPr lang="en-US" sz="2000" dirty="0"/>
+              <a:t>java -version </a:t>
+            </a:r>
+          </a:p>
+          <a:p>
+            <a:pPr>
+              <a:buFont typeface="Wingdings" panose="05000000000000000000" pitchFamily="2" charset="2"/>
+              <a:buChar char="§"/>
+            </a:pPr>
+            <a:r>
+              <a:rPr lang="en-US" sz="2000" dirty="0" err="1"/>
+              <a:t>javac</a:t>
+            </a:r>
+            <a:r>
+              <a:rPr lang="en-US" sz="2000" dirty="0"/>
+              <a:t> -version</a:t>
+            </a:r>
+          </a:p>
+          <a:p>
+            <a:pPr>
+              <a:buFont typeface="Wingdings" panose="05000000000000000000" pitchFamily="2" charset="2"/>
+              <a:buChar char="§"/>
+            </a:pPr>
+            <a:endParaRPr lang="en-US" sz="2000" b="1" dirty="0">
+              <a:solidFill>
+                <a:srgbClr val="002060"/>
+              </a:solidFill>
+              <a:latin typeface="Consolas" panose="020B0609020204030204" pitchFamily="49" charset="0"/>
+            </a:endParaRPr>
+          </a:p>
+          <a:p>
+            <a:pPr>
+              <a:buFont typeface="Wingdings" panose="05000000000000000000" pitchFamily="2" charset="2"/>
+              <a:buChar char="Ø"/>
+            </a:pPr>
+            <a:r>
+              <a:rPr lang="en-US" sz="2000" b="1" dirty="0"/>
+              <a:t>Installer le driver JDBC</a:t>
+            </a:r>
+          </a:p>
+          <a:p>
+            <a:pPr marL="114300" indent="0">
+              <a:buNone/>
+            </a:pPr>
+            <a:endParaRPr lang="fr-FR" sz="2000" b="1" dirty="0">
+              <a:solidFill>
+                <a:srgbClr val="002060"/>
+              </a:solidFill>
+              <a:latin typeface="Consolas" panose="020B0609020204030204" pitchFamily="49" charset="0"/>
+            </a:endParaRPr>
+          </a:p>
+          <a:p>
+            <a:pPr>
+              <a:buFont typeface="Wingdings" panose="05000000000000000000" pitchFamily="2" charset="2"/>
+              <a:buChar char="§"/>
+            </a:pPr>
+            <a:r>
+              <a:rPr lang="en-US" sz="2000" dirty="0" err="1">
+                <a:solidFill>
+                  <a:schemeClr val="tx1"/>
+                </a:solidFill>
+                <a:latin typeface="Consolas" panose="020B0609020204030204" pitchFamily="49" charset="0"/>
+              </a:rPr>
+              <a:t>sudo</a:t>
+            </a:r>
+            <a:r>
+              <a:rPr lang="en-US" sz="2000" dirty="0">
+                <a:solidFill>
+                  <a:schemeClr val="tx1"/>
+                </a:solidFill>
+                <a:latin typeface="Consolas" panose="020B0609020204030204" pitchFamily="49" charset="0"/>
+              </a:rPr>
+              <a:t> apt-get install </a:t>
+            </a:r>
+            <a:r>
+              <a:rPr lang="en-US" sz="2000" dirty="0" err="1">
+                <a:solidFill>
+                  <a:schemeClr val="tx1"/>
+                </a:solidFill>
+                <a:latin typeface="Consolas" panose="020B0609020204030204" pitchFamily="49" charset="0"/>
+              </a:rPr>
+              <a:t>libmysql</a:t>
+            </a:r>
+            <a:r>
+              <a:rPr lang="en-US" sz="2000" dirty="0">
+                <a:solidFill>
+                  <a:schemeClr val="tx1"/>
+                </a:solidFill>
+                <a:latin typeface="Consolas" panose="020B0609020204030204" pitchFamily="49" charset="0"/>
+              </a:rPr>
+              <a:t>-java</a:t>
+            </a:r>
+          </a:p>
+          <a:p>
+            <a:pPr marL="114300" indent="0">
+              <a:buNone/>
+            </a:pPr>
+            <a:endParaRPr lang="en-US" sz="2000" dirty="0">
+              <a:solidFill>
+                <a:schemeClr val="tx1"/>
+              </a:solidFill>
+              <a:latin typeface="Consolas" panose="020B0609020204030204" pitchFamily="49" charset="0"/>
+            </a:endParaRPr>
+          </a:p>
+          <a:p>
+            <a:pPr>
+              <a:buFont typeface="Wingdings" panose="05000000000000000000" pitchFamily="2" charset="2"/>
+              <a:buChar char="Ø"/>
+            </a:pPr>
+            <a:r>
+              <a:rPr lang="fr-FR" b="1" dirty="0"/>
+              <a:t>Ajouter le driver à votre classpath</a:t>
+            </a:r>
+          </a:p>
+          <a:p>
+            <a:pPr marL="114300" indent="0">
+              <a:buNone/>
+            </a:pPr>
+            <a:endParaRPr lang="en-US" sz="2000" b="1" dirty="0">
+              <a:solidFill>
+                <a:schemeClr val="tx1"/>
+              </a:solidFill>
+              <a:latin typeface="Consolas" panose="020B0609020204030204" pitchFamily="49" charset="0"/>
+            </a:endParaRPr>
+          </a:p>
+          <a:p>
+            <a:pPr>
+              <a:buFont typeface="Wingdings" panose="05000000000000000000" pitchFamily="2" charset="2"/>
+              <a:buChar char="§"/>
+            </a:pPr>
+            <a:r>
+              <a:rPr lang="en-US" sz="2000" dirty="0">
+                <a:solidFill>
+                  <a:schemeClr val="tx1"/>
+                </a:solidFill>
+                <a:latin typeface="Consolas" panose="020B0609020204030204" pitchFamily="49" charset="0"/>
+              </a:rPr>
+              <a:t>export CLASSPATH=$CLASSPATH:/</a:t>
+            </a:r>
+            <a:r>
+              <a:rPr lang="en-US" sz="2000" dirty="0" err="1">
+                <a:solidFill>
+                  <a:schemeClr val="tx1"/>
+                </a:solidFill>
+                <a:latin typeface="Consolas" panose="020B0609020204030204" pitchFamily="49" charset="0"/>
+              </a:rPr>
+              <a:t>usr</a:t>
+            </a:r>
+            <a:r>
+              <a:rPr lang="en-US" sz="2000" dirty="0">
+                <a:solidFill>
+                  <a:schemeClr val="tx1"/>
+                </a:solidFill>
+                <a:latin typeface="Consolas" panose="020B0609020204030204" pitchFamily="49" charset="0"/>
+              </a:rPr>
+              <a:t>/share/java/mysql-connector-java.jar</a:t>
+            </a:r>
+          </a:p>
+          <a:p>
+            <a:pPr marL="114300" indent="0">
+              <a:buNone/>
+            </a:pPr>
+            <a:endParaRPr lang="en-US" sz="2000" dirty="0">
+              <a:solidFill>
+                <a:schemeClr val="tx1"/>
+              </a:solidFill>
+              <a:latin typeface="Consolas" panose="020B0609020204030204" pitchFamily="49" charset="0"/>
+            </a:endParaRPr>
+          </a:p>
+          <a:p>
+            <a:pPr marL="114300" indent="0">
+              <a:buNone/>
+            </a:pPr>
+            <a:endParaRPr lang="en-US" sz="2000" b="1" dirty="0">
+              <a:solidFill>
+                <a:srgbClr val="002060"/>
+              </a:solidFill>
+              <a:latin typeface="Consolas" panose="020B0609020204030204" pitchFamily="49" charset="0"/>
+            </a:endParaRPr>
+          </a:p>
+        </p:txBody>
+      </p:sp>
+      <p:sp>
+        <p:nvSpPr>
+          <p:cNvPr id="4" name="Slide Number Placeholder 3">
+            <a:extLst>
+              <a:ext uri="{FF2B5EF4-FFF2-40B4-BE49-F238E27FC236}">
+                <a16:creationId xmlns:a16="http://schemas.microsoft.com/office/drawing/2014/main" id="{97DD5DFF-FE2F-4943-8C92-BAE5C9A416B1}"/>
+              </a:ext>
+            </a:extLst>
+          </p:cNvPr>
+          <p:cNvSpPr>
+            <a:spLocks noGrp="1"/>
+          </p:cNvSpPr>
+          <p:nvPr>
+            <p:ph type="sldNum" idx="12"/>
+          </p:nvPr>
+        </p:nvSpPr>
+        <p:spPr/>
+        <p:txBody>
+          <a:bodyPr/>
+          <a:lstStyle/>
+          <a:p>
+            <a:pPr marL="0" lvl="0" indent="0" algn="r" rtl="0">
+              <a:spcBef>
+                <a:spcPts val="0"/>
+              </a:spcBef>
+              <a:spcAft>
+                <a:spcPts val="0"/>
+              </a:spcAft>
+              <a:buNone/>
+            </a:pPr>
+            <a:fld id="{00000000-1234-1234-1234-123412341234}" type="slidenum">
+              <a:rPr lang="en-US" smtClean="0"/>
+              <a:t>52</a:t>
+            </a:fld>
+            <a:endParaRPr lang="en-US"/>
+          </a:p>
+        </p:txBody>
+      </p:sp>
+    </p:spTree>
+    <p:extLst>
+      <p:ext uri="{BB962C8B-B14F-4D97-AF65-F5344CB8AC3E}">
+        <p14:creationId xmlns:p14="http://schemas.microsoft.com/office/powerpoint/2010/main" val="130171498"/>
+      </p:ext>
+    </p:extLst>
+  </p:cSld>
+  <p:clrMapOvr>
+    <a:masterClrMapping/>
+  </p:clrMapOvr>
+</p:sld>
+</file>
+
+<file path=ppt/slides/slide53.xml><?xml version="1.0" encoding="utf-8"?>
+<p:sld xmlns:a="http://schemas.openxmlformats.org/drawingml/2006/main" xmlns:r="http://schemas.openxmlformats.org/officeDocument/2006/relationships" xmlns:p="http://schemas.openxmlformats.org/presentationml/2006/main">
+  <p:cSld>
+    <p:spTree>
+      <p:nvGrpSpPr>
+        <p:cNvPr id="1" name=""/>
+        <p:cNvGrpSpPr/>
+        <p:nvPr/>
+      </p:nvGrpSpPr>
+      <p:grpSpPr>
+        <a:xfrm>
+          <a:off x="0" y="0"/>
+          <a:ext cx="0" cy="0"/>
+          <a:chOff x="0" y="0"/>
+          <a:chExt cx="0" cy="0"/>
+        </a:xfrm>
+      </p:grpSpPr>
+      <p:sp>
+        <p:nvSpPr>
+          <p:cNvPr id="2" name="Title 1">
+            <a:extLst>
+              <a:ext uri="{FF2B5EF4-FFF2-40B4-BE49-F238E27FC236}">
+                <a16:creationId xmlns:a16="http://schemas.microsoft.com/office/drawing/2014/main" id="{7F98C04C-B4B9-4B43-B2FB-293DE62C10E7}"/>
+              </a:ext>
+            </a:extLst>
+          </p:cNvPr>
+          <p:cNvSpPr>
+            <a:spLocks noGrp="1"/>
+          </p:cNvSpPr>
+          <p:nvPr>
+            <p:ph type="title"/>
+          </p:nvPr>
+        </p:nvSpPr>
+        <p:spPr>
+          <a:xfrm>
+            <a:off x="628650" y="365125"/>
+            <a:ext cx="7886700" cy="532342"/>
+          </a:xfrm>
+        </p:spPr>
+        <p:txBody>
+          <a:bodyPr/>
+          <a:lstStyle/>
+          <a:p>
+            <a:r>
+              <a:rPr lang="fr-FR" sz="3200" dirty="0"/>
+              <a:t>Méthodes d'accès JAVA </a:t>
+            </a:r>
+            <a:r>
+              <a:rPr lang="fr-FR" sz="2400" dirty="0"/>
+              <a:t>(JDBC </a:t>
+            </a:r>
+            <a:r>
+              <a:rPr lang="fr-FR" sz="2400" dirty="0" err="1"/>
+              <a:t>DriverManager</a:t>
+            </a:r>
+            <a:r>
+              <a:rPr lang="fr-FR" sz="2400" dirty="0"/>
+              <a:t>)</a:t>
+            </a:r>
+            <a:endParaRPr lang="fr-FR" sz="3200" dirty="0"/>
+          </a:p>
+        </p:txBody>
+      </p:sp>
+      <p:sp>
+        <p:nvSpPr>
+          <p:cNvPr id="3" name="Text Placeholder 2">
+            <a:extLst>
+              <a:ext uri="{FF2B5EF4-FFF2-40B4-BE49-F238E27FC236}">
+                <a16:creationId xmlns:a16="http://schemas.microsoft.com/office/drawing/2014/main" id="{F93FFE8A-8D7B-4B77-862A-94C19F934F7A}"/>
+              </a:ext>
+            </a:extLst>
+          </p:cNvPr>
+          <p:cNvSpPr>
+            <a:spLocks noGrp="1"/>
+          </p:cNvSpPr>
+          <p:nvPr>
+            <p:ph type="body" idx="1"/>
+          </p:nvPr>
+        </p:nvSpPr>
+        <p:spPr>
+          <a:xfrm>
+            <a:off x="169333" y="897467"/>
+            <a:ext cx="8534400" cy="5317066"/>
+          </a:xfrm>
+        </p:spPr>
+        <p:txBody>
+          <a:bodyPr>
+            <a:normAutofit fontScale="92500" lnSpcReduction="10000"/>
+          </a:bodyPr>
+          <a:lstStyle/>
+          <a:p>
+            <a:pPr marL="114300" indent="0">
+              <a:buNone/>
+            </a:pPr>
+            <a:r>
+              <a:rPr lang="en-US" sz="1300" b="1" dirty="0">
+                <a:solidFill>
+                  <a:srgbClr val="002060"/>
+                </a:solidFill>
+                <a:latin typeface="Consolas" panose="020B0609020204030204" pitchFamily="49" charset="0"/>
+              </a:rPr>
+              <a:t>import </a:t>
+            </a:r>
+            <a:r>
+              <a:rPr lang="en-US" sz="1300" b="1" dirty="0" err="1">
+                <a:solidFill>
+                  <a:srgbClr val="002060"/>
+                </a:solidFill>
+                <a:latin typeface="Consolas" panose="020B0609020204030204" pitchFamily="49" charset="0"/>
+              </a:rPr>
+              <a:t>java.sql.Connection</a:t>
+            </a:r>
+            <a:r>
+              <a:rPr lang="en-US" sz="1300" b="1" dirty="0">
+                <a:solidFill>
+                  <a:srgbClr val="002060"/>
+                </a:solidFill>
+                <a:latin typeface="Consolas" panose="020B0609020204030204" pitchFamily="49" charset="0"/>
+              </a:rPr>
+              <a:t>;</a:t>
+            </a:r>
+          </a:p>
+          <a:p>
+            <a:pPr marL="114300" indent="0">
+              <a:buNone/>
+            </a:pPr>
+            <a:r>
+              <a:rPr lang="en-US" sz="1300" b="1" dirty="0">
+                <a:solidFill>
+                  <a:srgbClr val="002060"/>
+                </a:solidFill>
+                <a:latin typeface="Consolas" panose="020B0609020204030204" pitchFamily="49" charset="0"/>
+              </a:rPr>
+              <a:t>import </a:t>
+            </a:r>
+            <a:r>
+              <a:rPr lang="en-US" sz="1300" b="1" dirty="0" err="1">
+                <a:solidFill>
+                  <a:srgbClr val="002060"/>
+                </a:solidFill>
+                <a:latin typeface="Consolas" panose="020B0609020204030204" pitchFamily="49" charset="0"/>
+              </a:rPr>
+              <a:t>java.sql.DriverManager</a:t>
+            </a:r>
+            <a:r>
+              <a:rPr lang="en-US" sz="1300" b="1" dirty="0">
+                <a:solidFill>
+                  <a:srgbClr val="002060"/>
+                </a:solidFill>
+                <a:latin typeface="Consolas" panose="020B0609020204030204" pitchFamily="49" charset="0"/>
+              </a:rPr>
+              <a:t>;</a:t>
+            </a:r>
+          </a:p>
+          <a:p>
+            <a:pPr marL="114300" indent="0">
+              <a:buNone/>
+            </a:pPr>
+            <a:endParaRPr lang="en-US" sz="1300" b="1" dirty="0">
+              <a:solidFill>
+                <a:srgbClr val="002060"/>
+              </a:solidFill>
+              <a:latin typeface="Consolas" panose="020B0609020204030204" pitchFamily="49" charset="0"/>
+            </a:endParaRPr>
+          </a:p>
+          <a:p>
+            <a:pPr marL="114300" indent="0">
+              <a:buNone/>
+            </a:pPr>
+            <a:r>
+              <a:rPr lang="en-US" sz="1300" b="1" dirty="0">
+                <a:solidFill>
+                  <a:srgbClr val="002060"/>
+                </a:solidFill>
+                <a:latin typeface="Consolas" panose="020B0609020204030204" pitchFamily="49" charset="0"/>
+              </a:rPr>
+              <a:t>class </a:t>
+            </a:r>
+            <a:r>
+              <a:rPr lang="en-US" sz="1300" b="1" dirty="0" err="1">
+                <a:solidFill>
+                  <a:srgbClr val="002060"/>
+                </a:solidFill>
+                <a:latin typeface="Consolas" panose="020B0609020204030204" pitchFamily="49" charset="0"/>
+              </a:rPr>
+              <a:t>JDBCTest</a:t>
+            </a:r>
+            <a:r>
+              <a:rPr lang="en-US" sz="1300" b="1" dirty="0">
+                <a:solidFill>
+                  <a:srgbClr val="002060"/>
+                </a:solidFill>
+                <a:latin typeface="Consolas" panose="020B0609020204030204" pitchFamily="49" charset="0"/>
+              </a:rPr>
+              <a:t> {</a:t>
+            </a:r>
+          </a:p>
+          <a:p>
+            <a:pPr marL="114300" indent="0">
+              <a:buNone/>
+            </a:pPr>
+            <a:endParaRPr lang="en-US" sz="1300" b="1" dirty="0">
+              <a:solidFill>
+                <a:srgbClr val="002060"/>
+              </a:solidFill>
+              <a:latin typeface="Consolas" panose="020B0609020204030204" pitchFamily="49" charset="0"/>
+            </a:endParaRPr>
+          </a:p>
+          <a:p>
+            <a:pPr marL="114300" indent="0">
+              <a:buNone/>
+            </a:pPr>
+            <a:r>
+              <a:rPr lang="en-US" sz="1300" b="1" dirty="0">
+                <a:solidFill>
+                  <a:srgbClr val="002060"/>
+                </a:solidFill>
+                <a:latin typeface="Consolas" panose="020B0609020204030204" pitchFamily="49" charset="0"/>
+              </a:rPr>
+              <a:t>    private static final String </a:t>
+            </a:r>
+            <a:r>
+              <a:rPr lang="en-US" sz="1300" b="1" dirty="0" err="1">
+                <a:solidFill>
+                  <a:srgbClr val="002060"/>
+                </a:solidFill>
+                <a:latin typeface="Consolas" panose="020B0609020204030204" pitchFamily="49" charset="0"/>
+              </a:rPr>
+              <a:t>url</a:t>
+            </a:r>
+            <a:r>
+              <a:rPr lang="en-US" sz="1300" b="1" dirty="0">
+                <a:solidFill>
+                  <a:srgbClr val="002060"/>
+                </a:solidFill>
+                <a:latin typeface="Consolas" panose="020B0609020204030204" pitchFamily="49" charset="0"/>
+              </a:rPr>
+              <a:t> = "</a:t>
+            </a:r>
+            <a:r>
+              <a:rPr lang="en-US" sz="1300" b="1" dirty="0" err="1">
+                <a:solidFill>
+                  <a:srgbClr val="002060"/>
+                </a:solidFill>
+                <a:latin typeface="Consolas" panose="020B0609020204030204" pitchFamily="49" charset="0"/>
+              </a:rPr>
+              <a:t>jdbc:mysql</a:t>
+            </a:r>
+            <a:r>
+              <a:rPr lang="en-US" sz="1300" b="1" dirty="0">
+                <a:solidFill>
+                  <a:srgbClr val="002060"/>
+                </a:solidFill>
+                <a:latin typeface="Consolas" panose="020B0609020204030204" pitchFamily="49" charset="0"/>
+              </a:rPr>
+              <a:t>://localhost";</a:t>
+            </a:r>
+          </a:p>
+          <a:p>
+            <a:pPr marL="114300" indent="0">
+              <a:buNone/>
+            </a:pPr>
+            <a:r>
+              <a:rPr lang="en-US" sz="1300" b="1" dirty="0">
+                <a:solidFill>
+                  <a:srgbClr val="002060"/>
+                </a:solidFill>
+                <a:latin typeface="Consolas" panose="020B0609020204030204" pitchFamily="49" charset="0"/>
+              </a:rPr>
+              <a:t>    private static final String user = "root";</a:t>
+            </a:r>
+          </a:p>
+          <a:p>
+            <a:pPr marL="114300" indent="0">
+              <a:buNone/>
+            </a:pPr>
+            <a:r>
+              <a:rPr lang="en-US" sz="1300" b="1" dirty="0">
+                <a:solidFill>
+                  <a:srgbClr val="002060"/>
+                </a:solidFill>
+                <a:latin typeface="Consolas" panose="020B0609020204030204" pitchFamily="49" charset="0"/>
+              </a:rPr>
+              <a:t>    private static final String password = "root";</a:t>
+            </a:r>
+          </a:p>
+          <a:p>
+            <a:pPr marL="114300" indent="0">
+              <a:buNone/>
+            </a:pPr>
+            <a:endParaRPr lang="en-US" sz="1300" b="1" dirty="0">
+              <a:solidFill>
+                <a:srgbClr val="002060"/>
+              </a:solidFill>
+              <a:latin typeface="Consolas" panose="020B0609020204030204" pitchFamily="49" charset="0"/>
+            </a:endParaRPr>
+          </a:p>
+          <a:p>
+            <a:pPr marL="114300" indent="0">
+              <a:buNone/>
+            </a:pPr>
+            <a:r>
+              <a:rPr lang="en-US" sz="1300" b="1" dirty="0">
+                <a:solidFill>
+                  <a:srgbClr val="002060"/>
+                </a:solidFill>
+                <a:latin typeface="Consolas" panose="020B0609020204030204" pitchFamily="49" charset="0"/>
+              </a:rPr>
+              <a:t>    public static void main(String </a:t>
+            </a:r>
+            <a:r>
+              <a:rPr lang="en-US" sz="1300" b="1" dirty="0" err="1">
+                <a:solidFill>
+                  <a:srgbClr val="002060"/>
+                </a:solidFill>
+                <a:latin typeface="Consolas" panose="020B0609020204030204" pitchFamily="49" charset="0"/>
+              </a:rPr>
+              <a:t>args</a:t>
+            </a:r>
+            <a:r>
+              <a:rPr lang="en-US" sz="1300" b="1" dirty="0">
+                <a:solidFill>
+                  <a:srgbClr val="002060"/>
+                </a:solidFill>
+                <a:latin typeface="Consolas" panose="020B0609020204030204" pitchFamily="49" charset="0"/>
+              </a:rPr>
+              <a:t>[]) {</a:t>
+            </a:r>
+          </a:p>
+          <a:p>
+            <a:pPr marL="114300" indent="0">
+              <a:buNone/>
+            </a:pPr>
+            <a:r>
+              <a:rPr lang="en-US" sz="1300" b="1" dirty="0">
+                <a:solidFill>
+                  <a:srgbClr val="002060"/>
+                </a:solidFill>
+                <a:latin typeface="Consolas" panose="020B0609020204030204" pitchFamily="49" charset="0"/>
+              </a:rPr>
+              <a:t>        try {</a:t>
+            </a:r>
+          </a:p>
+          <a:p>
+            <a:pPr marL="114300" indent="0">
+              <a:buNone/>
+            </a:pPr>
+            <a:r>
+              <a:rPr lang="en-US" sz="1300" b="1" dirty="0">
+                <a:solidFill>
+                  <a:srgbClr val="002060"/>
+                </a:solidFill>
+                <a:latin typeface="Consolas" panose="020B0609020204030204" pitchFamily="49" charset="0"/>
+              </a:rPr>
+              <a:t>            Connection con = </a:t>
+            </a:r>
+            <a:r>
+              <a:rPr lang="en-US" sz="1300" b="1" dirty="0" err="1">
+                <a:solidFill>
+                  <a:srgbClr val="002060"/>
+                </a:solidFill>
+                <a:latin typeface="Consolas" panose="020B0609020204030204" pitchFamily="49" charset="0"/>
+              </a:rPr>
+              <a:t>DriverManager.getConnection</a:t>
+            </a:r>
+            <a:r>
+              <a:rPr lang="en-US" sz="1300" b="1" dirty="0">
+                <a:solidFill>
+                  <a:srgbClr val="002060"/>
+                </a:solidFill>
+                <a:latin typeface="Consolas" panose="020B0609020204030204" pitchFamily="49" charset="0"/>
+              </a:rPr>
+              <a:t>(</a:t>
+            </a:r>
+            <a:r>
+              <a:rPr lang="en-US" sz="1300" b="1" dirty="0" err="1">
+                <a:solidFill>
+                  <a:srgbClr val="002060"/>
+                </a:solidFill>
+                <a:latin typeface="Consolas" panose="020B0609020204030204" pitchFamily="49" charset="0"/>
+              </a:rPr>
+              <a:t>url</a:t>
+            </a:r>
+            <a:r>
+              <a:rPr lang="en-US" sz="1300" b="1" dirty="0">
+                <a:solidFill>
+                  <a:srgbClr val="002060"/>
+                </a:solidFill>
+                <a:latin typeface="Consolas" panose="020B0609020204030204" pitchFamily="49" charset="0"/>
+              </a:rPr>
+              <a:t>, user, password);</a:t>
+            </a:r>
+          </a:p>
+          <a:p>
+            <a:pPr marL="114300" indent="0">
+              <a:buNone/>
+            </a:pPr>
+            <a:r>
+              <a:rPr lang="en-US" sz="1300" b="1" dirty="0">
+                <a:solidFill>
+                  <a:srgbClr val="002060"/>
+                </a:solidFill>
+                <a:latin typeface="Consolas" panose="020B0609020204030204" pitchFamily="49" charset="0"/>
+              </a:rPr>
+              <a:t>            </a:t>
+            </a:r>
+            <a:r>
+              <a:rPr lang="en-US" sz="1300" b="1" dirty="0" err="1">
+                <a:solidFill>
+                  <a:srgbClr val="002060"/>
+                </a:solidFill>
+                <a:latin typeface="Consolas" panose="020B0609020204030204" pitchFamily="49" charset="0"/>
+              </a:rPr>
+              <a:t>System.out.println</a:t>
+            </a:r>
+            <a:r>
+              <a:rPr lang="en-US" sz="1300" b="1" dirty="0">
+                <a:solidFill>
+                  <a:srgbClr val="002060"/>
+                </a:solidFill>
+                <a:latin typeface="Consolas" panose="020B0609020204030204" pitchFamily="49" charset="0"/>
+              </a:rPr>
+              <a:t>("Success");</a:t>
+            </a:r>
+          </a:p>
+          <a:p>
+            <a:pPr marL="114300" indent="0">
+              <a:buNone/>
+            </a:pPr>
+            <a:r>
+              <a:rPr lang="en-US" sz="1300" b="1" dirty="0">
+                <a:solidFill>
+                  <a:srgbClr val="002060"/>
+                </a:solidFill>
+                <a:latin typeface="Consolas" panose="020B0609020204030204" pitchFamily="49" charset="0"/>
+              </a:rPr>
+              <a:t>        } catch (Exception e) {</a:t>
+            </a:r>
+          </a:p>
+          <a:p>
+            <a:pPr marL="114300" indent="0">
+              <a:buNone/>
+            </a:pPr>
+            <a:r>
+              <a:rPr lang="en-US" sz="1300" b="1" dirty="0">
+                <a:solidFill>
+                  <a:srgbClr val="002060"/>
+                </a:solidFill>
+                <a:latin typeface="Consolas" panose="020B0609020204030204" pitchFamily="49" charset="0"/>
+              </a:rPr>
+              <a:t>            </a:t>
+            </a:r>
+            <a:r>
+              <a:rPr lang="en-US" sz="1300" b="1" dirty="0" err="1">
+                <a:solidFill>
+                  <a:srgbClr val="002060"/>
+                </a:solidFill>
+                <a:latin typeface="Consolas" panose="020B0609020204030204" pitchFamily="49" charset="0"/>
+              </a:rPr>
+              <a:t>e.printStackTrace</a:t>
+            </a:r>
+            <a:r>
+              <a:rPr lang="en-US" sz="1300" b="1" dirty="0">
+                <a:solidFill>
+                  <a:srgbClr val="002060"/>
+                </a:solidFill>
+                <a:latin typeface="Consolas" panose="020B0609020204030204" pitchFamily="49" charset="0"/>
+              </a:rPr>
+              <a:t>();</a:t>
+            </a:r>
+          </a:p>
+          <a:p>
+            <a:pPr marL="114300" indent="0">
+              <a:buNone/>
+            </a:pPr>
+            <a:r>
+              <a:rPr lang="en-US" sz="1300" b="1" dirty="0">
+                <a:solidFill>
+                  <a:srgbClr val="002060"/>
+                </a:solidFill>
+                <a:latin typeface="Consolas" panose="020B0609020204030204" pitchFamily="49" charset="0"/>
+              </a:rPr>
+              <a:t>        }</a:t>
+            </a:r>
+          </a:p>
+          <a:p>
+            <a:pPr marL="114300" indent="0">
+              <a:buNone/>
+            </a:pPr>
+            <a:r>
+              <a:rPr lang="en-US" sz="1300" b="1" dirty="0">
+                <a:solidFill>
+                  <a:srgbClr val="002060"/>
+                </a:solidFill>
+                <a:latin typeface="Consolas" panose="020B0609020204030204" pitchFamily="49" charset="0"/>
+              </a:rPr>
+              <a:t>    }</a:t>
+            </a:r>
+          </a:p>
+          <a:p>
+            <a:pPr marL="114300" indent="0">
+              <a:buNone/>
+            </a:pPr>
+            <a:r>
+              <a:rPr lang="en-US" sz="1300" b="1" dirty="0">
+                <a:solidFill>
+                  <a:srgbClr val="002060"/>
+                </a:solidFill>
+                <a:latin typeface="Consolas" panose="020B0609020204030204" pitchFamily="49" charset="0"/>
+              </a:rPr>
+              <a:t>}</a:t>
+            </a:r>
+          </a:p>
+          <a:p>
+            <a:pPr marL="114300" indent="0">
+              <a:buNone/>
+            </a:pPr>
+            <a:endParaRPr lang="en-US" sz="1400" b="1" dirty="0">
+              <a:solidFill>
+                <a:srgbClr val="002060"/>
+              </a:solidFill>
+              <a:latin typeface="Consolas" panose="020B0609020204030204" pitchFamily="49" charset="0"/>
+            </a:endParaRPr>
+          </a:p>
+          <a:p>
+            <a:pPr>
+              <a:buFont typeface="Wingdings" panose="05000000000000000000" pitchFamily="2" charset="2"/>
+              <a:buChar char="Ø"/>
+            </a:pPr>
+            <a:r>
+              <a:rPr lang="en-US" sz="1500" b="1" dirty="0">
+                <a:solidFill>
+                  <a:schemeClr val="tx1"/>
+                </a:solidFill>
+                <a:latin typeface="Consolas" panose="020B0609020204030204" pitchFamily="49" charset="0"/>
+              </a:rPr>
+              <a:t>Compiler le </a:t>
+            </a:r>
+            <a:r>
+              <a:rPr lang="en-US" sz="1500" b="1" dirty="0" err="1">
+                <a:solidFill>
+                  <a:schemeClr val="tx1"/>
+                </a:solidFill>
+                <a:latin typeface="Consolas" panose="020B0609020204030204" pitchFamily="49" charset="0"/>
+              </a:rPr>
+              <a:t>fichier</a:t>
+            </a:r>
+            <a:r>
+              <a:rPr lang="en-US" sz="1500" b="1" dirty="0">
+                <a:solidFill>
+                  <a:schemeClr val="tx1"/>
+                </a:solidFill>
+                <a:latin typeface="Consolas" panose="020B0609020204030204" pitchFamily="49" charset="0"/>
+              </a:rPr>
+              <a:t> avec: “</a:t>
+            </a:r>
+            <a:r>
+              <a:rPr lang="en-US" sz="1500" b="1" dirty="0" err="1">
+                <a:solidFill>
+                  <a:schemeClr val="tx1"/>
+                </a:solidFill>
+                <a:latin typeface="Consolas" panose="020B0609020204030204" pitchFamily="49" charset="0"/>
+              </a:rPr>
+              <a:t>javac</a:t>
+            </a:r>
+            <a:r>
+              <a:rPr lang="en-US" sz="1500" b="1" dirty="0">
+                <a:solidFill>
+                  <a:schemeClr val="tx1"/>
+                </a:solidFill>
+                <a:latin typeface="Consolas" panose="020B0609020204030204" pitchFamily="49" charset="0"/>
+              </a:rPr>
+              <a:t> JDBCTest.java” et executer le</a:t>
+            </a:r>
+          </a:p>
+          <a:p>
+            <a:pPr marL="114300" indent="0">
+              <a:buNone/>
+            </a:pPr>
+            <a:endParaRPr lang="en-US" sz="1400" b="1" dirty="0">
+              <a:solidFill>
+                <a:srgbClr val="002060"/>
+              </a:solidFill>
+              <a:latin typeface="Consolas" panose="020B0609020204030204" pitchFamily="49" charset="0"/>
+            </a:endParaRPr>
+          </a:p>
+          <a:p>
+            <a:pPr marL="114300" indent="0">
+              <a:buNone/>
+            </a:pPr>
+            <a:endParaRPr lang="en-US" sz="1400" b="1" dirty="0">
+              <a:solidFill>
+                <a:srgbClr val="002060"/>
+              </a:solidFill>
+              <a:latin typeface="Consolas" panose="020B0609020204030204" pitchFamily="49" charset="0"/>
+            </a:endParaRPr>
+          </a:p>
+          <a:p>
+            <a:pPr marL="114300" indent="0">
+              <a:buNone/>
+            </a:pPr>
+            <a:endParaRPr lang="en-US" sz="1400" b="1" dirty="0">
+              <a:solidFill>
+                <a:srgbClr val="002060"/>
+              </a:solidFill>
+              <a:latin typeface="Consolas" panose="020B0609020204030204" pitchFamily="49" charset="0"/>
+            </a:endParaRPr>
+          </a:p>
+        </p:txBody>
+      </p:sp>
+      <p:sp>
+        <p:nvSpPr>
+          <p:cNvPr id="4" name="Slide Number Placeholder 3">
+            <a:extLst>
+              <a:ext uri="{FF2B5EF4-FFF2-40B4-BE49-F238E27FC236}">
+                <a16:creationId xmlns:a16="http://schemas.microsoft.com/office/drawing/2014/main" id="{97DD5DFF-FE2F-4943-8C92-BAE5C9A416B1}"/>
+              </a:ext>
+            </a:extLst>
+          </p:cNvPr>
+          <p:cNvSpPr>
+            <a:spLocks noGrp="1"/>
+          </p:cNvSpPr>
+          <p:nvPr>
+            <p:ph type="sldNum" idx="12"/>
+          </p:nvPr>
+        </p:nvSpPr>
+        <p:spPr/>
+        <p:txBody>
+          <a:bodyPr/>
+          <a:lstStyle/>
+          <a:p>
+            <a:pPr marL="0" lvl="0" indent="0" algn="r" rtl="0">
+              <a:spcBef>
+                <a:spcPts val="0"/>
+              </a:spcBef>
+              <a:spcAft>
+                <a:spcPts val="0"/>
+              </a:spcAft>
+              <a:buNone/>
+            </a:pPr>
+            <a:fld id="{00000000-1234-1234-1234-123412341234}" type="slidenum">
+              <a:rPr lang="en-US" smtClean="0"/>
+              <a:t>53</a:t>
+            </a:fld>
+            <a:endParaRPr lang="en-US"/>
+          </a:p>
+        </p:txBody>
+      </p:sp>
+      <p:graphicFrame>
+        <p:nvGraphicFramePr>
+          <p:cNvPr id="5" name="Object 4">
+            <a:extLst>
+              <a:ext uri="{FF2B5EF4-FFF2-40B4-BE49-F238E27FC236}">
+                <a16:creationId xmlns:a16="http://schemas.microsoft.com/office/drawing/2014/main" id="{3742BD3E-6348-4D99-BFCB-873EA173B058}"/>
+              </a:ext>
+            </a:extLst>
+          </p:cNvPr>
+          <p:cNvGraphicFramePr>
+            <a:graphicFrameLocks noChangeAspect="1"/>
+          </p:cNvGraphicFramePr>
+          <p:nvPr>
+            <p:extLst>
+              <p:ext uri="{D42A27DB-BD31-4B8C-83A1-F6EECF244321}">
+                <p14:modId xmlns:p14="http://schemas.microsoft.com/office/powerpoint/2010/main" val="930734304"/>
+              </p:ext>
+            </p:extLst>
+          </p:nvPr>
+        </p:nvGraphicFramePr>
+        <p:xfrm>
+          <a:off x="101601" y="5960533"/>
+          <a:ext cx="8974664" cy="739476"/>
+        </p:xfrm>
+        <a:graphic>
+          <a:graphicData uri="http://schemas.openxmlformats.org/presentationml/2006/ole">
+            <mc:AlternateContent xmlns:mc="http://schemas.openxmlformats.org/markup-compatibility/2006">
+              <mc:Choice xmlns:v="urn:schemas-microsoft-com:vml" Requires="v">
+                <p:oleObj spid="_x0000_s20495" name="Bitmap Image" r:id="rId4" imgW="12830040" imgH="704880" progId="Paint.Picture">
+                  <p:embed/>
+                </p:oleObj>
+              </mc:Choice>
+              <mc:Fallback>
+                <p:oleObj name="Bitmap Image" r:id="rId4" imgW="12830040" imgH="704880" progId="Paint.Picture">
+                  <p:embed/>
+                  <p:pic>
+                    <p:nvPicPr>
+                      <p:cNvPr id="0" name=""/>
+                      <p:cNvPicPr/>
+                      <p:nvPr/>
+                    </p:nvPicPr>
+                    <p:blipFill>
+                      <a:blip r:embed="rId5"/>
+                      <a:stretch>
+                        <a:fillRect/>
+                      </a:stretch>
+                    </p:blipFill>
+                    <p:spPr>
+                      <a:xfrm>
+                        <a:off x="101601" y="5960533"/>
+                        <a:ext cx="8974664" cy="739476"/>
+                      </a:xfrm>
+                      <a:prstGeom prst="rect">
+                        <a:avLst/>
+                      </a:prstGeom>
+                    </p:spPr>
+                  </p:pic>
+                </p:oleObj>
+              </mc:Fallback>
+            </mc:AlternateContent>
+          </a:graphicData>
+        </a:graphic>
+      </p:graphicFrame>
+    </p:spTree>
+    <p:extLst>
+      <p:ext uri="{BB962C8B-B14F-4D97-AF65-F5344CB8AC3E}">
+        <p14:creationId xmlns:p14="http://schemas.microsoft.com/office/powerpoint/2010/main" val="2860059567"/>
+      </p:ext>
+    </p:extLst>
+  </p:cSld>
+  <p:clrMapOvr>
+    <a:masterClrMapping/>
+  </p:clrMapOvr>
+</p:sld>
+</file>
+
+<file path=ppt/slides/slide54.xml><?xml version="1.0" encoding="utf-8"?>
+<p:sld xmlns:a="http://schemas.openxmlformats.org/drawingml/2006/main" xmlns:r="http://schemas.openxmlformats.org/officeDocument/2006/relationships" xmlns:p="http://schemas.openxmlformats.org/presentationml/2006/main">
+  <p:cSld>
+    <p:spTree>
+      <p:nvGrpSpPr>
+        <p:cNvPr id="1" name="Shape 247"/>
+        <p:cNvGrpSpPr/>
+        <p:nvPr/>
+      </p:nvGrpSpPr>
+      <p:grpSpPr>
+        <a:xfrm>
+          <a:off x="0" y="0"/>
+          <a:ext cx="0" cy="0"/>
+          <a:chOff x="0" y="0"/>
+          <a:chExt cx="0" cy="0"/>
+        </a:xfrm>
+      </p:grpSpPr>
+      <p:sp>
+        <p:nvSpPr>
+          <p:cNvPr id="248" name="Google Shape;248;p37"/>
+          <p:cNvSpPr txBox="1">
+            <a:spLocks noGrp="1"/>
+          </p:cNvSpPr>
+          <p:nvPr>
+            <p:ph type="title"/>
+          </p:nvPr>
+        </p:nvSpPr>
+        <p:spPr>
+          <a:xfrm>
+            <a:off x="533400" y="3962400"/>
+            <a:ext cx="7772400" cy="1362075"/>
+          </a:xfrm>
+          <a:prstGeom prst="rect">
+            <a:avLst/>
+          </a:prstGeom>
+          <a:noFill/>
+          <a:ln>
+            <a:noFill/>
+          </a:ln>
+        </p:spPr>
+        <p:txBody>
+          <a:bodyPr spcFirstLastPara="1" wrap="square" lIns="91425" tIns="45700" rIns="91425" bIns="45700" anchor="t" anchorCtr="0">
+            <a:noAutofit/>
+          </a:bodyPr>
+          <a:lstStyle/>
+          <a:p>
+            <a:pPr lvl="0" algn="ctr"/>
+            <a:r>
+              <a:rPr lang="fr-FR" b="1" dirty="0"/>
+              <a:t>Informations sur la base de données et les requêtes</a:t>
+            </a:r>
+          </a:p>
+        </p:txBody>
+      </p:sp>
+    </p:spTree>
+    <p:extLst>
+      <p:ext uri="{BB962C8B-B14F-4D97-AF65-F5344CB8AC3E}">
+        <p14:creationId xmlns:p14="http://schemas.microsoft.com/office/powerpoint/2010/main" val="916042450"/>
+      </p:ext>
+    </p:extLst>
+  </p:cSld>
+  <p:clrMapOvr>
+    <a:masterClrMapping/>
+  </p:clrMapOvr>
+</p:sld>
+</file>
+
+<file path=ppt/slides/slide55.xml><?xml version="1.0" encoding="utf-8"?>
+<p:sld xmlns:a="http://schemas.openxmlformats.org/drawingml/2006/main" xmlns:r="http://schemas.openxmlformats.org/officeDocument/2006/relationships" xmlns:p="http://schemas.openxmlformats.org/presentationml/2006/main">
+  <p:cSld>
+    <p:spTree>
+      <p:nvGrpSpPr>
+        <p:cNvPr id="1" name=""/>
+        <p:cNvGrpSpPr/>
+        <p:nvPr/>
+      </p:nvGrpSpPr>
+      <p:grpSpPr>
+        <a:xfrm>
+          <a:off x="0" y="0"/>
+          <a:ext cx="0" cy="0"/>
+          <a:chOff x="0" y="0"/>
+          <a:chExt cx="0" cy="0"/>
+        </a:xfrm>
+      </p:grpSpPr>
+      <p:sp>
+        <p:nvSpPr>
+          <p:cNvPr id="2" name="Title 1">
+            <a:extLst>
+              <a:ext uri="{FF2B5EF4-FFF2-40B4-BE49-F238E27FC236}">
+                <a16:creationId xmlns:a16="http://schemas.microsoft.com/office/drawing/2014/main" id="{7F98C04C-B4B9-4B43-B2FB-293DE62C10E7}"/>
+              </a:ext>
+            </a:extLst>
+          </p:cNvPr>
+          <p:cNvSpPr>
+            <a:spLocks noGrp="1"/>
+          </p:cNvSpPr>
+          <p:nvPr>
+            <p:ph type="title"/>
+          </p:nvPr>
+        </p:nvSpPr>
+        <p:spPr>
+          <a:xfrm>
+            <a:off x="628650" y="365125"/>
+            <a:ext cx="7886700" cy="532342"/>
+          </a:xfrm>
+        </p:spPr>
+        <p:txBody>
+          <a:bodyPr/>
+          <a:lstStyle/>
+          <a:p>
+            <a:r>
+              <a:rPr lang="fr-FR" dirty="0"/>
+              <a:t> La base de données </a:t>
+            </a:r>
+            <a:r>
+              <a:rPr lang="fr-FR" i="1" dirty="0" err="1"/>
+              <a:t>information_schema</a:t>
+            </a:r>
+            <a:r>
+              <a:rPr lang="fr-FR" dirty="0"/>
+              <a:t>.</a:t>
+            </a:r>
+            <a:endParaRPr lang="fr-FR" sz="3200" dirty="0"/>
+          </a:p>
+        </p:txBody>
+      </p:sp>
+      <p:sp>
+        <p:nvSpPr>
+          <p:cNvPr id="3" name="Text Placeholder 2">
+            <a:extLst>
+              <a:ext uri="{FF2B5EF4-FFF2-40B4-BE49-F238E27FC236}">
+                <a16:creationId xmlns:a16="http://schemas.microsoft.com/office/drawing/2014/main" id="{F93FFE8A-8D7B-4B77-862A-94C19F934F7A}"/>
+              </a:ext>
+            </a:extLst>
+          </p:cNvPr>
+          <p:cNvSpPr>
+            <a:spLocks noGrp="1"/>
+          </p:cNvSpPr>
+          <p:nvPr>
+            <p:ph type="body" idx="1"/>
+          </p:nvPr>
+        </p:nvSpPr>
+        <p:spPr>
+          <a:xfrm>
+            <a:off x="169333" y="1404409"/>
+            <a:ext cx="3793067" cy="5317066"/>
+          </a:xfrm>
+        </p:spPr>
+        <p:txBody>
+          <a:bodyPr>
+            <a:normAutofit/>
+          </a:bodyPr>
+          <a:lstStyle/>
+          <a:p>
+            <a:pPr algn="just">
+              <a:buFont typeface="Wingdings" panose="05000000000000000000" pitchFamily="2" charset="2"/>
+              <a:buChar char="§"/>
+            </a:pPr>
+            <a:r>
+              <a:rPr lang="fr-FR" sz="2000" dirty="0">
+                <a:solidFill>
+                  <a:schemeClr val="tx1"/>
+                </a:solidFill>
+                <a:latin typeface="Calibri" panose="020F0502020204030204" pitchFamily="34" charset="0"/>
+                <a:cs typeface="Calibri" panose="020F0502020204030204" pitchFamily="34" charset="0"/>
+              </a:rPr>
+              <a:t>Cette base contient donc des informations sur les tables, les colonnes, les contraintes, les vues, etc., des bases de données stockées sur le serveur MySQL.</a:t>
+            </a:r>
+          </a:p>
+          <a:p>
+            <a:pPr marL="114300" indent="0" algn="just">
+              <a:buNone/>
+            </a:pPr>
+            <a:endParaRPr lang="fr-FR" sz="2000" dirty="0">
+              <a:solidFill>
+                <a:schemeClr val="tx1"/>
+              </a:solidFill>
+              <a:latin typeface="Calibri" panose="020F0502020204030204" pitchFamily="34" charset="0"/>
+              <a:cs typeface="Calibri" panose="020F0502020204030204" pitchFamily="34" charset="0"/>
+            </a:endParaRPr>
+          </a:p>
+          <a:p>
+            <a:pPr algn="just">
+              <a:buFont typeface="Wingdings" panose="05000000000000000000" pitchFamily="2" charset="2"/>
+              <a:buChar char="§"/>
+            </a:pPr>
+            <a:r>
+              <a:rPr lang="fr-FR" sz="2000" dirty="0">
+                <a:solidFill>
+                  <a:schemeClr val="tx1"/>
+                </a:solidFill>
+                <a:latin typeface="Calibri" panose="020F0502020204030204" pitchFamily="34" charset="0"/>
+                <a:cs typeface="Calibri" panose="020F0502020204030204" pitchFamily="34" charset="0"/>
+              </a:rPr>
+              <a:t>En fait, c'est de cette base de données que sont extraites les informations affichées grâce à la commande SHOW.</a:t>
+            </a:r>
+          </a:p>
+          <a:p>
+            <a:pPr algn="just">
+              <a:buFont typeface="Wingdings" panose="05000000000000000000" pitchFamily="2" charset="2"/>
+              <a:buChar char="§"/>
+            </a:pPr>
+            <a:endParaRPr lang="fr-FR" sz="2000" dirty="0">
+              <a:solidFill>
+                <a:schemeClr val="tx1"/>
+              </a:solidFill>
+              <a:latin typeface="Calibri" panose="020F0502020204030204" pitchFamily="34" charset="0"/>
+              <a:cs typeface="Calibri" panose="020F0502020204030204" pitchFamily="34" charset="0"/>
+            </a:endParaRPr>
+          </a:p>
+          <a:p>
+            <a:pPr algn="just">
+              <a:buFont typeface="Wingdings" panose="05000000000000000000" pitchFamily="2" charset="2"/>
+              <a:buChar char="§"/>
+            </a:pPr>
+            <a:r>
+              <a:rPr lang="fr-FR" sz="2000" dirty="0">
+                <a:solidFill>
+                  <a:schemeClr val="tx1"/>
+                </a:solidFill>
+                <a:latin typeface="Calibri" panose="020F0502020204030204" pitchFamily="34" charset="0"/>
+                <a:cs typeface="Calibri" panose="020F0502020204030204" pitchFamily="34" charset="0"/>
+              </a:rPr>
+              <a:t>Si les informations données par </a:t>
+            </a:r>
+            <a:r>
+              <a:rPr lang="fr-FR" sz="2000" i="1" dirty="0">
+                <a:solidFill>
+                  <a:schemeClr val="tx1"/>
+                </a:solidFill>
+                <a:latin typeface="Calibri" panose="020F0502020204030204" pitchFamily="34" charset="0"/>
+                <a:cs typeface="Calibri" panose="020F0502020204030204" pitchFamily="34" charset="0"/>
+              </a:rPr>
+              <a:t>SHOW</a:t>
+            </a:r>
+            <a:r>
+              <a:rPr lang="fr-FR" sz="2000" dirty="0">
+                <a:solidFill>
+                  <a:schemeClr val="tx1"/>
+                </a:solidFill>
+                <a:latin typeface="Calibri" panose="020F0502020204030204" pitchFamily="34" charset="0"/>
+                <a:cs typeface="Calibri" panose="020F0502020204030204" pitchFamily="34" charset="0"/>
+              </a:rPr>
+              <a:t> ne suffisent pas, il est possible d'interroger directement cette base de données.</a:t>
+            </a:r>
+          </a:p>
+          <a:p>
+            <a:pPr algn="just">
+              <a:buFont typeface="Wingdings" panose="05000000000000000000" pitchFamily="2" charset="2"/>
+              <a:buChar char="§"/>
+            </a:pPr>
+            <a:endParaRPr lang="fr-FR" sz="2000" dirty="0">
+              <a:solidFill>
+                <a:schemeClr val="tx1"/>
+              </a:solidFill>
+              <a:latin typeface="Calibri" panose="020F0502020204030204" pitchFamily="34" charset="0"/>
+              <a:cs typeface="Calibri" panose="020F0502020204030204" pitchFamily="34" charset="0"/>
+            </a:endParaRPr>
+          </a:p>
+        </p:txBody>
+      </p:sp>
+      <p:sp>
+        <p:nvSpPr>
+          <p:cNvPr id="4" name="Slide Number Placeholder 3">
+            <a:extLst>
+              <a:ext uri="{FF2B5EF4-FFF2-40B4-BE49-F238E27FC236}">
+                <a16:creationId xmlns:a16="http://schemas.microsoft.com/office/drawing/2014/main" id="{97DD5DFF-FE2F-4943-8C92-BAE5C9A416B1}"/>
+              </a:ext>
+            </a:extLst>
+          </p:cNvPr>
+          <p:cNvSpPr>
+            <a:spLocks noGrp="1"/>
+          </p:cNvSpPr>
+          <p:nvPr>
+            <p:ph type="sldNum" idx="12"/>
+          </p:nvPr>
+        </p:nvSpPr>
+        <p:spPr/>
+        <p:txBody>
+          <a:bodyPr/>
+          <a:lstStyle/>
+          <a:p>
+            <a:pPr marL="0" lvl="0" indent="0" algn="r" rtl="0">
+              <a:spcBef>
+                <a:spcPts val="0"/>
+              </a:spcBef>
+              <a:spcAft>
+                <a:spcPts val="0"/>
+              </a:spcAft>
+              <a:buNone/>
+            </a:pPr>
+            <a:fld id="{00000000-1234-1234-1234-123412341234}" type="slidenum">
+              <a:rPr lang="en-US" smtClean="0"/>
+              <a:t>55</a:t>
+            </a:fld>
+            <a:endParaRPr lang="en-US"/>
+          </a:p>
+        </p:txBody>
+      </p:sp>
+      <p:pic>
+        <p:nvPicPr>
+          <p:cNvPr id="8" name="Picture 7">
+            <a:extLst>
+              <a:ext uri="{FF2B5EF4-FFF2-40B4-BE49-F238E27FC236}">
+                <a16:creationId xmlns:a16="http://schemas.microsoft.com/office/drawing/2014/main" id="{01A3CFB9-9A4C-4B0A-9282-024743DDA54A}"/>
+              </a:ext>
+            </a:extLst>
+          </p:cNvPr>
+          <p:cNvPicPr>
+            <a:picLocks noChangeAspect="1"/>
+          </p:cNvPicPr>
+          <p:nvPr/>
+        </p:nvPicPr>
+        <p:blipFill>
+          <a:blip r:embed="rId3"/>
+          <a:stretch>
+            <a:fillRect/>
+          </a:stretch>
+        </p:blipFill>
+        <p:spPr>
+          <a:xfrm>
+            <a:off x="4258204" y="1626606"/>
+            <a:ext cx="4716463" cy="4872671"/>
+          </a:xfrm>
+          <a:prstGeom prst="rect">
+            <a:avLst/>
+          </a:prstGeom>
+        </p:spPr>
+      </p:pic>
+    </p:spTree>
+    <p:extLst>
+      <p:ext uri="{BB962C8B-B14F-4D97-AF65-F5344CB8AC3E}">
+        <p14:creationId xmlns:p14="http://schemas.microsoft.com/office/powerpoint/2010/main" val="3814894548"/>
+      </p:ext>
+    </p:extLst>
+  </p:cSld>
+  <p:clrMapOvr>
+    <a:masterClrMapping/>
+  </p:clrMapOvr>
+</p:sld>
+</file>
+
+<file path=ppt/slides/slide56.xml><?xml version="1.0" encoding="utf-8"?>
+<p:sld xmlns:a="http://schemas.openxmlformats.org/drawingml/2006/main" xmlns:r="http://schemas.openxmlformats.org/officeDocument/2006/relationships" xmlns:p="http://schemas.openxmlformats.org/presentationml/2006/main">
+  <p:cSld>
+    <p:spTree>
+      <p:nvGrpSpPr>
+        <p:cNvPr id="1" name=""/>
+        <p:cNvGrpSpPr/>
+        <p:nvPr/>
+      </p:nvGrpSpPr>
+      <p:grpSpPr>
+        <a:xfrm>
+          <a:off x="0" y="0"/>
+          <a:ext cx="0" cy="0"/>
+          <a:chOff x="0" y="0"/>
+          <a:chExt cx="0" cy="0"/>
+        </a:xfrm>
+      </p:grpSpPr>
+      <p:sp>
+        <p:nvSpPr>
+          <p:cNvPr id="2" name="Title 1">
+            <a:extLst>
+              <a:ext uri="{FF2B5EF4-FFF2-40B4-BE49-F238E27FC236}">
+                <a16:creationId xmlns:a16="http://schemas.microsoft.com/office/drawing/2014/main" id="{7F98C04C-B4B9-4B43-B2FB-293DE62C10E7}"/>
+              </a:ext>
+            </a:extLst>
+          </p:cNvPr>
+          <p:cNvSpPr>
+            <a:spLocks noGrp="1"/>
+          </p:cNvSpPr>
+          <p:nvPr>
+            <p:ph type="title"/>
+          </p:nvPr>
+        </p:nvSpPr>
+        <p:spPr>
+          <a:xfrm>
+            <a:off x="628650" y="365125"/>
+            <a:ext cx="7886700" cy="532342"/>
+          </a:xfrm>
+        </p:spPr>
+        <p:txBody>
+          <a:bodyPr/>
+          <a:lstStyle/>
+          <a:p>
+            <a:r>
+              <a:rPr lang="fr-FR" b="1" dirty="0"/>
+              <a:t>Les Commandes de description</a:t>
+            </a:r>
+          </a:p>
+        </p:txBody>
+      </p:sp>
+      <p:sp>
+        <p:nvSpPr>
+          <p:cNvPr id="3" name="Text Placeholder 2">
+            <a:extLst>
+              <a:ext uri="{FF2B5EF4-FFF2-40B4-BE49-F238E27FC236}">
+                <a16:creationId xmlns:a16="http://schemas.microsoft.com/office/drawing/2014/main" id="{F93FFE8A-8D7B-4B77-862A-94C19F934F7A}"/>
+              </a:ext>
+            </a:extLst>
+          </p:cNvPr>
+          <p:cNvSpPr>
+            <a:spLocks noGrp="1"/>
+          </p:cNvSpPr>
+          <p:nvPr>
+            <p:ph type="body" idx="1"/>
+          </p:nvPr>
+        </p:nvSpPr>
+        <p:spPr>
+          <a:xfrm>
+            <a:off x="84666" y="968375"/>
+            <a:ext cx="8974667" cy="5317066"/>
+          </a:xfrm>
+        </p:spPr>
+        <p:txBody>
+          <a:bodyPr>
+            <a:noAutofit/>
+          </a:bodyPr>
+          <a:lstStyle/>
+          <a:p>
+            <a:pPr algn="just">
+              <a:buFont typeface="Wingdings" panose="05000000000000000000" pitchFamily="2" charset="2"/>
+              <a:buChar char="§"/>
+            </a:pPr>
+            <a:r>
+              <a:rPr lang="fr-FR" sz="2000" dirty="0">
+                <a:solidFill>
+                  <a:schemeClr val="tx1"/>
+                </a:solidFill>
+                <a:latin typeface="Calibri" panose="020F0502020204030204" pitchFamily="34" charset="0"/>
+                <a:cs typeface="Calibri" panose="020F0502020204030204" pitchFamily="34" charset="0"/>
+              </a:rPr>
+              <a:t>Description d'objets avec "SHOW objets;":</a:t>
+            </a:r>
+          </a:p>
+          <a:p>
+            <a:pPr marL="114300" indent="0" algn="just">
+              <a:buNone/>
+            </a:pPr>
+            <a:r>
+              <a:rPr lang="fr-FR" sz="2000" dirty="0">
+                <a:solidFill>
+                  <a:schemeClr val="tx1"/>
+                </a:solidFill>
+                <a:latin typeface="Calibri" panose="020F0502020204030204" pitchFamily="34" charset="0"/>
+                <a:cs typeface="Calibri" panose="020F0502020204030204" pitchFamily="34" charset="0"/>
+              </a:rPr>
+              <a:t>Cette commande permet d'afficher une liste des objets, ainsi que certaines caractéristiques de ces objets.</a:t>
+            </a:r>
+          </a:p>
+          <a:p>
+            <a:pPr marL="114300" indent="0" algn="just">
+              <a:buNone/>
+            </a:pPr>
+            <a:endParaRPr lang="fr-FR" sz="2000" dirty="0">
+              <a:solidFill>
+                <a:schemeClr val="tx1"/>
+              </a:solidFill>
+              <a:latin typeface="Calibri" panose="020F0502020204030204" pitchFamily="34" charset="0"/>
+              <a:cs typeface="Calibri" panose="020F0502020204030204" pitchFamily="34" charset="0"/>
+            </a:endParaRPr>
+          </a:p>
+          <a:p>
+            <a:pPr algn="just">
+              <a:buFont typeface="Wingdings" panose="05000000000000000000" pitchFamily="2" charset="2"/>
+              <a:buChar char="§"/>
+            </a:pPr>
+            <a:r>
+              <a:rPr lang="fr-FR" sz="2000" dirty="0">
+                <a:solidFill>
+                  <a:schemeClr val="tx1"/>
+                </a:solidFill>
+                <a:latin typeface="Calibri" panose="020F0502020204030204" pitchFamily="34" charset="0"/>
+                <a:cs typeface="Calibri" panose="020F0502020204030204" pitchFamily="34" charset="0"/>
+              </a:rPr>
+              <a:t>DESCRIBE: </a:t>
+            </a:r>
+          </a:p>
+          <a:p>
+            <a:pPr marL="114300" indent="0" algn="just">
+              <a:buNone/>
+            </a:pPr>
+            <a:r>
+              <a:rPr lang="fr-FR" sz="2000" dirty="0">
+                <a:solidFill>
+                  <a:schemeClr val="tx1"/>
+                </a:solidFill>
+                <a:latin typeface="Calibri" panose="020F0502020204030204" pitchFamily="34" charset="0"/>
+                <a:cs typeface="Calibri" panose="020F0502020204030204" pitchFamily="34" charset="0"/>
+              </a:rPr>
+              <a:t>La commande DESCRIBE </a:t>
+            </a:r>
+            <a:r>
+              <a:rPr lang="fr-FR" sz="2000" dirty="0" err="1">
+                <a:solidFill>
+                  <a:schemeClr val="tx1"/>
+                </a:solidFill>
+                <a:latin typeface="Calibri" panose="020F0502020204030204" pitchFamily="34" charset="0"/>
+                <a:cs typeface="Calibri" panose="020F0502020204030204" pitchFamily="34" charset="0"/>
+              </a:rPr>
+              <a:t>nom_table</a:t>
+            </a:r>
+            <a:r>
+              <a:rPr lang="fr-FR" sz="2000" dirty="0">
+                <a:solidFill>
+                  <a:schemeClr val="tx1"/>
+                </a:solidFill>
+                <a:latin typeface="Calibri" panose="020F0502020204030204" pitchFamily="34" charset="0"/>
+                <a:cs typeface="Calibri" panose="020F0502020204030204" pitchFamily="34" charset="0"/>
+              </a:rPr>
+              <a:t>, qui affiche les colonnes d'une table ainsi que certaines de leurs caractéristiques, est en fait un raccourci pour « SHOW COLUMNS FROM nom table ».</a:t>
+            </a:r>
+          </a:p>
+          <a:p>
+            <a:pPr marL="114300" indent="0" algn="just">
+              <a:buNone/>
+            </a:pPr>
+            <a:endParaRPr lang="fr-FR" sz="2000" dirty="0">
+              <a:solidFill>
+                <a:schemeClr val="tx1"/>
+              </a:solidFill>
+              <a:latin typeface="Calibri" panose="020F0502020204030204" pitchFamily="34" charset="0"/>
+              <a:cs typeface="Calibri" panose="020F0502020204030204" pitchFamily="34" charset="0"/>
+            </a:endParaRPr>
+          </a:p>
+          <a:p>
+            <a:pPr algn="just">
+              <a:buFont typeface="Wingdings" panose="05000000000000000000" pitchFamily="2" charset="2"/>
+              <a:buChar char="§"/>
+            </a:pPr>
+            <a:r>
+              <a:rPr lang="fr-FR" sz="2000" dirty="0">
+                <a:solidFill>
+                  <a:schemeClr val="tx1"/>
+                </a:solidFill>
+                <a:latin typeface="Calibri" panose="020F0502020204030204" pitchFamily="34" charset="0"/>
+                <a:cs typeface="Calibri" panose="020F0502020204030204" pitchFamily="34" charset="0"/>
+              </a:rPr>
+              <a:t>Il est possible de restreindre les résultats de certaines commandes SHOW  avec les clauses LIKE  et WHERE.</a:t>
+            </a:r>
+          </a:p>
+          <a:p>
+            <a:pPr marL="114300" indent="0" algn="just">
+              <a:buNone/>
+            </a:pPr>
+            <a:endParaRPr lang="fr-FR" sz="2000" dirty="0">
+              <a:solidFill>
+                <a:schemeClr val="tx1"/>
+              </a:solidFill>
+              <a:latin typeface="Calibri" panose="020F0502020204030204" pitchFamily="34" charset="0"/>
+              <a:cs typeface="Calibri" panose="020F0502020204030204" pitchFamily="34" charset="0"/>
+            </a:endParaRPr>
+          </a:p>
+          <a:p>
+            <a:pPr algn="just">
+              <a:buFont typeface="Wingdings" panose="05000000000000000000" pitchFamily="2" charset="2"/>
+              <a:buChar char="§"/>
+            </a:pPr>
+            <a:r>
+              <a:rPr lang="fr-FR" sz="2000" dirty="0">
+                <a:solidFill>
+                  <a:schemeClr val="tx1"/>
+                </a:solidFill>
+                <a:latin typeface="Calibri" panose="020F0502020204030204" pitchFamily="34" charset="0"/>
+                <a:cs typeface="Calibri" panose="020F0502020204030204" pitchFamily="34" charset="0"/>
+              </a:rPr>
+              <a:t>Avec SHOW CREATE, on peut afficher la requête de création d'un objet.</a:t>
+            </a:r>
+          </a:p>
+          <a:p>
+            <a:pPr marL="114300" indent="0" algn="just">
+              <a:buNone/>
+            </a:pPr>
+            <a:endParaRPr lang="fr-FR" sz="2000" dirty="0">
+              <a:solidFill>
+                <a:schemeClr val="tx1"/>
+              </a:solidFill>
+              <a:latin typeface="Calibri" panose="020F0502020204030204" pitchFamily="34" charset="0"/>
+              <a:cs typeface="Calibri" panose="020F0502020204030204" pitchFamily="34" charset="0"/>
+            </a:endParaRPr>
+          </a:p>
+          <a:p>
+            <a:pPr algn="just">
+              <a:buFont typeface="Wingdings" panose="05000000000000000000" pitchFamily="2" charset="2"/>
+              <a:buChar char="§"/>
+            </a:pPr>
+            <a:r>
+              <a:rPr lang="fr-FR" sz="2000" dirty="0">
+                <a:solidFill>
+                  <a:schemeClr val="tx1"/>
+                </a:solidFill>
+                <a:latin typeface="Calibri" panose="020F0502020204030204" pitchFamily="34" charset="0"/>
+                <a:cs typeface="Calibri" panose="020F0502020204030204" pitchFamily="34" charset="0"/>
+              </a:rPr>
+              <a:t>La commande EXPLAIN permet de décortiquer l'exécution d'une requête. Grâce à cette commande, il est possible de savoir quelles tables et quels index sont utilisés, et dans quel ordre.</a:t>
+            </a:r>
+          </a:p>
+        </p:txBody>
+      </p:sp>
+      <p:sp>
+        <p:nvSpPr>
+          <p:cNvPr id="4" name="Slide Number Placeholder 3">
+            <a:extLst>
+              <a:ext uri="{FF2B5EF4-FFF2-40B4-BE49-F238E27FC236}">
+                <a16:creationId xmlns:a16="http://schemas.microsoft.com/office/drawing/2014/main" id="{97DD5DFF-FE2F-4943-8C92-BAE5C9A416B1}"/>
+              </a:ext>
+            </a:extLst>
+          </p:cNvPr>
+          <p:cNvSpPr>
+            <a:spLocks noGrp="1"/>
+          </p:cNvSpPr>
+          <p:nvPr>
+            <p:ph type="sldNum" idx="12"/>
+          </p:nvPr>
+        </p:nvSpPr>
+        <p:spPr/>
+        <p:txBody>
+          <a:bodyPr/>
+          <a:lstStyle/>
+          <a:p>
+            <a:pPr marL="0" lvl="0" indent="0" algn="r" rtl="0">
+              <a:spcBef>
+                <a:spcPts val="0"/>
+              </a:spcBef>
+              <a:spcAft>
+                <a:spcPts val="0"/>
+              </a:spcAft>
+              <a:buNone/>
+            </a:pPr>
+            <a:fld id="{00000000-1234-1234-1234-123412341234}" type="slidenum">
+              <a:rPr lang="en-US" smtClean="0"/>
+              <a:t>56</a:t>
+            </a:fld>
+            <a:endParaRPr lang="en-US"/>
+          </a:p>
+        </p:txBody>
+      </p:sp>
+    </p:spTree>
+    <p:extLst>
+      <p:ext uri="{BB962C8B-B14F-4D97-AF65-F5344CB8AC3E}">
+        <p14:creationId xmlns:p14="http://schemas.microsoft.com/office/powerpoint/2010/main" val="819917616"/>
+      </p:ext>
+    </p:extLst>
+  </p:cSld>
+  <p:clrMapOvr>
+    <a:masterClrMapping/>
+  </p:clrMapOvr>
+</p:sld>
+</file>
+
+<file path=ppt/slides/slide57.xml><?xml version="1.0" encoding="utf-8"?>
+<p:sld xmlns:a="http://schemas.openxmlformats.org/drawingml/2006/main" xmlns:r="http://schemas.openxmlformats.org/officeDocument/2006/relationships" xmlns:p="http://schemas.openxmlformats.org/presentationml/2006/main">
+  <p:cSld>
+    <p:spTree>
+      <p:nvGrpSpPr>
+        <p:cNvPr id="1" name=""/>
+        <p:cNvGrpSpPr/>
+        <p:nvPr/>
+      </p:nvGrpSpPr>
+      <p:grpSpPr>
+        <a:xfrm>
+          <a:off x="0" y="0"/>
+          <a:ext cx="0" cy="0"/>
+          <a:chOff x="0" y="0"/>
+          <a:chExt cx="0" cy="0"/>
+        </a:xfrm>
+      </p:grpSpPr>
+      <p:sp>
+        <p:nvSpPr>
+          <p:cNvPr id="2" name="Title 1">
+            <a:extLst>
+              <a:ext uri="{FF2B5EF4-FFF2-40B4-BE49-F238E27FC236}">
+                <a16:creationId xmlns:a16="http://schemas.microsoft.com/office/drawing/2014/main" id="{7F98C04C-B4B9-4B43-B2FB-293DE62C10E7}"/>
+              </a:ext>
+            </a:extLst>
+          </p:cNvPr>
+          <p:cNvSpPr>
+            <a:spLocks noGrp="1"/>
+          </p:cNvSpPr>
+          <p:nvPr>
+            <p:ph type="title"/>
+          </p:nvPr>
+        </p:nvSpPr>
+        <p:spPr>
+          <a:xfrm>
+            <a:off x="628650" y="365125"/>
+            <a:ext cx="7886700" cy="532342"/>
+          </a:xfrm>
+        </p:spPr>
+        <p:txBody>
+          <a:bodyPr/>
+          <a:lstStyle/>
+          <a:p>
+            <a:pPr algn="ctr"/>
+            <a:r>
+              <a:rPr lang="fr-FR" b="1" dirty="0"/>
+              <a:t>Configuration et options</a:t>
+            </a:r>
+          </a:p>
+        </p:txBody>
+      </p:sp>
+      <p:sp>
+        <p:nvSpPr>
+          <p:cNvPr id="3" name="Text Placeholder 2">
+            <a:extLst>
+              <a:ext uri="{FF2B5EF4-FFF2-40B4-BE49-F238E27FC236}">
+                <a16:creationId xmlns:a16="http://schemas.microsoft.com/office/drawing/2014/main" id="{F93FFE8A-8D7B-4B77-862A-94C19F934F7A}"/>
+              </a:ext>
+            </a:extLst>
+          </p:cNvPr>
+          <p:cNvSpPr>
+            <a:spLocks noGrp="1"/>
+          </p:cNvSpPr>
+          <p:nvPr>
+            <p:ph type="body" idx="1"/>
+          </p:nvPr>
+        </p:nvSpPr>
+        <p:spPr>
+          <a:xfrm>
+            <a:off x="84666" y="897467"/>
+            <a:ext cx="8974667" cy="5317066"/>
+          </a:xfrm>
+        </p:spPr>
+        <p:txBody>
+          <a:bodyPr>
+            <a:noAutofit/>
+          </a:bodyPr>
+          <a:lstStyle/>
+          <a:p>
+            <a:pPr marL="114300" indent="0" algn="just">
+              <a:buNone/>
+            </a:pPr>
+            <a:r>
+              <a:rPr lang="fr-FR" sz="2000" dirty="0">
+                <a:solidFill>
+                  <a:schemeClr val="tx1"/>
+                </a:solidFill>
+                <a:latin typeface="Calibri" panose="020F0502020204030204" pitchFamily="34" charset="0"/>
+                <a:cs typeface="Calibri" panose="020F0502020204030204" pitchFamily="34" charset="0"/>
+              </a:rPr>
+              <a:t>On peut configurer MySQL :</a:t>
+            </a:r>
+          </a:p>
+          <a:p>
+            <a:pPr marL="114300" indent="0" algn="just">
+              <a:buNone/>
+            </a:pPr>
+            <a:endParaRPr lang="fr-FR" sz="800" dirty="0">
+              <a:solidFill>
+                <a:schemeClr val="tx1"/>
+              </a:solidFill>
+              <a:latin typeface="Calibri" panose="020F0502020204030204" pitchFamily="34" charset="0"/>
+              <a:cs typeface="Calibri" panose="020F0502020204030204" pitchFamily="34" charset="0"/>
+            </a:endParaRPr>
+          </a:p>
+          <a:p>
+            <a:pPr algn="just">
+              <a:buFont typeface="Wingdings" panose="05000000000000000000" pitchFamily="2" charset="2"/>
+              <a:buChar char="§"/>
+            </a:pPr>
+            <a:r>
+              <a:rPr lang="fr-FR" sz="2000" dirty="0">
+                <a:solidFill>
+                  <a:schemeClr val="tx1"/>
+                </a:solidFill>
+                <a:latin typeface="Calibri" panose="020F0502020204030204" pitchFamily="34" charset="0"/>
+                <a:cs typeface="Calibri" panose="020F0502020204030204" pitchFamily="34" charset="0"/>
+              </a:rPr>
+              <a:t>En modifiant les variables système avec la commande SET  ;</a:t>
+            </a:r>
+          </a:p>
+          <a:p>
+            <a:pPr algn="just">
+              <a:buFont typeface="Wingdings" panose="05000000000000000000" pitchFamily="2" charset="2"/>
+              <a:buChar char="§"/>
+            </a:pPr>
+            <a:r>
+              <a:rPr lang="fr-FR" sz="2000" dirty="0">
+                <a:solidFill>
+                  <a:schemeClr val="tx1"/>
+                </a:solidFill>
+                <a:latin typeface="Calibri" panose="020F0502020204030204" pitchFamily="34" charset="0"/>
+                <a:cs typeface="Calibri" panose="020F0502020204030204" pitchFamily="34" charset="0"/>
+              </a:rPr>
+              <a:t>En utilisant les options du logiciel client au démarrage d'une session ;</a:t>
+            </a:r>
+          </a:p>
+          <a:p>
+            <a:pPr algn="just">
+              <a:buFont typeface="Wingdings" panose="05000000000000000000" pitchFamily="2" charset="2"/>
+              <a:buChar char="§"/>
+            </a:pPr>
+            <a:r>
+              <a:rPr lang="fr-FR" sz="2000" dirty="0">
+                <a:solidFill>
+                  <a:schemeClr val="tx1"/>
+                </a:solidFill>
+                <a:latin typeface="Calibri" panose="020F0502020204030204" pitchFamily="34" charset="0"/>
+                <a:cs typeface="Calibri" panose="020F0502020204030204" pitchFamily="34" charset="0"/>
+              </a:rPr>
+              <a:t>En utilisant les options du serveur lors de son démarrage ;</a:t>
+            </a:r>
+          </a:p>
+          <a:p>
+            <a:pPr algn="just">
+              <a:buFont typeface="Wingdings" panose="05000000000000000000" pitchFamily="2" charset="2"/>
+              <a:buChar char="§"/>
+            </a:pPr>
+            <a:r>
+              <a:rPr lang="fr-FR" sz="2000" dirty="0">
+                <a:solidFill>
+                  <a:schemeClr val="tx1"/>
+                </a:solidFill>
+                <a:latin typeface="Calibri" panose="020F0502020204030204" pitchFamily="34" charset="0"/>
+                <a:cs typeface="Calibri" panose="020F0502020204030204" pitchFamily="34" charset="0"/>
+              </a:rPr>
+              <a:t>En modifiant le fichier de configuration de MySQL.</a:t>
+            </a:r>
+          </a:p>
+          <a:p>
+            <a:pPr marL="114300" indent="0" algn="just">
+              <a:buNone/>
+            </a:pPr>
+            <a:endParaRPr lang="fr-FR" sz="1000" dirty="0">
+              <a:solidFill>
+                <a:schemeClr val="tx1"/>
+              </a:solidFill>
+              <a:latin typeface="Calibri" panose="020F0502020204030204" pitchFamily="34" charset="0"/>
+              <a:cs typeface="Calibri" panose="020F0502020204030204" pitchFamily="34" charset="0"/>
+            </a:endParaRPr>
+          </a:p>
+          <a:p>
+            <a:pPr algn="just">
+              <a:buFont typeface="Wingdings" panose="05000000000000000000" pitchFamily="2" charset="2"/>
+              <a:buChar char="ü"/>
+            </a:pPr>
+            <a:endParaRPr lang="fr-FR" sz="2000" b="1" dirty="0">
+              <a:solidFill>
+                <a:schemeClr val="tx1"/>
+              </a:solidFill>
+              <a:latin typeface="Calibri" panose="020F0502020204030204" pitchFamily="34" charset="0"/>
+              <a:cs typeface="Calibri" panose="020F0502020204030204" pitchFamily="34" charset="0"/>
+            </a:endParaRPr>
+          </a:p>
+          <a:p>
+            <a:pPr algn="just">
+              <a:buFont typeface="Wingdings" panose="05000000000000000000" pitchFamily="2" charset="2"/>
+              <a:buChar char="ü"/>
+            </a:pPr>
+            <a:endParaRPr lang="fr-FR" sz="2000" b="1" dirty="0">
+              <a:solidFill>
+                <a:schemeClr val="tx1"/>
+              </a:solidFill>
+              <a:latin typeface="Calibri" panose="020F0502020204030204" pitchFamily="34" charset="0"/>
+              <a:cs typeface="Calibri" panose="020F0502020204030204" pitchFamily="34" charset="0"/>
+            </a:endParaRPr>
+          </a:p>
+          <a:p>
+            <a:pPr algn="just">
+              <a:buFont typeface="Wingdings" panose="05000000000000000000" pitchFamily="2" charset="2"/>
+              <a:buChar char="ü"/>
+            </a:pPr>
+            <a:r>
+              <a:rPr lang="fr-FR" sz="2000" b="1" dirty="0">
+                <a:solidFill>
+                  <a:schemeClr val="tx1"/>
+                </a:solidFill>
+                <a:latin typeface="Calibri" panose="020F0502020204030204" pitchFamily="34" charset="0"/>
+                <a:cs typeface="Calibri" panose="020F0502020204030204" pitchFamily="34" charset="0"/>
+              </a:rPr>
+              <a:t>variables système:</a:t>
+            </a:r>
+          </a:p>
+        </p:txBody>
+      </p:sp>
+      <p:sp>
+        <p:nvSpPr>
+          <p:cNvPr id="4" name="Slide Number Placeholder 3">
+            <a:extLst>
+              <a:ext uri="{FF2B5EF4-FFF2-40B4-BE49-F238E27FC236}">
+                <a16:creationId xmlns:a16="http://schemas.microsoft.com/office/drawing/2014/main" id="{97DD5DFF-FE2F-4943-8C92-BAE5C9A416B1}"/>
+              </a:ext>
+            </a:extLst>
+          </p:cNvPr>
+          <p:cNvSpPr>
+            <a:spLocks noGrp="1"/>
+          </p:cNvSpPr>
+          <p:nvPr>
+            <p:ph type="sldNum" idx="12"/>
+          </p:nvPr>
+        </p:nvSpPr>
+        <p:spPr/>
+        <p:txBody>
+          <a:bodyPr/>
+          <a:lstStyle/>
+          <a:p>
+            <a:pPr marL="0" lvl="0" indent="0" algn="r" rtl="0">
+              <a:spcBef>
+                <a:spcPts val="0"/>
+              </a:spcBef>
+              <a:spcAft>
+                <a:spcPts val="0"/>
+              </a:spcAft>
+              <a:buNone/>
+            </a:pPr>
+            <a:fld id="{00000000-1234-1234-1234-123412341234}" type="slidenum">
+              <a:rPr lang="en-US" smtClean="0"/>
+              <a:t>57</a:t>
+            </a:fld>
+            <a:endParaRPr lang="en-US"/>
+          </a:p>
+        </p:txBody>
+      </p:sp>
+      <p:pic>
+        <p:nvPicPr>
+          <p:cNvPr id="5" name="Picture 4">
+            <a:extLst>
+              <a:ext uri="{FF2B5EF4-FFF2-40B4-BE49-F238E27FC236}">
+                <a16:creationId xmlns:a16="http://schemas.microsoft.com/office/drawing/2014/main" id="{EB475190-9DAB-4247-B9B2-E952B3D53147}"/>
+              </a:ext>
+            </a:extLst>
+          </p:cNvPr>
+          <p:cNvPicPr>
+            <a:picLocks noChangeAspect="1"/>
+          </p:cNvPicPr>
+          <p:nvPr/>
+        </p:nvPicPr>
+        <p:blipFill>
+          <a:blip r:embed="rId3"/>
+          <a:stretch>
+            <a:fillRect/>
+          </a:stretch>
+        </p:blipFill>
+        <p:spPr>
+          <a:xfrm>
+            <a:off x="3126318" y="3150659"/>
+            <a:ext cx="5367582" cy="3673475"/>
+          </a:xfrm>
+          <a:prstGeom prst="rect">
+            <a:avLst/>
+          </a:prstGeom>
+        </p:spPr>
+      </p:pic>
+    </p:spTree>
+    <p:extLst>
+      <p:ext uri="{BB962C8B-B14F-4D97-AF65-F5344CB8AC3E}">
+        <p14:creationId xmlns:p14="http://schemas.microsoft.com/office/powerpoint/2010/main" val="1335354371"/>
+      </p:ext>
+    </p:extLst>
+  </p:cSld>
+  <p:clrMapOvr>
+    <a:masterClrMapping/>
+  </p:clrMapOvr>
+</p:sld>
+</file>
+
+<file path=ppt/slides/slide58.xml><?xml version="1.0" encoding="utf-8"?>
+<p:sld xmlns:a="http://schemas.openxmlformats.org/drawingml/2006/main" xmlns:r="http://schemas.openxmlformats.org/officeDocument/2006/relationships" xmlns:p="http://schemas.openxmlformats.org/presentationml/2006/main">
+  <p:cSld>
+    <p:spTree>
+      <p:nvGrpSpPr>
+        <p:cNvPr id="1" name="Shape 247"/>
+        <p:cNvGrpSpPr/>
+        <p:nvPr/>
+      </p:nvGrpSpPr>
+      <p:grpSpPr>
+        <a:xfrm>
+          <a:off x="0" y="0"/>
+          <a:ext cx="0" cy="0"/>
+          <a:chOff x="0" y="0"/>
+          <a:chExt cx="0" cy="0"/>
+        </a:xfrm>
+      </p:grpSpPr>
+      <p:sp>
+        <p:nvSpPr>
+          <p:cNvPr id="248" name="Google Shape;248;p37"/>
+          <p:cNvSpPr txBox="1">
+            <a:spLocks noGrp="1"/>
+          </p:cNvSpPr>
+          <p:nvPr>
+            <p:ph type="title"/>
+          </p:nvPr>
+        </p:nvSpPr>
+        <p:spPr>
+          <a:xfrm>
+            <a:off x="533400" y="3962400"/>
+            <a:ext cx="7772400" cy="1362075"/>
+          </a:xfrm>
+          <a:prstGeom prst="rect">
+            <a:avLst/>
+          </a:prstGeom>
+          <a:noFill/>
+          <a:ln>
+            <a:noFill/>
+          </a:ln>
+        </p:spPr>
+        <p:txBody>
+          <a:bodyPr spcFirstLastPara="1" wrap="square" lIns="91425" tIns="45700" rIns="91425" bIns="45700" anchor="t" anchorCtr="0">
+            <a:noAutofit/>
+          </a:bodyPr>
+          <a:lstStyle/>
+          <a:p>
+            <a:pPr marL="0" lvl="0" indent="0" algn="ctr" rtl="0">
+              <a:lnSpc>
+                <a:spcPct val="90000"/>
+              </a:lnSpc>
+              <a:spcBef>
+                <a:spcPts val="0"/>
+              </a:spcBef>
+              <a:spcAft>
+                <a:spcPts val="0"/>
+              </a:spcAft>
+              <a:buClr>
+                <a:schemeClr val="dk1"/>
+              </a:buClr>
+              <a:buSzPts val="4000"/>
+              <a:buFont typeface="Calibri"/>
+              <a:buNone/>
+            </a:pPr>
+            <a:r>
+              <a:rPr lang="en-US" sz="4000" b="1" i="0" u="none">
+                <a:solidFill>
+                  <a:schemeClr val="dk1"/>
+                </a:solidFill>
+                <a:latin typeface="Calibri"/>
+                <a:ea typeface="Calibri"/>
+                <a:cs typeface="Calibri"/>
+                <a:sym typeface="Calibri"/>
+              </a:rPr>
+              <a:t>Thank you</a:t>
+            </a:r>
+            <a:endParaRPr/>
+          </a:p>
+        </p:txBody>
+      </p:sp>
+    </p:spTree>
+    <p:extLst>
+      <p:ext uri="{BB962C8B-B14F-4D97-AF65-F5344CB8AC3E}">
+        <p14:creationId xmlns:p14="http://schemas.microsoft.com/office/powerpoint/2010/main" val="4078758222"/>
       </p:ext>
     </p:extLst>
   </p:cSld>
